--- a/Team_3_Air_Travel_Weather_Satisfaction.pptx
+++ b/Team_3_Air_Travel_Weather_Satisfaction.pptx
@@ -7,9 +7,11 @@
   <p:sldIdLst>
     <p:sldId id="256" r:id="rId2"/>
     <p:sldId id="257" r:id="rId3"/>
-    <p:sldId id="259" r:id="rId4"/>
+    <p:sldId id="262" r:id="rId4"/>
     <p:sldId id="260" r:id="rId5"/>
     <p:sldId id="261" r:id="rId6"/>
+    <p:sldId id="263" r:id="rId7"/>
+    <p:sldId id="259" r:id="rId8"/>
   </p:sldIdLst>
   <p:sldSz cx="12192000" cy="6858000"/>
   <p:notesSz cx="6858000" cy="9144000"/>
@@ -108,7 +110,143 @@
       </a:defRPr>
     </a:lvl9pPr>
   </p:defaultTextStyle>
+  <p:extLst>
+    <p:ext uri="{EFAFB233-063F-42B5-8137-9DF3F51BA10A}">
+      <p15:sldGuideLst xmlns:p15="http://schemas.microsoft.com/office/powerpoint/2012/main"/>
+    </p:ext>
+  </p:extLst>
 </p:presentation>
+</file>
+
+<file path=ppt/revisionInfo.xml><?xml version="1.0" encoding="utf-8"?>
+<p1510:revInfo xmlns:a="http://schemas.openxmlformats.org/drawingml/2006/main" xmlns:r="http://schemas.openxmlformats.org/officeDocument/2006/relationships" xmlns:p1510="http://schemas.microsoft.com/office/powerpoint/2015/10/main">
+  <p1510:revLst>
+    <p1510:client id="{43E20478-7581-4DD6-9A41-2D114A35964C}" v="3" dt="2023-02-09T00:41:47.116"/>
+  </p1510:revLst>
+</p1510:revInfo>
+</file>
+
+<file path=ppt/changesInfos/changesInfo1.xml><?xml version="1.0" encoding="utf-8"?>
+<pc:chgInfo xmlns:a="http://schemas.openxmlformats.org/drawingml/2006/main" xmlns:r="http://schemas.openxmlformats.org/officeDocument/2006/relationships" xmlns:ac="http://schemas.microsoft.com/office/drawing/2013/main/command" xmlns:pc="http://schemas.microsoft.com/office/powerpoint/2013/main/command">
+  <pc:docChgLst>
+    <pc:chgData name="Calogera McCormick" userId="e0a4c6cb4146cbe1" providerId="LiveId" clId="{43E20478-7581-4DD6-9A41-2D114A35964C}"/>
+    <pc:docChg chg="undo custSel addSld modSld sldOrd">
+      <pc:chgData name="Calogera McCormick" userId="e0a4c6cb4146cbe1" providerId="LiveId" clId="{43E20478-7581-4DD6-9A41-2D114A35964C}" dt="2023-02-09T00:51:35.706" v="382" actId="14100"/>
+      <pc:docMkLst>
+        <pc:docMk/>
+      </pc:docMkLst>
+      <pc:sldChg chg="modSp mod ord">
+        <pc:chgData name="Calogera McCormick" userId="e0a4c6cb4146cbe1" providerId="LiveId" clId="{43E20478-7581-4DD6-9A41-2D114A35964C}" dt="2023-02-09T00:22:12.939" v="44"/>
+        <pc:sldMkLst>
+          <pc:docMk/>
+          <pc:sldMk cId="3888379860" sldId="259"/>
+        </pc:sldMkLst>
+        <pc:spChg chg="mod">
+          <ac:chgData name="Calogera McCormick" userId="e0a4c6cb4146cbe1" providerId="LiveId" clId="{43E20478-7581-4DD6-9A41-2D114A35964C}" dt="2023-02-09T00:22:09.198" v="42" actId="20577"/>
+          <ac:spMkLst>
+            <pc:docMk/>
+            <pc:sldMk cId="3888379860" sldId="259"/>
+            <ac:spMk id="2" creationId="{6B71CA7C-003A-B037-99AA-E1DA60DFC956}"/>
+          </ac:spMkLst>
+        </pc:spChg>
+      </pc:sldChg>
+      <pc:sldChg chg="modSp add mod">
+        <pc:chgData name="Calogera McCormick" userId="e0a4c6cb4146cbe1" providerId="LiveId" clId="{43E20478-7581-4DD6-9A41-2D114A35964C}" dt="2023-02-09T00:51:35.706" v="382" actId="14100"/>
+        <pc:sldMkLst>
+          <pc:docMk/>
+          <pc:sldMk cId="1813607599" sldId="262"/>
+        </pc:sldMkLst>
+        <pc:spChg chg="mod">
+          <ac:chgData name="Calogera McCormick" userId="e0a4c6cb4146cbe1" providerId="LiveId" clId="{43E20478-7581-4DD6-9A41-2D114A35964C}" dt="2023-02-09T00:14:43.593" v="10" actId="20577"/>
+          <ac:spMkLst>
+            <pc:docMk/>
+            <pc:sldMk cId="1813607599" sldId="262"/>
+            <ac:spMk id="2" creationId="{6B71CA7C-003A-B037-99AA-E1DA60DFC956}"/>
+          </ac:spMkLst>
+        </pc:spChg>
+        <pc:graphicFrameChg chg="mod modGraphic">
+          <ac:chgData name="Calogera McCormick" userId="e0a4c6cb4146cbe1" providerId="LiveId" clId="{43E20478-7581-4DD6-9A41-2D114A35964C}" dt="2023-02-09T00:51:35.706" v="382" actId="14100"/>
+          <ac:graphicFrameMkLst>
+            <pc:docMk/>
+            <pc:sldMk cId="1813607599" sldId="262"/>
+            <ac:graphicFrameMk id="4" creationId="{67DA790B-E211-3446-1EBD-9A0474C6C202}"/>
+          </ac:graphicFrameMkLst>
+        </pc:graphicFrameChg>
+      </pc:sldChg>
+      <pc:sldChg chg="addSp delSp modSp new mod setBg modClrScheme chgLayout">
+        <pc:chgData name="Calogera McCormick" userId="e0a4c6cb4146cbe1" providerId="LiveId" clId="{43E20478-7581-4DD6-9A41-2D114A35964C}" dt="2023-02-09T00:22:38.837" v="53" actId="26606"/>
+        <pc:sldMkLst>
+          <pc:docMk/>
+          <pc:sldMk cId="3138133500" sldId="263"/>
+        </pc:sldMkLst>
+        <pc:spChg chg="del mod ord">
+          <ac:chgData name="Calogera McCormick" userId="e0a4c6cb4146cbe1" providerId="LiveId" clId="{43E20478-7581-4DD6-9A41-2D114A35964C}" dt="2023-02-09T00:22:26.681" v="46" actId="700"/>
+          <ac:spMkLst>
+            <pc:docMk/>
+            <pc:sldMk cId="3138133500" sldId="263"/>
+            <ac:spMk id="2" creationId="{C211F0FA-D5A5-113D-94EC-E48869922B82}"/>
+          </ac:spMkLst>
+        </pc:spChg>
+        <pc:spChg chg="del mod ord">
+          <ac:chgData name="Calogera McCormick" userId="e0a4c6cb4146cbe1" providerId="LiveId" clId="{43E20478-7581-4DD6-9A41-2D114A35964C}" dt="2023-02-09T00:22:26.681" v="46" actId="700"/>
+          <ac:spMkLst>
+            <pc:docMk/>
+            <pc:sldMk cId="3138133500" sldId="263"/>
+            <ac:spMk id="3" creationId="{3B9A0381-2424-D606-F02A-F871CB3BE2B3}"/>
+          </ac:spMkLst>
+        </pc:spChg>
+        <pc:spChg chg="add mod ord">
+          <ac:chgData name="Calogera McCormick" userId="e0a4c6cb4146cbe1" providerId="LiveId" clId="{43E20478-7581-4DD6-9A41-2D114A35964C}" dt="2023-02-09T00:22:38.837" v="53" actId="26606"/>
+          <ac:spMkLst>
+            <pc:docMk/>
+            <pc:sldMk cId="3138133500" sldId="263"/>
+            <ac:spMk id="4" creationId="{7D81827A-A814-0C1E-2A0D-3D112A65A379}"/>
+          </ac:spMkLst>
+        </pc:spChg>
+        <pc:spChg chg="add mod ord">
+          <ac:chgData name="Calogera McCormick" userId="e0a4c6cb4146cbe1" providerId="LiveId" clId="{43E20478-7581-4DD6-9A41-2D114A35964C}" dt="2023-02-09T00:22:38.837" v="53" actId="26606"/>
+          <ac:spMkLst>
+            <pc:docMk/>
+            <pc:sldMk cId="3138133500" sldId="263"/>
+            <ac:spMk id="5" creationId="{DB967F1F-10A1-2263-CDDF-107EAEA067E6}"/>
+          </ac:spMkLst>
+        </pc:spChg>
+        <pc:grpChg chg="add">
+          <ac:chgData name="Calogera McCormick" userId="e0a4c6cb4146cbe1" providerId="LiveId" clId="{43E20478-7581-4DD6-9A41-2D114A35964C}" dt="2023-02-09T00:22:38.837" v="53" actId="26606"/>
+          <ac:grpSpMkLst>
+            <pc:docMk/>
+            <pc:sldMk cId="3138133500" sldId="263"/>
+            <ac:grpSpMk id="11" creationId="{1351B104-9B78-4A2B-B970-FA8ABE1CE12D}"/>
+          </ac:grpSpMkLst>
+        </pc:grpChg>
+        <pc:grpChg chg="add">
+          <ac:chgData name="Calogera McCormick" userId="e0a4c6cb4146cbe1" providerId="LiveId" clId="{43E20478-7581-4DD6-9A41-2D114A35964C}" dt="2023-02-09T00:22:38.837" v="53" actId="26606"/>
+          <ac:grpSpMkLst>
+            <pc:docMk/>
+            <pc:sldMk cId="3138133500" sldId="263"/>
+            <ac:grpSpMk id="15" creationId="{D4116A08-770E-4DC3-AAB6-E3E8E6CEC832}"/>
+          </ac:grpSpMkLst>
+        </pc:grpChg>
+        <pc:grpChg chg="add">
+          <ac:chgData name="Calogera McCormick" userId="e0a4c6cb4146cbe1" providerId="LiveId" clId="{43E20478-7581-4DD6-9A41-2D114A35964C}" dt="2023-02-09T00:22:38.837" v="53" actId="26606"/>
+          <ac:grpSpMkLst>
+            <pc:docMk/>
+            <pc:sldMk cId="3138133500" sldId="263"/>
+            <ac:grpSpMk id="71" creationId="{77EB1C59-16D1-4C5E-9775-50CB40E022FE}"/>
+          </ac:grpSpMkLst>
+        </pc:grpChg>
+        <pc:picChg chg="add">
+          <ac:chgData name="Calogera McCormick" userId="e0a4c6cb4146cbe1" providerId="LiveId" clId="{43E20478-7581-4DD6-9A41-2D114A35964C}" dt="2023-02-09T00:22:38.837" v="53" actId="26606"/>
+          <ac:picMkLst>
+            <pc:docMk/>
+            <pc:sldMk cId="3138133500" sldId="263"/>
+            <ac:picMk id="7" creationId="{A4BE3D2D-B86E-8A1F-39B0-A02F97E1346C}"/>
+          </ac:picMkLst>
+        </pc:picChg>
+      </pc:sldChg>
+    </pc:docChg>
+  </pc:docChgLst>
+</pc:chgInfo>
 </file>
 
 <file path=ppt/slideLayouts/slideLayout1.xml><?xml version="1.0" encoding="utf-8"?>
@@ -161,7 +299,7 @@
           <a:noFill/>
           <a:extLst>
             <a:ext uri="{909E8E84-426E-40dd-AFC4-6F175D3DCCD1}">
-              <a14:hiddenFill xmlns:a14="http://schemas.microsoft.com/office/drawing/2010/main" xmlns="">
+              <a14:hiddenFill xmlns="" xmlns:a14="http://schemas.microsoft.com/office/drawing/2010/main">
                 <a:solidFill>
                   <a:srgbClr val="FFFFFF"/>
                 </a:solidFill>
@@ -221,7 +359,7 @@
             </a:ln>
             <a:extLst>
               <a:ext uri="{91240B29-F687-4f45-9708-019B960494DF}">
-                <a14:hiddenLine xmlns:a14="http://schemas.microsoft.com/office/drawing/2010/main" xmlns="" w="9525">
+                <a14:hiddenLine xmlns="" xmlns:a14="http://schemas.microsoft.com/office/drawing/2010/main" w="9525">
                   <a:solidFill>
                     <a:srgbClr val="000000"/>
                   </a:solidFill>
@@ -311,7 +449,7 @@
             </a:ln>
             <a:extLst>
               <a:ext uri="{91240B29-F687-4f45-9708-019B960494DF}">
-                <a14:hiddenLine xmlns:a14="http://schemas.microsoft.com/office/drawing/2010/main" xmlns="" w="9525">
+                <a14:hiddenLine xmlns="" xmlns:a14="http://schemas.microsoft.com/office/drawing/2010/main" w="9525">
                   <a:solidFill>
                     <a:srgbClr val="000000"/>
                   </a:solidFill>
@@ -401,7 +539,7 @@
             </a:ln>
             <a:extLst>
               <a:ext uri="{91240B29-F687-4f45-9708-019B960494DF}">
-                <a14:hiddenLine xmlns:a14="http://schemas.microsoft.com/office/drawing/2010/main" xmlns="" w="9525">
+                <a14:hiddenLine xmlns="" xmlns:a14="http://schemas.microsoft.com/office/drawing/2010/main" w="9525">
                   <a:solidFill>
                     <a:srgbClr val="000000"/>
                   </a:solidFill>
@@ -435,7 +573,7 @@
             </a:ln>
             <a:extLst>
               <a:ext uri="{91240B29-F687-4f45-9708-019B960494DF}">
-                <a14:hiddenLine xmlns:a14="http://schemas.microsoft.com/office/drawing/2010/main" xmlns="" w="9525">
+                <a14:hiddenLine xmlns="" xmlns:a14="http://schemas.microsoft.com/office/drawing/2010/main" w="9525">
                   <a:solidFill>
                     <a:srgbClr val="000000"/>
                   </a:solidFill>
@@ -525,7 +663,7 @@
             </a:ln>
             <a:extLst>
               <a:ext uri="{91240B29-F687-4f45-9708-019B960494DF}">
-                <a14:hiddenLine xmlns:a14="http://schemas.microsoft.com/office/drawing/2010/main" xmlns="" w="9525">
+                <a14:hiddenLine xmlns="" xmlns:a14="http://schemas.microsoft.com/office/drawing/2010/main" w="9525">
                   <a:solidFill>
                     <a:srgbClr val="000000"/>
                   </a:solidFill>
@@ -587,7 +725,7 @@
             </a:ln>
             <a:extLst>
               <a:ext uri="{91240B29-F687-4f45-9708-019B960494DF}">
-                <a14:hiddenLine xmlns:a14="http://schemas.microsoft.com/office/drawing/2010/main" xmlns="" w="9525">
+                <a14:hiddenLine xmlns="" xmlns:a14="http://schemas.microsoft.com/office/drawing/2010/main" w="9525">
                   <a:solidFill>
                     <a:srgbClr val="000000"/>
                   </a:solidFill>
@@ -649,7 +787,7 @@
             </a:ln>
             <a:extLst>
               <a:ext uri="{91240B29-F687-4f45-9708-019B960494DF}">
-                <a14:hiddenLine xmlns:a14="http://schemas.microsoft.com/office/drawing/2010/main" xmlns="" w="9525">
+                <a14:hiddenLine xmlns="" xmlns:a14="http://schemas.microsoft.com/office/drawing/2010/main" w="9525">
                   <a:solidFill>
                     <a:srgbClr val="000000"/>
                   </a:solidFill>
@@ -739,7 +877,7 @@
             </a:ln>
             <a:extLst>
               <a:ext uri="{91240B29-F687-4f45-9708-019B960494DF}">
-                <a14:hiddenLine xmlns:a14="http://schemas.microsoft.com/office/drawing/2010/main" xmlns="" w="9525">
+                <a14:hiddenLine xmlns="" xmlns:a14="http://schemas.microsoft.com/office/drawing/2010/main" w="9525">
                   <a:solidFill>
                     <a:srgbClr val="000000"/>
                   </a:solidFill>
@@ -801,7 +939,7 @@
             </a:ln>
             <a:extLst>
               <a:ext uri="{91240B29-F687-4f45-9708-019B960494DF}">
-                <a14:hiddenLine xmlns:a14="http://schemas.microsoft.com/office/drawing/2010/main" xmlns="" w="9525">
+                <a14:hiddenLine xmlns="" xmlns:a14="http://schemas.microsoft.com/office/drawing/2010/main" w="9525">
                   <a:solidFill>
                     <a:srgbClr val="000000"/>
                   </a:solidFill>
@@ -863,7 +1001,7 @@
             </a:ln>
             <a:extLst>
               <a:ext uri="{91240B29-F687-4f45-9708-019B960494DF}">
-                <a14:hiddenLine xmlns:a14="http://schemas.microsoft.com/office/drawing/2010/main" xmlns="" w="9525">
+                <a14:hiddenLine xmlns="" xmlns:a14="http://schemas.microsoft.com/office/drawing/2010/main" w="9525">
                   <a:solidFill>
                     <a:srgbClr val="000000"/>
                   </a:solidFill>
@@ -953,7 +1091,7 @@
             </a:ln>
             <a:extLst>
               <a:ext uri="{91240B29-F687-4f45-9708-019B960494DF}">
-                <a14:hiddenLine xmlns:a14="http://schemas.microsoft.com/office/drawing/2010/main" xmlns="" w="9525">
+                <a14:hiddenLine xmlns="" xmlns:a14="http://schemas.microsoft.com/office/drawing/2010/main" w="9525">
                   <a:solidFill>
                     <a:srgbClr val="000000"/>
                   </a:solidFill>
@@ -1043,7 +1181,7 @@
             </a:ln>
             <a:extLst>
               <a:ext uri="{91240B29-F687-4f45-9708-019B960494DF}">
-                <a14:hiddenLine xmlns:a14="http://schemas.microsoft.com/office/drawing/2010/main" xmlns="" w="9525">
+                <a14:hiddenLine xmlns="" xmlns:a14="http://schemas.microsoft.com/office/drawing/2010/main" w="9525">
                   <a:solidFill>
                     <a:srgbClr val="000000"/>
                   </a:solidFill>
@@ -1105,7 +1243,7 @@
             </a:ln>
             <a:extLst>
               <a:ext uri="{91240B29-F687-4f45-9708-019B960494DF}">
-                <a14:hiddenLine xmlns:a14="http://schemas.microsoft.com/office/drawing/2010/main" xmlns="" w="9525">
+                <a14:hiddenLine xmlns="" xmlns:a14="http://schemas.microsoft.com/office/drawing/2010/main" w="9525">
                   <a:solidFill>
                     <a:srgbClr val="000000"/>
                   </a:solidFill>
@@ -1215,7 +1353,7 @@
             </a:ln>
             <a:extLst>
               <a:ext uri="{91240B29-F687-4f45-9708-019B960494DF}">
-                <a14:hiddenLine xmlns:a14="http://schemas.microsoft.com/office/drawing/2010/main" xmlns="" w="9525">
+                <a14:hiddenLine xmlns="" xmlns:a14="http://schemas.microsoft.com/office/drawing/2010/main" w="9525">
                   <a:solidFill>
                     <a:srgbClr val="000000"/>
                   </a:solidFill>
@@ -1277,7 +1415,7 @@
             </a:ln>
             <a:extLst>
               <a:ext uri="{91240B29-F687-4f45-9708-019B960494DF}">
-                <a14:hiddenLine xmlns:a14="http://schemas.microsoft.com/office/drawing/2010/main" xmlns="" w="9525">
+                <a14:hiddenLine xmlns="" xmlns:a14="http://schemas.microsoft.com/office/drawing/2010/main" w="9525">
                   <a:solidFill>
                     <a:srgbClr val="000000"/>
                   </a:solidFill>
@@ -1367,7 +1505,7 @@
             </a:ln>
             <a:extLst>
               <a:ext uri="{91240B29-F687-4f45-9708-019B960494DF}">
-                <a14:hiddenLine xmlns:a14="http://schemas.microsoft.com/office/drawing/2010/main" xmlns="" w="9525">
+                <a14:hiddenLine xmlns="" xmlns:a14="http://schemas.microsoft.com/office/drawing/2010/main" w="9525">
                   <a:solidFill>
                     <a:srgbClr val="000000"/>
                   </a:solidFill>
@@ -1457,7 +1595,7 @@
             </a:ln>
             <a:extLst>
               <a:ext uri="{91240B29-F687-4f45-9708-019B960494DF}">
-                <a14:hiddenLine xmlns:a14="http://schemas.microsoft.com/office/drawing/2010/main" xmlns="" w="9525">
+                <a14:hiddenLine xmlns="" xmlns:a14="http://schemas.microsoft.com/office/drawing/2010/main" w="9525">
                   <a:solidFill>
                     <a:srgbClr val="000000"/>
                   </a:solidFill>
@@ -1519,7 +1657,7 @@
             </a:ln>
             <a:extLst>
               <a:ext uri="{91240B29-F687-4f45-9708-019B960494DF}">
-                <a14:hiddenLine xmlns:a14="http://schemas.microsoft.com/office/drawing/2010/main" xmlns="" w="9525">
+                <a14:hiddenLine xmlns="" xmlns:a14="http://schemas.microsoft.com/office/drawing/2010/main" w="9525">
                   <a:solidFill>
                     <a:srgbClr val="000000"/>
                   </a:solidFill>
@@ -1609,7 +1747,7 @@
             </a:ln>
             <a:extLst>
               <a:ext uri="{91240B29-F687-4f45-9708-019B960494DF}">
-                <a14:hiddenLine xmlns:a14="http://schemas.microsoft.com/office/drawing/2010/main" xmlns="" w="9525">
+                <a14:hiddenLine xmlns="" xmlns:a14="http://schemas.microsoft.com/office/drawing/2010/main" w="9525">
                   <a:solidFill>
                     <a:srgbClr val="000000"/>
                   </a:solidFill>
@@ -1699,7 +1837,7 @@
             </a:ln>
             <a:extLst>
               <a:ext uri="{91240B29-F687-4f45-9708-019B960494DF}">
-                <a14:hiddenLine xmlns:a14="http://schemas.microsoft.com/office/drawing/2010/main" xmlns="" w="9525">
+                <a14:hiddenLine xmlns="" xmlns:a14="http://schemas.microsoft.com/office/drawing/2010/main" w="9525">
                   <a:solidFill>
                     <a:srgbClr val="000000"/>
                   </a:solidFill>
@@ -1755,7 +1893,7 @@
             </a:ln>
             <a:extLst>
               <a:ext uri="{91240B29-F687-4f45-9708-019B960494DF}">
-                <a14:hiddenLine xmlns:a14="http://schemas.microsoft.com/office/drawing/2010/main" xmlns="" w="9525">
+                <a14:hiddenLine xmlns="" xmlns:a14="http://schemas.microsoft.com/office/drawing/2010/main" w="9525">
                   <a:solidFill>
                     <a:srgbClr val="000000"/>
                   </a:solidFill>
@@ -1845,7 +1983,7 @@
             </a:ln>
             <a:extLst>
               <a:ext uri="{91240B29-F687-4f45-9708-019B960494DF}">
-                <a14:hiddenLine xmlns:a14="http://schemas.microsoft.com/office/drawing/2010/main" xmlns="" w="9525">
+                <a14:hiddenLine xmlns="" xmlns:a14="http://schemas.microsoft.com/office/drawing/2010/main" w="9525">
                   <a:solidFill>
                     <a:srgbClr val="000000"/>
                   </a:solidFill>
@@ -1901,7 +2039,7 @@
             </a:ln>
             <a:extLst>
               <a:ext uri="{91240B29-F687-4f45-9708-019B960494DF}">
-                <a14:hiddenLine xmlns:a14="http://schemas.microsoft.com/office/drawing/2010/main" xmlns="" w="9525">
+                <a14:hiddenLine xmlns="" xmlns:a14="http://schemas.microsoft.com/office/drawing/2010/main" w="9525">
                   <a:solidFill>
                     <a:srgbClr val="000000"/>
                   </a:solidFill>
@@ -1991,7 +2129,7 @@
             </a:ln>
             <a:extLst>
               <a:ext uri="{91240B29-F687-4f45-9708-019B960494DF}">
-                <a14:hiddenLine xmlns:a14="http://schemas.microsoft.com/office/drawing/2010/main" xmlns="" w="9525">
+                <a14:hiddenLine xmlns="" xmlns:a14="http://schemas.microsoft.com/office/drawing/2010/main" w="9525">
                   <a:solidFill>
                     <a:srgbClr val="000000"/>
                   </a:solidFill>
@@ -2059,7 +2197,7 @@
             </a:ln>
             <a:extLst>
               <a:ext uri="{91240B29-F687-4f45-9708-019B960494DF}">
-                <a14:hiddenLine xmlns:a14="http://schemas.microsoft.com/office/drawing/2010/main" xmlns="" w="9525">
+                <a14:hiddenLine xmlns="" xmlns:a14="http://schemas.microsoft.com/office/drawing/2010/main" w="9525">
                   <a:solidFill>
                     <a:srgbClr val="000000"/>
                   </a:solidFill>
@@ -2149,7 +2287,7 @@
             </a:ln>
             <a:extLst>
               <a:ext uri="{91240B29-F687-4f45-9708-019B960494DF}">
-                <a14:hiddenLine xmlns:a14="http://schemas.microsoft.com/office/drawing/2010/main" xmlns="" w="9525">
+                <a14:hiddenLine xmlns="" xmlns:a14="http://schemas.microsoft.com/office/drawing/2010/main" w="9525">
                   <a:solidFill>
                     <a:srgbClr val="000000"/>
                   </a:solidFill>
@@ -2217,7 +2355,7 @@
             </a:ln>
             <a:extLst>
               <a:ext uri="{91240B29-F687-4f45-9708-019B960494DF}">
-                <a14:hiddenLine xmlns:a14="http://schemas.microsoft.com/office/drawing/2010/main" xmlns="" w="9525">
+                <a14:hiddenLine xmlns="" xmlns:a14="http://schemas.microsoft.com/office/drawing/2010/main" w="9525">
                   <a:solidFill>
                     <a:srgbClr val="000000"/>
                   </a:solidFill>
@@ -2307,7 +2445,7 @@
             </a:ln>
             <a:extLst>
               <a:ext uri="{91240B29-F687-4f45-9708-019B960494DF}">
-                <a14:hiddenLine xmlns:a14="http://schemas.microsoft.com/office/drawing/2010/main" xmlns="" w="9525">
+                <a14:hiddenLine xmlns="" xmlns:a14="http://schemas.microsoft.com/office/drawing/2010/main" w="9525">
                   <a:solidFill>
                     <a:srgbClr val="000000"/>
                   </a:solidFill>
@@ -2341,7 +2479,7 @@
             </a:ln>
             <a:extLst>
               <a:ext uri="{91240B29-F687-4f45-9708-019B960494DF}">
-                <a14:hiddenLine xmlns:a14="http://schemas.microsoft.com/office/drawing/2010/main" xmlns="" w="9525">
+                <a14:hiddenLine xmlns="" xmlns:a14="http://schemas.microsoft.com/office/drawing/2010/main" w="9525">
                   <a:solidFill>
                     <a:srgbClr val="000000"/>
                   </a:solidFill>
@@ -2431,7 +2569,7 @@
             </a:ln>
             <a:extLst>
               <a:ext uri="{91240B29-F687-4f45-9708-019B960494DF}">
-                <a14:hiddenLine xmlns:a14="http://schemas.microsoft.com/office/drawing/2010/main" xmlns="" w="9525">
+                <a14:hiddenLine xmlns="" xmlns:a14="http://schemas.microsoft.com/office/drawing/2010/main" w="9525">
                   <a:solidFill>
                     <a:srgbClr val="000000"/>
                   </a:solidFill>
@@ -2493,7 +2631,7 @@
             </a:ln>
             <a:extLst>
               <a:ext uri="{91240B29-F687-4f45-9708-019B960494DF}">
-                <a14:hiddenLine xmlns:a14="http://schemas.microsoft.com/office/drawing/2010/main" xmlns="" w="9525">
+                <a14:hiddenLine xmlns="" xmlns:a14="http://schemas.microsoft.com/office/drawing/2010/main" w="9525">
                   <a:solidFill>
                     <a:srgbClr val="000000"/>
                   </a:solidFill>
@@ -2555,7 +2693,7 @@
             </a:ln>
             <a:extLst>
               <a:ext uri="{91240B29-F687-4f45-9708-019B960494DF}">
-                <a14:hiddenLine xmlns:a14="http://schemas.microsoft.com/office/drawing/2010/main" xmlns="" w="9525">
+                <a14:hiddenLine xmlns="" xmlns:a14="http://schemas.microsoft.com/office/drawing/2010/main" w="9525">
                   <a:solidFill>
                     <a:srgbClr val="000000"/>
                   </a:solidFill>
@@ -2645,7 +2783,7 @@
             </a:ln>
             <a:extLst>
               <a:ext uri="{91240B29-F687-4f45-9708-019B960494DF}">
-                <a14:hiddenLine xmlns:a14="http://schemas.microsoft.com/office/drawing/2010/main" xmlns="" w="9525">
+                <a14:hiddenLine xmlns="" xmlns:a14="http://schemas.microsoft.com/office/drawing/2010/main" w="9525">
                   <a:solidFill>
                     <a:srgbClr val="000000"/>
                   </a:solidFill>
@@ -2713,7 +2851,7 @@
             </a:ln>
             <a:extLst>
               <a:ext uri="{91240B29-F687-4f45-9708-019B960494DF}">
-                <a14:hiddenLine xmlns:a14="http://schemas.microsoft.com/office/drawing/2010/main" xmlns="" w="9525">
+                <a14:hiddenLine xmlns="" xmlns:a14="http://schemas.microsoft.com/office/drawing/2010/main" w="9525">
                   <a:solidFill>
                     <a:srgbClr val="000000"/>
                   </a:solidFill>
@@ -2775,7 +2913,7 @@
             </a:ln>
             <a:extLst>
               <a:ext uri="{91240B29-F687-4f45-9708-019B960494DF}">
-                <a14:hiddenLine xmlns:a14="http://schemas.microsoft.com/office/drawing/2010/main" xmlns="" w="9525">
+                <a14:hiddenLine xmlns="" xmlns:a14="http://schemas.microsoft.com/office/drawing/2010/main" w="9525">
                   <a:solidFill>
                     <a:srgbClr val="000000"/>
                   </a:solidFill>
@@ -2865,7 +3003,7 @@
             </a:ln>
             <a:extLst>
               <a:ext uri="{91240B29-F687-4f45-9708-019B960494DF}">
-                <a14:hiddenLine xmlns:a14="http://schemas.microsoft.com/office/drawing/2010/main" xmlns="" w="9525">
+                <a14:hiddenLine xmlns="" xmlns:a14="http://schemas.microsoft.com/office/drawing/2010/main" w="9525">
                   <a:solidFill>
                     <a:srgbClr val="000000"/>
                   </a:solidFill>
@@ -2927,7 +3065,7 @@
             </a:ln>
             <a:extLst>
               <a:ext uri="{91240B29-F687-4f45-9708-019B960494DF}">
-                <a14:hiddenLine xmlns:a14="http://schemas.microsoft.com/office/drawing/2010/main" xmlns="" w="9525">
+                <a14:hiddenLine xmlns="" xmlns:a14="http://schemas.microsoft.com/office/drawing/2010/main" w="9525">
                   <a:solidFill>
                     <a:srgbClr val="000000"/>
                   </a:solidFill>
@@ -3017,7 +3155,7 @@
             </a:ln>
             <a:extLst>
               <a:ext uri="{91240B29-F687-4f45-9708-019B960494DF}">
-                <a14:hiddenLine xmlns:a14="http://schemas.microsoft.com/office/drawing/2010/main" xmlns="" w="9525">
+                <a14:hiddenLine xmlns="" xmlns:a14="http://schemas.microsoft.com/office/drawing/2010/main" w="9525">
                   <a:solidFill>
                     <a:srgbClr val="000000"/>
                   </a:solidFill>
@@ -3079,7 +3217,7 @@
             </a:ln>
             <a:extLst>
               <a:ext uri="{91240B29-F687-4f45-9708-019B960494DF}">
-                <a14:hiddenLine xmlns:a14="http://schemas.microsoft.com/office/drawing/2010/main" xmlns="" w="9525">
+                <a14:hiddenLine xmlns="" xmlns:a14="http://schemas.microsoft.com/office/drawing/2010/main" w="9525">
                   <a:solidFill>
                     <a:srgbClr val="000000"/>
                   </a:solidFill>
@@ -3169,7 +3307,7 @@
             </a:ln>
             <a:extLst>
               <a:ext uri="{91240B29-F687-4f45-9708-019B960494DF}">
-                <a14:hiddenLine xmlns:a14="http://schemas.microsoft.com/office/drawing/2010/main" xmlns="" w="9525">
+                <a14:hiddenLine xmlns="" xmlns:a14="http://schemas.microsoft.com/office/drawing/2010/main" w="9525">
                   <a:solidFill>
                     <a:srgbClr val="000000"/>
                   </a:solidFill>
@@ -3203,7 +3341,7 @@
             </a:ln>
             <a:extLst>
               <a:ext uri="{91240B29-F687-4f45-9708-019B960494DF}">
-                <a14:hiddenLine xmlns:a14="http://schemas.microsoft.com/office/drawing/2010/main" xmlns="" w="9525">
+                <a14:hiddenLine xmlns="" xmlns:a14="http://schemas.microsoft.com/office/drawing/2010/main" w="9525">
                   <a:solidFill>
                     <a:srgbClr val="000000"/>
                   </a:solidFill>
@@ -3268,7 +3406,7 @@
             </a:ln>
             <a:extLst>
               <a:ext uri="{91240B29-F687-4f45-9708-019B960494DF}">
-                <a14:hiddenLine xmlns:a14="http://schemas.microsoft.com/office/drawing/2010/main" xmlns="" w="9525">
+                <a14:hiddenLine xmlns="" xmlns:a14="http://schemas.microsoft.com/office/drawing/2010/main" w="9525">
                   <a:solidFill>
                     <a:srgbClr val="000000"/>
                   </a:solidFill>
@@ -3358,7 +3496,7 @@
             </a:ln>
             <a:extLst>
               <a:ext uri="{91240B29-F687-4f45-9708-019B960494DF}">
-                <a14:hiddenLine xmlns:a14="http://schemas.microsoft.com/office/drawing/2010/main" xmlns="" w="9525">
+                <a14:hiddenLine xmlns="" xmlns:a14="http://schemas.microsoft.com/office/drawing/2010/main" w="9525">
                   <a:solidFill>
                     <a:srgbClr val="000000"/>
                   </a:solidFill>
@@ -3420,7 +3558,7 @@
             </a:ln>
             <a:extLst>
               <a:ext uri="{91240B29-F687-4f45-9708-019B960494DF}">
-                <a14:hiddenLine xmlns:a14="http://schemas.microsoft.com/office/drawing/2010/main" xmlns="" w="9525">
+                <a14:hiddenLine xmlns="" xmlns:a14="http://schemas.microsoft.com/office/drawing/2010/main" w="9525">
                   <a:solidFill>
                     <a:srgbClr val="000000"/>
                   </a:solidFill>
@@ -3510,7 +3648,7 @@
             </a:ln>
             <a:extLst>
               <a:ext uri="{91240B29-F687-4f45-9708-019B960494DF}">
-                <a14:hiddenLine xmlns:a14="http://schemas.microsoft.com/office/drawing/2010/main" xmlns="" w="9525">
+                <a14:hiddenLine xmlns="" xmlns:a14="http://schemas.microsoft.com/office/drawing/2010/main" w="9525">
                   <a:solidFill>
                     <a:srgbClr val="000000"/>
                   </a:solidFill>
@@ -3600,7 +3738,7 @@
             </a:ln>
             <a:extLst>
               <a:ext uri="{91240B29-F687-4f45-9708-019B960494DF}">
-                <a14:hiddenLine xmlns:a14="http://schemas.microsoft.com/office/drawing/2010/main" xmlns="" w="9525">
+                <a14:hiddenLine xmlns="" xmlns:a14="http://schemas.microsoft.com/office/drawing/2010/main" w="9525">
                   <a:solidFill>
                     <a:srgbClr val="000000"/>
                   </a:solidFill>
@@ -3665,7 +3803,7 @@
             </a:ln>
             <a:extLst>
               <a:ext uri="{91240B29-F687-4f45-9708-019B960494DF}">
-                <a14:hiddenLine xmlns:a14="http://schemas.microsoft.com/office/drawing/2010/main" xmlns="" w="9525">
+                <a14:hiddenLine xmlns="" xmlns:a14="http://schemas.microsoft.com/office/drawing/2010/main" w="9525">
                   <a:solidFill>
                     <a:srgbClr val="000000"/>
                   </a:solidFill>
@@ -3727,7 +3865,7 @@
             </a:ln>
             <a:extLst>
               <a:ext uri="{91240B29-F687-4f45-9708-019B960494DF}">
-                <a14:hiddenLine xmlns:a14="http://schemas.microsoft.com/office/drawing/2010/main" xmlns="" w="9525">
+                <a14:hiddenLine xmlns="" xmlns:a14="http://schemas.microsoft.com/office/drawing/2010/main" w="9525">
                   <a:solidFill>
                     <a:srgbClr val="000000"/>
                   </a:solidFill>
@@ -3817,7 +3955,7 @@
             </a:ln>
             <a:extLst>
               <a:ext uri="{91240B29-F687-4f45-9708-019B960494DF}">
-                <a14:hiddenLine xmlns:a14="http://schemas.microsoft.com/office/drawing/2010/main" xmlns="" w="9525">
+                <a14:hiddenLine xmlns="" xmlns:a14="http://schemas.microsoft.com/office/drawing/2010/main" w="9525">
                   <a:solidFill>
                     <a:srgbClr val="000000"/>
                   </a:solidFill>
@@ -3907,7 +4045,7 @@
             </a:ln>
             <a:extLst>
               <a:ext uri="{91240B29-F687-4f45-9708-019B960494DF}">
-                <a14:hiddenLine xmlns:a14="http://schemas.microsoft.com/office/drawing/2010/main" xmlns="" w="9525">
+                <a14:hiddenLine xmlns="" xmlns:a14="http://schemas.microsoft.com/office/drawing/2010/main" w="9525">
                   <a:solidFill>
                     <a:srgbClr val="000000"/>
                   </a:solidFill>
@@ -3969,7 +4107,7 @@
             </a:ln>
             <a:extLst>
               <a:ext uri="{91240B29-F687-4f45-9708-019B960494DF}">
-                <a14:hiddenLine xmlns:a14="http://schemas.microsoft.com/office/drawing/2010/main" xmlns="" w="9525">
+                <a14:hiddenLine xmlns="" xmlns:a14="http://schemas.microsoft.com/office/drawing/2010/main" w="9525">
                   <a:solidFill>
                     <a:srgbClr val="000000"/>
                   </a:solidFill>
@@ -4089,7 +4227,7 @@
             </a:ln>
             <a:extLst>
               <a:ext uri="{91240B29-F687-4f45-9708-019B960494DF}">
-                <a14:hiddenLine xmlns:a14="http://schemas.microsoft.com/office/drawing/2010/main" xmlns="" w="9525">
+                <a14:hiddenLine xmlns="" xmlns:a14="http://schemas.microsoft.com/office/drawing/2010/main" w="9525">
                   <a:solidFill>
                     <a:srgbClr val="000000"/>
                   </a:solidFill>
@@ -4157,7 +4295,7 @@
             </a:ln>
             <a:extLst>
               <a:ext uri="{91240B29-F687-4f45-9708-019B960494DF}">
-                <a14:hiddenLine xmlns:a14="http://schemas.microsoft.com/office/drawing/2010/main" xmlns="" w="9525">
+                <a14:hiddenLine xmlns="" xmlns:a14="http://schemas.microsoft.com/office/drawing/2010/main" w="9525">
                   <a:solidFill>
                     <a:srgbClr val="000000"/>
                   </a:solidFill>
@@ -4247,7 +4385,7 @@
             </a:ln>
             <a:extLst>
               <a:ext uri="{91240B29-F687-4f45-9708-019B960494DF}">
-                <a14:hiddenLine xmlns:a14="http://schemas.microsoft.com/office/drawing/2010/main" xmlns="" w="9525">
+                <a14:hiddenLine xmlns="" xmlns:a14="http://schemas.microsoft.com/office/drawing/2010/main" w="9525">
                   <a:solidFill>
                     <a:srgbClr val="000000"/>
                   </a:solidFill>
@@ -4387,7 +4525,7 @@
           <a:p>
             <a:fld id="{C21E9E10-B59A-4E9D-AF95-0F4C2023A7FB}" type="datetimeFigureOut">
               <a:rPr lang="en-US" smtClean="0"/>
-              <a:t>2/2/2023</a:t>
+              <a:t>2/8/2023</a:t>
             </a:fld>
             <a:endParaRPr lang="en-US"/>
           </a:p>
@@ -4654,7 +4792,7 @@
           <a:p>
             <a:fld id="{C21E9E10-B59A-4E9D-AF95-0F4C2023A7FB}" type="datetimeFigureOut">
               <a:rPr lang="en-US" smtClean="0"/>
-              <a:t>2/2/2023</a:t>
+              <a:t>2/8/2023</a:t>
             </a:fld>
             <a:endParaRPr lang="en-US"/>
           </a:p>
@@ -4850,7 +4988,7 @@
           <a:p>
             <a:fld id="{C21E9E10-B59A-4E9D-AF95-0F4C2023A7FB}" type="datetimeFigureOut">
               <a:rPr lang="en-US" smtClean="0"/>
-              <a:t>2/2/2023</a:t>
+              <a:t>2/8/2023</a:t>
             </a:fld>
             <a:endParaRPr lang="en-US"/>
           </a:p>
@@ -5113,7 +5251,7 @@
           <a:p>
             <a:fld id="{C21E9E10-B59A-4E9D-AF95-0F4C2023A7FB}" type="datetimeFigureOut">
               <a:rPr lang="en-US" smtClean="0"/>
-              <a:t>2/2/2023</a:t>
+              <a:t>2/8/2023</a:t>
             </a:fld>
             <a:endParaRPr lang="en-US"/>
           </a:p>
@@ -5547,7 +5685,7 @@
           <a:p>
             <a:fld id="{C21E9E10-B59A-4E9D-AF95-0F4C2023A7FB}" type="datetimeFigureOut">
               <a:rPr lang="en-US" smtClean="0"/>
-              <a:t>2/2/2023</a:t>
+              <a:t>2/8/2023</a:t>
             </a:fld>
             <a:endParaRPr lang="en-US"/>
           </a:p>
@@ -6093,7 +6231,7 @@
           <a:p>
             <a:fld id="{C21E9E10-B59A-4E9D-AF95-0F4C2023A7FB}" type="datetimeFigureOut">
               <a:rPr lang="en-US" smtClean="0"/>
-              <a:t>2/2/2023</a:t>
+              <a:t>2/8/2023</a:t>
             </a:fld>
             <a:endParaRPr lang="en-US"/>
           </a:p>
@@ -6813,7 +6951,7 @@
           <a:p>
             <a:fld id="{C21E9E10-B59A-4E9D-AF95-0F4C2023A7FB}" type="datetimeFigureOut">
               <a:rPr lang="en-US" smtClean="0"/>
-              <a:t>2/2/2023</a:t>
+              <a:t>2/8/2023</a:t>
             </a:fld>
             <a:endParaRPr lang="en-US"/>
           </a:p>
@@ -6983,7 +7121,7 @@
           <a:p>
             <a:fld id="{C21E9E10-B59A-4E9D-AF95-0F4C2023A7FB}" type="datetimeFigureOut">
               <a:rPr lang="en-US" smtClean="0"/>
-              <a:t>2/2/2023</a:t>
+              <a:t>2/8/2023</a:t>
             </a:fld>
             <a:endParaRPr lang="en-US"/>
           </a:p>
@@ -7163,7 +7301,7 @@
           <a:p>
             <a:fld id="{C21E9E10-B59A-4E9D-AF95-0F4C2023A7FB}" type="datetimeFigureOut">
               <a:rPr lang="en-US" smtClean="0"/>
-              <a:t>2/2/2023</a:t>
+              <a:t>2/8/2023</a:t>
             </a:fld>
             <a:endParaRPr lang="en-US"/>
           </a:p>
@@ -7333,7 +7471,7 @@
           <a:p>
             <a:fld id="{C21E9E10-B59A-4E9D-AF95-0F4C2023A7FB}" type="datetimeFigureOut">
               <a:rPr lang="en-US" smtClean="0"/>
-              <a:t>2/2/2023</a:t>
+              <a:t>2/8/2023</a:t>
             </a:fld>
             <a:endParaRPr lang="en-US"/>
           </a:p>
@@ -7583,7 +7721,7 @@
           <a:p>
             <a:fld id="{C21E9E10-B59A-4E9D-AF95-0F4C2023A7FB}" type="datetimeFigureOut">
               <a:rPr lang="en-US" smtClean="0"/>
-              <a:t>2/2/2023</a:t>
+              <a:t>2/8/2023</a:t>
             </a:fld>
             <a:endParaRPr lang="en-US"/>
           </a:p>
@@ -7815,7 +7953,7 @@
           <a:p>
             <a:fld id="{C21E9E10-B59A-4E9D-AF95-0F4C2023A7FB}" type="datetimeFigureOut">
               <a:rPr lang="en-US" smtClean="0"/>
-              <a:t>2/2/2023</a:t>
+              <a:t>2/8/2023</a:t>
             </a:fld>
             <a:endParaRPr lang="en-US"/>
           </a:p>
@@ -8196,7 +8334,7 @@
           <a:p>
             <a:fld id="{C21E9E10-B59A-4E9D-AF95-0F4C2023A7FB}" type="datetimeFigureOut">
               <a:rPr lang="en-US" smtClean="0"/>
-              <a:t>2/2/2023</a:t>
+              <a:t>2/8/2023</a:t>
             </a:fld>
             <a:endParaRPr lang="en-US"/>
           </a:p>
@@ -8314,7 +8452,7 @@
           <a:p>
             <a:fld id="{C21E9E10-B59A-4E9D-AF95-0F4C2023A7FB}" type="datetimeFigureOut">
               <a:rPr lang="en-US" smtClean="0"/>
-              <a:t>2/2/2023</a:t>
+              <a:t>2/8/2023</a:t>
             </a:fld>
             <a:endParaRPr lang="en-US"/>
           </a:p>
@@ -8409,7 +8547,7 @@
           <a:p>
             <a:fld id="{C21E9E10-B59A-4E9D-AF95-0F4C2023A7FB}" type="datetimeFigureOut">
               <a:rPr lang="en-US" smtClean="0"/>
-              <a:t>2/2/2023</a:t>
+              <a:t>2/8/2023</a:t>
             </a:fld>
             <a:endParaRPr lang="en-US"/>
           </a:p>
@@ -8658,7 +8796,7 @@
           <a:p>
             <a:fld id="{C21E9E10-B59A-4E9D-AF95-0F4C2023A7FB}" type="datetimeFigureOut">
               <a:rPr lang="en-US" smtClean="0"/>
-              <a:t>2/2/2023</a:t>
+              <a:t>2/8/2023</a:t>
             </a:fld>
             <a:endParaRPr lang="en-US"/>
           </a:p>
@@ -8938,7 +9076,7 @@
           <a:p>
             <a:fld id="{C21E9E10-B59A-4E9D-AF95-0F4C2023A7FB}" type="datetimeFigureOut">
               <a:rPr lang="en-US" smtClean="0"/>
-              <a:t>2/2/2023</a:t>
+              <a:t>2/8/2023</a:t>
             </a:fld>
             <a:endParaRPr lang="en-US"/>
           </a:p>
@@ -9054,7 +9192,7 @@
           <a:noFill/>
           <a:extLst>
             <a:ext uri="{909E8E84-426E-40dd-AFC4-6F175D3DCCD1}">
-              <a14:hiddenFill xmlns:a14="http://schemas.microsoft.com/office/drawing/2010/main" xmlns="">
+              <a14:hiddenFill xmlns="" xmlns:a14="http://schemas.microsoft.com/office/drawing/2010/main">
                 <a:solidFill>
                   <a:srgbClr val="FFFFFF"/>
                 </a:solidFill>
@@ -9128,7 +9266,7 @@
               </a:ln>
               <a:extLst>
                 <a:ext uri="{91240B29-F687-4f45-9708-019B960494DF}">
-                  <a14:hiddenLine xmlns:a14="http://schemas.microsoft.com/office/drawing/2010/main" xmlns="" w="9525">
+                  <a14:hiddenLine xmlns="" xmlns:a14="http://schemas.microsoft.com/office/drawing/2010/main" w="9525">
                     <a:solidFill>
                       <a:srgbClr val="000000"/>
                     </a:solidFill>
@@ -9218,7 +9356,7 @@
               </a:ln>
               <a:extLst>
                 <a:ext uri="{91240B29-F687-4f45-9708-019B960494DF}">
-                  <a14:hiddenLine xmlns:a14="http://schemas.microsoft.com/office/drawing/2010/main" xmlns="" w="9525">
+                  <a14:hiddenLine xmlns="" xmlns:a14="http://schemas.microsoft.com/office/drawing/2010/main" w="9525">
                     <a:solidFill>
                       <a:srgbClr val="000000"/>
                     </a:solidFill>
@@ -9308,7 +9446,7 @@
               </a:ln>
               <a:extLst>
                 <a:ext uri="{91240B29-F687-4f45-9708-019B960494DF}">
-                  <a14:hiddenLine xmlns:a14="http://schemas.microsoft.com/office/drawing/2010/main" xmlns="" w="9525">
+                  <a14:hiddenLine xmlns="" xmlns:a14="http://schemas.microsoft.com/office/drawing/2010/main" w="9525">
                     <a:solidFill>
                       <a:srgbClr val="000000"/>
                     </a:solidFill>
@@ -9370,7 +9508,7 @@
               </a:ln>
               <a:extLst>
                 <a:ext uri="{91240B29-F687-4f45-9708-019B960494DF}">
-                  <a14:hiddenLine xmlns:a14="http://schemas.microsoft.com/office/drawing/2010/main" xmlns="" w="9525">
+                  <a14:hiddenLine xmlns="" xmlns:a14="http://schemas.microsoft.com/office/drawing/2010/main" w="9525">
                     <a:solidFill>
                       <a:srgbClr val="000000"/>
                     </a:solidFill>
@@ -9460,7 +9598,7 @@
               </a:ln>
               <a:extLst>
                 <a:ext uri="{91240B29-F687-4f45-9708-019B960494DF}">
-                  <a14:hiddenLine xmlns:a14="http://schemas.microsoft.com/office/drawing/2010/main" xmlns="" w="9525">
+                  <a14:hiddenLine xmlns="" xmlns:a14="http://schemas.microsoft.com/office/drawing/2010/main" w="9525">
                     <a:solidFill>
                       <a:srgbClr val="000000"/>
                     </a:solidFill>
@@ -9522,7 +9660,7 @@
               </a:ln>
               <a:extLst>
                 <a:ext uri="{91240B29-F687-4f45-9708-019B960494DF}">
-                  <a14:hiddenLine xmlns:a14="http://schemas.microsoft.com/office/drawing/2010/main" xmlns="" w="9525">
+                  <a14:hiddenLine xmlns="" xmlns:a14="http://schemas.microsoft.com/office/drawing/2010/main" w="9525">
                     <a:solidFill>
                       <a:srgbClr val="000000"/>
                     </a:solidFill>
@@ -9584,7 +9722,7 @@
               </a:ln>
               <a:extLst>
                 <a:ext uri="{91240B29-F687-4f45-9708-019B960494DF}">
-                  <a14:hiddenLine xmlns:a14="http://schemas.microsoft.com/office/drawing/2010/main" xmlns="" w="9525">
+                  <a14:hiddenLine xmlns="" xmlns:a14="http://schemas.microsoft.com/office/drawing/2010/main" w="9525">
                     <a:solidFill>
                       <a:srgbClr val="000000"/>
                     </a:solidFill>
@@ -9674,7 +9812,7 @@
               </a:ln>
               <a:extLst>
                 <a:ext uri="{91240B29-F687-4f45-9708-019B960494DF}">
-                  <a14:hiddenLine xmlns:a14="http://schemas.microsoft.com/office/drawing/2010/main" xmlns="" w="9525">
+                  <a14:hiddenLine xmlns="" xmlns:a14="http://schemas.microsoft.com/office/drawing/2010/main" w="9525">
                     <a:solidFill>
                       <a:srgbClr val="000000"/>
                     </a:solidFill>
@@ -9764,7 +9902,7 @@
               </a:ln>
               <a:extLst>
                 <a:ext uri="{91240B29-F687-4f45-9708-019B960494DF}">
-                  <a14:hiddenLine xmlns:a14="http://schemas.microsoft.com/office/drawing/2010/main" xmlns="" w="9525">
+                  <a14:hiddenLine xmlns="" xmlns:a14="http://schemas.microsoft.com/office/drawing/2010/main" w="9525">
                     <a:solidFill>
                       <a:srgbClr val="000000"/>
                     </a:solidFill>
@@ -9826,7 +9964,7 @@
               </a:ln>
               <a:extLst>
                 <a:ext uri="{91240B29-F687-4f45-9708-019B960494DF}">
-                  <a14:hiddenLine xmlns:a14="http://schemas.microsoft.com/office/drawing/2010/main" xmlns="" w="9525">
+                  <a14:hiddenLine xmlns="" xmlns:a14="http://schemas.microsoft.com/office/drawing/2010/main" w="9525">
                     <a:solidFill>
                       <a:srgbClr val="000000"/>
                     </a:solidFill>
@@ -9936,7 +10074,7 @@
               </a:ln>
               <a:extLst>
                 <a:ext uri="{91240B29-F687-4f45-9708-019B960494DF}">
-                  <a14:hiddenLine xmlns:a14="http://schemas.microsoft.com/office/drawing/2010/main" xmlns="" w="9525">
+                  <a14:hiddenLine xmlns="" xmlns:a14="http://schemas.microsoft.com/office/drawing/2010/main" w="9525">
                     <a:solidFill>
                       <a:srgbClr val="000000"/>
                     </a:solidFill>
@@ -10020,7 +10158,7 @@
               </a:ln>
               <a:extLst>
                 <a:ext uri="{91240B29-F687-4f45-9708-019B960494DF}">
-                  <a14:hiddenLine xmlns:a14="http://schemas.microsoft.com/office/drawing/2010/main" xmlns="" w="9525">
+                  <a14:hiddenLine xmlns="" xmlns:a14="http://schemas.microsoft.com/office/drawing/2010/main" w="9525">
                     <a:solidFill>
                       <a:srgbClr val="000000"/>
                     </a:solidFill>
@@ -10082,7 +10220,7 @@
               </a:ln>
               <a:extLst>
                 <a:ext uri="{91240B29-F687-4f45-9708-019B960494DF}">
-                  <a14:hiddenLine xmlns:a14="http://schemas.microsoft.com/office/drawing/2010/main" xmlns="" w="9525">
+                  <a14:hiddenLine xmlns="" xmlns:a14="http://schemas.microsoft.com/office/drawing/2010/main" w="9525">
                     <a:solidFill>
                       <a:srgbClr val="000000"/>
                     </a:solidFill>
@@ -10144,7 +10282,7 @@
               </a:ln>
               <a:extLst>
                 <a:ext uri="{91240B29-F687-4f45-9708-019B960494DF}">
-                  <a14:hiddenLine xmlns:a14="http://schemas.microsoft.com/office/drawing/2010/main" xmlns="" w="9525">
+                  <a14:hiddenLine xmlns="" xmlns:a14="http://schemas.microsoft.com/office/drawing/2010/main" w="9525">
                     <a:solidFill>
                       <a:srgbClr val="000000"/>
                     </a:solidFill>
@@ -10234,7 +10372,7 @@
               </a:ln>
               <a:extLst>
                 <a:ext uri="{91240B29-F687-4f45-9708-019B960494DF}">
-                  <a14:hiddenLine xmlns:a14="http://schemas.microsoft.com/office/drawing/2010/main" xmlns="" w="9525">
+                  <a14:hiddenLine xmlns="" xmlns:a14="http://schemas.microsoft.com/office/drawing/2010/main" w="9525">
                     <a:solidFill>
                       <a:srgbClr val="000000"/>
                     </a:solidFill>
@@ -10268,7 +10406,7 @@
               </a:ln>
               <a:extLst>
                 <a:ext uri="{91240B29-F687-4f45-9708-019B960494DF}">
-                  <a14:hiddenLine xmlns:a14="http://schemas.microsoft.com/office/drawing/2010/main" xmlns="" w="9525">
+                  <a14:hiddenLine xmlns="" xmlns:a14="http://schemas.microsoft.com/office/drawing/2010/main" w="9525">
                     <a:solidFill>
                       <a:srgbClr val="000000"/>
                     </a:solidFill>
@@ -10333,7 +10471,7 @@
               </a:ln>
               <a:extLst>
                 <a:ext uri="{91240B29-F687-4f45-9708-019B960494DF}">
-                  <a14:hiddenLine xmlns:a14="http://schemas.microsoft.com/office/drawing/2010/main" xmlns="" w="9525">
+                  <a14:hiddenLine xmlns="" xmlns:a14="http://schemas.microsoft.com/office/drawing/2010/main" w="9525">
                     <a:solidFill>
                       <a:srgbClr val="000000"/>
                     </a:solidFill>
@@ -10423,7 +10561,7 @@
               </a:ln>
               <a:extLst>
                 <a:ext uri="{91240B29-F687-4f45-9708-019B960494DF}">
-                  <a14:hiddenLine xmlns:a14="http://schemas.microsoft.com/office/drawing/2010/main" xmlns="" w="9525">
+                  <a14:hiddenLine xmlns="" xmlns:a14="http://schemas.microsoft.com/office/drawing/2010/main" w="9525">
                     <a:solidFill>
                       <a:srgbClr val="000000"/>
                     </a:solidFill>
@@ -10485,7 +10623,7 @@
               </a:ln>
               <a:extLst>
                 <a:ext uri="{91240B29-F687-4f45-9708-019B960494DF}">
-                  <a14:hiddenLine xmlns:a14="http://schemas.microsoft.com/office/drawing/2010/main" xmlns="" w="9525">
+                  <a14:hiddenLine xmlns="" xmlns:a14="http://schemas.microsoft.com/office/drawing/2010/main" w="9525">
                     <a:solidFill>
                       <a:srgbClr val="000000"/>
                     </a:solidFill>
@@ -10575,7 +10713,7 @@
               </a:ln>
               <a:extLst>
                 <a:ext uri="{91240B29-F687-4f45-9708-019B960494DF}">
-                  <a14:hiddenLine xmlns:a14="http://schemas.microsoft.com/office/drawing/2010/main" xmlns="" w="9525">
+                  <a14:hiddenLine xmlns="" xmlns:a14="http://schemas.microsoft.com/office/drawing/2010/main" w="9525">
                     <a:solidFill>
                       <a:srgbClr val="000000"/>
                     </a:solidFill>
@@ -10640,7 +10778,7 @@
               </a:ln>
               <a:extLst>
                 <a:ext uri="{91240B29-F687-4f45-9708-019B960494DF}">
-                  <a14:hiddenLine xmlns:a14="http://schemas.microsoft.com/office/drawing/2010/main" xmlns="" w="9525">
+                  <a14:hiddenLine xmlns="" xmlns:a14="http://schemas.microsoft.com/office/drawing/2010/main" w="9525">
                     <a:solidFill>
                       <a:srgbClr val="000000"/>
                     </a:solidFill>
@@ -10702,7 +10840,7 @@
               </a:ln>
               <a:extLst>
                 <a:ext uri="{91240B29-F687-4f45-9708-019B960494DF}">
-                  <a14:hiddenLine xmlns:a14="http://schemas.microsoft.com/office/drawing/2010/main" xmlns="" w="9525">
+                  <a14:hiddenLine xmlns="" xmlns:a14="http://schemas.microsoft.com/office/drawing/2010/main" w="9525">
                     <a:solidFill>
                       <a:srgbClr val="000000"/>
                     </a:solidFill>
@@ -10792,7 +10930,7 @@
               </a:ln>
               <a:extLst>
                 <a:ext uri="{91240B29-F687-4f45-9708-019B960494DF}">
-                  <a14:hiddenLine xmlns:a14="http://schemas.microsoft.com/office/drawing/2010/main" xmlns="" w="9525">
+                  <a14:hiddenLine xmlns="" xmlns:a14="http://schemas.microsoft.com/office/drawing/2010/main" w="9525">
                     <a:solidFill>
                       <a:srgbClr val="000000"/>
                     </a:solidFill>
@@ -10882,7 +11020,7 @@
               </a:ln>
               <a:extLst>
                 <a:ext uri="{91240B29-F687-4f45-9708-019B960494DF}">
-                  <a14:hiddenLine xmlns:a14="http://schemas.microsoft.com/office/drawing/2010/main" xmlns="" w="9525">
+                  <a14:hiddenLine xmlns="" xmlns:a14="http://schemas.microsoft.com/office/drawing/2010/main" w="9525">
                     <a:solidFill>
                       <a:srgbClr val="000000"/>
                     </a:solidFill>
@@ -10947,7 +11085,7 @@
               </a:ln>
               <a:extLst>
                 <a:ext uri="{91240B29-F687-4f45-9708-019B960494DF}">
-                  <a14:hiddenLine xmlns:a14="http://schemas.microsoft.com/office/drawing/2010/main" xmlns="" w="9525">
+                  <a14:hiddenLine xmlns="" xmlns:a14="http://schemas.microsoft.com/office/drawing/2010/main" w="9525">
                     <a:solidFill>
                       <a:srgbClr val="000000"/>
                     </a:solidFill>
@@ -11067,7 +11205,7 @@
               </a:ln>
               <a:extLst>
                 <a:ext uri="{91240B29-F687-4f45-9708-019B960494DF}">
-                  <a14:hiddenLine xmlns:a14="http://schemas.microsoft.com/office/drawing/2010/main" xmlns="" w="9525">
+                  <a14:hiddenLine xmlns="" xmlns:a14="http://schemas.microsoft.com/office/drawing/2010/main" w="9525">
                     <a:solidFill>
                       <a:srgbClr val="000000"/>
                     </a:solidFill>
@@ -11165,7 +11303,7 @@
               </a:ln>
               <a:extLst>
                 <a:ext uri="{91240B29-F687-4f45-9708-019B960494DF}">
-                  <a14:hiddenLine xmlns:a14="http://schemas.microsoft.com/office/drawing/2010/main" xmlns="" w="9525">
+                  <a14:hiddenLine xmlns="" xmlns:a14="http://schemas.microsoft.com/office/drawing/2010/main" w="9525">
                     <a:solidFill>
                       <a:srgbClr val="000000"/>
                     </a:solidFill>
@@ -11280,7 +11418,7 @@
               </a:ln>
               <a:extLst>
                 <a:ext uri="{91240B29-F687-4f45-9708-019B960494DF}">
-                  <a14:hiddenLine xmlns:a14="http://schemas.microsoft.com/office/drawing/2010/main" xmlns="" w="9525">
+                  <a14:hiddenLine xmlns="" xmlns:a14="http://schemas.microsoft.com/office/drawing/2010/main" w="9525">
                     <a:solidFill>
                       <a:srgbClr val="000000"/>
                     </a:solidFill>
@@ -11370,7 +11508,7 @@
               </a:ln>
               <a:extLst>
                 <a:ext uri="{91240B29-F687-4f45-9708-019B960494DF}">
-                  <a14:hiddenLine xmlns:a14="http://schemas.microsoft.com/office/drawing/2010/main" xmlns="" w="9525">
+                  <a14:hiddenLine xmlns="" xmlns:a14="http://schemas.microsoft.com/office/drawing/2010/main" w="9525">
                     <a:solidFill>
                       <a:srgbClr val="000000"/>
                     </a:solidFill>
@@ -11435,7 +11573,7 @@
               </a:ln>
               <a:extLst>
                 <a:ext uri="{91240B29-F687-4f45-9708-019B960494DF}">
-                  <a14:hiddenLine xmlns:a14="http://schemas.microsoft.com/office/drawing/2010/main" xmlns="" w="9525">
+                  <a14:hiddenLine xmlns="" xmlns:a14="http://schemas.microsoft.com/office/drawing/2010/main" w="9525">
                     <a:solidFill>
                       <a:srgbClr val="000000"/>
                     </a:solidFill>
@@ -11525,7 +11663,7 @@
               </a:ln>
               <a:extLst>
                 <a:ext uri="{91240B29-F687-4f45-9708-019B960494DF}">
-                  <a14:hiddenLine xmlns:a14="http://schemas.microsoft.com/office/drawing/2010/main" xmlns="" w="9525">
+                  <a14:hiddenLine xmlns="" xmlns:a14="http://schemas.microsoft.com/office/drawing/2010/main" w="9525">
                     <a:solidFill>
                       <a:srgbClr val="000000"/>
                     </a:solidFill>
@@ -11593,7 +11731,7 @@
               </a:ln>
               <a:extLst>
                 <a:ext uri="{91240B29-F687-4f45-9708-019B960494DF}">
-                  <a14:hiddenLine xmlns:a14="http://schemas.microsoft.com/office/drawing/2010/main" xmlns="" w="9525">
+                  <a14:hiddenLine xmlns="" xmlns:a14="http://schemas.microsoft.com/office/drawing/2010/main" w="9525">
                     <a:solidFill>
                       <a:srgbClr val="000000"/>
                     </a:solidFill>
@@ -11683,7 +11821,7 @@
               </a:ln>
               <a:extLst>
                 <a:ext uri="{91240B29-F687-4f45-9708-019B960494DF}">
-                  <a14:hiddenLine xmlns:a14="http://schemas.microsoft.com/office/drawing/2010/main" xmlns="" w="9525">
+                  <a14:hiddenLine xmlns="" xmlns:a14="http://schemas.microsoft.com/office/drawing/2010/main" w="9525">
                     <a:solidFill>
                       <a:srgbClr val="000000"/>
                     </a:solidFill>
@@ -11751,7 +11889,7 @@
               </a:ln>
               <a:extLst>
                 <a:ext uri="{91240B29-F687-4f45-9708-019B960494DF}">
-                  <a14:hiddenLine xmlns:a14="http://schemas.microsoft.com/office/drawing/2010/main" xmlns="" w="9525">
+                  <a14:hiddenLine xmlns="" xmlns:a14="http://schemas.microsoft.com/office/drawing/2010/main" w="9525">
                     <a:solidFill>
                       <a:srgbClr val="000000"/>
                     </a:solidFill>
@@ -11841,7 +11979,7 @@
               </a:ln>
               <a:extLst>
                 <a:ext uri="{91240B29-F687-4f45-9708-019B960494DF}">
-                  <a14:hiddenLine xmlns:a14="http://schemas.microsoft.com/office/drawing/2010/main" xmlns="" w="9525">
+                  <a14:hiddenLine xmlns="" xmlns:a14="http://schemas.microsoft.com/office/drawing/2010/main" w="9525">
                     <a:solidFill>
                       <a:srgbClr val="000000"/>
                     </a:solidFill>
@@ -11875,7 +12013,7 @@
               </a:ln>
               <a:extLst>
                 <a:ext uri="{91240B29-F687-4f45-9708-019B960494DF}">
-                  <a14:hiddenLine xmlns:a14="http://schemas.microsoft.com/office/drawing/2010/main" xmlns="" w="9525">
+                  <a14:hiddenLine xmlns="" xmlns:a14="http://schemas.microsoft.com/office/drawing/2010/main" w="9525">
                     <a:solidFill>
                       <a:srgbClr val="000000"/>
                     </a:solidFill>
@@ -12015,7 +12153,7 @@
           <a:p>
             <a:fld id="{C21E9E10-B59A-4E9D-AF95-0F4C2023A7FB}" type="datetimeFigureOut">
               <a:rPr lang="en-US" smtClean="0"/>
-              <a:t>2/2/2023</a:t>
+              <a:t>2/8/2023</a:t>
             </a:fld>
             <a:endParaRPr lang="en-US"/>
           </a:p>
@@ -12891,7 +13029,7332 @@
           <a:p>
             <a:r>
               <a:rPr lang="en-US" dirty="0"/>
-              <a:t>PLANNED ANALYSES</a:t>
+              <a:t>PLANNED ANALYSES - CURRENT</a:t>
+            </a:r>
+          </a:p>
+        </p:txBody>
+      </p:sp>
+      <p:graphicFrame>
+        <p:nvGraphicFramePr>
+          <p:cNvPr id="4" name="Table 4">
+            <a:extLst>
+              <a:ext uri="{FF2B5EF4-FFF2-40B4-BE49-F238E27FC236}">
+                <a16:creationId xmlns:a16="http://schemas.microsoft.com/office/drawing/2014/main" id="{67DA790B-E211-3446-1EBD-9A0474C6C202}"/>
+              </a:ext>
+            </a:extLst>
+          </p:cNvPr>
+          <p:cNvGraphicFramePr>
+            <a:graphicFrameLocks noGrp="1"/>
+          </p:cNvGraphicFramePr>
+          <p:nvPr>
+            <p:extLst>
+              <p:ext uri="{D42A27DB-BD31-4B8C-83A1-F6EECF244321}">
+                <p14:modId xmlns:p14="http://schemas.microsoft.com/office/powerpoint/2010/main" val="1724633339"/>
+              </p:ext>
+            </p:extLst>
+          </p:nvPr>
+        </p:nvGraphicFramePr>
+        <p:xfrm>
+          <a:off x="963092" y="1205907"/>
+          <a:ext cx="10687487" cy="4805425"/>
+        </p:xfrm>
+        <a:graphic>
+          <a:graphicData uri="http://schemas.openxmlformats.org/drawingml/2006/table">
+            <a:tbl>
+              <a:tblPr firstRow="1" bandRow="1">
+                <a:tableStyleId>{5C22544A-7EE6-4342-B048-85BDC9FD1C3A}</a:tableStyleId>
+              </a:tblPr>
+              <a:tblGrid>
+                <a:gridCol w="4049574">
+                  <a:extLst>
+                    <a:ext uri="{9D8B030D-6E8A-4147-A177-3AD203B41FA5}">
+                      <a16:colId xmlns:a16="http://schemas.microsoft.com/office/drawing/2014/main" val="4290031474"/>
+                    </a:ext>
+                  </a:extLst>
+                </a:gridCol>
+                <a:gridCol w="1889593">
+                  <a:extLst>
+                    <a:ext uri="{9D8B030D-6E8A-4147-A177-3AD203B41FA5}">
+                      <a16:colId xmlns:a16="http://schemas.microsoft.com/office/drawing/2014/main" val="4243848335"/>
+                    </a:ext>
+                  </a:extLst>
+                </a:gridCol>
+                <a:gridCol w="2076448">
+                  <a:extLst>
+                    <a:ext uri="{9D8B030D-6E8A-4147-A177-3AD203B41FA5}">
+                      <a16:colId xmlns:a16="http://schemas.microsoft.com/office/drawing/2014/main" val="1751997902"/>
+                    </a:ext>
+                  </a:extLst>
+                </a:gridCol>
+                <a:gridCol w="2671872">
+                  <a:extLst>
+                    <a:ext uri="{9D8B030D-6E8A-4147-A177-3AD203B41FA5}">
+                      <a16:colId xmlns:a16="http://schemas.microsoft.com/office/drawing/2014/main" val="4214811384"/>
+                    </a:ext>
+                  </a:extLst>
+                </a:gridCol>
+              </a:tblGrid>
+              <a:tr h="400452">
+                <a:tc>
+                  <a:txBody>
+                    <a:bodyPr/>
+                    <a:lstStyle/>
+                    <a:p>
+                      <a:endParaRPr lang="en-US" sz="1400" dirty="0"/>
+                    </a:p>
+                  </a:txBody>
+                  <a:tcPr/>
+                </a:tc>
+                <a:tc>
+                  <a:txBody>
+                    <a:bodyPr/>
+                    <a:lstStyle/>
+                    <a:p>
+                      <a:r>
+                        <a:rPr lang="en-US" sz="1400" dirty="0"/>
+                        <a:t>Source of Dataset</a:t>
+                      </a:r>
+                    </a:p>
+                  </a:txBody>
+                  <a:tcPr/>
+                </a:tc>
+                <a:tc>
+                  <a:txBody>
+                    <a:bodyPr/>
+                    <a:lstStyle/>
+                    <a:p>
+                      <a:r>
+                        <a:rPr lang="en-US" sz="1400" dirty="0"/>
+                        <a:t>Programming Tools</a:t>
+                      </a:r>
+                    </a:p>
+                  </a:txBody>
+                  <a:tcPr/>
+                </a:tc>
+                <a:tc>
+                  <a:txBody>
+                    <a:bodyPr/>
+                    <a:lstStyle/>
+                    <a:p>
+                      <a:r>
+                        <a:rPr lang="en-US" sz="1400" dirty="0"/>
+                        <a:t>Type of Analysis</a:t>
+                      </a:r>
+                    </a:p>
+                  </a:txBody>
+                  <a:tcPr/>
+                </a:tc>
+                <a:extLst>
+                  <a:ext uri="{0D108BD9-81ED-4DB2-BD59-A6C34878D82A}">
+                    <a16:rowId xmlns:a16="http://schemas.microsoft.com/office/drawing/2014/main" val="2245751984"/>
+                  </a:ext>
+                </a:extLst>
+              </a:tr>
+              <a:tr h="680769">
+                <a:tc gridSpan="4">
+                  <a:txBody>
+                    <a:bodyPr/>
+                    <a:lstStyle/>
+                    <a:p>
+                      <a:pPr marL="0" marR="0" lvl="0" indent="0" algn="l" defTabSz="914400" rtl="0" eaLnBrk="1" fontAlgn="auto" latinLnBrk="0" hangingPunct="1">
+                        <a:lnSpc>
+                          <a:spcPct val="100000"/>
+                        </a:lnSpc>
+                        <a:spcBef>
+                          <a:spcPts val="0"/>
+                        </a:spcBef>
+                        <a:spcAft>
+                          <a:spcPts val="0"/>
+                        </a:spcAft>
+                        <a:buClrTx/>
+                        <a:buSzTx/>
+                        <a:buFontTx/>
+                        <a:buNone/>
+                        <a:tabLst/>
+                        <a:defRPr/>
+                      </a:pPr>
+                      <a:r>
+                        <a:rPr lang="en-US" sz="1400" b="1" dirty="0"/>
+                        <a:t>How have (recent) changes in weather patterns affected the flight patterns with respect to:</a:t>
+                      </a:r>
+                    </a:p>
+                    <a:p>
+                      <a:pPr marL="0" marR="0" lvl="0" indent="0" algn="l" defTabSz="914400" rtl="0" eaLnBrk="1" fontAlgn="auto" latinLnBrk="0" hangingPunct="1">
+                        <a:lnSpc>
+                          <a:spcPct val="100000"/>
+                        </a:lnSpc>
+                        <a:spcBef>
+                          <a:spcPts val="0"/>
+                        </a:spcBef>
+                        <a:spcAft>
+                          <a:spcPts val="0"/>
+                        </a:spcAft>
+                        <a:buClrTx/>
+                        <a:buSzTx/>
+                        <a:buFontTx/>
+                        <a:buNone/>
+                        <a:tabLst/>
+                        <a:defRPr/>
+                      </a:pPr>
+                      <a:r>
+                        <a:rPr lang="en-US" sz="1400" b="1" dirty="0"/>
+                        <a:t>Pick 4 storms/weather events in different North American regions and run the analyses below for each storm/region</a:t>
+                      </a:r>
+                    </a:p>
+                  </a:txBody>
+                  <a:tcPr>
+                    <a:solidFill>
+                      <a:schemeClr val="accent6">
+                        <a:lumMod val="60000"/>
+                        <a:lumOff val="40000"/>
+                      </a:schemeClr>
+                    </a:solidFill>
+                  </a:tcPr>
+                </a:tc>
+                <a:tc hMerge="1">
+                  <a:txBody>
+                    <a:bodyPr/>
+                    <a:lstStyle/>
+                    <a:p>
+                      <a:endParaRPr lang="en-US"/>
+                    </a:p>
+                  </a:txBody>
+                  <a:tcPr/>
+                </a:tc>
+                <a:tc hMerge="1">
+                  <a:txBody>
+                    <a:bodyPr/>
+                    <a:lstStyle/>
+                    <a:p>
+                      <a:endParaRPr lang="en-US"/>
+                    </a:p>
+                  </a:txBody>
+                  <a:tcPr/>
+                </a:tc>
+                <a:tc hMerge="1">
+                  <a:txBody>
+                    <a:bodyPr/>
+                    <a:lstStyle/>
+                    <a:p>
+                      <a:endParaRPr lang="en-US" dirty="0"/>
+                    </a:p>
+                  </a:txBody>
+                  <a:tcPr/>
+                </a:tc>
+                <a:extLst>
+                  <a:ext uri="{0D108BD9-81ED-4DB2-BD59-A6C34878D82A}">
+                    <a16:rowId xmlns:a16="http://schemas.microsoft.com/office/drawing/2014/main" val="602429123"/>
+                  </a:ext>
+                </a:extLst>
+              </a:tr>
+              <a:tr h="1521718">
+                <a:tc>
+                  <a:txBody>
+                    <a:bodyPr/>
+                    <a:lstStyle/>
+                    <a:p>
+                      <a:pPr marL="285750" marR="0" lvl="0" indent="-285750" algn="l" defTabSz="914400" rtl="0" eaLnBrk="1" fontAlgn="auto" latinLnBrk="0" hangingPunct="1">
+                        <a:lnSpc>
+                          <a:spcPct val="100000"/>
+                        </a:lnSpc>
+                        <a:spcBef>
+                          <a:spcPts val="0"/>
+                        </a:spcBef>
+                        <a:spcAft>
+                          <a:spcPts val="0"/>
+                        </a:spcAft>
+                        <a:buClrTx/>
+                        <a:buSzTx/>
+                        <a:buFont typeface="Arial" panose="020B0604020202020204" pitchFamily="34" charset="0"/>
+                        <a:buChar char="•"/>
+                        <a:tabLst/>
+                        <a:defRPr/>
+                      </a:pPr>
+                      <a:r>
+                        <a:rPr lang="en-US" sz="1400" b="1" dirty="0"/>
+                        <a:t>Availability</a:t>
+                      </a:r>
+                      <a:r>
+                        <a:rPr lang="en-US" sz="1400" dirty="0"/>
+                        <a:t>: Change in number of diverted flights in US during Jan-Dec 2022 period per subgroup (</a:t>
+                      </a:r>
+                      <a:r>
+                        <a:rPr lang="en-US" sz="1400" dirty="0" err="1"/>
+                        <a:t>eg</a:t>
+                      </a:r>
+                      <a:r>
+                        <a:rPr lang="en-US" sz="1400" dirty="0"/>
+                        <a:t>, airline carrier (American Airlines, Delta, United, </a:t>
+                      </a:r>
+                      <a:r>
+                        <a:rPr lang="en-US" sz="1400" dirty="0" err="1"/>
+                        <a:t>SouthWest</a:t>
+                      </a:r>
+                      <a:r>
+                        <a:rPr lang="en-US" sz="1400" dirty="0"/>
+                        <a:t>, JetBlue), type of delay and </a:t>
+                      </a:r>
+                      <a:r>
+                        <a:rPr lang="en-US" sz="1400" dirty="0">
+                          <a:highlight>
+                            <a:srgbClr val="00FFFF"/>
+                          </a:highlight>
+                        </a:rPr>
+                        <a:t>name of airport</a:t>
+                      </a:r>
+                      <a:r>
+                        <a:rPr lang="en-US" sz="1400" dirty="0"/>
+                        <a:t>)</a:t>
+                      </a:r>
+                    </a:p>
+                  </a:txBody>
+                  <a:tcPr/>
+                </a:tc>
+                <a:tc>
+                  <a:txBody>
+                    <a:bodyPr/>
+                    <a:lstStyle/>
+                    <a:p>
+                      <a:r>
+                        <a:rPr lang="en-US" sz="1400" dirty="0"/>
+                        <a:t>2022 BTS website dataset (csv); </a:t>
+                      </a:r>
+                      <a:r>
+                        <a:rPr lang="en-US" sz="1400" dirty="0">
+                          <a:highlight>
+                            <a:srgbClr val="00FFFF"/>
+                          </a:highlight>
+                        </a:rPr>
+                        <a:t>association reports</a:t>
+                      </a:r>
+                    </a:p>
+                  </a:txBody>
+                  <a:tcPr/>
+                </a:tc>
+                <a:tc>
+                  <a:txBody>
+                    <a:bodyPr/>
+                    <a:lstStyle/>
+                    <a:p>
+                      <a:r>
+                        <a:rPr lang="en-US" sz="1400" dirty="0"/>
+                        <a:t>Pandas</a:t>
+                      </a:r>
+                    </a:p>
+                  </a:txBody>
+                  <a:tcPr/>
+                </a:tc>
+                <a:tc>
+                  <a:txBody>
+                    <a:bodyPr/>
+                    <a:lstStyle/>
+                    <a:p>
+                      <a:r>
+                        <a:rPr lang="en-US" sz="1400" dirty="0"/>
+                        <a:t>Quantitative, Visualization with Tableau</a:t>
+                      </a:r>
+                    </a:p>
+                  </a:txBody>
+                  <a:tcPr/>
+                </a:tc>
+                <a:extLst>
+                  <a:ext uri="{0D108BD9-81ED-4DB2-BD59-A6C34878D82A}">
+                    <a16:rowId xmlns:a16="http://schemas.microsoft.com/office/drawing/2014/main" val="3444173676"/>
+                  </a:ext>
+                </a:extLst>
+              </a:tr>
+              <a:tr h="1241401">
+                <a:tc>
+                  <a:txBody>
+                    <a:bodyPr/>
+                    <a:lstStyle/>
+                    <a:p>
+                      <a:pPr marL="285750" marR="0" lvl="0" indent="-285750" algn="l" defTabSz="914400" rtl="0" eaLnBrk="1" fontAlgn="auto" latinLnBrk="0" hangingPunct="1">
+                        <a:lnSpc>
+                          <a:spcPct val="100000"/>
+                        </a:lnSpc>
+                        <a:spcBef>
+                          <a:spcPts val="0"/>
+                        </a:spcBef>
+                        <a:spcAft>
+                          <a:spcPts val="0"/>
+                        </a:spcAft>
+                        <a:buClrTx/>
+                        <a:buSzTx/>
+                        <a:buFont typeface="Arial" panose="020B0604020202020204" pitchFamily="34" charset="0"/>
+                        <a:buChar char="•"/>
+                        <a:tabLst/>
+                        <a:defRPr/>
+                      </a:pPr>
+                      <a:r>
+                        <a:rPr lang="en-US" sz="1400" b="1" dirty="0"/>
+                        <a:t>Safety</a:t>
+                      </a:r>
+                      <a:r>
+                        <a:rPr lang="en-US" sz="1400" dirty="0"/>
+                        <a:t>:  Change in number of bird accidents or near misses (due to impact of migratory patterns)</a:t>
+                      </a:r>
+                    </a:p>
+                  </a:txBody>
+                  <a:tcPr/>
+                </a:tc>
+                <a:tc>
+                  <a:txBody>
+                    <a:bodyPr/>
+                    <a:lstStyle/>
+                    <a:p>
+                      <a:r>
+                        <a:rPr lang="en-US" sz="1400" dirty="0"/>
+                        <a:t>2022 BTS website dataset (</a:t>
+                      </a:r>
+                      <a:r>
+                        <a:rPr lang="en-US" sz="1400" dirty="0">
+                          <a:highlight>
+                            <a:srgbClr val="00FFFF"/>
+                          </a:highlight>
+                        </a:rPr>
+                        <a:t>check if this appears under type of existing dataset)</a:t>
+                      </a:r>
+                    </a:p>
+                  </a:txBody>
+                  <a:tcPr/>
+                </a:tc>
+                <a:tc>
+                  <a:txBody>
+                    <a:bodyPr/>
+                    <a:lstStyle/>
+                    <a:p>
+                      <a:r>
+                        <a:rPr lang="en-US" sz="1400" dirty="0"/>
+                        <a:t>Pandas</a:t>
+                      </a:r>
+                    </a:p>
+                  </a:txBody>
+                  <a:tcPr/>
+                </a:tc>
+                <a:tc>
+                  <a:txBody>
+                    <a:bodyPr/>
+                    <a:lstStyle/>
+                    <a:p>
+                      <a:pPr marL="0" marR="0" lvl="0" indent="0" algn="l" defTabSz="914400" rtl="0" eaLnBrk="1" fontAlgn="auto" latinLnBrk="0" hangingPunct="1">
+                        <a:lnSpc>
+                          <a:spcPct val="100000"/>
+                        </a:lnSpc>
+                        <a:spcBef>
+                          <a:spcPts val="0"/>
+                        </a:spcBef>
+                        <a:spcAft>
+                          <a:spcPts val="0"/>
+                        </a:spcAft>
+                        <a:buClrTx/>
+                        <a:buSzTx/>
+                        <a:buFontTx/>
+                        <a:buNone/>
+                        <a:tabLst/>
+                        <a:defRPr/>
+                      </a:pPr>
+                      <a:r>
+                        <a:rPr lang="en-US" sz="1400" dirty="0"/>
+                        <a:t>Quantitative, Visualization with Tableau</a:t>
+                      </a:r>
+                    </a:p>
+                    <a:p>
+                      <a:endParaRPr lang="en-US" sz="1400" dirty="0"/>
+                    </a:p>
+                  </a:txBody>
+                  <a:tcPr/>
+                </a:tc>
+                <a:extLst>
+                  <a:ext uri="{0D108BD9-81ED-4DB2-BD59-A6C34878D82A}">
+                    <a16:rowId xmlns:a16="http://schemas.microsoft.com/office/drawing/2014/main" val="1609742570"/>
+                  </a:ext>
+                </a:extLst>
+              </a:tr>
+              <a:tr h="961085">
+                <a:tc>
+                  <a:txBody>
+                    <a:bodyPr/>
+                    <a:lstStyle/>
+                    <a:p>
+                      <a:pPr marL="285750" marR="0" lvl="0" indent="-285750" algn="l" defTabSz="914400" rtl="0" eaLnBrk="1" fontAlgn="auto" latinLnBrk="0" hangingPunct="1">
+                        <a:lnSpc>
+                          <a:spcPct val="100000"/>
+                        </a:lnSpc>
+                        <a:spcBef>
+                          <a:spcPts val="0"/>
+                        </a:spcBef>
+                        <a:spcAft>
+                          <a:spcPts val="0"/>
+                        </a:spcAft>
+                        <a:buClrTx/>
+                        <a:buSzTx/>
+                        <a:buFont typeface="Arial" panose="020B0604020202020204" pitchFamily="34" charset="0"/>
+                        <a:buChar char="•"/>
+                        <a:tabLst/>
+                        <a:defRPr/>
+                      </a:pPr>
+                      <a:r>
+                        <a:rPr lang="en-US" sz="1400" b="1" dirty="0"/>
+                        <a:t>Reliability</a:t>
+                      </a:r>
+                      <a:r>
+                        <a:rPr lang="en-US" sz="1400" dirty="0"/>
+                        <a:t>:  Changes to number of cancellations due to local weather (</a:t>
+                      </a:r>
+                      <a:r>
+                        <a:rPr lang="en-US" sz="1400" dirty="0" err="1"/>
+                        <a:t>eg</a:t>
+                      </a:r>
+                      <a:r>
+                        <a:rPr lang="en-US" sz="1400" dirty="0"/>
+                        <a:t>, fire in CA, snow in TX) per month in 2022 and per season </a:t>
+                      </a:r>
+                    </a:p>
+                  </a:txBody>
+                  <a:tcPr/>
+                </a:tc>
+                <a:tc>
+                  <a:txBody>
+                    <a:bodyPr/>
+                    <a:lstStyle/>
+                    <a:p>
+                      <a:pPr marL="0" marR="0" lvl="0" indent="0" algn="l" defTabSz="914400" rtl="0" eaLnBrk="1" fontAlgn="auto" latinLnBrk="0" hangingPunct="1">
+                        <a:lnSpc>
+                          <a:spcPct val="100000"/>
+                        </a:lnSpc>
+                        <a:spcBef>
+                          <a:spcPts val="0"/>
+                        </a:spcBef>
+                        <a:spcAft>
+                          <a:spcPts val="0"/>
+                        </a:spcAft>
+                        <a:buClrTx/>
+                        <a:buSzTx/>
+                        <a:buFontTx/>
+                        <a:buNone/>
+                        <a:tabLst/>
+                        <a:defRPr/>
+                      </a:pPr>
+                      <a:r>
+                        <a:rPr lang="en-US" sz="1400" dirty="0"/>
+                        <a:t>2022 BTS website dataset ; </a:t>
+                      </a:r>
+                      <a:r>
+                        <a:rPr lang="en-US" sz="1400" dirty="0">
+                          <a:highlight>
+                            <a:srgbClr val="00FFFF"/>
+                          </a:highlight>
+                        </a:rPr>
+                        <a:t>association reports</a:t>
+                      </a:r>
+                    </a:p>
+                  </a:txBody>
+                  <a:tcPr/>
+                </a:tc>
+                <a:tc>
+                  <a:txBody>
+                    <a:bodyPr/>
+                    <a:lstStyle/>
+                    <a:p>
+                      <a:r>
+                        <a:rPr lang="en-US" sz="1400" dirty="0"/>
+                        <a:t>Pandas</a:t>
+                      </a:r>
+                    </a:p>
+                  </a:txBody>
+                  <a:tcPr/>
+                </a:tc>
+                <a:tc>
+                  <a:txBody>
+                    <a:bodyPr/>
+                    <a:lstStyle/>
+                    <a:p>
+                      <a:pPr marL="0" marR="0" lvl="0" indent="0" algn="l" defTabSz="914400" rtl="0" eaLnBrk="1" fontAlgn="auto" latinLnBrk="0" hangingPunct="1">
+                        <a:lnSpc>
+                          <a:spcPct val="100000"/>
+                        </a:lnSpc>
+                        <a:spcBef>
+                          <a:spcPts val="0"/>
+                        </a:spcBef>
+                        <a:spcAft>
+                          <a:spcPts val="0"/>
+                        </a:spcAft>
+                        <a:buClrTx/>
+                        <a:buSzTx/>
+                        <a:buFontTx/>
+                        <a:buNone/>
+                        <a:tabLst/>
+                        <a:defRPr/>
+                      </a:pPr>
+                      <a:r>
+                        <a:rPr lang="en-US" sz="1400" dirty="0"/>
+                        <a:t>Quantitative, Visualization with Tableau</a:t>
+                      </a:r>
+                    </a:p>
+                    <a:p>
+                      <a:endParaRPr lang="en-US" sz="1400" dirty="0"/>
+                    </a:p>
+                  </a:txBody>
+                  <a:tcPr/>
+                </a:tc>
+                <a:extLst>
+                  <a:ext uri="{0D108BD9-81ED-4DB2-BD59-A6C34878D82A}">
+                    <a16:rowId xmlns:a16="http://schemas.microsoft.com/office/drawing/2014/main" val="2987497600"/>
+                  </a:ext>
+                </a:extLst>
+              </a:tr>
+            </a:tbl>
+          </a:graphicData>
+        </a:graphic>
+      </p:graphicFrame>
+    </p:spTree>
+    <p:extLst>
+      <p:ext uri="{BB962C8B-B14F-4D97-AF65-F5344CB8AC3E}">
+        <p14:creationId xmlns:p14="http://schemas.microsoft.com/office/powerpoint/2010/main" val="1813607599"/>
+      </p:ext>
+    </p:extLst>
+  </p:cSld>
+  <p:clrMapOvr>
+    <a:masterClrMapping/>
+  </p:clrMapOvr>
+</p:sld>
+</file>
+
+<file path=ppt/slides/slide4.xml><?xml version="1.0" encoding="utf-8"?>
+<p:sld xmlns:a="http://schemas.openxmlformats.org/drawingml/2006/main" xmlns:r="http://schemas.openxmlformats.org/officeDocument/2006/relationships" xmlns:p="http://schemas.openxmlformats.org/presentationml/2006/main">
+  <p:cSld>
+    <p:spTree>
+      <p:nvGrpSpPr>
+        <p:cNvPr id="1" name=""/>
+        <p:cNvGrpSpPr/>
+        <p:nvPr/>
+      </p:nvGrpSpPr>
+      <p:grpSpPr>
+        <a:xfrm>
+          <a:off x="0" y="0"/>
+          <a:ext cx="0" cy="0"/>
+          <a:chOff x="0" y="0"/>
+          <a:chExt cx="0" cy="0"/>
+        </a:xfrm>
+      </p:grpSpPr>
+      <p:sp>
+        <p:nvSpPr>
+          <p:cNvPr id="2" name="Title 1">
+            <a:extLst>
+              <a:ext uri="{FF2B5EF4-FFF2-40B4-BE49-F238E27FC236}">
+                <a16:creationId xmlns:a16="http://schemas.microsoft.com/office/drawing/2014/main" id="{F89DE632-F5FD-6B8B-429A-333B74DF39AF}"/>
+              </a:ext>
+            </a:extLst>
+          </p:cNvPr>
+          <p:cNvSpPr>
+            <a:spLocks noGrp="1"/>
+          </p:cNvSpPr>
+          <p:nvPr>
+            <p:ph type="title"/>
+          </p:nvPr>
+        </p:nvSpPr>
+        <p:spPr/>
+        <p:txBody>
+          <a:bodyPr/>
+          <a:lstStyle/>
+          <a:p>
+            <a:r>
+              <a:rPr lang="en-US" dirty="0"/>
+              <a:t>Open Questions</a:t>
+            </a:r>
+          </a:p>
+        </p:txBody>
+      </p:sp>
+      <p:sp>
+        <p:nvSpPr>
+          <p:cNvPr id="3" name="Content Placeholder 2">
+            <a:extLst>
+              <a:ext uri="{FF2B5EF4-FFF2-40B4-BE49-F238E27FC236}">
+                <a16:creationId xmlns:a16="http://schemas.microsoft.com/office/drawing/2014/main" id="{FCA87426-55C0-F550-A05E-3A1DCFA90DCD}"/>
+              </a:ext>
+            </a:extLst>
+          </p:cNvPr>
+          <p:cNvSpPr>
+            <a:spLocks noGrp="1"/>
+          </p:cNvSpPr>
+          <p:nvPr>
+            <p:ph idx="1"/>
+          </p:nvPr>
+        </p:nvSpPr>
+        <p:spPr/>
+        <p:txBody>
+          <a:bodyPr/>
+          <a:lstStyle/>
+          <a:p>
+            <a:r>
+              <a:rPr lang="en-US" dirty="0"/>
+              <a:t>To be completed</a:t>
+            </a:r>
+          </a:p>
+        </p:txBody>
+      </p:sp>
+    </p:spTree>
+    <p:extLst>
+      <p:ext uri="{BB962C8B-B14F-4D97-AF65-F5344CB8AC3E}">
+        <p14:creationId xmlns:p14="http://schemas.microsoft.com/office/powerpoint/2010/main" val="2200927822"/>
+      </p:ext>
+    </p:extLst>
+  </p:cSld>
+  <p:clrMapOvr>
+    <a:masterClrMapping/>
+  </p:clrMapOvr>
+</p:sld>
+</file>
+
+<file path=ppt/slides/slide5.xml><?xml version="1.0" encoding="utf-8"?>
+<p:sld xmlns:a="http://schemas.openxmlformats.org/drawingml/2006/main" xmlns:r="http://schemas.openxmlformats.org/officeDocument/2006/relationships" xmlns:p="http://schemas.openxmlformats.org/presentationml/2006/main">
+  <p:cSld>
+    <p:spTree>
+      <p:nvGrpSpPr>
+        <p:cNvPr id="1" name=""/>
+        <p:cNvGrpSpPr/>
+        <p:nvPr/>
+      </p:nvGrpSpPr>
+      <p:grpSpPr>
+        <a:xfrm>
+          <a:off x="0" y="0"/>
+          <a:ext cx="0" cy="0"/>
+          <a:chOff x="0" y="0"/>
+          <a:chExt cx="0" cy="0"/>
+        </a:xfrm>
+      </p:grpSpPr>
+      <p:sp>
+        <p:nvSpPr>
+          <p:cNvPr id="2" name="Title 1">
+            <a:extLst>
+              <a:ext uri="{FF2B5EF4-FFF2-40B4-BE49-F238E27FC236}">
+                <a16:creationId xmlns:a16="http://schemas.microsoft.com/office/drawing/2014/main" id="{FF7D97D9-DCC6-E889-1E3B-BF8CF1AD20AC}"/>
+              </a:ext>
+            </a:extLst>
+          </p:cNvPr>
+          <p:cNvSpPr>
+            <a:spLocks noGrp="1"/>
+          </p:cNvSpPr>
+          <p:nvPr>
+            <p:ph type="title"/>
+          </p:nvPr>
+        </p:nvSpPr>
+        <p:spPr/>
+        <p:txBody>
+          <a:bodyPr/>
+          <a:lstStyle/>
+          <a:p>
+            <a:r>
+              <a:rPr lang="en-US" dirty="0"/>
+              <a:t>Team 3</a:t>
+            </a:r>
+          </a:p>
+        </p:txBody>
+      </p:sp>
+      <p:graphicFrame>
+        <p:nvGraphicFramePr>
+          <p:cNvPr id="5" name="Table 5">
+            <a:extLst>
+              <a:ext uri="{FF2B5EF4-FFF2-40B4-BE49-F238E27FC236}">
+                <a16:creationId xmlns:a16="http://schemas.microsoft.com/office/drawing/2014/main" id="{0510B953-DD6B-29C6-D1C4-17AD86D51A8B}"/>
+              </a:ext>
+            </a:extLst>
+          </p:cNvPr>
+          <p:cNvGraphicFramePr>
+            <a:graphicFrameLocks noGrp="1"/>
+          </p:cNvGraphicFramePr>
+          <p:nvPr>
+            <p:ph idx="1"/>
+            <p:extLst>
+              <p:ext uri="{D42A27DB-BD31-4B8C-83A1-F6EECF244321}">
+                <p14:modId xmlns:p14="http://schemas.microsoft.com/office/powerpoint/2010/main" val="693433232"/>
+              </p:ext>
+            </p:extLst>
+          </p:nvPr>
+        </p:nvGraphicFramePr>
+        <p:xfrm>
+          <a:off x="1141413" y="2249488"/>
+          <a:ext cx="9906003" cy="2225040"/>
+        </p:xfrm>
+        <a:graphic>
+          <a:graphicData uri="http://schemas.openxmlformats.org/drawingml/2006/table">
+            <a:tbl>
+              <a:tblPr firstRow="1" bandRow="1">
+                <a:tableStyleId>{5C22544A-7EE6-4342-B048-85BDC9FD1C3A}</a:tableStyleId>
+              </a:tblPr>
+              <a:tblGrid>
+                <a:gridCol w="3302001">
+                  <a:extLst>
+                    <a:ext uri="{9D8B030D-6E8A-4147-A177-3AD203B41FA5}">
+                      <a16:colId xmlns:a16="http://schemas.microsoft.com/office/drawing/2014/main" val="493935080"/>
+                    </a:ext>
+                  </a:extLst>
+                </a:gridCol>
+                <a:gridCol w="3302001">
+                  <a:extLst>
+                    <a:ext uri="{9D8B030D-6E8A-4147-A177-3AD203B41FA5}">
+                      <a16:colId xmlns:a16="http://schemas.microsoft.com/office/drawing/2014/main" val="4264535401"/>
+                    </a:ext>
+                  </a:extLst>
+                </a:gridCol>
+                <a:gridCol w="3302001">
+                  <a:extLst>
+                    <a:ext uri="{9D8B030D-6E8A-4147-A177-3AD203B41FA5}">
+                      <a16:colId xmlns:a16="http://schemas.microsoft.com/office/drawing/2014/main" val="2095949783"/>
+                    </a:ext>
+                  </a:extLst>
+                </a:gridCol>
+              </a:tblGrid>
+              <a:tr h="370840">
+                <a:tc>
+                  <a:txBody>
+                    <a:bodyPr/>
+                    <a:lstStyle/>
+                    <a:p>
+                      <a:r>
+                        <a:rPr lang="en-US" dirty="0"/>
+                        <a:t>Name</a:t>
+                      </a:r>
+                    </a:p>
+                  </a:txBody>
+                  <a:tcPr marL="86140" marR="86140"/>
+                </a:tc>
+                <a:tc>
+                  <a:txBody>
+                    <a:bodyPr/>
+                    <a:lstStyle/>
+                    <a:p>
+                      <a:r>
+                        <a:rPr lang="en-US" dirty="0"/>
+                        <a:t>Phone</a:t>
+                      </a:r>
+                    </a:p>
+                  </a:txBody>
+                  <a:tcPr marL="86140" marR="86140"/>
+                </a:tc>
+                <a:tc>
+                  <a:txBody>
+                    <a:bodyPr/>
+                    <a:lstStyle/>
+                    <a:p>
+                      <a:r>
+                        <a:rPr lang="en-US" dirty="0"/>
+                        <a:t>Email</a:t>
+                      </a:r>
+                    </a:p>
+                  </a:txBody>
+                  <a:tcPr marL="86140" marR="86140"/>
+                </a:tc>
+                <a:extLst>
+                  <a:ext uri="{0D108BD9-81ED-4DB2-BD59-A6C34878D82A}">
+                    <a16:rowId xmlns:a16="http://schemas.microsoft.com/office/drawing/2014/main" val="2364225308"/>
+                  </a:ext>
+                </a:extLst>
+              </a:tr>
+              <a:tr h="370840">
+                <a:tc>
+                  <a:txBody>
+                    <a:bodyPr/>
+                    <a:lstStyle/>
+                    <a:p>
+                      <a:pPr marL="0" marR="0" lvl="0" indent="0" algn="l" defTabSz="914400" rtl="0" eaLnBrk="1" fontAlgn="auto" latinLnBrk="0" hangingPunct="1">
+                        <a:lnSpc>
+                          <a:spcPct val="100000"/>
+                        </a:lnSpc>
+                        <a:spcBef>
+                          <a:spcPts val="0"/>
+                        </a:spcBef>
+                        <a:spcAft>
+                          <a:spcPts val="0"/>
+                        </a:spcAft>
+                        <a:buClrTx/>
+                        <a:buSzTx/>
+                        <a:buFontTx/>
+                        <a:buNone/>
+                        <a:tabLst/>
+                        <a:defRPr/>
+                      </a:pPr>
+                      <a:r>
+                        <a:rPr lang="en-US" dirty="0"/>
+                        <a:t>Calogera McCormick</a:t>
+                      </a:r>
+                    </a:p>
+                  </a:txBody>
+                  <a:tcPr marL="86140" marR="86140"/>
+                </a:tc>
+                <a:tc>
+                  <a:txBody>
+                    <a:bodyPr/>
+                    <a:lstStyle/>
+                    <a:p>
+                      <a:r>
+                        <a:rPr lang="en-US" dirty="0"/>
+                        <a:t>973-634-8571</a:t>
+                      </a:r>
+                    </a:p>
+                  </a:txBody>
+                  <a:tcPr marL="86140" marR="86140"/>
+                </a:tc>
+                <a:tc>
+                  <a:txBody>
+                    <a:bodyPr/>
+                    <a:lstStyle/>
+                    <a:p>
+                      <a:endParaRPr lang="en-US"/>
+                    </a:p>
+                  </a:txBody>
+                  <a:tcPr marL="86140" marR="86140"/>
+                </a:tc>
+                <a:extLst>
+                  <a:ext uri="{0D108BD9-81ED-4DB2-BD59-A6C34878D82A}">
+                    <a16:rowId xmlns:a16="http://schemas.microsoft.com/office/drawing/2014/main" val="487768389"/>
+                  </a:ext>
+                </a:extLst>
+              </a:tr>
+              <a:tr h="370840">
+                <a:tc>
+                  <a:txBody>
+                    <a:bodyPr/>
+                    <a:lstStyle/>
+                    <a:p>
+                      <a:pPr marL="0" marR="0" lvl="0" indent="0" algn="l" defTabSz="914400" rtl="0" eaLnBrk="1" fontAlgn="auto" latinLnBrk="0" hangingPunct="1">
+                        <a:lnSpc>
+                          <a:spcPct val="100000"/>
+                        </a:lnSpc>
+                        <a:spcBef>
+                          <a:spcPts val="0"/>
+                        </a:spcBef>
+                        <a:spcAft>
+                          <a:spcPts val="0"/>
+                        </a:spcAft>
+                        <a:buClrTx/>
+                        <a:buSzTx/>
+                        <a:buFontTx/>
+                        <a:buNone/>
+                        <a:tabLst/>
+                        <a:defRPr/>
+                      </a:pPr>
+                      <a:r>
+                        <a:rPr lang="en-US" dirty="0" err="1"/>
+                        <a:t>Tawn</a:t>
+                      </a:r>
+                      <a:r>
+                        <a:rPr lang="en-US" dirty="0"/>
+                        <a:t> </a:t>
+                      </a:r>
+                      <a:r>
+                        <a:rPr lang="en-US" dirty="0" err="1"/>
+                        <a:t>Scotton</a:t>
+                      </a:r>
+                      <a:endParaRPr lang="en-US" dirty="0"/>
+                    </a:p>
+                  </a:txBody>
+                  <a:tcPr marL="86140" marR="86140"/>
+                </a:tc>
+                <a:tc>
+                  <a:txBody>
+                    <a:bodyPr/>
+                    <a:lstStyle/>
+                    <a:p>
+                      <a:endParaRPr lang="en-US" dirty="0"/>
+                    </a:p>
+                  </a:txBody>
+                  <a:tcPr marL="86140" marR="86140"/>
+                </a:tc>
+                <a:tc>
+                  <a:txBody>
+                    <a:bodyPr/>
+                    <a:lstStyle/>
+                    <a:p>
+                      <a:endParaRPr lang="en-US"/>
+                    </a:p>
+                  </a:txBody>
+                  <a:tcPr marL="86140" marR="86140"/>
+                </a:tc>
+                <a:extLst>
+                  <a:ext uri="{0D108BD9-81ED-4DB2-BD59-A6C34878D82A}">
+                    <a16:rowId xmlns:a16="http://schemas.microsoft.com/office/drawing/2014/main" val="3865353329"/>
+                  </a:ext>
+                </a:extLst>
+              </a:tr>
+              <a:tr h="370840">
+                <a:tc>
+                  <a:txBody>
+                    <a:bodyPr/>
+                    <a:lstStyle/>
+                    <a:p>
+                      <a:r>
+                        <a:rPr lang="en-US" dirty="0"/>
+                        <a:t>Jamie Cid</a:t>
+                      </a:r>
+                    </a:p>
+                  </a:txBody>
+                  <a:tcPr marL="86140" marR="86140"/>
+                </a:tc>
+                <a:tc>
+                  <a:txBody>
+                    <a:bodyPr/>
+                    <a:lstStyle/>
+                    <a:p>
+                      <a:endParaRPr lang="en-US"/>
+                    </a:p>
+                  </a:txBody>
+                  <a:tcPr marL="86140" marR="86140"/>
+                </a:tc>
+                <a:tc>
+                  <a:txBody>
+                    <a:bodyPr/>
+                    <a:lstStyle/>
+                    <a:p>
+                      <a:endParaRPr lang="en-US"/>
+                    </a:p>
+                  </a:txBody>
+                  <a:tcPr marL="86140" marR="86140"/>
+                </a:tc>
+                <a:extLst>
+                  <a:ext uri="{0D108BD9-81ED-4DB2-BD59-A6C34878D82A}">
+                    <a16:rowId xmlns:a16="http://schemas.microsoft.com/office/drawing/2014/main" val="3676232138"/>
+                  </a:ext>
+                </a:extLst>
+              </a:tr>
+              <a:tr h="370840">
+                <a:tc>
+                  <a:txBody>
+                    <a:bodyPr/>
+                    <a:lstStyle/>
+                    <a:p>
+                      <a:r>
+                        <a:rPr lang="en-US" dirty="0"/>
+                        <a:t>Sana </a:t>
+                      </a:r>
+                      <a:r>
+                        <a:rPr lang="en-US" dirty="0" err="1"/>
+                        <a:t>Ayubzai</a:t>
+                      </a:r>
+                      <a:endParaRPr lang="en-US" dirty="0"/>
+                    </a:p>
+                  </a:txBody>
+                  <a:tcPr marL="86140" marR="86140"/>
+                </a:tc>
+                <a:tc>
+                  <a:txBody>
+                    <a:bodyPr/>
+                    <a:lstStyle/>
+                    <a:p>
+                      <a:endParaRPr lang="en-US"/>
+                    </a:p>
+                  </a:txBody>
+                  <a:tcPr marL="86140" marR="86140"/>
+                </a:tc>
+                <a:tc>
+                  <a:txBody>
+                    <a:bodyPr/>
+                    <a:lstStyle/>
+                    <a:p>
+                      <a:endParaRPr lang="en-US"/>
+                    </a:p>
+                  </a:txBody>
+                  <a:tcPr marL="86140" marR="86140"/>
+                </a:tc>
+                <a:extLst>
+                  <a:ext uri="{0D108BD9-81ED-4DB2-BD59-A6C34878D82A}">
+                    <a16:rowId xmlns:a16="http://schemas.microsoft.com/office/drawing/2014/main" val="291637085"/>
+                  </a:ext>
+                </a:extLst>
+              </a:tr>
+              <a:tr h="370840">
+                <a:tc>
+                  <a:txBody>
+                    <a:bodyPr/>
+                    <a:lstStyle/>
+                    <a:p>
+                      <a:r>
+                        <a:rPr lang="en-US" dirty="0"/>
+                        <a:t>Minta Burke</a:t>
+                      </a:r>
+                    </a:p>
+                  </a:txBody>
+                  <a:tcPr marL="86140" marR="86140"/>
+                </a:tc>
+                <a:tc>
+                  <a:txBody>
+                    <a:bodyPr/>
+                    <a:lstStyle/>
+                    <a:p>
+                      <a:endParaRPr lang="en-US"/>
+                    </a:p>
+                  </a:txBody>
+                  <a:tcPr marL="86140" marR="86140"/>
+                </a:tc>
+                <a:tc>
+                  <a:txBody>
+                    <a:bodyPr/>
+                    <a:lstStyle/>
+                    <a:p>
+                      <a:endParaRPr lang="en-US" dirty="0"/>
+                    </a:p>
+                  </a:txBody>
+                  <a:tcPr marL="86140" marR="86140"/>
+                </a:tc>
+                <a:extLst>
+                  <a:ext uri="{0D108BD9-81ED-4DB2-BD59-A6C34878D82A}">
+                    <a16:rowId xmlns:a16="http://schemas.microsoft.com/office/drawing/2014/main" val="1230473942"/>
+                  </a:ext>
+                </a:extLst>
+              </a:tr>
+            </a:tbl>
+          </a:graphicData>
+        </a:graphic>
+      </p:graphicFrame>
+    </p:spTree>
+    <p:extLst>
+      <p:ext uri="{BB962C8B-B14F-4D97-AF65-F5344CB8AC3E}">
+        <p14:creationId xmlns:p14="http://schemas.microsoft.com/office/powerpoint/2010/main" val="890501272"/>
+      </p:ext>
+    </p:extLst>
+  </p:cSld>
+  <p:clrMapOvr>
+    <a:masterClrMapping/>
+  </p:clrMapOvr>
+</p:sld>
+</file>
+
+<file path=ppt/slides/slide6.xml><?xml version="1.0" encoding="utf-8"?>
+<p:sld xmlns:a="http://schemas.openxmlformats.org/drawingml/2006/main" xmlns:r="http://schemas.openxmlformats.org/officeDocument/2006/relationships" xmlns:p="http://schemas.openxmlformats.org/presentationml/2006/main">
+  <p:cSld>
+    <p:bg>
+      <p:bgPr>
+        <a:blipFill>
+          <a:blip r:embed="rId2">
+            <a:duotone>
+              <a:schemeClr val="bg2">
+                <a:shade val="88000"/>
+                <a:hueMod val="106000"/>
+                <a:satMod val="140000"/>
+                <a:lumMod val="54000"/>
+              </a:schemeClr>
+              <a:schemeClr val="bg2">
+                <a:tint val="98000"/>
+                <a:hueMod val="90000"/>
+                <a:satMod val="150000"/>
+                <a:lumMod val="160000"/>
+              </a:schemeClr>
+            </a:duotone>
+          </a:blip>
+          <a:stretch/>
+        </a:blipFill>
+        <a:effectLst/>
+      </p:bgPr>
+    </p:bg>
+    <p:spTree>
+      <p:nvGrpSpPr>
+        <p:cNvPr id="1" name=""/>
+        <p:cNvGrpSpPr/>
+        <p:nvPr/>
+      </p:nvGrpSpPr>
+      <p:grpSpPr>
+        <a:xfrm>
+          <a:off x="0" y="0"/>
+          <a:ext cx="0" cy="0"/>
+          <a:chOff x="0" y="0"/>
+          <a:chExt cx="0" cy="0"/>
+        </a:xfrm>
+      </p:grpSpPr>
+      <p:grpSp>
+        <p:nvGrpSpPr>
+          <p:cNvPr id="11" name="Group 10">
+            <a:extLst>
+              <a:ext uri="{FF2B5EF4-FFF2-40B4-BE49-F238E27FC236}">
+                <a16:creationId xmlns:a16="http://schemas.microsoft.com/office/drawing/2014/main" id="{1351B104-9B78-4A2B-B970-FA8ABE1CE12D}"/>
+              </a:ext>
+              <a:ext uri="{C183D7F6-B498-43B3-948B-1728B52AA6E4}">
+                <adec:decorative xmlns:adec="http://schemas.microsoft.com/office/drawing/2017/decorative" val="1"/>
+              </a:ext>
+            </a:extLst>
+          </p:cNvPr>
+          <p:cNvGrpSpPr>
+            <a:grpSpLocks noGrp="1" noUngrp="1" noRot="1" noChangeAspect="1" noMove="1" noResize="1"/>
+          </p:cNvGrpSpPr>
+          <p:nvPr>
+            <p:extLst>
+              <p:ext uri="{386F3935-93C4-4BCD-93E2-E3B085C9AB24}">
+                <p16:designElem xmlns:p16="http://schemas.microsoft.com/office/powerpoint/2015/main" val="1"/>
+              </p:ext>
+            </p:extLst>
+          </p:nvPr>
+        </p:nvGrpSpPr>
+        <p:grpSpPr>
+          <a:xfrm>
+            <a:off x="0" y="-1"/>
+            <a:ext cx="12192003" cy="6858001"/>
+            <a:chOff x="0" y="-1"/>
+            <a:chExt cx="12192003" cy="6858001"/>
+          </a:xfrm>
+        </p:grpSpPr>
+        <p:sp useBgFill="1">
+          <p:nvSpPr>
+            <p:cNvPr id="12" name="Rectangle 11">
+              <a:extLst>
+                <a:ext uri="{FF2B5EF4-FFF2-40B4-BE49-F238E27FC236}">
+                  <a16:creationId xmlns:a16="http://schemas.microsoft.com/office/drawing/2014/main" id="{3A130E84-D02F-40FB-9BEB-52023927138B}"/>
+                </a:ext>
+                <a:ext uri="{C183D7F6-B498-43B3-948B-1728B52AA6E4}">
+                  <adec:decorative xmlns:adec="http://schemas.microsoft.com/office/drawing/2017/decorative" val="1"/>
+                </a:ext>
+              </a:extLst>
+            </p:cNvPr>
+            <p:cNvSpPr/>
+            <p:nvPr>
+              <p:extLst>
+                <p:ext uri="{386F3935-93C4-4BCD-93E2-E3B085C9AB24}">
+                  <p16:designElem xmlns:p16="http://schemas.microsoft.com/office/powerpoint/2015/main" val="1"/>
+                </p:ext>
+              </p:extLst>
+            </p:nvPr>
+          </p:nvSpPr>
+          <p:spPr>
+            <a:xfrm>
+              <a:off x="1" y="-1"/>
+              <a:ext cx="12192000" cy="6858000"/>
+            </a:xfrm>
+            <a:prstGeom prst="rect">
+              <a:avLst/>
+            </a:prstGeom>
+            <a:ln>
+              <a:noFill/>
+            </a:ln>
+          </p:spPr>
+          <p:style>
+            <a:lnRef idx="2">
+              <a:schemeClr val="accent1">
+                <a:shade val="50000"/>
+              </a:schemeClr>
+            </a:lnRef>
+            <a:fillRef idx="1">
+              <a:schemeClr val="accent1"/>
+            </a:fillRef>
+            <a:effectRef idx="0">
+              <a:schemeClr val="accent1"/>
+            </a:effectRef>
+            <a:fontRef idx="minor">
+              <a:schemeClr val="lt1"/>
+            </a:fontRef>
+          </p:style>
+          <p:txBody>
+            <a:bodyPr rtlCol="0" anchor="ctr"/>
+            <a:lstStyle/>
+            <a:p>
+              <a:pPr algn="ctr"/>
+              <a:endParaRPr lang="en-US"/>
+            </a:p>
+          </p:txBody>
+        </p:sp>
+        <p:pic>
+          <p:nvPicPr>
+            <p:cNvPr id="13" name="Picture 2">
+              <a:extLst>
+                <a:ext uri="{FF2B5EF4-FFF2-40B4-BE49-F238E27FC236}">
+                  <a16:creationId xmlns:a16="http://schemas.microsoft.com/office/drawing/2014/main" id="{5E142BFD-7D75-4518-BBDF-27C00AB4BC7F}"/>
+                </a:ext>
+                <a:ext uri="{C183D7F6-B498-43B3-948B-1728B52AA6E4}">
+                  <adec:decorative xmlns:adec="http://schemas.microsoft.com/office/drawing/2017/decorative" val="1"/>
+                </a:ext>
+              </a:extLst>
+            </p:cNvPr>
+            <p:cNvPicPr>
+              <a:picLocks noChangeAspect="1" noChangeArrowheads="1"/>
+            </p:cNvPicPr>
+            <p:nvPr>
+              <p:extLst>
+                <p:ext uri="{386F3935-93C4-4BCD-93E2-E3B085C9AB24}">
+                  <p16:designElem xmlns:p16="http://schemas.microsoft.com/office/powerpoint/2015/main" val="1"/>
+                </p:ext>
+              </p:extLst>
+            </p:nvPr>
+          </p:nvPicPr>
+          <p:blipFill>
+            <a:blip r:embed="rId3">
+              <a:alphaModFix amt="30000"/>
+              <a:duotone>
+                <a:prstClr val="black"/>
+                <a:schemeClr val="tx2">
+                  <a:tint val="45000"/>
+                  <a:satMod val="400000"/>
+                </a:schemeClr>
+              </a:duotone>
+              <a:extLst>
+                <a:ext uri="{28A0092B-C50C-407E-A947-70E740481C1C}">
+                  <a14:useLocalDpi xmlns:a14="http://schemas.microsoft.com/office/drawing/2010/main" val="0"/>
+                </a:ext>
+              </a:extLst>
+            </a:blip>
+            <a:srcRect/>
+            <a:stretch>
+              <a:fillRect/>
+            </a:stretch>
+          </p:blipFill>
+          <p:spPr bwMode="auto">
+            <a:xfrm>
+              <a:off x="0" y="-1"/>
+              <a:ext cx="12192003" cy="6858001"/>
+            </a:xfrm>
+            <a:prstGeom prst="rect">
+              <a:avLst/>
+            </a:prstGeom>
+            <a:noFill/>
+            <a:extLst>
+              <a:ext uri="{909E8E84-426E-40dd-AFC4-6F175D3DCCD1}">
+                <a14:hiddenFill xmlns="" xmlns:a16="http://schemas.microsoft.com/office/drawing/2014/main" xmlns:a14="http://schemas.microsoft.com/office/drawing/2010/main" xmlns:p14="http://schemas.microsoft.com/office/powerpoint/2010/main">
+                  <a:solidFill>
+                    <a:srgbClr val="FFFFFF"/>
+                  </a:solidFill>
+                </a14:hiddenFill>
+              </a:ext>
+            </a:extLst>
+          </p:spPr>
+        </p:pic>
+      </p:grpSp>
+      <p:sp>
+        <p:nvSpPr>
+          <p:cNvPr id="4" name="Title 3">
+            <a:extLst>
+              <a:ext uri="{FF2B5EF4-FFF2-40B4-BE49-F238E27FC236}">
+                <a16:creationId xmlns:a16="http://schemas.microsoft.com/office/drawing/2014/main" id="{7D81827A-A814-0C1E-2A0D-3D112A65A379}"/>
+              </a:ext>
+            </a:extLst>
+          </p:cNvPr>
+          <p:cNvSpPr>
+            <a:spLocks noGrp="1"/>
+          </p:cNvSpPr>
+          <p:nvPr>
+            <p:ph type="ctrTitle"/>
+          </p:nvPr>
+        </p:nvSpPr>
+        <p:spPr>
+          <a:xfrm>
+            <a:off x="6615112" y="1122363"/>
+            <a:ext cx="4052887" cy="2387600"/>
+          </a:xfrm>
+        </p:spPr>
+        <p:txBody>
+          <a:bodyPr>
+            <a:normAutofit/>
+          </a:bodyPr>
+          <a:lstStyle/>
+          <a:p>
+            <a:r>
+              <a:rPr lang="en-US" dirty="0"/>
+              <a:t>BACKUP</a:t>
+            </a:r>
+          </a:p>
+        </p:txBody>
+      </p:sp>
+      <p:sp>
+        <p:nvSpPr>
+          <p:cNvPr id="5" name="Subtitle 4">
+            <a:extLst>
+              <a:ext uri="{FF2B5EF4-FFF2-40B4-BE49-F238E27FC236}">
+                <a16:creationId xmlns:a16="http://schemas.microsoft.com/office/drawing/2014/main" id="{DB967F1F-10A1-2263-CDDF-107EAEA067E6}"/>
+              </a:ext>
+            </a:extLst>
+          </p:cNvPr>
+          <p:cNvSpPr>
+            <a:spLocks noGrp="1"/>
+          </p:cNvSpPr>
+          <p:nvPr>
+            <p:ph type="subTitle" idx="1"/>
+          </p:nvPr>
+        </p:nvSpPr>
+        <p:spPr>
+          <a:xfrm>
+            <a:off x="6585702" y="3602038"/>
+            <a:ext cx="4082297" cy="1655762"/>
+          </a:xfrm>
+        </p:spPr>
+        <p:txBody>
+          <a:bodyPr>
+            <a:normAutofit/>
+          </a:bodyPr>
+          <a:lstStyle/>
+          <a:p>
+            <a:endParaRPr lang="en-US"/>
+          </a:p>
+        </p:txBody>
+      </p:sp>
+      <p:pic>
+        <p:nvPicPr>
+          <p:cNvPr id="7" name="Picture 6" descr="Illuminated server room panel">
+            <a:extLst>
+              <a:ext uri="{FF2B5EF4-FFF2-40B4-BE49-F238E27FC236}">
+                <a16:creationId xmlns:a16="http://schemas.microsoft.com/office/drawing/2014/main" id="{A4BE3D2D-B86E-8A1F-39B0-A02F97E1346C}"/>
+              </a:ext>
+            </a:extLst>
+          </p:cNvPr>
+          <p:cNvPicPr>
+            <a:picLocks noChangeAspect="1"/>
+          </p:cNvPicPr>
+          <p:nvPr/>
+        </p:nvPicPr>
+        <p:blipFill rotWithShape="1">
+          <a:blip r:embed="rId4"/>
+          <a:srcRect l="16940" r="23671" b="-1"/>
+          <a:stretch/>
+        </p:blipFill>
+        <p:spPr>
+          <a:xfrm>
+            <a:off x="-5597" y="10"/>
+            <a:ext cx="6101597" cy="6857990"/>
+          </a:xfrm>
+          <a:prstGeom prst="rect">
+            <a:avLst/>
+          </a:prstGeom>
+        </p:spPr>
+      </p:pic>
+      <p:grpSp>
+        <p:nvGrpSpPr>
+          <p:cNvPr id="15" name="Group 14">
+            <a:extLst>
+              <a:ext uri="{FF2B5EF4-FFF2-40B4-BE49-F238E27FC236}">
+                <a16:creationId xmlns:a16="http://schemas.microsoft.com/office/drawing/2014/main" id="{D4116A08-770E-4DC3-AAB6-E3E8E6CEC832}"/>
+              </a:ext>
+              <a:ext uri="{C183D7F6-B498-43B3-948B-1728B52AA6E4}">
+                <adec:decorative xmlns:adec="http://schemas.microsoft.com/office/drawing/2017/decorative" val="1"/>
+              </a:ext>
+            </a:extLst>
+          </p:cNvPr>
+          <p:cNvGrpSpPr>
+            <a:grpSpLocks noGrp="1" noUngrp="1" noRot="1" noChangeAspect="1" noMove="1" noResize="1"/>
+          </p:cNvGrpSpPr>
+          <p:nvPr>
+            <p:extLst>
+              <p:ext uri="{386F3935-93C4-4BCD-93E2-E3B085C9AB24}">
+                <p16:designElem xmlns:p16="http://schemas.microsoft.com/office/powerpoint/2015/main" val="1"/>
+              </p:ext>
+            </p:extLst>
+          </p:nvPr>
+        </p:nvGrpSpPr>
+        <p:grpSpPr>
+          <a:xfrm>
+            <a:off x="0" y="0"/>
+            <a:ext cx="2305051" cy="6858001"/>
+            <a:chOff x="0" y="0"/>
+            <a:chExt cx="2305051" cy="6858001"/>
+          </a:xfrm>
+          <a:solidFill>
+            <a:schemeClr val="tx1">
+              <a:alpha val="70000"/>
+            </a:schemeClr>
+          </a:solidFill>
+          <a:effectLst/>
+        </p:grpSpPr>
+        <p:sp>
+          <p:nvSpPr>
+            <p:cNvPr id="16" name="Rectangle 5">
+              <a:extLst>
+                <a:ext uri="{FF2B5EF4-FFF2-40B4-BE49-F238E27FC236}">
+                  <a16:creationId xmlns:a16="http://schemas.microsoft.com/office/drawing/2014/main" id="{6ADECFB2-F615-49A9-A242-A3D04CADB0B8}"/>
+                </a:ext>
+                <a:ext uri="{C183D7F6-B498-43B3-948B-1728B52AA6E4}">
+                  <adec:decorative xmlns:adec="http://schemas.microsoft.com/office/drawing/2017/decorative" val="1"/>
+                </a:ext>
+              </a:extLst>
+            </p:cNvPr>
+            <p:cNvSpPr>
+              <a:spLocks noChangeArrowheads="1"/>
+            </p:cNvSpPr>
+            <p:nvPr>
+              <p:extLst>
+                <p:ext uri="{386F3935-93C4-4BCD-93E2-E3B085C9AB24}">
+                  <p16:designElem xmlns:p16="http://schemas.microsoft.com/office/powerpoint/2015/main" val="1"/>
+                </p:ext>
+              </p:extLst>
+            </p:nvPr>
+          </p:nvSpPr>
+          <p:spPr bwMode="auto">
+            <a:xfrm>
+              <a:off x="1209675" y="4763"/>
+              <a:ext cx="23813" cy="2181225"/>
+            </a:xfrm>
+            <a:prstGeom prst="rect">
+              <a:avLst/>
+            </a:prstGeom>
+            <a:grpFill/>
+            <a:ln>
+              <a:noFill/>
+            </a:ln>
+            <a:extLst>
+              <a:ext uri="{91240B29-F687-4f45-9708-019B960494DF}">
+                <a14:hiddenLine xmlns="" xmlns:a16="http://schemas.microsoft.com/office/drawing/2014/main" xmlns:a14="http://schemas.microsoft.com/office/drawing/2010/main" xmlns:p14="http://schemas.microsoft.com/office/powerpoint/2010/main" w="9525">
+                  <a:solidFill>
+                    <a:srgbClr val="000000"/>
+                  </a:solidFill>
+                  <a:miter lim="800000"/>
+                  <a:headEnd/>
+                  <a:tailEnd/>
+                </a14:hiddenLine>
+              </a:ext>
+            </a:extLst>
+          </p:spPr>
+        </p:sp>
+        <p:sp>
+          <p:nvSpPr>
+            <p:cNvPr id="17" name="Freeform 6">
+              <a:extLst>
+                <a:ext uri="{FF2B5EF4-FFF2-40B4-BE49-F238E27FC236}">
+                  <a16:creationId xmlns:a16="http://schemas.microsoft.com/office/drawing/2014/main" id="{8E1F3AC6-5FF1-401B-91E4-180D1D35601C}"/>
+                </a:ext>
+                <a:ext uri="{C183D7F6-B498-43B3-948B-1728B52AA6E4}">
+                  <adec:decorative xmlns:adec="http://schemas.microsoft.com/office/drawing/2017/decorative" val="1"/>
+                </a:ext>
+              </a:extLst>
+            </p:cNvPr>
+            <p:cNvSpPr>
+              <a:spLocks noEditPoints="1"/>
+            </p:cNvSpPr>
+            <p:nvPr>
+              <p:extLst>
+                <p:ext uri="{386F3935-93C4-4BCD-93E2-E3B085C9AB24}">
+                  <p16:designElem xmlns:p16="http://schemas.microsoft.com/office/powerpoint/2015/main" val="1"/>
+                </p:ext>
+              </p:extLst>
+            </p:nvPr>
+          </p:nvSpPr>
+          <p:spPr bwMode="auto">
+            <a:xfrm>
+              <a:off x="1128713" y="2176463"/>
+              <a:ext cx="190500" cy="190500"/>
+            </a:xfrm>
+            <a:custGeom>
+              <a:avLst/>
+              <a:gdLst/>
+              <a:ahLst/>
+              <a:cxnLst/>
+              <a:rect l="0" t="0" r="r" b="b"/>
+              <a:pathLst>
+                <a:path w="40" h="40">
+                  <a:moveTo>
+                    <a:pt x="20" y="40"/>
+                  </a:moveTo>
+                  <a:cubicBezTo>
+                    <a:pt x="9" y="40"/>
+                    <a:pt x="0" y="31"/>
+                    <a:pt x="0" y="20"/>
+                  </a:cubicBezTo>
+                  <a:cubicBezTo>
+                    <a:pt x="0" y="9"/>
+                    <a:pt x="9" y="0"/>
+                    <a:pt x="20" y="0"/>
+                  </a:cubicBezTo>
+                  <a:cubicBezTo>
+                    <a:pt x="31" y="0"/>
+                    <a:pt x="40" y="9"/>
+                    <a:pt x="40" y="20"/>
+                  </a:cubicBezTo>
+                  <a:cubicBezTo>
+                    <a:pt x="40" y="31"/>
+                    <a:pt x="31" y="40"/>
+                    <a:pt x="20" y="40"/>
+                  </a:cubicBezTo>
+                  <a:close/>
+                  <a:moveTo>
+                    <a:pt x="20" y="4"/>
+                  </a:moveTo>
+                  <a:cubicBezTo>
+                    <a:pt x="11" y="4"/>
+                    <a:pt x="4" y="11"/>
+                    <a:pt x="4" y="20"/>
+                  </a:cubicBezTo>
+                  <a:cubicBezTo>
+                    <a:pt x="4" y="29"/>
+                    <a:pt x="11" y="36"/>
+                    <a:pt x="20" y="36"/>
+                  </a:cubicBezTo>
+                  <a:cubicBezTo>
+                    <a:pt x="28" y="36"/>
+                    <a:pt x="36" y="29"/>
+                    <a:pt x="36" y="20"/>
+                  </a:cubicBezTo>
+                  <a:cubicBezTo>
+                    <a:pt x="36" y="11"/>
+                    <a:pt x="28" y="4"/>
+                    <a:pt x="20" y="4"/>
+                  </a:cubicBezTo>
+                  <a:close/>
+                </a:path>
+              </a:pathLst>
+            </a:custGeom>
+            <a:grpFill/>
+            <a:ln>
+              <a:noFill/>
+            </a:ln>
+            <a:extLst>
+              <a:ext uri="{91240B29-F687-4f45-9708-019B960494DF}">
+                <a14:hiddenLine xmlns="" xmlns:a16="http://schemas.microsoft.com/office/drawing/2014/main" xmlns:a14="http://schemas.microsoft.com/office/drawing/2010/main" xmlns:p14="http://schemas.microsoft.com/office/powerpoint/2010/main" w="9525">
+                  <a:solidFill>
+                    <a:srgbClr val="000000"/>
+                  </a:solidFill>
+                  <a:round/>
+                  <a:headEnd/>
+                  <a:tailEnd/>
+                </a14:hiddenLine>
+              </a:ext>
+            </a:extLst>
+          </p:spPr>
+        </p:sp>
+        <p:sp>
+          <p:nvSpPr>
+            <p:cNvPr id="18" name="Freeform 7">
+              <a:extLst>
+                <a:ext uri="{FF2B5EF4-FFF2-40B4-BE49-F238E27FC236}">
+                  <a16:creationId xmlns:a16="http://schemas.microsoft.com/office/drawing/2014/main" id="{72BC7A9D-387B-4877-B8E6-E8ABA6B2655E}"/>
+                </a:ext>
+                <a:ext uri="{C183D7F6-B498-43B3-948B-1728B52AA6E4}">
+                  <adec:decorative xmlns:adec="http://schemas.microsoft.com/office/drawing/2017/decorative" val="1"/>
+                </a:ext>
+              </a:extLst>
+            </p:cNvPr>
+            <p:cNvSpPr>
+              <a:spLocks noEditPoints="1"/>
+            </p:cNvSpPr>
+            <p:nvPr>
+              <p:extLst>
+                <p:ext uri="{386F3935-93C4-4BCD-93E2-E3B085C9AB24}">
+                  <p16:designElem xmlns:p16="http://schemas.microsoft.com/office/powerpoint/2015/main" val="1"/>
+                </p:ext>
+              </p:extLst>
+            </p:nvPr>
+          </p:nvSpPr>
+          <p:spPr bwMode="auto">
+            <a:xfrm>
+              <a:off x="1123950" y="4021138"/>
+              <a:ext cx="190500" cy="188913"/>
+            </a:xfrm>
+            <a:custGeom>
+              <a:avLst/>
+              <a:gdLst/>
+              <a:ahLst/>
+              <a:cxnLst/>
+              <a:rect l="0" t="0" r="r" b="b"/>
+              <a:pathLst>
+                <a:path w="40" h="40">
+                  <a:moveTo>
+                    <a:pt x="20" y="40"/>
+                  </a:moveTo>
+                  <a:cubicBezTo>
+                    <a:pt x="9" y="40"/>
+                    <a:pt x="0" y="31"/>
+                    <a:pt x="0" y="20"/>
+                  </a:cubicBezTo>
+                  <a:cubicBezTo>
+                    <a:pt x="0" y="9"/>
+                    <a:pt x="9" y="0"/>
+                    <a:pt x="20" y="0"/>
+                  </a:cubicBezTo>
+                  <a:cubicBezTo>
+                    <a:pt x="31" y="0"/>
+                    <a:pt x="40" y="9"/>
+                    <a:pt x="40" y="20"/>
+                  </a:cubicBezTo>
+                  <a:cubicBezTo>
+                    <a:pt x="40" y="31"/>
+                    <a:pt x="31" y="40"/>
+                    <a:pt x="20" y="40"/>
+                  </a:cubicBezTo>
+                  <a:close/>
+                  <a:moveTo>
+                    <a:pt x="20" y="4"/>
+                  </a:moveTo>
+                  <a:cubicBezTo>
+                    <a:pt x="11" y="4"/>
+                    <a:pt x="4" y="11"/>
+                    <a:pt x="4" y="20"/>
+                  </a:cubicBezTo>
+                  <a:cubicBezTo>
+                    <a:pt x="4" y="29"/>
+                    <a:pt x="11" y="36"/>
+                    <a:pt x="20" y="36"/>
+                  </a:cubicBezTo>
+                  <a:cubicBezTo>
+                    <a:pt x="29" y="36"/>
+                    <a:pt x="36" y="29"/>
+                    <a:pt x="36" y="20"/>
+                  </a:cubicBezTo>
+                  <a:cubicBezTo>
+                    <a:pt x="36" y="11"/>
+                    <a:pt x="29" y="4"/>
+                    <a:pt x="20" y="4"/>
+                  </a:cubicBezTo>
+                  <a:close/>
+                </a:path>
+              </a:pathLst>
+            </a:custGeom>
+            <a:grpFill/>
+            <a:ln>
+              <a:noFill/>
+            </a:ln>
+            <a:extLst>
+              <a:ext uri="{91240B29-F687-4f45-9708-019B960494DF}">
+                <a14:hiddenLine xmlns="" xmlns:a16="http://schemas.microsoft.com/office/drawing/2014/main" xmlns:a14="http://schemas.microsoft.com/office/drawing/2010/main" xmlns:p14="http://schemas.microsoft.com/office/powerpoint/2010/main" w="9525">
+                  <a:solidFill>
+                    <a:srgbClr val="000000"/>
+                  </a:solidFill>
+                  <a:round/>
+                  <a:headEnd/>
+                  <a:tailEnd/>
+                </a14:hiddenLine>
+              </a:ext>
+            </a:extLst>
+          </p:spPr>
+        </p:sp>
+        <p:sp>
+          <p:nvSpPr>
+            <p:cNvPr id="19" name="Rectangle 8">
+              <a:extLst>
+                <a:ext uri="{FF2B5EF4-FFF2-40B4-BE49-F238E27FC236}">
+                  <a16:creationId xmlns:a16="http://schemas.microsoft.com/office/drawing/2014/main" id="{9114560A-27D6-469D-992E-33A55B40BA0E}"/>
+                </a:ext>
+                <a:ext uri="{C183D7F6-B498-43B3-948B-1728B52AA6E4}">
+                  <adec:decorative xmlns:adec="http://schemas.microsoft.com/office/drawing/2017/decorative" val="1"/>
+                </a:ext>
+              </a:extLst>
+            </p:cNvPr>
+            <p:cNvSpPr>
+              <a:spLocks noChangeArrowheads="1"/>
+            </p:cNvSpPr>
+            <p:nvPr>
+              <p:extLst>
+                <p:ext uri="{386F3935-93C4-4BCD-93E2-E3B085C9AB24}">
+                  <p16:designElem xmlns:p16="http://schemas.microsoft.com/office/powerpoint/2015/main" val="1"/>
+                </p:ext>
+              </p:extLst>
+            </p:nvPr>
+          </p:nvSpPr>
+          <p:spPr bwMode="auto">
+            <a:xfrm>
+              <a:off x="414338" y="9525"/>
+              <a:ext cx="28575" cy="4481513"/>
+            </a:xfrm>
+            <a:prstGeom prst="rect">
+              <a:avLst/>
+            </a:prstGeom>
+            <a:grpFill/>
+            <a:ln>
+              <a:noFill/>
+            </a:ln>
+            <a:extLst>
+              <a:ext uri="{91240B29-F687-4f45-9708-019B960494DF}">
+                <a14:hiddenLine xmlns="" xmlns:a16="http://schemas.microsoft.com/office/drawing/2014/main" xmlns:a14="http://schemas.microsoft.com/office/drawing/2010/main" xmlns:p14="http://schemas.microsoft.com/office/powerpoint/2010/main" w="9525">
+                  <a:solidFill>
+                    <a:srgbClr val="000000"/>
+                  </a:solidFill>
+                  <a:miter lim="800000"/>
+                  <a:headEnd/>
+                  <a:tailEnd/>
+                </a14:hiddenLine>
+              </a:ext>
+            </a:extLst>
+          </p:spPr>
+        </p:sp>
+        <p:sp>
+          <p:nvSpPr>
+            <p:cNvPr id="20" name="Freeform 9">
+              <a:extLst>
+                <a:ext uri="{FF2B5EF4-FFF2-40B4-BE49-F238E27FC236}">
+                  <a16:creationId xmlns:a16="http://schemas.microsoft.com/office/drawing/2014/main" id="{CBF136EF-7DC2-47D2-974C-70044B5E901C}"/>
+                </a:ext>
+                <a:ext uri="{C183D7F6-B498-43B3-948B-1728B52AA6E4}">
+                  <adec:decorative xmlns:adec="http://schemas.microsoft.com/office/drawing/2017/decorative" val="1"/>
+                </a:ext>
+              </a:extLst>
+            </p:cNvPr>
+            <p:cNvSpPr>
+              <a:spLocks noEditPoints="1"/>
+            </p:cNvSpPr>
+            <p:nvPr>
+              <p:extLst>
+                <p:ext uri="{386F3935-93C4-4BCD-93E2-E3B085C9AB24}">
+                  <p16:designElem xmlns:p16="http://schemas.microsoft.com/office/powerpoint/2015/main" val="1"/>
+                </p:ext>
+              </p:extLst>
+            </p:nvPr>
+          </p:nvSpPr>
+          <p:spPr bwMode="auto">
+            <a:xfrm>
+              <a:off x="333375" y="4481513"/>
+              <a:ext cx="190500" cy="190500"/>
+            </a:xfrm>
+            <a:custGeom>
+              <a:avLst/>
+              <a:gdLst/>
+              <a:ahLst/>
+              <a:cxnLst/>
+              <a:rect l="0" t="0" r="r" b="b"/>
+              <a:pathLst>
+                <a:path w="40" h="40">
+                  <a:moveTo>
+                    <a:pt x="20" y="40"/>
+                  </a:moveTo>
+                  <a:cubicBezTo>
+                    <a:pt x="9" y="40"/>
+                    <a:pt x="0" y="31"/>
+                    <a:pt x="0" y="20"/>
+                  </a:cubicBezTo>
+                  <a:cubicBezTo>
+                    <a:pt x="0" y="9"/>
+                    <a:pt x="9" y="0"/>
+                    <a:pt x="20" y="0"/>
+                  </a:cubicBezTo>
+                  <a:cubicBezTo>
+                    <a:pt x="31" y="0"/>
+                    <a:pt x="40" y="9"/>
+                    <a:pt x="40" y="20"/>
+                  </a:cubicBezTo>
+                  <a:cubicBezTo>
+                    <a:pt x="40" y="31"/>
+                    <a:pt x="31" y="40"/>
+                    <a:pt x="20" y="40"/>
+                  </a:cubicBezTo>
+                  <a:close/>
+                  <a:moveTo>
+                    <a:pt x="20" y="4"/>
+                  </a:moveTo>
+                  <a:cubicBezTo>
+                    <a:pt x="11" y="4"/>
+                    <a:pt x="4" y="11"/>
+                    <a:pt x="4" y="20"/>
+                  </a:cubicBezTo>
+                  <a:cubicBezTo>
+                    <a:pt x="4" y="29"/>
+                    <a:pt x="11" y="36"/>
+                    <a:pt x="20" y="36"/>
+                  </a:cubicBezTo>
+                  <a:cubicBezTo>
+                    <a:pt x="29" y="36"/>
+                    <a:pt x="36" y="29"/>
+                    <a:pt x="36" y="20"/>
+                  </a:cubicBezTo>
+                  <a:cubicBezTo>
+                    <a:pt x="36" y="11"/>
+                    <a:pt x="29" y="4"/>
+                    <a:pt x="20" y="4"/>
+                  </a:cubicBezTo>
+                  <a:close/>
+                </a:path>
+              </a:pathLst>
+            </a:custGeom>
+            <a:grpFill/>
+            <a:ln>
+              <a:noFill/>
+            </a:ln>
+            <a:extLst>
+              <a:ext uri="{91240B29-F687-4f45-9708-019B960494DF}">
+                <a14:hiddenLine xmlns="" xmlns:a16="http://schemas.microsoft.com/office/drawing/2014/main" xmlns:a14="http://schemas.microsoft.com/office/drawing/2010/main" xmlns:p14="http://schemas.microsoft.com/office/powerpoint/2010/main" w="9525">
+                  <a:solidFill>
+                    <a:srgbClr val="000000"/>
+                  </a:solidFill>
+                  <a:round/>
+                  <a:headEnd/>
+                  <a:tailEnd/>
+                </a14:hiddenLine>
+              </a:ext>
+            </a:extLst>
+          </p:spPr>
+        </p:sp>
+        <p:sp>
+          <p:nvSpPr>
+            <p:cNvPr id="21" name="Freeform 10">
+              <a:extLst>
+                <a:ext uri="{FF2B5EF4-FFF2-40B4-BE49-F238E27FC236}">
+                  <a16:creationId xmlns:a16="http://schemas.microsoft.com/office/drawing/2014/main" id="{6B03084D-F566-41C4-BE37-870FB5A0D1F6}"/>
+                </a:ext>
+                <a:ext uri="{C183D7F6-B498-43B3-948B-1728B52AA6E4}">
+                  <adec:decorative xmlns:adec="http://schemas.microsoft.com/office/drawing/2017/decorative" val="1"/>
+                </a:ext>
+              </a:extLst>
+            </p:cNvPr>
+            <p:cNvSpPr/>
+            <p:nvPr>
+              <p:extLst>
+                <p:ext uri="{386F3935-93C4-4BCD-93E2-E3B085C9AB24}">
+                  <p16:designElem xmlns:p16="http://schemas.microsoft.com/office/powerpoint/2015/main" val="1"/>
+                </p:ext>
+              </p:extLst>
+            </p:nvPr>
+          </p:nvSpPr>
+          <p:spPr bwMode="auto">
+            <a:xfrm>
+              <a:off x="190500" y="9525"/>
+              <a:ext cx="152400" cy="908050"/>
+            </a:xfrm>
+            <a:custGeom>
+              <a:avLst/>
+              <a:gdLst/>
+              <a:ahLst/>
+              <a:cxnLst/>
+              <a:rect l="0" t="0" r="r" b="b"/>
+              <a:pathLst>
+                <a:path w="96" h="572">
+                  <a:moveTo>
+                    <a:pt x="15" y="572"/>
+                  </a:moveTo>
+                  <a:lnTo>
+                    <a:pt x="0" y="566"/>
+                  </a:lnTo>
+                  <a:lnTo>
+                    <a:pt x="81" y="380"/>
+                  </a:lnTo>
+                  <a:lnTo>
+                    <a:pt x="81" y="0"/>
+                  </a:lnTo>
+                  <a:lnTo>
+                    <a:pt x="96" y="0"/>
+                  </a:lnTo>
+                  <a:lnTo>
+                    <a:pt x="96" y="383"/>
+                  </a:lnTo>
+                  <a:lnTo>
+                    <a:pt x="15" y="572"/>
+                  </a:lnTo>
+                  <a:close/>
+                </a:path>
+              </a:pathLst>
+            </a:custGeom>
+            <a:grpFill/>
+            <a:ln>
+              <a:noFill/>
+            </a:ln>
+            <a:extLst>
+              <a:ext uri="{91240B29-F687-4f45-9708-019B960494DF}">
+                <a14:hiddenLine xmlns="" xmlns:a16="http://schemas.microsoft.com/office/drawing/2014/main" xmlns:a14="http://schemas.microsoft.com/office/drawing/2010/main" xmlns:p14="http://schemas.microsoft.com/office/powerpoint/2010/main" w="9525">
+                  <a:solidFill>
+                    <a:srgbClr val="000000"/>
+                  </a:solidFill>
+                  <a:round/>
+                  <a:headEnd/>
+                  <a:tailEnd/>
+                </a14:hiddenLine>
+              </a:ext>
+            </a:extLst>
+          </p:spPr>
+        </p:sp>
+        <p:sp>
+          <p:nvSpPr>
+            <p:cNvPr id="22" name="Freeform 11">
+              <a:extLst>
+                <a:ext uri="{FF2B5EF4-FFF2-40B4-BE49-F238E27FC236}">
+                  <a16:creationId xmlns:a16="http://schemas.microsoft.com/office/drawing/2014/main" id="{049DC21B-8236-4901-9ADD-E3167ABDE9BE}"/>
+                </a:ext>
+                <a:ext uri="{C183D7F6-B498-43B3-948B-1728B52AA6E4}">
+                  <adec:decorative xmlns:adec="http://schemas.microsoft.com/office/drawing/2017/decorative" val="1"/>
+                </a:ext>
+              </a:extLst>
+            </p:cNvPr>
+            <p:cNvSpPr/>
+            <p:nvPr>
+              <p:extLst>
+                <p:ext uri="{386F3935-93C4-4BCD-93E2-E3B085C9AB24}">
+                  <p16:designElem xmlns:p16="http://schemas.microsoft.com/office/powerpoint/2015/main" val="1"/>
+                </p:ext>
+              </p:extLst>
+            </p:nvPr>
+          </p:nvSpPr>
+          <p:spPr bwMode="auto">
+            <a:xfrm>
+              <a:off x="1290638" y="14288"/>
+              <a:ext cx="376238" cy="1801813"/>
+            </a:xfrm>
+            <a:custGeom>
+              <a:avLst/>
+              <a:gdLst/>
+              <a:ahLst/>
+              <a:cxnLst/>
+              <a:rect l="0" t="0" r="r" b="b"/>
+              <a:pathLst>
+                <a:path w="237" h="1135">
+                  <a:moveTo>
+                    <a:pt x="222" y="1135"/>
+                  </a:moveTo>
+                  <a:lnTo>
+                    <a:pt x="0" y="620"/>
+                  </a:lnTo>
+                  <a:lnTo>
+                    <a:pt x="0" y="0"/>
+                  </a:lnTo>
+                  <a:lnTo>
+                    <a:pt x="18" y="0"/>
+                  </a:lnTo>
+                  <a:lnTo>
+                    <a:pt x="18" y="617"/>
+                  </a:lnTo>
+                  <a:lnTo>
+                    <a:pt x="237" y="1129"/>
+                  </a:lnTo>
+                  <a:lnTo>
+                    <a:pt x="222" y="1135"/>
+                  </a:lnTo>
+                  <a:close/>
+                </a:path>
+              </a:pathLst>
+            </a:custGeom>
+            <a:grpFill/>
+            <a:ln>
+              <a:noFill/>
+            </a:ln>
+            <a:extLst>
+              <a:ext uri="{91240B29-F687-4f45-9708-019B960494DF}">
+                <a14:hiddenLine xmlns="" xmlns:a16="http://schemas.microsoft.com/office/drawing/2014/main" xmlns:a14="http://schemas.microsoft.com/office/drawing/2010/main" xmlns:p14="http://schemas.microsoft.com/office/powerpoint/2010/main" w="9525">
+                  <a:solidFill>
+                    <a:srgbClr val="000000"/>
+                  </a:solidFill>
+                  <a:round/>
+                  <a:headEnd/>
+                  <a:tailEnd/>
+                </a14:hiddenLine>
+              </a:ext>
+            </a:extLst>
+          </p:spPr>
+        </p:sp>
+        <p:sp>
+          <p:nvSpPr>
+            <p:cNvPr id="23" name="Freeform 12">
+              <a:extLst>
+                <a:ext uri="{FF2B5EF4-FFF2-40B4-BE49-F238E27FC236}">
+                  <a16:creationId xmlns:a16="http://schemas.microsoft.com/office/drawing/2014/main" id="{304F4FEB-8B5B-45BA-988C-5FBF41059EC7}"/>
+                </a:ext>
+                <a:ext uri="{C183D7F6-B498-43B3-948B-1728B52AA6E4}">
+                  <adec:decorative xmlns:adec="http://schemas.microsoft.com/office/drawing/2017/decorative" val="1"/>
+                </a:ext>
+              </a:extLst>
+            </p:cNvPr>
+            <p:cNvSpPr>
+              <a:spLocks noEditPoints="1"/>
+            </p:cNvSpPr>
+            <p:nvPr>
+              <p:extLst>
+                <p:ext uri="{386F3935-93C4-4BCD-93E2-E3B085C9AB24}">
+                  <p16:designElem xmlns:p16="http://schemas.microsoft.com/office/powerpoint/2015/main" val="1"/>
+                </p:ext>
+              </p:extLst>
+            </p:nvPr>
+          </p:nvSpPr>
+          <p:spPr bwMode="auto">
+            <a:xfrm>
+              <a:off x="1600200" y="1801813"/>
+              <a:ext cx="190500" cy="188913"/>
+            </a:xfrm>
+            <a:custGeom>
+              <a:avLst/>
+              <a:gdLst/>
+              <a:ahLst/>
+              <a:cxnLst/>
+              <a:rect l="0" t="0" r="r" b="b"/>
+              <a:pathLst>
+                <a:path w="40" h="40">
+                  <a:moveTo>
+                    <a:pt x="20" y="40"/>
+                  </a:moveTo>
+                  <a:cubicBezTo>
+                    <a:pt x="9" y="40"/>
+                    <a:pt x="0" y="31"/>
+                    <a:pt x="0" y="20"/>
+                  </a:cubicBezTo>
+                  <a:cubicBezTo>
+                    <a:pt x="0" y="9"/>
+                    <a:pt x="9" y="0"/>
+                    <a:pt x="20" y="0"/>
+                  </a:cubicBezTo>
+                  <a:cubicBezTo>
+                    <a:pt x="31" y="0"/>
+                    <a:pt x="40" y="9"/>
+                    <a:pt x="40" y="20"/>
+                  </a:cubicBezTo>
+                  <a:cubicBezTo>
+                    <a:pt x="40" y="31"/>
+                    <a:pt x="31" y="40"/>
+                    <a:pt x="20" y="40"/>
+                  </a:cubicBezTo>
+                  <a:close/>
+                  <a:moveTo>
+                    <a:pt x="20" y="4"/>
+                  </a:moveTo>
+                  <a:cubicBezTo>
+                    <a:pt x="11" y="4"/>
+                    <a:pt x="4" y="11"/>
+                    <a:pt x="4" y="20"/>
+                  </a:cubicBezTo>
+                  <a:cubicBezTo>
+                    <a:pt x="4" y="29"/>
+                    <a:pt x="11" y="36"/>
+                    <a:pt x="20" y="36"/>
+                  </a:cubicBezTo>
+                  <a:cubicBezTo>
+                    <a:pt x="28" y="36"/>
+                    <a:pt x="36" y="29"/>
+                    <a:pt x="36" y="20"/>
+                  </a:cubicBezTo>
+                  <a:cubicBezTo>
+                    <a:pt x="36" y="11"/>
+                    <a:pt x="28" y="4"/>
+                    <a:pt x="20" y="4"/>
+                  </a:cubicBezTo>
+                  <a:close/>
+                </a:path>
+              </a:pathLst>
+            </a:custGeom>
+            <a:grpFill/>
+            <a:ln>
+              <a:noFill/>
+            </a:ln>
+            <a:extLst>
+              <a:ext uri="{91240B29-F687-4f45-9708-019B960494DF}">
+                <a14:hiddenLine xmlns="" xmlns:a16="http://schemas.microsoft.com/office/drawing/2014/main" xmlns:a14="http://schemas.microsoft.com/office/drawing/2010/main" xmlns:p14="http://schemas.microsoft.com/office/powerpoint/2010/main" w="9525">
+                  <a:solidFill>
+                    <a:srgbClr val="000000"/>
+                  </a:solidFill>
+                  <a:round/>
+                  <a:headEnd/>
+                  <a:tailEnd/>
+                </a14:hiddenLine>
+              </a:ext>
+            </a:extLst>
+          </p:spPr>
+        </p:sp>
+        <p:sp>
+          <p:nvSpPr>
+            <p:cNvPr id="24" name="Freeform 13">
+              <a:extLst>
+                <a:ext uri="{FF2B5EF4-FFF2-40B4-BE49-F238E27FC236}">
+                  <a16:creationId xmlns:a16="http://schemas.microsoft.com/office/drawing/2014/main" id="{E88E24C8-3D76-4C2F-84D1-BC3C2AACA4E5}"/>
+                </a:ext>
+                <a:ext uri="{C183D7F6-B498-43B3-948B-1728B52AA6E4}">
+                  <adec:decorative xmlns:adec="http://schemas.microsoft.com/office/drawing/2017/decorative" val="1"/>
+                </a:ext>
+              </a:extLst>
+            </p:cNvPr>
+            <p:cNvSpPr/>
+            <p:nvPr>
+              <p:extLst>
+                <p:ext uri="{386F3935-93C4-4BCD-93E2-E3B085C9AB24}">
+                  <p16:designElem xmlns:p16="http://schemas.microsoft.com/office/powerpoint/2015/main" val="1"/>
+                </p:ext>
+              </p:extLst>
+            </p:nvPr>
+          </p:nvSpPr>
+          <p:spPr bwMode="auto">
+            <a:xfrm>
+              <a:off x="1381125" y="9525"/>
+              <a:ext cx="371475" cy="1425575"/>
+            </a:xfrm>
+            <a:custGeom>
+              <a:avLst/>
+              <a:gdLst/>
+              <a:ahLst/>
+              <a:cxnLst/>
+              <a:rect l="0" t="0" r="r" b="b"/>
+              <a:pathLst>
+                <a:path w="234" h="898">
+                  <a:moveTo>
+                    <a:pt x="219" y="898"/>
+                  </a:moveTo>
+                  <a:lnTo>
+                    <a:pt x="0" y="383"/>
+                  </a:lnTo>
+                  <a:lnTo>
+                    <a:pt x="0" y="0"/>
+                  </a:lnTo>
+                  <a:lnTo>
+                    <a:pt x="15" y="0"/>
+                  </a:lnTo>
+                  <a:lnTo>
+                    <a:pt x="15" y="380"/>
+                  </a:lnTo>
+                  <a:lnTo>
+                    <a:pt x="234" y="892"/>
+                  </a:lnTo>
+                  <a:lnTo>
+                    <a:pt x="219" y="898"/>
+                  </a:lnTo>
+                  <a:close/>
+                </a:path>
+              </a:pathLst>
+            </a:custGeom>
+            <a:grpFill/>
+            <a:ln>
+              <a:noFill/>
+            </a:ln>
+            <a:extLst>
+              <a:ext uri="{91240B29-F687-4f45-9708-019B960494DF}">
+                <a14:hiddenLine xmlns="" xmlns:a16="http://schemas.microsoft.com/office/drawing/2014/main" xmlns:a14="http://schemas.microsoft.com/office/drawing/2010/main" xmlns:p14="http://schemas.microsoft.com/office/powerpoint/2010/main" w="9525">
+                  <a:solidFill>
+                    <a:srgbClr val="000000"/>
+                  </a:solidFill>
+                  <a:round/>
+                  <a:headEnd/>
+                  <a:tailEnd/>
+                </a14:hiddenLine>
+              </a:ext>
+            </a:extLst>
+          </p:spPr>
+        </p:sp>
+        <p:sp>
+          <p:nvSpPr>
+            <p:cNvPr id="25" name="Freeform 14">
+              <a:extLst>
+                <a:ext uri="{FF2B5EF4-FFF2-40B4-BE49-F238E27FC236}">
+                  <a16:creationId xmlns:a16="http://schemas.microsoft.com/office/drawing/2014/main" id="{91C91468-4F8A-42F1-9505-02D924178749}"/>
+                </a:ext>
+                <a:ext uri="{C183D7F6-B498-43B3-948B-1728B52AA6E4}">
+                  <adec:decorative xmlns:adec="http://schemas.microsoft.com/office/drawing/2017/decorative" val="1"/>
+                </a:ext>
+              </a:extLst>
+            </p:cNvPr>
+            <p:cNvSpPr/>
+            <p:nvPr>
+              <p:extLst>
+                <p:ext uri="{386F3935-93C4-4BCD-93E2-E3B085C9AB24}">
+                  <p16:designElem xmlns:p16="http://schemas.microsoft.com/office/powerpoint/2015/main" val="1"/>
+                </p:ext>
+              </p:extLst>
+            </p:nvPr>
+          </p:nvSpPr>
+          <p:spPr bwMode="auto">
+            <a:xfrm>
+              <a:off x="1643063" y="0"/>
+              <a:ext cx="152400" cy="912813"/>
+            </a:xfrm>
+            <a:custGeom>
+              <a:avLst/>
+              <a:gdLst/>
+              <a:ahLst/>
+              <a:cxnLst/>
+              <a:rect l="0" t="0" r="r" b="b"/>
+              <a:pathLst>
+                <a:path w="96" h="575">
+                  <a:moveTo>
+                    <a:pt x="96" y="575"/>
+                  </a:moveTo>
+                  <a:lnTo>
+                    <a:pt x="78" y="575"/>
+                  </a:lnTo>
+                  <a:lnTo>
+                    <a:pt x="78" y="192"/>
+                  </a:lnTo>
+                  <a:lnTo>
+                    <a:pt x="0" y="6"/>
+                  </a:lnTo>
+                  <a:lnTo>
+                    <a:pt x="15" y="0"/>
+                  </a:lnTo>
+                  <a:lnTo>
+                    <a:pt x="96" y="189"/>
+                  </a:lnTo>
+                  <a:lnTo>
+                    <a:pt x="96" y="575"/>
+                  </a:lnTo>
+                  <a:close/>
+                </a:path>
+              </a:pathLst>
+            </a:custGeom>
+            <a:grpFill/>
+            <a:ln>
+              <a:noFill/>
+            </a:ln>
+            <a:extLst>
+              <a:ext uri="{91240B29-F687-4f45-9708-019B960494DF}">
+                <a14:hiddenLine xmlns="" xmlns:a16="http://schemas.microsoft.com/office/drawing/2014/main" xmlns:a14="http://schemas.microsoft.com/office/drawing/2010/main" xmlns:p14="http://schemas.microsoft.com/office/powerpoint/2010/main" w="9525">
+                  <a:solidFill>
+                    <a:srgbClr val="000000"/>
+                  </a:solidFill>
+                  <a:round/>
+                  <a:headEnd/>
+                  <a:tailEnd/>
+                </a14:hiddenLine>
+              </a:ext>
+            </a:extLst>
+          </p:spPr>
+        </p:sp>
+        <p:sp>
+          <p:nvSpPr>
+            <p:cNvPr id="26" name="Freeform 15">
+              <a:extLst>
+                <a:ext uri="{FF2B5EF4-FFF2-40B4-BE49-F238E27FC236}">
+                  <a16:creationId xmlns:a16="http://schemas.microsoft.com/office/drawing/2014/main" id="{C22581B1-C426-4189-85D6-C499D6982FFA}"/>
+                </a:ext>
+                <a:ext uri="{C183D7F6-B498-43B3-948B-1728B52AA6E4}">
+                  <adec:decorative xmlns:adec="http://schemas.microsoft.com/office/drawing/2017/decorative" val="1"/>
+                </a:ext>
+              </a:extLst>
+            </p:cNvPr>
+            <p:cNvSpPr>
+              <a:spLocks noEditPoints="1"/>
+            </p:cNvSpPr>
+            <p:nvPr>
+              <p:extLst>
+                <p:ext uri="{386F3935-93C4-4BCD-93E2-E3B085C9AB24}">
+                  <p16:designElem xmlns:p16="http://schemas.microsoft.com/office/powerpoint/2015/main" val="1"/>
+                </p:ext>
+              </p:extLst>
+            </p:nvPr>
+          </p:nvSpPr>
+          <p:spPr bwMode="auto">
+            <a:xfrm>
+              <a:off x="1685925" y="1420813"/>
+              <a:ext cx="190500" cy="190500"/>
+            </a:xfrm>
+            <a:custGeom>
+              <a:avLst/>
+              <a:gdLst/>
+              <a:ahLst/>
+              <a:cxnLst/>
+              <a:rect l="0" t="0" r="r" b="b"/>
+              <a:pathLst>
+                <a:path w="40" h="40">
+                  <a:moveTo>
+                    <a:pt x="20" y="40"/>
+                  </a:moveTo>
+                  <a:cubicBezTo>
+                    <a:pt x="9" y="40"/>
+                    <a:pt x="0" y="31"/>
+                    <a:pt x="0" y="20"/>
+                  </a:cubicBezTo>
+                  <a:cubicBezTo>
+                    <a:pt x="0" y="9"/>
+                    <a:pt x="9" y="0"/>
+                    <a:pt x="20" y="0"/>
+                  </a:cubicBezTo>
+                  <a:cubicBezTo>
+                    <a:pt x="31" y="0"/>
+                    <a:pt x="40" y="9"/>
+                    <a:pt x="40" y="20"/>
+                  </a:cubicBezTo>
+                  <a:cubicBezTo>
+                    <a:pt x="40" y="31"/>
+                    <a:pt x="31" y="40"/>
+                    <a:pt x="20" y="40"/>
+                  </a:cubicBezTo>
+                  <a:close/>
+                  <a:moveTo>
+                    <a:pt x="20" y="4"/>
+                  </a:moveTo>
+                  <a:cubicBezTo>
+                    <a:pt x="11" y="4"/>
+                    <a:pt x="4" y="11"/>
+                    <a:pt x="4" y="20"/>
+                  </a:cubicBezTo>
+                  <a:cubicBezTo>
+                    <a:pt x="4" y="29"/>
+                    <a:pt x="11" y="36"/>
+                    <a:pt x="20" y="36"/>
+                  </a:cubicBezTo>
+                  <a:cubicBezTo>
+                    <a:pt x="29" y="36"/>
+                    <a:pt x="36" y="29"/>
+                    <a:pt x="36" y="20"/>
+                  </a:cubicBezTo>
+                  <a:cubicBezTo>
+                    <a:pt x="36" y="11"/>
+                    <a:pt x="29" y="4"/>
+                    <a:pt x="20" y="4"/>
+                  </a:cubicBezTo>
+                  <a:close/>
+                </a:path>
+              </a:pathLst>
+            </a:custGeom>
+            <a:grpFill/>
+            <a:ln>
+              <a:noFill/>
+            </a:ln>
+            <a:extLst>
+              <a:ext uri="{91240B29-F687-4f45-9708-019B960494DF}">
+                <a14:hiddenLine xmlns="" xmlns:a16="http://schemas.microsoft.com/office/drawing/2014/main" xmlns:a14="http://schemas.microsoft.com/office/drawing/2010/main" xmlns:p14="http://schemas.microsoft.com/office/powerpoint/2010/main" w="9525">
+                  <a:solidFill>
+                    <a:srgbClr val="000000"/>
+                  </a:solidFill>
+                  <a:round/>
+                  <a:headEnd/>
+                  <a:tailEnd/>
+                </a14:hiddenLine>
+              </a:ext>
+            </a:extLst>
+          </p:spPr>
+        </p:sp>
+        <p:sp>
+          <p:nvSpPr>
+            <p:cNvPr id="27" name="Freeform 16">
+              <a:extLst>
+                <a:ext uri="{FF2B5EF4-FFF2-40B4-BE49-F238E27FC236}">
+                  <a16:creationId xmlns:a16="http://schemas.microsoft.com/office/drawing/2014/main" id="{29DFD4C4-0517-4A6B-B423-E55582618D93}"/>
+                </a:ext>
+                <a:ext uri="{C183D7F6-B498-43B3-948B-1728B52AA6E4}">
+                  <adec:decorative xmlns:adec="http://schemas.microsoft.com/office/drawing/2017/decorative" val="1"/>
+                </a:ext>
+              </a:extLst>
+            </p:cNvPr>
+            <p:cNvSpPr>
+              <a:spLocks noEditPoints="1"/>
+            </p:cNvSpPr>
+            <p:nvPr>
+              <p:extLst>
+                <p:ext uri="{386F3935-93C4-4BCD-93E2-E3B085C9AB24}">
+                  <p16:designElem xmlns:p16="http://schemas.microsoft.com/office/powerpoint/2015/main" val="1"/>
+                </p:ext>
+              </p:extLst>
+            </p:nvPr>
+          </p:nvSpPr>
+          <p:spPr bwMode="auto">
+            <a:xfrm>
+              <a:off x="1685925" y="903288"/>
+              <a:ext cx="190500" cy="190500"/>
+            </a:xfrm>
+            <a:custGeom>
+              <a:avLst/>
+              <a:gdLst/>
+              <a:ahLst/>
+              <a:cxnLst/>
+              <a:rect l="0" t="0" r="r" b="b"/>
+              <a:pathLst>
+                <a:path w="40" h="40">
+                  <a:moveTo>
+                    <a:pt x="20" y="40"/>
+                  </a:moveTo>
+                  <a:cubicBezTo>
+                    <a:pt x="9" y="40"/>
+                    <a:pt x="0" y="31"/>
+                    <a:pt x="0" y="20"/>
+                  </a:cubicBezTo>
+                  <a:cubicBezTo>
+                    <a:pt x="0" y="9"/>
+                    <a:pt x="9" y="0"/>
+                    <a:pt x="20" y="0"/>
+                  </a:cubicBezTo>
+                  <a:cubicBezTo>
+                    <a:pt x="31" y="0"/>
+                    <a:pt x="40" y="9"/>
+                    <a:pt x="40" y="20"/>
+                  </a:cubicBezTo>
+                  <a:cubicBezTo>
+                    <a:pt x="40" y="31"/>
+                    <a:pt x="31" y="40"/>
+                    <a:pt x="20" y="40"/>
+                  </a:cubicBezTo>
+                  <a:close/>
+                  <a:moveTo>
+                    <a:pt x="20" y="4"/>
+                  </a:moveTo>
+                  <a:cubicBezTo>
+                    <a:pt x="11" y="4"/>
+                    <a:pt x="4" y="11"/>
+                    <a:pt x="4" y="20"/>
+                  </a:cubicBezTo>
+                  <a:cubicBezTo>
+                    <a:pt x="4" y="29"/>
+                    <a:pt x="11" y="36"/>
+                    <a:pt x="20" y="36"/>
+                  </a:cubicBezTo>
+                  <a:cubicBezTo>
+                    <a:pt x="29" y="36"/>
+                    <a:pt x="36" y="29"/>
+                    <a:pt x="36" y="20"/>
+                  </a:cubicBezTo>
+                  <a:cubicBezTo>
+                    <a:pt x="36" y="11"/>
+                    <a:pt x="29" y="4"/>
+                    <a:pt x="20" y="4"/>
+                  </a:cubicBezTo>
+                  <a:close/>
+                </a:path>
+              </a:pathLst>
+            </a:custGeom>
+            <a:grpFill/>
+            <a:ln>
+              <a:noFill/>
+            </a:ln>
+            <a:extLst>
+              <a:ext uri="{91240B29-F687-4f45-9708-019B960494DF}">
+                <a14:hiddenLine xmlns="" xmlns:a16="http://schemas.microsoft.com/office/drawing/2014/main" xmlns:a14="http://schemas.microsoft.com/office/drawing/2010/main" xmlns:p14="http://schemas.microsoft.com/office/powerpoint/2010/main" w="9525">
+                  <a:solidFill>
+                    <a:srgbClr val="000000"/>
+                  </a:solidFill>
+                  <a:round/>
+                  <a:headEnd/>
+                  <a:tailEnd/>
+                </a14:hiddenLine>
+              </a:ext>
+            </a:extLst>
+          </p:spPr>
+        </p:sp>
+        <p:sp>
+          <p:nvSpPr>
+            <p:cNvPr id="28" name="Freeform 17">
+              <a:extLst>
+                <a:ext uri="{FF2B5EF4-FFF2-40B4-BE49-F238E27FC236}">
+                  <a16:creationId xmlns:a16="http://schemas.microsoft.com/office/drawing/2014/main" id="{7ACD84D3-D09D-4C94-99D5-51713A1D6B25}"/>
+                </a:ext>
+                <a:ext uri="{C183D7F6-B498-43B3-948B-1728B52AA6E4}">
+                  <adec:decorative xmlns:adec="http://schemas.microsoft.com/office/drawing/2017/decorative" val="1"/>
+                </a:ext>
+              </a:extLst>
+            </p:cNvPr>
+            <p:cNvSpPr/>
+            <p:nvPr>
+              <p:extLst>
+                <p:ext uri="{386F3935-93C4-4BCD-93E2-E3B085C9AB24}">
+                  <p16:designElem xmlns:p16="http://schemas.microsoft.com/office/powerpoint/2015/main" val="1"/>
+                </p:ext>
+              </p:extLst>
+            </p:nvPr>
+          </p:nvSpPr>
+          <p:spPr bwMode="auto">
+            <a:xfrm>
+              <a:off x="1743075" y="4763"/>
+              <a:ext cx="419100" cy="522288"/>
+            </a:xfrm>
+            <a:custGeom>
+              <a:avLst/>
+              <a:gdLst/>
+              <a:ahLst/>
+              <a:cxnLst/>
+              <a:rect l="0" t="0" r="r" b="b"/>
+              <a:pathLst>
+                <a:path w="264" h="329">
+                  <a:moveTo>
+                    <a:pt x="252" y="329"/>
+                  </a:moveTo>
+                  <a:lnTo>
+                    <a:pt x="45" y="120"/>
+                  </a:lnTo>
+                  <a:lnTo>
+                    <a:pt x="0" y="6"/>
+                  </a:lnTo>
+                  <a:lnTo>
+                    <a:pt x="15" y="0"/>
+                  </a:lnTo>
+                  <a:lnTo>
+                    <a:pt x="60" y="111"/>
+                  </a:lnTo>
+                  <a:lnTo>
+                    <a:pt x="264" y="317"/>
+                  </a:lnTo>
+                  <a:lnTo>
+                    <a:pt x="252" y="329"/>
+                  </a:lnTo>
+                  <a:close/>
+                </a:path>
+              </a:pathLst>
+            </a:custGeom>
+            <a:grpFill/>
+            <a:ln>
+              <a:noFill/>
+            </a:ln>
+            <a:extLst>
+              <a:ext uri="{91240B29-F687-4f45-9708-019B960494DF}">
+                <a14:hiddenLine xmlns="" xmlns:a16="http://schemas.microsoft.com/office/drawing/2014/main" xmlns:a14="http://schemas.microsoft.com/office/drawing/2010/main" xmlns:p14="http://schemas.microsoft.com/office/powerpoint/2010/main" w="9525">
+                  <a:solidFill>
+                    <a:srgbClr val="000000"/>
+                  </a:solidFill>
+                  <a:round/>
+                  <a:headEnd/>
+                  <a:tailEnd/>
+                </a14:hiddenLine>
+              </a:ext>
+            </a:extLst>
+          </p:spPr>
+        </p:sp>
+        <p:sp>
+          <p:nvSpPr>
+            <p:cNvPr id="29" name="Freeform 18">
+              <a:extLst>
+                <a:ext uri="{FF2B5EF4-FFF2-40B4-BE49-F238E27FC236}">
+                  <a16:creationId xmlns:a16="http://schemas.microsoft.com/office/drawing/2014/main" id="{37C2AEAB-1CC9-4A9A-8303-E1E0C12168A1}"/>
+                </a:ext>
+                <a:ext uri="{C183D7F6-B498-43B3-948B-1728B52AA6E4}">
+                  <adec:decorative xmlns:adec="http://schemas.microsoft.com/office/drawing/2017/decorative" val="1"/>
+                </a:ext>
+              </a:extLst>
+            </p:cNvPr>
+            <p:cNvSpPr>
+              <a:spLocks noEditPoints="1"/>
+            </p:cNvSpPr>
+            <p:nvPr>
+              <p:extLst>
+                <p:ext uri="{386F3935-93C4-4BCD-93E2-E3B085C9AB24}">
+                  <p16:designElem xmlns:p16="http://schemas.microsoft.com/office/powerpoint/2015/main" val="1"/>
+                </p:ext>
+              </p:extLst>
+            </p:nvPr>
+          </p:nvSpPr>
+          <p:spPr bwMode="auto">
+            <a:xfrm>
+              <a:off x="2119313" y="488950"/>
+              <a:ext cx="161925" cy="147638"/>
+            </a:xfrm>
+            <a:custGeom>
+              <a:avLst/>
+              <a:gdLst/>
+              <a:ahLst/>
+              <a:cxnLst/>
+              <a:rect l="0" t="0" r="r" b="b"/>
+              <a:pathLst>
+                <a:path w="34" h="31">
+                  <a:moveTo>
+                    <a:pt x="17" y="31"/>
+                  </a:moveTo>
+                  <a:cubicBezTo>
+                    <a:pt x="13" y="31"/>
+                    <a:pt x="9" y="30"/>
+                    <a:pt x="6" y="27"/>
+                  </a:cubicBezTo>
+                  <a:cubicBezTo>
+                    <a:pt x="0" y="20"/>
+                    <a:pt x="0" y="10"/>
+                    <a:pt x="6" y="4"/>
+                  </a:cubicBezTo>
+                  <a:cubicBezTo>
+                    <a:pt x="9" y="1"/>
+                    <a:pt x="13" y="0"/>
+                    <a:pt x="17" y="0"/>
+                  </a:cubicBezTo>
+                  <a:cubicBezTo>
+                    <a:pt x="21" y="0"/>
+                    <a:pt x="25" y="1"/>
+                    <a:pt x="28" y="4"/>
+                  </a:cubicBezTo>
+                  <a:cubicBezTo>
+                    <a:pt x="34" y="10"/>
+                    <a:pt x="34" y="20"/>
+                    <a:pt x="28" y="27"/>
+                  </a:cubicBezTo>
+                  <a:cubicBezTo>
+                    <a:pt x="25" y="30"/>
+                    <a:pt x="21" y="31"/>
+                    <a:pt x="17" y="31"/>
+                  </a:cubicBezTo>
+                  <a:close/>
+                  <a:moveTo>
+                    <a:pt x="17" y="4"/>
+                  </a:moveTo>
+                  <a:cubicBezTo>
+                    <a:pt x="14" y="4"/>
+                    <a:pt x="11" y="5"/>
+                    <a:pt x="9" y="7"/>
+                  </a:cubicBezTo>
+                  <a:cubicBezTo>
+                    <a:pt x="4" y="12"/>
+                    <a:pt x="4" y="19"/>
+                    <a:pt x="9" y="24"/>
+                  </a:cubicBezTo>
+                  <a:cubicBezTo>
+                    <a:pt x="11" y="26"/>
+                    <a:pt x="14" y="27"/>
+                    <a:pt x="17" y="27"/>
+                  </a:cubicBezTo>
+                  <a:cubicBezTo>
+                    <a:pt x="20" y="27"/>
+                    <a:pt x="23" y="26"/>
+                    <a:pt x="25" y="24"/>
+                  </a:cubicBezTo>
+                  <a:cubicBezTo>
+                    <a:pt x="30" y="19"/>
+                    <a:pt x="30" y="12"/>
+                    <a:pt x="25" y="7"/>
+                  </a:cubicBezTo>
+                  <a:cubicBezTo>
+                    <a:pt x="23" y="5"/>
+                    <a:pt x="20" y="4"/>
+                    <a:pt x="17" y="4"/>
+                  </a:cubicBezTo>
+                  <a:close/>
+                </a:path>
+              </a:pathLst>
+            </a:custGeom>
+            <a:grpFill/>
+            <a:ln>
+              <a:noFill/>
+            </a:ln>
+            <a:extLst>
+              <a:ext uri="{91240B29-F687-4f45-9708-019B960494DF}">
+                <a14:hiddenLine xmlns="" xmlns:a16="http://schemas.microsoft.com/office/drawing/2014/main" xmlns:a14="http://schemas.microsoft.com/office/drawing/2010/main" xmlns:p14="http://schemas.microsoft.com/office/powerpoint/2010/main" w="9525">
+                  <a:solidFill>
+                    <a:srgbClr val="000000"/>
+                  </a:solidFill>
+                  <a:round/>
+                  <a:headEnd/>
+                  <a:tailEnd/>
+                </a14:hiddenLine>
+              </a:ext>
+            </a:extLst>
+          </p:spPr>
+        </p:sp>
+        <p:sp>
+          <p:nvSpPr>
+            <p:cNvPr id="30" name="Freeform 19">
+              <a:extLst>
+                <a:ext uri="{FF2B5EF4-FFF2-40B4-BE49-F238E27FC236}">
+                  <a16:creationId xmlns:a16="http://schemas.microsoft.com/office/drawing/2014/main" id="{20ABD348-58FE-4371-AE12-C66FF8CAC3A6}"/>
+                </a:ext>
+                <a:ext uri="{C183D7F6-B498-43B3-948B-1728B52AA6E4}">
+                  <adec:decorative xmlns:adec="http://schemas.microsoft.com/office/drawing/2017/decorative" val="1"/>
+                </a:ext>
+              </a:extLst>
+            </p:cNvPr>
+            <p:cNvSpPr/>
+            <p:nvPr>
+              <p:extLst>
+                <p:ext uri="{386F3935-93C4-4BCD-93E2-E3B085C9AB24}">
+                  <p16:designElem xmlns:p16="http://schemas.microsoft.com/office/powerpoint/2015/main" val="1"/>
+                </p:ext>
+              </p:extLst>
+            </p:nvPr>
+          </p:nvSpPr>
+          <p:spPr bwMode="auto">
+            <a:xfrm>
+              <a:off x="952500" y="4763"/>
+              <a:ext cx="152400" cy="908050"/>
+            </a:xfrm>
+            <a:custGeom>
+              <a:avLst/>
+              <a:gdLst/>
+              <a:ahLst/>
+              <a:cxnLst/>
+              <a:rect l="0" t="0" r="r" b="b"/>
+              <a:pathLst>
+                <a:path w="96" h="572">
+                  <a:moveTo>
+                    <a:pt x="15" y="572"/>
+                  </a:moveTo>
+                  <a:lnTo>
+                    <a:pt x="0" y="572"/>
+                  </a:lnTo>
+                  <a:lnTo>
+                    <a:pt x="0" y="189"/>
+                  </a:lnTo>
+                  <a:lnTo>
+                    <a:pt x="81" y="0"/>
+                  </a:lnTo>
+                  <a:lnTo>
+                    <a:pt x="96" y="6"/>
+                  </a:lnTo>
+                  <a:lnTo>
+                    <a:pt x="15" y="192"/>
+                  </a:lnTo>
+                  <a:lnTo>
+                    <a:pt x="15" y="572"/>
+                  </a:lnTo>
+                  <a:close/>
+                </a:path>
+              </a:pathLst>
+            </a:custGeom>
+            <a:grpFill/>
+            <a:ln>
+              <a:noFill/>
+            </a:ln>
+            <a:extLst>
+              <a:ext uri="{91240B29-F687-4f45-9708-019B960494DF}">
+                <a14:hiddenLine xmlns="" xmlns:a16="http://schemas.microsoft.com/office/drawing/2014/main" xmlns:a14="http://schemas.microsoft.com/office/drawing/2010/main" xmlns:p14="http://schemas.microsoft.com/office/powerpoint/2010/main" w="9525">
+                  <a:solidFill>
+                    <a:srgbClr val="000000"/>
+                  </a:solidFill>
+                  <a:round/>
+                  <a:headEnd/>
+                  <a:tailEnd/>
+                </a14:hiddenLine>
+              </a:ext>
+            </a:extLst>
+          </p:spPr>
+        </p:sp>
+        <p:sp>
+          <p:nvSpPr>
+            <p:cNvPr id="31" name="Freeform 20">
+              <a:extLst>
+                <a:ext uri="{FF2B5EF4-FFF2-40B4-BE49-F238E27FC236}">
+                  <a16:creationId xmlns:a16="http://schemas.microsoft.com/office/drawing/2014/main" id="{408E0FAA-F0C5-4CB1-95FE-D3D96830FCE2}"/>
+                </a:ext>
+                <a:ext uri="{C183D7F6-B498-43B3-948B-1728B52AA6E4}">
+                  <adec:decorative xmlns:adec="http://schemas.microsoft.com/office/drawing/2017/decorative" val="1"/>
+                </a:ext>
+              </a:extLst>
+            </p:cNvPr>
+            <p:cNvSpPr>
+              <a:spLocks noEditPoints="1"/>
+            </p:cNvSpPr>
+            <p:nvPr>
+              <p:extLst>
+                <p:ext uri="{386F3935-93C4-4BCD-93E2-E3B085C9AB24}">
+                  <p16:designElem xmlns:p16="http://schemas.microsoft.com/office/powerpoint/2015/main" val="1"/>
+                </p:ext>
+              </p:extLst>
+            </p:nvPr>
+          </p:nvSpPr>
+          <p:spPr bwMode="auto">
+            <a:xfrm>
+              <a:off x="866775" y="903288"/>
+              <a:ext cx="190500" cy="190500"/>
+            </a:xfrm>
+            <a:custGeom>
+              <a:avLst/>
+              <a:gdLst/>
+              <a:ahLst/>
+              <a:cxnLst/>
+              <a:rect l="0" t="0" r="r" b="b"/>
+              <a:pathLst>
+                <a:path w="40" h="40">
+                  <a:moveTo>
+                    <a:pt x="20" y="40"/>
+                  </a:moveTo>
+                  <a:cubicBezTo>
+                    <a:pt x="9" y="40"/>
+                    <a:pt x="0" y="31"/>
+                    <a:pt x="0" y="20"/>
+                  </a:cubicBezTo>
+                  <a:cubicBezTo>
+                    <a:pt x="0" y="9"/>
+                    <a:pt x="9" y="0"/>
+                    <a:pt x="20" y="0"/>
+                  </a:cubicBezTo>
+                  <a:cubicBezTo>
+                    <a:pt x="31" y="0"/>
+                    <a:pt x="40" y="9"/>
+                    <a:pt x="40" y="20"/>
+                  </a:cubicBezTo>
+                  <a:cubicBezTo>
+                    <a:pt x="40" y="31"/>
+                    <a:pt x="31" y="40"/>
+                    <a:pt x="20" y="40"/>
+                  </a:cubicBezTo>
+                  <a:close/>
+                  <a:moveTo>
+                    <a:pt x="20" y="4"/>
+                  </a:moveTo>
+                  <a:cubicBezTo>
+                    <a:pt x="11" y="4"/>
+                    <a:pt x="4" y="12"/>
+                    <a:pt x="4" y="20"/>
+                  </a:cubicBezTo>
+                  <a:cubicBezTo>
+                    <a:pt x="4" y="29"/>
+                    <a:pt x="11" y="36"/>
+                    <a:pt x="20" y="36"/>
+                  </a:cubicBezTo>
+                  <a:cubicBezTo>
+                    <a:pt x="29" y="36"/>
+                    <a:pt x="36" y="29"/>
+                    <a:pt x="36" y="20"/>
+                  </a:cubicBezTo>
+                  <a:cubicBezTo>
+                    <a:pt x="36" y="12"/>
+                    <a:pt x="29" y="4"/>
+                    <a:pt x="20" y="4"/>
+                  </a:cubicBezTo>
+                  <a:close/>
+                </a:path>
+              </a:pathLst>
+            </a:custGeom>
+            <a:grpFill/>
+            <a:ln>
+              <a:noFill/>
+            </a:ln>
+            <a:extLst>
+              <a:ext uri="{91240B29-F687-4f45-9708-019B960494DF}">
+                <a14:hiddenLine xmlns="" xmlns:a16="http://schemas.microsoft.com/office/drawing/2014/main" xmlns:a14="http://schemas.microsoft.com/office/drawing/2010/main" xmlns:p14="http://schemas.microsoft.com/office/powerpoint/2010/main" w="9525">
+                  <a:solidFill>
+                    <a:srgbClr val="000000"/>
+                  </a:solidFill>
+                  <a:round/>
+                  <a:headEnd/>
+                  <a:tailEnd/>
+                </a14:hiddenLine>
+              </a:ext>
+            </a:extLst>
+          </p:spPr>
+        </p:sp>
+        <p:sp>
+          <p:nvSpPr>
+            <p:cNvPr id="32" name="Freeform 21">
+              <a:extLst>
+                <a:ext uri="{FF2B5EF4-FFF2-40B4-BE49-F238E27FC236}">
+                  <a16:creationId xmlns:a16="http://schemas.microsoft.com/office/drawing/2014/main" id="{F83C789F-2881-4822-A724-567720953F59}"/>
+                </a:ext>
+                <a:ext uri="{C183D7F6-B498-43B3-948B-1728B52AA6E4}">
+                  <adec:decorative xmlns:adec="http://schemas.microsoft.com/office/drawing/2017/decorative" val="1"/>
+                </a:ext>
+              </a:extLst>
+            </p:cNvPr>
+            <p:cNvSpPr>
+              <a:spLocks noEditPoints="1"/>
+            </p:cNvSpPr>
+            <p:nvPr>
+              <p:extLst>
+                <p:ext uri="{386F3935-93C4-4BCD-93E2-E3B085C9AB24}">
+                  <p16:designElem xmlns:p16="http://schemas.microsoft.com/office/powerpoint/2015/main" val="1"/>
+                </p:ext>
+              </p:extLst>
+            </p:nvPr>
+          </p:nvSpPr>
+          <p:spPr bwMode="auto">
+            <a:xfrm>
+              <a:off x="890588" y="1554163"/>
+              <a:ext cx="190500" cy="190500"/>
+            </a:xfrm>
+            <a:custGeom>
+              <a:avLst/>
+              <a:gdLst/>
+              <a:ahLst/>
+              <a:cxnLst/>
+              <a:rect l="0" t="0" r="r" b="b"/>
+              <a:pathLst>
+                <a:path w="40" h="40">
+                  <a:moveTo>
+                    <a:pt x="20" y="40"/>
+                  </a:moveTo>
+                  <a:cubicBezTo>
+                    <a:pt x="9" y="40"/>
+                    <a:pt x="0" y="31"/>
+                    <a:pt x="0" y="20"/>
+                  </a:cubicBezTo>
+                  <a:cubicBezTo>
+                    <a:pt x="0" y="9"/>
+                    <a:pt x="9" y="0"/>
+                    <a:pt x="20" y="0"/>
+                  </a:cubicBezTo>
+                  <a:cubicBezTo>
+                    <a:pt x="31" y="0"/>
+                    <a:pt x="40" y="9"/>
+                    <a:pt x="40" y="20"/>
+                  </a:cubicBezTo>
+                  <a:cubicBezTo>
+                    <a:pt x="40" y="31"/>
+                    <a:pt x="31" y="40"/>
+                    <a:pt x="20" y="40"/>
+                  </a:cubicBezTo>
+                  <a:close/>
+                  <a:moveTo>
+                    <a:pt x="20" y="4"/>
+                  </a:moveTo>
+                  <a:cubicBezTo>
+                    <a:pt x="11" y="4"/>
+                    <a:pt x="4" y="11"/>
+                    <a:pt x="4" y="20"/>
+                  </a:cubicBezTo>
+                  <a:cubicBezTo>
+                    <a:pt x="4" y="28"/>
+                    <a:pt x="11" y="36"/>
+                    <a:pt x="20" y="36"/>
+                  </a:cubicBezTo>
+                  <a:cubicBezTo>
+                    <a:pt x="29" y="36"/>
+                    <a:pt x="36" y="28"/>
+                    <a:pt x="36" y="20"/>
+                  </a:cubicBezTo>
+                  <a:cubicBezTo>
+                    <a:pt x="36" y="11"/>
+                    <a:pt x="29" y="4"/>
+                    <a:pt x="20" y="4"/>
+                  </a:cubicBezTo>
+                  <a:close/>
+                </a:path>
+              </a:pathLst>
+            </a:custGeom>
+            <a:grpFill/>
+            <a:ln>
+              <a:noFill/>
+            </a:ln>
+            <a:extLst>
+              <a:ext uri="{91240B29-F687-4f45-9708-019B960494DF}">
+                <a14:hiddenLine xmlns="" xmlns:a16="http://schemas.microsoft.com/office/drawing/2014/main" xmlns:a14="http://schemas.microsoft.com/office/drawing/2010/main" xmlns:p14="http://schemas.microsoft.com/office/powerpoint/2010/main" w="9525">
+                  <a:solidFill>
+                    <a:srgbClr val="000000"/>
+                  </a:solidFill>
+                  <a:round/>
+                  <a:headEnd/>
+                  <a:tailEnd/>
+                </a14:hiddenLine>
+              </a:ext>
+            </a:extLst>
+          </p:spPr>
+        </p:sp>
+        <p:sp>
+          <p:nvSpPr>
+            <p:cNvPr id="33" name="Freeform 22">
+              <a:extLst>
+                <a:ext uri="{FF2B5EF4-FFF2-40B4-BE49-F238E27FC236}">
+                  <a16:creationId xmlns:a16="http://schemas.microsoft.com/office/drawing/2014/main" id="{6B039120-5C84-4A03-9ADD-32EA6E5D4446}"/>
+                </a:ext>
+                <a:ext uri="{C183D7F6-B498-43B3-948B-1728B52AA6E4}">
+                  <adec:decorative xmlns:adec="http://schemas.microsoft.com/office/drawing/2017/decorative" val="1"/>
+                </a:ext>
+              </a:extLst>
+            </p:cNvPr>
+            <p:cNvSpPr/>
+            <p:nvPr>
+              <p:extLst>
+                <p:ext uri="{386F3935-93C4-4BCD-93E2-E3B085C9AB24}">
+                  <p16:designElem xmlns:p16="http://schemas.microsoft.com/office/powerpoint/2015/main" val="1"/>
+                </p:ext>
+              </p:extLst>
+            </p:nvPr>
+          </p:nvSpPr>
+          <p:spPr bwMode="auto">
+            <a:xfrm>
+              <a:off x="738188" y="5622925"/>
+              <a:ext cx="338138" cy="1216025"/>
+            </a:xfrm>
+            <a:custGeom>
+              <a:avLst/>
+              <a:gdLst/>
+              <a:ahLst/>
+              <a:cxnLst/>
+              <a:rect l="0" t="0" r="r" b="b"/>
+              <a:pathLst>
+                <a:path w="213" h="766">
+                  <a:moveTo>
+                    <a:pt x="213" y="766"/>
+                  </a:moveTo>
+                  <a:lnTo>
+                    <a:pt x="195" y="766"/>
+                  </a:lnTo>
+                  <a:lnTo>
+                    <a:pt x="195" y="464"/>
+                  </a:lnTo>
+                  <a:lnTo>
+                    <a:pt x="0" y="6"/>
+                  </a:lnTo>
+                  <a:lnTo>
+                    <a:pt x="12" y="0"/>
+                  </a:lnTo>
+                  <a:lnTo>
+                    <a:pt x="213" y="461"/>
+                  </a:lnTo>
+                  <a:lnTo>
+                    <a:pt x="213" y="766"/>
+                  </a:lnTo>
+                  <a:close/>
+                </a:path>
+              </a:pathLst>
+            </a:custGeom>
+            <a:grpFill/>
+            <a:ln>
+              <a:noFill/>
+            </a:ln>
+            <a:extLst>
+              <a:ext uri="{91240B29-F687-4f45-9708-019B960494DF}">
+                <a14:hiddenLine xmlns="" xmlns:a16="http://schemas.microsoft.com/office/drawing/2014/main" xmlns:a14="http://schemas.microsoft.com/office/drawing/2010/main" xmlns:p14="http://schemas.microsoft.com/office/powerpoint/2010/main" w="9525">
+                  <a:solidFill>
+                    <a:srgbClr val="000000"/>
+                  </a:solidFill>
+                  <a:round/>
+                  <a:headEnd/>
+                  <a:tailEnd/>
+                </a14:hiddenLine>
+              </a:ext>
+            </a:extLst>
+          </p:spPr>
+        </p:sp>
+        <p:sp>
+          <p:nvSpPr>
+            <p:cNvPr id="34" name="Freeform 23">
+              <a:extLst>
+                <a:ext uri="{FF2B5EF4-FFF2-40B4-BE49-F238E27FC236}">
+                  <a16:creationId xmlns:a16="http://schemas.microsoft.com/office/drawing/2014/main" id="{440E956F-26EB-40C6-B500-1A4BB4ABF759}"/>
+                </a:ext>
+                <a:ext uri="{C183D7F6-B498-43B3-948B-1728B52AA6E4}">
+                  <adec:decorative xmlns:adec="http://schemas.microsoft.com/office/drawing/2017/decorative" val="1"/>
+                </a:ext>
+              </a:extLst>
+            </p:cNvPr>
+            <p:cNvSpPr>
+              <a:spLocks noEditPoints="1"/>
+            </p:cNvSpPr>
+            <p:nvPr>
+              <p:extLst>
+                <p:ext uri="{386F3935-93C4-4BCD-93E2-E3B085C9AB24}">
+                  <p16:designElem xmlns:p16="http://schemas.microsoft.com/office/powerpoint/2015/main" val="1"/>
+                </p:ext>
+              </p:extLst>
+            </p:nvPr>
+          </p:nvSpPr>
+          <p:spPr bwMode="auto">
+            <a:xfrm>
+              <a:off x="647700" y="5480050"/>
+              <a:ext cx="157163" cy="157163"/>
+            </a:xfrm>
+            <a:custGeom>
+              <a:avLst/>
+              <a:gdLst/>
+              <a:ahLst/>
+              <a:cxnLst/>
+              <a:rect l="0" t="0" r="r" b="b"/>
+              <a:pathLst>
+                <a:path w="33" h="33">
+                  <a:moveTo>
+                    <a:pt x="17" y="33"/>
+                  </a:moveTo>
+                  <a:cubicBezTo>
+                    <a:pt x="8" y="33"/>
+                    <a:pt x="0" y="26"/>
+                    <a:pt x="0" y="17"/>
+                  </a:cubicBezTo>
+                  <a:cubicBezTo>
+                    <a:pt x="0" y="8"/>
+                    <a:pt x="8" y="0"/>
+                    <a:pt x="17" y="0"/>
+                  </a:cubicBezTo>
+                  <a:cubicBezTo>
+                    <a:pt x="26" y="0"/>
+                    <a:pt x="33" y="8"/>
+                    <a:pt x="33" y="17"/>
+                  </a:cubicBezTo>
+                  <a:cubicBezTo>
+                    <a:pt x="33" y="26"/>
+                    <a:pt x="26" y="33"/>
+                    <a:pt x="17" y="33"/>
+                  </a:cubicBezTo>
+                  <a:close/>
+                  <a:moveTo>
+                    <a:pt x="17" y="4"/>
+                  </a:moveTo>
+                  <a:cubicBezTo>
+                    <a:pt x="10" y="4"/>
+                    <a:pt x="4" y="10"/>
+                    <a:pt x="4" y="17"/>
+                  </a:cubicBezTo>
+                  <a:cubicBezTo>
+                    <a:pt x="4" y="24"/>
+                    <a:pt x="10" y="29"/>
+                    <a:pt x="17" y="29"/>
+                  </a:cubicBezTo>
+                  <a:cubicBezTo>
+                    <a:pt x="23" y="29"/>
+                    <a:pt x="29" y="24"/>
+                    <a:pt x="29" y="17"/>
+                  </a:cubicBezTo>
+                  <a:cubicBezTo>
+                    <a:pt x="29" y="10"/>
+                    <a:pt x="23" y="4"/>
+                    <a:pt x="17" y="4"/>
+                  </a:cubicBezTo>
+                  <a:close/>
+                </a:path>
+              </a:pathLst>
+            </a:custGeom>
+            <a:grpFill/>
+            <a:ln>
+              <a:noFill/>
+            </a:ln>
+            <a:extLst>
+              <a:ext uri="{91240B29-F687-4f45-9708-019B960494DF}">
+                <a14:hiddenLine xmlns="" xmlns:a16="http://schemas.microsoft.com/office/drawing/2014/main" xmlns:a14="http://schemas.microsoft.com/office/drawing/2010/main" xmlns:p14="http://schemas.microsoft.com/office/powerpoint/2010/main" w="9525">
+                  <a:solidFill>
+                    <a:srgbClr val="000000"/>
+                  </a:solidFill>
+                  <a:round/>
+                  <a:headEnd/>
+                  <a:tailEnd/>
+                </a14:hiddenLine>
+              </a:ext>
+            </a:extLst>
+          </p:spPr>
+        </p:sp>
+        <p:sp>
+          <p:nvSpPr>
+            <p:cNvPr id="35" name="Freeform 24">
+              <a:extLst>
+                <a:ext uri="{FF2B5EF4-FFF2-40B4-BE49-F238E27FC236}">
+                  <a16:creationId xmlns:a16="http://schemas.microsoft.com/office/drawing/2014/main" id="{D2449A75-05DC-4791-90F1-335CC6732CB4}"/>
+                </a:ext>
+                <a:ext uri="{C183D7F6-B498-43B3-948B-1728B52AA6E4}">
+                  <adec:decorative xmlns:adec="http://schemas.microsoft.com/office/drawing/2017/decorative" val="1"/>
+                </a:ext>
+              </a:extLst>
+            </p:cNvPr>
+            <p:cNvSpPr>
+              <a:spLocks noEditPoints="1"/>
+            </p:cNvSpPr>
+            <p:nvPr>
+              <p:extLst>
+                <p:ext uri="{386F3935-93C4-4BCD-93E2-E3B085C9AB24}">
+                  <p16:designElem xmlns:p16="http://schemas.microsoft.com/office/powerpoint/2015/main" val="1"/>
+                </p:ext>
+              </p:extLst>
+            </p:nvPr>
+          </p:nvSpPr>
+          <p:spPr bwMode="auto">
+            <a:xfrm>
+              <a:off x="66675" y="903288"/>
+              <a:ext cx="190500" cy="190500"/>
+            </a:xfrm>
+            <a:custGeom>
+              <a:avLst/>
+              <a:gdLst/>
+              <a:ahLst/>
+              <a:cxnLst/>
+              <a:rect l="0" t="0" r="r" b="b"/>
+              <a:pathLst>
+                <a:path w="40" h="40">
+                  <a:moveTo>
+                    <a:pt x="20" y="40"/>
+                  </a:moveTo>
+                  <a:cubicBezTo>
+                    <a:pt x="9" y="40"/>
+                    <a:pt x="0" y="31"/>
+                    <a:pt x="0" y="20"/>
+                  </a:cubicBezTo>
+                  <a:cubicBezTo>
+                    <a:pt x="0" y="9"/>
+                    <a:pt x="9" y="0"/>
+                    <a:pt x="20" y="0"/>
+                  </a:cubicBezTo>
+                  <a:cubicBezTo>
+                    <a:pt x="32" y="0"/>
+                    <a:pt x="40" y="9"/>
+                    <a:pt x="40" y="20"/>
+                  </a:cubicBezTo>
+                  <a:cubicBezTo>
+                    <a:pt x="40" y="31"/>
+                    <a:pt x="32" y="40"/>
+                    <a:pt x="20" y="40"/>
+                  </a:cubicBezTo>
+                  <a:close/>
+                  <a:moveTo>
+                    <a:pt x="20" y="4"/>
+                  </a:moveTo>
+                  <a:cubicBezTo>
+                    <a:pt x="12" y="4"/>
+                    <a:pt x="4" y="12"/>
+                    <a:pt x="4" y="20"/>
+                  </a:cubicBezTo>
+                  <a:cubicBezTo>
+                    <a:pt x="4" y="29"/>
+                    <a:pt x="12" y="36"/>
+                    <a:pt x="20" y="36"/>
+                  </a:cubicBezTo>
+                  <a:cubicBezTo>
+                    <a:pt x="29" y="36"/>
+                    <a:pt x="36" y="29"/>
+                    <a:pt x="36" y="20"/>
+                  </a:cubicBezTo>
+                  <a:cubicBezTo>
+                    <a:pt x="36" y="12"/>
+                    <a:pt x="29" y="4"/>
+                    <a:pt x="20" y="4"/>
+                  </a:cubicBezTo>
+                  <a:close/>
+                </a:path>
+              </a:pathLst>
+            </a:custGeom>
+            <a:grpFill/>
+            <a:ln>
+              <a:noFill/>
+            </a:ln>
+            <a:extLst>
+              <a:ext uri="{91240B29-F687-4f45-9708-019B960494DF}">
+                <a14:hiddenLine xmlns="" xmlns:a16="http://schemas.microsoft.com/office/drawing/2014/main" xmlns:a14="http://schemas.microsoft.com/office/drawing/2010/main" xmlns:p14="http://schemas.microsoft.com/office/powerpoint/2010/main" w="9525">
+                  <a:solidFill>
+                    <a:srgbClr val="000000"/>
+                  </a:solidFill>
+                  <a:round/>
+                  <a:headEnd/>
+                  <a:tailEnd/>
+                </a14:hiddenLine>
+              </a:ext>
+            </a:extLst>
+          </p:spPr>
+        </p:sp>
+        <p:sp>
+          <p:nvSpPr>
+            <p:cNvPr id="36" name="Freeform 25">
+              <a:extLst>
+                <a:ext uri="{FF2B5EF4-FFF2-40B4-BE49-F238E27FC236}">
+                  <a16:creationId xmlns:a16="http://schemas.microsoft.com/office/drawing/2014/main" id="{2A0F57CD-8F34-4F1D-BFF3-12935225011B}"/>
+                </a:ext>
+                <a:ext uri="{C183D7F6-B498-43B3-948B-1728B52AA6E4}">
+                  <adec:decorative xmlns:adec="http://schemas.microsoft.com/office/drawing/2017/decorative" val="1"/>
+                </a:ext>
+              </a:extLst>
+            </p:cNvPr>
+            <p:cNvSpPr/>
+            <p:nvPr>
+              <p:extLst>
+                <p:ext uri="{386F3935-93C4-4BCD-93E2-E3B085C9AB24}">
+                  <p16:designElem xmlns:p16="http://schemas.microsoft.com/office/powerpoint/2015/main" val="1"/>
+                </p:ext>
+              </p:extLst>
+            </p:nvPr>
+          </p:nvSpPr>
+          <p:spPr bwMode="auto">
+            <a:xfrm>
+              <a:off x="0" y="3897313"/>
+              <a:ext cx="133350" cy="266700"/>
+            </a:xfrm>
+            <a:custGeom>
+              <a:avLst/>
+              <a:gdLst/>
+              <a:ahLst/>
+              <a:cxnLst/>
+              <a:rect l="0" t="0" r="r" b="b"/>
+              <a:pathLst>
+                <a:path w="84" h="168">
+                  <a:moveTo>
+                    <a:pt x="69" y="168"/>
+                  </a:moveTo>
+                  <a:lnTo>
+                    <a:pt x="0" y="6"/>
+                  </a:lnTo>
+                  <a:lnTo>
+                    <a:pt x="12" y="0"/>
+                  </a:lnTo>
+                  <a:lnTo>
+                    <a:pt x="84" y="162"/>
+                  </a:lnTo>
+                  <a:lnTo>
+                    <a:pt x="69" y="168"/>
+                  </a:lnTo>
+                  <a:close/>
+                </a:path>
+              </a:pathLst>
+            </a:custGeom>
+            <a:grpFill/>
+            <a:ln>
+              <a:noFill/>
+            </a:ln>
+            <a:extLst>
+              <a:ext uri="{91240B29-F687-4f45-9708-019B960494DF}">
+                <a14:hiddenLine xmlns="" xmlns:a16="http://schemas.microsoft.com/office/drawing/2014/main" xmlns:a14="http://schemas.microsoft.com/office/drawing/2010/main" xmlns:p14="http://schemas.microsoft.com/office/powerpoint/2010/main" w="9525">
+                  <a:solidFill>
+                    <a:srgbClr val="000000"/>
+                  </a:solidFill>
+                  <a:round/>
+                  <a:headEnd/>
+                  <a:tailEnd/>
+                </a14:hiddenLine>
+              </a:ext>
+            </a:extLst>
+          </p:spPr>
+        </p:sp>
+        <p:sp>
+          <p:nvSpPr>
+            <p:cNvPr id="37" name="Freeform 26">
+              <a:extLst>
+                <a:ext uri="{FF2B5EF4-FFF2-40B4-BE49-F238E27FC236}">
+                  <a16:creationId xmlns:a16="http://schemas.microsoft.com/office/drawing/2014/main" id="{DB0DDCCE-FA18-4790-8F10-67FC661721DC}"/>
+                </a:ext>
+                <a:ext uri="{C183D7F6-B498-43B3-948B-1728B52AA6E4}">
+                  <adec:decorative xmlns:adec="http://schemas.microsoft.com/office/drawing/2017/decorative" val="1"/>
+                </a:ext>
+              </a:extLst>
+            </p:cNvPr>
+            <p:cNvSpPr>
+              <a:spLocks noEditPoints="1"/>
+            </p:cNvSpPr>
+            <p:nvPr>
+              <p:extLst>
+                <p:ext uri="{386F3935-93C4-4BCD-93E2-E3B085C9AB24}">
+                  <p16:designElem xmlns:p16="http://schemas.microsoft.com/office/powerpoint/2015/main" val="1"/>
+                </p:ext>
+              </p:extLst>
+            </p:nvPr>
+          </p:nvSpPr>
+          <p:spPr bwMode="auto">
+            <a:xfrm>
+              <a:off x="66675" y="4149725"/>
+              <a:ext cx="190500" cy="188913"/>
+            </a:xfrm>
+            <a:custGeom>
+              <a:avLst/>
+              <a:gdLst/>
+              <a:ahLst/>
+              <a:cxnLst/>
+              <a:rect l="0" t="0" r="r" b="b"/>
+              <a:pathLst>
+                <a:path w="40" h="40">
+                  <a:moveTo>
+                    <a:pt x="20" y="40"/>
+                  </a:moveTo>
+                  <a:cubicBezTo>
+                    <a:pt x="9" y="40"/>
+                    <a:pt x="0" y="31"/>
+                    <a:pt x="0" y="20"/>
+                  </a:cubicBezTo>
+                  <a:cubicBezTo>
+                    <a:pt x="0" y="9"/>
+                    <a:pt x="9" y="0"/>
+                    <a:pt x="20" y="0"/>
+                  </a:cubicBezTo>
+                  <a:cubicBezTo>
+                    <a:pt x="31" y="0"/>
+                    <a:pt x="40" y="9"/>
+                    <a:pt x="40" y="20"/>
+                  </a:cubicBezTo>
+                  <a:cubicBezTo>
+                    <a:pt x="40" y="31"/>
+                    <a:pt x="31" y="40"/>
+                    <a:pt x="20" y="40"/>
+                  </a:cubicBezTo>
+                  <a:close/>
+                  <a:moveTo>
+                    <a:pt x="20" y="4"/>
+                  </a:moveTo>
+                  <a:cubicBezTo>
+                    <a:pt x="11" y="4"/>
+                    <a:pt x="4" y="11"/>
+                    <a:pt x="4" y="20"/>
+                  </a:cubicBezTo>
+                  <a:cubicBezTo>
+                    <a:pt x="4" y="28"/>
+                    <a:pt x="11" y="36"/>
+                    <a:pt x="20" y="36"/>
+                  </a:cubicBezTo>
+                  <a:cubicBezTo>
+                    <a:pt x="29" y="36"/>
+                    <a:pt x="36" y="28"/>
+                    <a:pt x="36" y="20"/>
+                  </a:cubicBezTo>
+                  <a:cubicBezTo>
+                    <a:pt x="36" y="11"/>
+                    <a:pt x="29" y="4"/>
+                    <a:pt x="20" y="4"/>
+                  </a:cubicBezTo>
+                  <a:close/>
+                </a:path>
+              </a:pathLst>
+            </a:custGeom>
+            <a:grpFill/>
+            <a:ln>
+              <a:noFill/>
+            </a:ln>
+            <a:extLst>
+              <a:ext uri="{91240B29-F687-4f45-9708-019B960494DF}">
+                <a14:hiddenLine xmlns="" xmlns:a16="http://schemas.microsoft.com/office/drawing/2014/main" xmlns:a14="http://schemas.microsoft.com/office/drawing/2010/main" xmlns:p14="http://schemas.microsoft.com/office/powerpoint/2010/main" w="9525">
+                  <a:solidFill>
+                    <a:srgbClr val="000000"/>
+                  </a:solidFill>
+                  <a:round/>
+                  <a:headEnd/>
+                  <a:tailEnd/>
+                </a14:hiddenLine>
+              </a:ext>
+            </a:extLst>
+          </p:spPr>
+        </p:sp>
+        <p:sp>
+          <p:nvSpPr>
+            <p:cNvPr id="38" name="Freeform 27">
+              <a:extLst>
+                <a:ext uri="{FF2B5EF4-FFF2-40B4-BE49-F238E27FC236}">
+                  <a16:creationId xmlns:a16="http://schemas.microsoft.com/office/drawing/2014/main" id="{750A8178-D049-42D4-BA77-A262FE55F961}"/>
+                </a:ext>
+                <a:ext uri="{C183D7F6-B498-43B3-948B-1728B52AA6E4}">
+                  <adec:decorative xmlns:adec="http://schemas.microsoft.com/office/drawing/2017/decorative" val="1"/>
+                </a:ext>
+              </a:extLst>
+            </p:cNvPr>
+            <p:cNvSpPr/>
+            <p:nvPr>
+              <p:extLst>
+                <p:ext uri="{386F3935-93C4-4BCD-93E2-E3B085C9AB24}">
+                  <p16:designElem xmlns:p16="http://schemas.microsoft.com/office/powerpoint/2015/main" val="1"/>
+                </p:ext>
+              </p:extLst>
+            </p:nvPr>
+          </p:nvSpPr>
+          <p:spPr bwMode="auto">
+            <a:xfrm>
+              <a:off x="0" y="1644650"/>
+              <a:ext cx="133350" cy="269875"/>
+            </a:xfrm>
+            <a:custGeom>
+              <a:avLst/>
+              <a:gdLst/>
+              <a:ahLst/>
+              <a:cxnLst/>
+              <a:rect l="0" t="0" r="r" b="b"/>
+              <a:pathLst>
+                <a:path w="84" h="170">
+                  <a:moveTo>
+                    <a:pt x="12" y="170"/>
+                  </a:moveTo>
+                  <a:lnTo>
+                    <a:pt x="0" y="164"/>
+                  </a:lnTo>
+                  <a:lnTo>
+                    <a:pt x="69" y="0"/>
+                  </a:lnTo>
+                  <a:lnTo>
+                    <a:pt x="84" y="6"/>
+                  </a:lnTo>
+                  <a:lnTo>
+                    <a:pt x="12" y="170"/>
+                  </a:lnTo>
+                  <a:close/>
+                </a:path>
+              </a:pathLst>
+            </a:custGeom>
+            <a:grpFill/>
+            <a:ln>
+              <a:noFill/>
+            </a:ln>
+            <a:extLst>
+              <a:ext uri="{91240B29-F687-4f45-9708-019B960494DF}">
+                <a14:hiddenLine xmlns="" xmlns:a16="http://schemas.microsoft.com/office/drawing/2014/main" xmlns:a14="http://schemas.microsoft.com/office/drawing/2010/main" xmlns:p14="http://schemas.microsoft.com/office/powerpoint/2010/main" w="9525">
+                  <a:solidFill>
+                    <a:srgbClr val="000000"/>
+                  </a:solidFill>
+                  <a:round/>
+                  <a:headEnd/>
+                  <a:tailEnd/>
+                </a14:hiddenLine>
+              </a:ext>
+            </a:extLst>
+          </p:spPr>
+        </p:sp>
+        <p:sp>
+          <p:nvSpPr>
+            <p:cNvPr id="39" name="Freeform 28">
+              <a:extLst>
+                <a:ext uri="{FF2B5EF4-FFF2-40B4-BE49-F238E27FC236}">
+                  <a16:creationId xmlns:a16="http://schemas.microsoft.com/office/drawing/2014/main" id="{B33B9383-8846-404B-85BE-E43F07737943}"/>
+                </a:ext>
+                <a:ext uri="{C183D7F6-B498-43B3-948B-1728B52AA6E4}">
+                  <adec:decorative xmlns:adec="http://schemas.microsoft.com/office/drawing/2017/decorative" val="1"/>
+                </a:ext>
+              </a:extLst>
+            </p:cNvPr>
+            <p:cNvSpPr>
+              <a:spLocks noEditPoints="1"/>
+            </p:cNvSpPr>
+            <p:nvPr>
+              <p:extLst>
+                <p:ext uri="{386F3935-93C4-4BCD-93E2-E3B085C9AB24}">
+                  <p16:designElem xmlns:p16="http://schemas.microsoft.com/office/powerpoint/2015/main" val="1"/>
+                </p:ext>
+              </p:extLst>
+            </p:nvPr>
+          </p:nvSpPr>
+          <p:spPr bwMode="auto">
+            <a:xfrm>
+              <a:off x="66675" y="1468438"/>
+              <a:ext cx="190500" cy="190500"/>
+            </a:xfrm>
+            <a:custGeom>
+              <a:avLst/>
+              <a:gdLst/>
+              <a:ahLst/>
+              <a:cxnLst/>
+              <a:rect l="0" t="0" r="r" b="b"/>
+              <a:pathLst>
+                <a:path w="40" h="40">
+                  <a:moveTo>
+                    <a:pt x="20" y="40"/>
+                  </a:moveTo>
+                  <a:cubicBezTo>
+                    <a:pt x="9" y="40"/>
+                    <a:pt x="0" y="31"/>
+                    <a:pt x="0" y="20"/>
+                  </a:cubicBezTo>
+                  <a:cubicBezTo>
+                    <a:pt x="0" y="9"/>
+                    <a:pt x="9" y="0"/>
+                    <a:pt x="20" y="0"/>
+                  </a:cubicBezTo>
+                  <a:cubicBezTo>
+                    <a:pt x="31" y="0"/>
+                    <a:pt x="40" y="9"/>
+                    <a:pt x="40" y="20"/>
+                  </a:cubicBezTo>
+                  <a:cubicBezTo>
+                    <a:pt x="40" y="31"/>
+                    <a:pt x="31" y="40"/>
+                    <a:pt x="20" y="40"/>
+                  </a:cubicBezTo>
+                  <a:close/>
+                  <a:moveTo>
+                    <a:pt x="20" y="4"/>
+                  </a:moveTo>
+                  <a:cubicBezTo>
+                    <a:pt x="11" y="4"/>
+                    <a:pt x="4" y="11"/>
+                    <a:pt x="4" y="20"/>
+                  </a:cubicBezTo>
+                  <a:cubicBezTo>
+                    <a:pt x="4" y="28"/>
+                    <a:pt x="11" y="36"/>
+                    <a:pt x="20" y="36"/>
+                  </a:cubicBezTo>
+                  <a:cubicBezTo>
+                    <a:pt x="29" y="36"/>
+                    <a:pt x="36" y="28"/>
+                    <a:pt x="36" y="20"/>
+                  </a:cubicBezTo>
+                  <a:cubicBezTo>
+                    <a:pt x="36" y="11"/>
+                    <a:pt x="29" y="4"/>
+                    <a:pt x="20" y="4"/>
+                  </a:cubicBezTo>
+                  <a:close/>
+                </a:path>
+              </a:pathLst>
+            </a:custGeom>
+            <a:grpFill/>
+            <a:ln>
+              <a:noFill/>
+            </a:ln>
+            <a:extLst>
+              <a:ext uri="{91240B29-F687-4f45-9708-019B960494DF}">
+                <a14:hiddenLine xmlns="" xmlns:a16="http://schemas.microsoft.com/office/drawing/2014/main" xmlns:a14="http://schemas.microsoft.com/office/drawing/2010/main" xmlns:p14="http://schemas.microsoft.com/office/powerpoint/2010/main" w="9525">
+                  <a:solidFill>
+                    <a:srgbClr val="000000"/>
+                  </a:solidFill>
+                  <a:round/>
+                  <a:headEnd/>
+                  <a:tailEnd/>
+                </a14:hiddenLine>
+              </a:ext>
+            </a:extLst>
+          </p:spPr>
+        </p:sp>
+        <p:sp>
+          <p:nvSpPr>
+            <p:cNvPr id="40" name="Freeform 29">
+              <a:extLst>
+                <a:ext uri="{FF2B5EF4-FFF2-40B4-BE49-F238E27FC236}">
+                  <a16:creationId xmlns:a16="http://schemas.microsoft.com/office/drawing/2014/main" id="{79468103-A660-495B-BFDF-8E7D98A09A03}"/>
+                </a:ext>
+                <a:ext uri="{C183D7F6-B498-43B3-948B-1728B52AA6E4}">
+                  <adec:decorative xmlns:adec="http://schemas.microsoft.com/office/drawing/2017/decorative" val="1"/>
+                </a:ext>
+              </a:extLst>
+            </p:cNvPr>
+            <p:cNvSpPr/>
+            <p:nvPr>
+              <p:extLst>
+                <p:ext uri="{386F3935-93C4-4BCD-93E2-E3B085C9AB24}">
+                  <p16:designElem xmlns:p16="http://schemas.microsoft.com/office/powerpoint/2015/main" val="1"/>
+                </p:ext>
+              </p:extLst>
+            </p:nvPr>
+          </p:nvSpPr>
+          <p:spPr bwMode="auto">
+            <a:xfrm>
+              <a:off x="695325" y="4763"/>
+              <a:ext cx="309563" cy="1558925"/>
+            </a:xfrm>
+            <a:custGeom>
+              <a:avLst/>
+              <a:gdLst/>
+              <a:ahLst/>
+              <a:cxnLst/>
+              <a:rect l="0" t="0" r="r" b="b"/>
+              <a:pathLst>
+                <a:path w="195" h="982">
+                  <a:moveTo>
+                    <a:pt x="195" y="982"/>
+                  </a:moveTo>
+                  <a:lnTo>
+                    <a:pt x="177" y="982"/>
+                  </a:lnTo>
+                  <a:lnTo>
+                    <a:pt x="177" y="805"/>
+                  </a:lnTo>
+                  <a:lnTo>
+                    <a:pt x="0" y="629"/>
+                  </a:lnTo>
+                  <a:lnTo>
+                    <a:pt x="0" y="0"/>
+                  </a:lnTo>
+                  <a:lnTo>
+                    <a:pt x="18" y="0"/>
+                  </a:lnTo>
+                  <a:lnTo>
+                    <a:pt x="18" y="623"/>
+                  </a:lnTo>
+                  <a:lnTo>
+                    <a:pt x="195" y="796"/>
+                  </a:lnTo>
+                  <a:lnTo>
+                    <a:pt x="195" y="982"/>
+                  </a:lnTo>
+                  <a:close/>
+                </a:path>
+              </a:pathLst>
+            </a:custGeom>
+            <a:grpFill/>
+            <a:ln>
+              <a:noFill/>
+            </a:ln>
+            <a:extLst>
+              <a:ext uri="{91240B29-F687-4f45-9708-019B960494DF}">
+                <a14:hiddenLine xmlns="" xmlns:a16="http://schemas.microsoft.com/office/drawing/2014/main" xmlns:a14="http://schemas.microsoft.com/office/drawing/2010/main" xmlns:p14="http://schemas.microsoft.com/office/powerpoint/2010/main" w="9525">
+                  <a:solidFill>
+                    <a:srgbClr val="000000"/>
+                  </a:solidFill>
+                  <a:round/>
+                  <a:headEnd/>
+                  <a:tailEnd/>
+                </a14:hiddenLine>
+              </a:ext>
+            </a:extLst>
+          </p:spPr>
+        </p:sp>
+        <p:sp>
+          <p:nvSpPr>
+            <p:cNvPr id="41" name="Freeform 30">
+              <a:extLst>
+                <a:ext uri="{FF2B5EF4-FFF2-40B4-BE49-F238E27FC236}">
+                  <a16:creationId xmlns:a16="http://schemas.microsoft.com/office/drawing/2014/main" id="{06F4CC44-94E1-47AF-893C-19C4A4AB402D}"/>
+                </a:ext>
+                <a:ext uri="{C183D7F6-B498-43B3-948B-1728B52AA6E4}">
+                  <adec:decorative xmlns:adec="http://schemas.microsoft.com/office/drawing/2017/decorative" val="1"/>
+                </a:ext>
+              </a:extLst>
+            </p:cNvPr>
+            <p:cNvSpPr>
+              <a:spLocks noEditPoints="1"/>
+            </p:cNvSpPr>
+            <p:nvPr>
+              <p:extLst>
+                <p:ext uri="{386F3935-93C4-4BCD-93E2-E3B085C9AB24}">
+                  <p16:designElem xmlns:p16="http://schemas.microsoft.com/office/powerpoint/2015/main" val="1"/>
+                </p:ext>
+              </p:extLst>
+            </p:nvPr>
+          </p:nvSpPr>
+          <p:spPr bwMode="auto">
+            <a:xfrm>
+              <a:off x="57150" y="4881563"/>
+              <a:ext cx="190500" cy="188913"/>
+            </a:xfrm>
+            <a:custGeom>
+              <a:avLst/>
+              <a:gdLst/>
+              <a:ahLst/>
+              <a:cxnLst/>
+              <a:rect l="0" t="0" r="r" b="b"/>
+              <a:pathLst>
+                <a:path w="40" h="40">
+                  <a:moveTo>
+                    <a:pt x="20" y="40"/>
+                  </a:moveTo>
+                  <a:cubicBezTo>
+                    <a:pt x="9" y="40"/>
+                    <a:pt x="0" y="31"/>
+                    <a:pt x="0" y="20"/>
+                  </a:cubicBezTo>
+                  <a:cubicBezTo>
+                    <a:pt x="0" y="9"/>
+                    <a:pt x="9" y="0"/>
+                    <a:pt x="20" y="0"/>
+                  </a:cubicBezTo>
+                  <a:cubicBezTo>
+                    <a:pt x="31" y="0"/>
+                    <a:pt x="40" y="9"/>
+                    <a:pt x="40" y="20"/>
+                  </a:cubicBezTo>
+                  <a:cubicBezTo>
+                    <a:pt x="40" y="31"/>
+                    <a:pt x="31" y="40"/>
+                    <a:pt x="20" y="40"/>
+                  </a:cubicBezTo>
+                  <a:close/>
+                  <a:moveTo>
+                    <a:pt x="20" y="4"/>
+                  </a:moveTo>
+                  <a:cubicBezTo>
+                    <a:pt x="12" y="4"/>
+                    <a:pt x="4" y="11"/>
+                    <a:pt x="4" y="20"/>
+                  </a:cubicBezTo>
+                  <a:cubicBezTo>
+                    <a:pt x="4" y="29"/>
+                    <a:pt x="12" y="36"/>
+                    <a:pt x="20" y="36"/>
+                  </a:cubicBezTo>
+                  <a:cubicBezTo>
+                    <a:pt x="29" y="36"/>
+                    <a:pt x="36" y="29"/>
+                    <a:pt x="36" y="20"/>
+                  </a:cubicBezTo>
+                  <a:cubicBezTo>
+                    <a:pt x="36" y="11"/>
+                    <a:pt x="29" y="4"/>
+                    <a:pt x="20" y="4"/>
+                  </a:cubicBezTo>
+                  <a:close/>
+                </a:path>
+              </a:pathLst>
+            </a:custGeom>
+            <a:grpFill/>
+            <a:ln>
+              <a:noFill/>
+            </a:ln>
+            <a:extLst>
+              <a:ext uri="{91240B29-F687-4f45-9708-019B960494DF}">
+                <a14:hiddenLine xmlns="" xmlns:a16="http://schemas.microsoft.com/office/drawing/2014/main" xmlns:a14="http://schemas.microsoft.com/office/drawing/2010/main" xmlns:p14="http://schemas.microsoft.com/office/powerpoint/2010/main" w="9525">
+                  <a:solidFill>
+                    <a:srgbClr val="000000"/>
+                  </a:solidFill>
+                  <a:round/>
+                  <a:headEnd/>
+                  <a:tailEnd/>
+                </a14:hiddenLine>
+              </a:ext>
+            </a:extLst>
+          </p:spPr>
+        </p:sp>
+        <p:sp>
+          <p:nvSpPr>
+            <p:cNvPr id="42" name="Freeform 31">
+              <a:extLst>
+                <a:ext uri="{FF2B5EF4-FFF2-40B4-BE49-F238E27FC236}">
+                  <a16:creationId xmlns:a16="http://schemas.microsoft.com/office/drawing/2014/main" id="{E87F601E-2166-4FAE-AF96-2A1B17E46E91}"/>
+                </a:ext>
+                <a:ext uri="{C183D7F6-B498-43B3-948B-1728B52AA6E4}">
+                  <adec:decorative xmlns:adec="http://schemas.microsoft.com/office/drawing/2017/decorative" val="1"/>
+                </a:ext>
+              </a:extLst>
+            </p:cNvPr>
+            <p:cNvSpPr/>
+            <p:nvPr>
+              <p:extLst>
+                <p:ext uri="{386F3935-93C4-4BCD-93E2-E3B085C9AB24}">
+                  <p16:designElem xmlns:p16="http://schemas.microsoft.com/office/powerpoint/2015/main" val="1"/>
+                </p:ext>
+              </p:extLst>
+            </p:nvPr>
+          </p:nvSpPr>
+          <p:spPr bwMode="auto">
+            <a:xfrm>
+              <a:off x="138113" y="5060950"/>
+              <a:ext cx="304800" cy="1778000"/>
+            </a:xfrm>
+            <a:custGeom>
+              <a:avLst/>
+              <a:gdLst/>
+              <a:ahLst/>
+              <a:cxnLst/>
+              <a:rect l="0" t="0" r="r" b="b"/>
+              <a:pathLst>
+                <a:path w="192" h="1120">
+                  <a:moveTo>
+                    <a:pt x="192" y="1120"/>
+                  </a:moveTo>
+                  <a:lnTo>
+                    <a:pt x="177" y="1120"/>
+                  </a:lnTo>
+                  <a:lnTo>
+                    <a:pt x="177" y="360"/>
+                  </a:lnTo>
+                  <a:lnTo>
+                    <a:pt x="0" y="183"/>
+                  </a:lnTo>
+                  <a:lnTo>
+                    <a:pt x="0" y="0"/>
+                  </a:lnTo>
+                  <a:lnTo>
+                    <a:pt x="15" y="0"/>
+                  </a:lnTo>
+                  <a:lnTo>
+                    <a:pt x="15" y="177"/>
+                  </a:lnTo>
+                  <a:lnTo>
+                    <a:pt x="192" y="354"/>
+                  </a:lnTo>
+                  <a:lnTo>
+                    <a:pt x="192" y="1120"/>
+                  </a:lnTo>
+                  <a:close/>
+                </a:path>
+              </a:pathLst>
+            </a:custGeom>
+            <a:grpFill/>
+            <a:ln>
+              <a:noFill/>
+            </a:ln>
+            <a:extLst>
+              <a:ext uri="{91240B29-F687-4f45-9708-019B960494DF}">
+                <a14:hiddenLine xmlns="" xmlns:a16="http://schemas.microsoft.com/office/drawing/2014/main" xmlns:a14="http://schemas.microsoft.com/office/drawing/2010/main" xmlns:p14="http://schemas.microsoft.com/office/powerpoint/2010/main" w="9525">
+                  <a:solidFill>
+                    <a:srgbClr val="000000"/>
+                  </a:solidFill>
+                  <a:round/>
+                  <a:headEnd/>
+                  <a:tailEnd/>
+                </a14:hiddenLine>
+              </a:ext>
+            </a:extLst>
+          </p:spPr>
+        </p:sp>
+        <p:sp>
+          <p:nvSpPr>
+            <p:cNvPr id="43" name="Freeform 32">
+              <a:extLst>
+                <a:ext uri="{FF2B5EF4-FFF2-40B4-BE49-F238E27FC236}">
+                  <a16:creationId xmlns:a16="http://schemas.microsoft.com/office/drawing/2014/main" id="{DCDE2745-7AA5-416B-AC78-93C6EAE5D40A}"/>
+                </a:ext>
+                <a:ext uri="{C183D7F6-B498-43B3-948B-1728B52AA6E4}">
+                  <adec:decorative xmlns:adec="http://schemas.microsoft.com/office/drawing/2017/decorative" val="1"/>
+                </a:ext>
+              </a:extLst>
+            </p:cNvPr>
+            <p:cNvSpPr>
+              <a:spLocks noEditPoints="1"/>
+            </p:cNvSpPr>
+            <p:nvPr>
+              <p:extLst>
+                <p:ext uri="{386F3935-93C4-4BCD-93E2-E3B085C9AB24}">
+                  <p16:designElem xmlns:p16="http://schemas.microsoft.com/office/powerpoint/2015/main" val="1"/>
+                </p:ext>
+              </p:extLst>
+            </p:nvPr>
+          </p:nvSpPr>
+          <p:spPr bwMode="auto">
+            <a:xfrm>
+              <a:off x="561975" y="6430963"/>
+              <a:ext cx="190500" cy="188913"/>
+            </a:xfrm>
+            <a:custGeom>
+              <a:avLst/>
+              <a:gdLst/>
+              <a:ahLst/>
+              <a:cxnLst/>
+              <a:rect l="0" t="0" r="r" b="b"/>
+              <a:pathLst>
+                <a:path w="40" h="40">
+                  <a:moveTo>
+                    <a:pt x="20" y="40"/>
+                  </a:moveTo>
+                  <a:cubicBezTo>
+                    <a:pt x="9" y="40"/>
+                    <a:pt x="0" y="31"/>
+                    <a:pt x="0" y="20"/>
+                  </a:cubicBezTo>
+                  <a:cubicBezTo>
+                    <a:pt x="0" y="9"/>
+                    <a:pt x="9" y="0"/>
+                    <a:pt x="20" y="0"/>
+                  </a:cubicBezTo>
+                  <a:cubicBezTo>
+                    <a:pt x="31" y="0"/>
+                    <a:pt x="40" y="9"/>
+                    <a:pt x="40" y="20"/>
+                  </a:cubicBezTo>
+                  <a:cubicBezTo>
+                    <a:pt x="40" y="31"/>
+                    <a:pt x="31" y="40"/>
+                    <a:pt x="20" y="40"/>
+                  </a:cubicBezTo>
+                  <a:close/>
+                  <a:moveTo>
+                    <a:pt x="20" y="4"/>
+                  </a:moveTo>
+                  <a:cubicBezTo>
+                    <a:pt x="12" y="4"/>
+                    <a:pt x="4" y="11"/>
+                    <a:pt x="4" y="20"/>
+                  </a:cubicBezTo>
+                  <a:cubicBezTo>
+                    <a:pt x="4" y="29"/>
+                    <a:pt x="12" y="36"/>
+                    <a:pt x="20" y="36"/>
+                  </a:cubicBezTo>
+                  <a:cubicBezTo>
+                    <a:pt x="29" y="36"/>
+                    <a:pt x="36" y="29"/>
+                    <a:pt x="36" y="20"/>
+                  </a:cubicBezTo>
+                  <a:cubicBezTo>
+                    <a:pt x="36" y="11"/>
+                    <a:pt x="29" y="4"/>
+                    <a:pt x="20" y="4"/>
+                  </a:cubicBezTo>
+                  <a:close/>
+                </a:path>
+              </a:pathLst>
+            </a:custGeom>
+            <a:grpFill/>
+            <a:ln>
+              <a:noFill/>
+            </a:ln>
+            <a:extLst>
+              <a:ext uri="{91240B29-F687-4f45-9708-019B960494DF}">
+                <a14:hiddenLine xmlns="" xmlns:a16="http://schemas.microsoft.com/office/drawing/2014/main" xmlns:a14="http://schemas.microsoft.com/office/drawing/2010/main" xmlns:p14="http://schemas.microsoft.com/office/powerpoint/2010/main" w="9525">
+                  <a:solidFill>
+                    <a:srgbClr val="000000"/>
+                  </a:solidFill>
+                  <a:round/>
+                  <a:headEnd/>
+                  <a:tailEnd/>
+                </a14:hiddenLine>
+              </a:ext>
+            </a:extLst>
+          </p:spPr>
+        </p:sp>
+        <p:sp>
+          <p:nvSpPr>
+            <p:cNvPr id="44" name="Rectangle 33">
+              <a:extLst>
+                <a:ext uri="{FF2B5EF4-FFF2-40B4-BE49-F238E27FC236}">
+                  <a16:creationId xmlns:a16="http://schemas.microsoft.com/office/drawing/2014/main" id="{7D5F7E44-496F-4025-AFD8-7EEC67AC180A}"/>
+                </a:ext>
+                <a:ext uri="{C183D7F6-B498-43B3-948B-1728B52AA6E4}">
+                  <adec:decorative xmlns:adec="http://schemas.microsoft.com/office/drawing/2017/decorative" val="1"/>
+                </a:ext>
+              </a:extLst>
+            </p:cNvPr>
+            <p:cNvSpPr>
+              <a:spLocks noChangeArrowheads="1"/>
+            </p:cNvSpPr>
+            <p:nvPr>
+              <p:extLst>
+                <p:ext uri="{386F3935-93C4-4BCD-93E2-E3B085C9AB24}">
+                  <p16:designElem xmlns:p16="http://schemas.microsoft.com/office/powerpoint/2015/main" val="1"/>
+                </p:ext>
+              </p:extLst>
+            </p:nvPr>
+          </p:nvSpPr>
+          <p:spPr bwMode="auto">
+            <a:xfrm>
+              <a:off x="642938" y="6610350"/>
+              <a:ext cx="23813" cy="242888"/>
+            </a:xfrm>
+            <a:prstGeom prst="rect">
+              <a:avLst/>
+            </a:prstGeom>
+            <a:grpFill/>
+            <a:ln>
+              <a:noFill/>
+            </a:ln>
+            <a:extLst>
+              <a:ext uri="{91240B29-F687-4f45-9708-019B960494DF}">
+                <a14:hiddenLine xmlns="" xmlns:a16="http://schemas.microsoft.com/office/drawing/2014/main" xmlns:a14="http://schemas.microsoft.com/office/drawing/2010/main" xmlns:p14="http://schemas.microsoft.com/office/powerpoint/2010/main" w="9525">
+                  <a:solidFill>
+                    <a:srgbClr val="000000"/>
+                  </a:solidFill>
+                  <a:miter lim="800000"/>
+                  <a:headEnd/>
+                  <a:tailEnd/>
+                </a14:hiddenLine>
+              </a:ext>
+            </a:extLst>
+          </p:spPr>
+        </p:sp>
+        <p:sp>
+          <p:nvSpPr>
+            <p:cNvPr id="45" name="Freeform 34">
+              <a:extLst>
+                <a:ext uri="{FF2B5EF4-FFF2-40B4-BE49-F238E27FC236}">
+                  <a16:creationId xmlns:a16="http://schemas.microsoft.com/office/drawing/2014/main" id="{FA8ED221-FD77-4CD0-A9B9-3F97E40DCDDD}"/>
+                </a:ext>
+                <a:ext uri="{C183D7F6-B498-43B3-948B-1728B52AA6E4}">
+                  <adec:decorative xmlns:adec="http://schemas.microsoft.com/office/drawing/2017/decorative" val="1"/>
+                </a:ext>
+              </a:extLst>
+            </p:cNvPr>
+            <p:cNvSpPr>
+              <a:spLocks noEditPoints="1"/>
+            </p:cNvSpPr>
+            <p:nvPr>
+              <p:extLst>
+                <p:ext uri="{386F3935-93C4-4BCD-93E2-E3B085C9AB24}">
+                  <p16:designElem xmlns:p16="http://schemas.microsoft.com/office/powerpoint/2015/main" val="1"/>
+                </p:ext>
+              </p:extLst>
+            </p:nvPr>
+          </p:nvSpPr>
+          <p:spPr bwMode="auto">
+            <a:xfrm>
+              <a:off x="76200" y="6430963"/>
+              <a:ext cx="190500" cy="188913"/>
+            </a:xfrm>
+            <a:custGeom>
+              <a:avLst/>
+              <a:gdLst/>
+              <a:ahLst/>
+              <a:cxnLst/>
+              <a:rect l="0" t="0" r="r" b="b"/>
+              <a:pathLst>
+                <a:path w="40" h="40">
+                  <a:moveTo>
+                    <a:pt x="20" y="40"/>
+                  </a:moveTo>
+                  <a:cubicBezTo>
+                    <a:pt x="9" y="40"/>
+                    <a:pt x="0" y="31"/>
+                    <a:pt x="0" y="20"/>
+                  </a:cubicBezTo>
+                  <a:cubicBezTo>
+                    <a:pt x="0" y="9"/>
+                    <a:pt x="9" y="0"/>
+                    <a:pt x="20" y="0"/>
+                  </a:cubicBezTo>
+                  <a:cubicBezTo>
+                    <a:pt x="32" y="0"/>
+                    <a:pt x="40" y="9"/>
+                    <a:pt x="40" y="20"/>
+                  </a:cubicBezTo>
+                  <a:cubicBezTo>
+                    <a:pt x="40" y="31"/>
+                    <a:pt x="32" y="40"/>
+                    <a:pt x="20" y="40"/>
+                  </a:cubicBezTo>
+                  <a:close/>
+                  <a:moveTo>
+                    <a:pt x="20" y="4"/>
+                  </a:moveTo>
+                  <a:cubicBezTo>
+                    <a:pt x="12" y="4"/>
+                    <a:pt x="4" y="11"/>
+                    <a:pt x="4" y="20"/>
+                  </a:cubicBezTo>
+                  <a:cubicBezTo>
+                    <a:pt x="4" y="29"/>
+                    <a:pt x="12" y="36"/>
+                    <a:pt x="20" y="36"/>
+                  </a:cubicBezTo>
+                  <a:cubicBezTo>
+                    <a:pt x="29" y="36"/>
+                    <a:pt x="36" y="29"/>
+                    <a:pt x="36" y="20"/>
+                  </a:cubicBezTo>
+                  <a:cubicBezTo>
+                    <a:pt x="36" y="11"/>
+                    <a:pt x="29" y="4"/>
+                    <a:pt x="20" y="4"/>
+                  </a:cubicBezTo>
+                  <a:close/>
+                </a:path>
+              </a:pathLst>
+            </a:custGeom>
+            <a:grpFill/>
+            <a:ln>
+              <a:noFill/>
+            </a:ln>
+            <a:extLst>
+              <a:ext uri="{91240B29-F687-4f45-9708-019B960494DF}">
+                <a14:hiddenLine xmlns="" xmlns:a16="http://schemas.microsoft.com/office/drawing/2014/main" xmlns:a14="http://schemas.microsoft.com/office/drawing/2010/main" xmlns:p14="http://schemas.microsoft.com/office/powerpoint/2010/main" w="9525">
+                  <a:solidFill>
+                    <a:srgbClr val="000000"/>
+                  </a:solidFill>
+                  <a:round/>
+                  <a:headEnd/>
+                  <a:tailEnd/>
+                </a14:hiddenLine>
+              </a:ext>
+            </a:extLst>
+          </p:spPr>
+        </p:sp>
+        <p:sp>
+          <p:nvSpPr>
+            <p:cNvPr id="46" name="Freeform 35">
+              <a:extLst>
+                <a:ext uri="{FF2B5EF4-FFF2-40B4-BE49-F238E27FC236}">
+                  <a16:creationId xmlns:a16="http://schemas.microsoft.com/office/drawing/2014/main" id="{94922F75-95BC-435D-B4BB-BCE65BACCE14}"/>
+                </a:ext>
+                <a:ext uri="{C183D7F6-B498-43B3-948B-1728B52AA6E4}">
+                  <adec:decorative xmlns:adec="http://schemas.microsoft.com/office/drawing/2017/decorative" val="1"/>
+                </a:ext>
+              </a:extLst>
+            </p:cNvPr>
+            <p:cNvSpPr/>
+            <p:nvPr>
+              <p:extLst>
+                <p:ext uri="{386F3935-93C4-4BCD-93E2-E3B085C9AB24}">
+                  <p16:designElem xmlns:p16="http://schemas.microsoft.com/office/powerpoint/2015/main" val="1"/>
+                </p:ext>
+              </p:extLst>
+            </p:nvPr>
+          </p:nvSpPr>
+          <p:spPr bwMode="auto">
+            <a:xfrm>
+              <a:off x="0" y="5978525"/>
+              <a:ext cx="190500" cy="461963"/>
+            </a:xfrm>
+            <a:custGeom>
+              <a:avLst/>
+              <a:gdLst/>
+              <a:ahLst/>
+              <a:cxnLst/>
+              <a:rect l="0" t="0" r="r" b="b"/>
+              <a:pathLst>
+                <a:path w="120" h="291">
+                  <a:moveTo>
+                    <a:pt x="120" y="291"/>
+                  </a:moveTo>
+                  <a:lnTo>
+                    <a:pt x="105" y="291"/>
+                  </a:lnTo>
+                  <a:lnTo>
+                    <a:pt x="105" y="114"/>
+                  </a:lnTo>
+                  <a:lnTo>
+                    <a:pt x="0" y="9"/>
+                  </a:lnTo>
+                  <a:lnTo>
+                    <a:pt x="12" y="0"/>
+                  </a:lnTo>
+                  <a:lnTo>
+                    <a:pt x="120" y="108"/>
+                  </a:lnTo>
+                  <a:lnTo>
+                    <a:pt x="120" y="291"/>
+                  </a:lnTo>
+                  <a:close/>
+                </a:path>
+              </a:pathLst>
+            </a:custGeom>
+            <a:grpFill/>
+            <a:ln>
+              <a:noFill/>
+            </a:ln>
+            <a:extLst>
+              <a:ext uri="{91240B29-F687-4f45-9708-019B960494DF}">
+                <a14:hiddenLine xmlns="" xmlns:a16="http://schemas.microsoft.com/office/drawing/2014/main" xmlns:a14="http://schemas.microsoft.com/office/drawing/2010/main" xmlns:p14="http://schemas.microsoft.com/office/powerpoint/2010/main" w="9525">
+                  <a:solidFill>
+                    <a:srgbClr val="000000"/>
+                  </a:solidFill>
+                  <a:round/>
+                  <a:headEnd/>
+                  <a:tailEnd/>
+                </a14:hiddenLine>
+              </a:ext>
+            </a:extLst>
+          </p:spPr>
+        </p:sp>
+        <p:sp>
+          <p:nvSpPr>
+            <p:cNvPr id="47" name="Freeform 36">
+              <a:extLst>
+                <a:ext uri="{FF2B5EF4-FFF2-40B4-BE49-F238E27FC236}">
+                  <a16:creationId xmlns:a16="http://schemas.microsoft.com/office/drawing/2014/main" id="{CFB94884-EF28-419D-9147-20B2C9B1AB84}"/>
+                </a:ext>
+                <a:ext uri="{C183D7F6-B498-43B3-948B-1728B52AA6E4}">
+                  <adec:decorative xmlns:adec="http://schemas.microsoft.com/office/drawing/2017/decorative" val="1"/>
+                </a:ext>
+              </a:extLst>
+            </p:cNvPr>
+            <p:cNvSpPr/>
+            <p:nvPr>
+              <p:extLst>
+                <p:ext uri="{386F3935-93C4-4BCD-93E2-E3B085C9AB24}">
+                  <p16:designElem xmlns:p16="http://schemas.microsoft.com/office/powerpoint/2015/main" val="1"/>
+                </p:ext>
+              </p:extLst>
+            </p:nvPr>
+          </p:nvSpPr>
+          <p:spPr bwMode="auto">
+            <a:xfrm>
+              <a:off x="1014413" y="1801813"/>
+              <a:ext cx="214313" cy="755650"/>
+            </a:xfrm>
+            <a:custGeom>
+              <a:avLst/>
+              <a:gdLst/>
+              <a:ahLst/>
+              <a:cxnLst/>
+              <a:rect l="0" t="0" r="r" b="b"/>
+              <a:pathLst>
+                <a:path w="135" h="476">
+                  <a:moveTo>
+                    <a:pt x="12" y="476"/>
+                  </a:moveTo>
+                  <a:lnTo>
+                    <a:pt x="0" y="476"/>
+                  </a:lnTo>
+                  <a:lnTo>
+                    <a:pt x="0" y="128"/>
+                  </a:lnTo>
+                  <a:lnTo>
+                    <a:pt x="126" y="0"/>
+                  </a:lnTo>
+                  <a:lnTo>
+                    <a:pt x="135" y="9"/>
+                  </a:lnTo>
+                  <a:lnTo>
+                    <a:pt x="12" y="131"/>
+                  </a:lnTo>
+                  <a:lnTo>
+                    <a:pt x="12" y="476"/>
+                  </a:lnTo>
+                  <a:close/>
+                </a:path>
+              </a:pathLst>
+            </a:custGeom>
+            <a:grpFill/>
+            <a:ln>
+              <a:noFill/>
+            </a:ln>
+            <a:extLst>
+              <a:ext uri="{91240B29-F687-4f45-9708-019B960494DF}">
+                <a14:hiddenLine xmlns="" xmlns:a16="http://schemas.microsoft.com/office/drawing/2014/main" xmlns:a14="http://schemas.microsoft.com/office/drawing/2010/main" xmlns:p14="http://schemas.microsoft.com/office/powerpoint/2010/main" w="9525">
+                  <a:solidFill>
+                    <a:srgbClr val="000000"/>
+                  </a:solidFill>
+                  <a:round/>
+                  <a:headEnd/>
+                  <a:tailEnd/>
+                </a14:hiddenLine>
+              </a:ext>
+            </a:extLst>
+          </p:spPr>
+        </p:sp>
+        <p:sp>
+          <p:nvSpPr>
+            <p:cNvPr id="48" name="Freeform 37">
+              <a:extLst>
+                <a:ext uri="{FF2B5EF4-FFF2-40B4-BE49-F238E27FC236}">
+                  <a16:creationId xmlns:a16="http://schemas.microsoft.com/office/drawing/2014/main" id="{94C72871-F5AC-46D1-97EF-94E4070A7044}"/>
+                </a:ext>
+                <a:ext uri="{C183D7F6-B498-43B3-948B-1728B52AA6E4}">
+                  <adec:decorative xmlns:adec="http://schemas.microsoft.com/office/drawing/2017/decorative" val="1"/>
+                </a:ext>
+              </a:extLst>
+            </p:cNvPr>
+            <p:cNvSpPr>
+              <a:spLocks noEditPoints="1"/>
+            </p:cNvSpPr>
+            <p:nvPr>
+              <p:extLst>
+                <p:ext uri="{386F3935-93C4-4BCD-93E2-E3B085C9AB24}">
+                  <p16:designElem xmlns:p16="http://schemas.microsoft.com/office/powerpoint/2015/main" val="1"/>
+                </p:ext>
+              </p:extLst>
+            </p:nvPr>
+          </p:nvSpPr>
+          <p:spPr bwMode="auto">
+            <a:xfrm>
+              <a:off x="938213" y="2547938"/>
+              <a:ext cx="166688" cy="160338"/>
+            </a:xfrm>
+            <a:custGeom>
+              <a:avLst/>
+              <a:gdLst/>
+              <a:ahLst/>
+              <a:cxnLst/>
+              <a:rect l="0" t="0" r="r" b="b"/>
+              <a:pathLst>
+                <a:path w="35" h="34">
+                  <a:moveTo>
+                    <a:pt x="18" y="34"/>
+                  </a:moveTo>
+                  <a:cubicBezTo>
+                    <a:pt x="8" y="34"/>
+                    <a:pt x="0" y="26"/>
+                    <a:pt x="0" y="17"/>
+                  </a:cubicBezTo>
+                  <a:cubicBezTo>
+                    <a:pt x="0" y="7"/>
+                    <a:pt x="8" y="0"/>
+                    <a:pt x="18" y="0"/>
+                  </a:cubicBezTo>
+                  <a:cubicBezTo>
+                    <a:pt x="27" y="0"/>
+                    <a:pt x="35" y="7"/>
+                    <a:pt x="35" y="17"/>
+                  </a:cubicBezTo>
+                  <a:cubicBezTo>
+                    <a:pt x="35" y="26"/>
+                    <a:pt x="27" y="34"/>
+                    <a:pt x="18" y="34"/>
+                  </a:cubicBezTo>
+                  <a:close/>
+                  <a:moveTo>
+                    <a:pt x="18" y="4"/>
+                  </a:moveTo>
+                  <a:cubicBezTo>
+                    <a:pt x="10" y="4"/>
+                    <a:pt x="4" y="10"/>
+                    <a:pt x="4" y="17"/>
+                  </a:cubicBezTo>
+                  <a:cubicBezTo>
+                    <a:pt x="4" y="24"/>
+                    <a:pt x="10" y="30"/>
+                    <a:pt x="18" y="30"/>
+                  </a:cubicBezTo>
+                  <a:cubicBezTo>
+                    <a:pt x="25" y="30"/>
+                    <a:pt x="31" y="24"/>
+                    <a:pt x="31" y="17"/>
+                  </a:cubicBezTo>
+                  <a:cubicBezTo>
+                    <a:pt x="31" y="10"/>
+                    <a:pt x="25" y="4"/>
+                    <a:pt x="18" y="4"/>
+                  </a:cubicBezTo>
+                  <a:close/>
+                </a:path>
+              </a:pathLst>
+            </a:custGeom>
+            <a:grpFill/>
+            <a:ln>
+              <a:noFill/>
+            </a:ln>
+            <a:extLst>
+              <a:ext uri="{91240B29-F687-4f45-9708-019B960494DF}">
+                <a14:hiddenLine xmlns="" xmlns:a16="http://schemas.microsoft.com/office/drawing/2014/main" xmlns:a14="http://schemas.microsoft.com/office/drawing/2010/main" xmlns:p14="http://schemas.microsoft.com/office/powerpoint/2010/main" w="9525">
+                  <a:solidFill>
+                    <a:srgbClr val="000000"/>
+                  </a:solidFill>
+                  <a:round/>
+                  <a:headEnd/>
+                  <a:tailEnd/>
+                </a14:hiddenLine>
+              </a:ext>
+            </a:extLst>
+          </p:spPr>
+        </p:sp>
+        <p:sp>
+          <p:nvSpPr>
+            <p:cNvPr id="49" name="Freeform 38">
+              <a:extLst>
+                <a:ext uri="{FF2B5EF4-FFF2-40B4-BE49-F238E27FC236}">
+                  <a16:creationId xmlns:a16="http://schemas.microsoft.com/office/drawing/2014/main" id="{03ED1B15-6247-43B3-BEAE-DB699DE29736}"/>
+                </a:ext>
+                <a:ext uri="{C183D7F6-B498-43B3-948B-1728B52AA6E4}">
+                  <adec:decorative xmlns:adec="http://schemas.microsoft.com/office/drawing/2017/decorative" val="1"/>
+                </a:ext>
+              </a:extLst>
+            </p:cNvPr>
+            <p:cNvSpPr/>
+            <p:nvPr>
+              <p:extLst>
+                <p:ext uri="{386F3935-93C4-4BCD-93E2-E3B085C9AB24}">
+                  <p16:designElem xmlns:p16="http://schemas.microsoft.com/office/powerpoint/2015/main" val="1"/>
+                </p:ext>
+              </p:extLst>
+            </p:nvPr>
+          </p:nvSpPr>
+          <p:spPr bwMode="auto">
+            <a:xfrm>
+              <a:off x="595313" y="4763"/>
+              <a:ext cx="638175" cy="4025900"/>
+            </a:xfrm>
+            <a:custGeom>
+              <a:avLst/>
+              <a:gdLst/>
+              <a:ahLst/>
+              <a:cxnLst/>
+              <a:rect l="0" t="0" r="r" b="b"/>
+              <a:pathLst>
+                <a:path w="402" h="2536">
+                  <a:moveTo>
+                    <a:pt x="402" y="2536"/>
+                  </a:moveTo>
+                  <a:lnTo>
+                    <a:pt x="387" y="2536"/>
+                  </a:lnTo>
+                  <a:lnTo>
+                    <a:pt x="387" y="2311"/>
+                  </a:lnTo>
+                  <a:lnTo>
+                    <a:pt x="0" y="1925"/>
+                  </a:lnTo>
+                  <a:lnTo>
+                    <a:pt x="0" y="0"/>
+                  </a:lnTo>
+                  <a:lnTo>
+                    <a:pt x="15" y="0"/>
+                  </a:lnTo>
+                  <a:lnTo>
+                    <a:pt x="15" y="1916"/>
+                  </a:lnTo>
+                  <a:lnTo>
+                    <a:pt x="402" y="2302"/>
+                  </a:lnTo>
+                  <a:lnTo>
+                    <a:pt x="402" y="2536"/>
+                  </a:lnTo>
+                  <a:close/>
+                </a:path>
+              </a:pathLst>
+            </a:custGeom>
+            <a:grpFill/>
+            <a:ln>
+              <a:noFill/>
+            </a:ln>
+            <a:extLst>
+              <a:ext uri="{91240B29-F687-4f45-9708-019B960494DF}">
+                <a14:hiddenLine xmlns="" xmlns:a16="http://schemas.microsoft.com/office/drawing/2014/main" xmlns:a14="http://schemas.microsoft.com/office/drawing/2010/main" xmlns:p14="http://schemas.microsoft.com/office/powerpoint/2010/main" w="9525">
+                  <a:solidFill>
+                    <a:srgbClr val="000000"/>
+                  </a:solidFill>
+                  <a:round/>
+                  <a:headEnd/>
+                  <a:tailEnd/>
+                </a14:hiddenLine>
+              </a:ext>
+            </a:extLst>
+          </p:spPr>
+        </p:sp>
+        <p:sp>
+          <p:nvSpPr>
+            <p:cNvPr id="50" name="Freeform 39">
+              <a:extLst>
+                <a:ext uri="{FF2B5EF4-FFF2-40B4-BE49-F238E27FC236}">
+                  <a16:creationId xmlns:a16="http://schemas.microsoft.com/office/drawing/2014/main" id="{FA3EA466-B483-4B4A-9FCB-9FFA8E538F3D}"/>
+                </a:ext>
+                <a:ext uri="{C183D7F6-B498-43B3-948B-1728B52AA6E4}">
+                  <adec:decorative xmlns:adec="http://schemas.microsoft.com/office/drawing/2017/decorative" val="1"/>
+                </a:ext>
+              </a:extLst>
+            </p:cNvPr>
+            <p:cNvSpPr/>
+            <p:nvPr>
+              <p:extLst>
+                <p:ext uri="{386F3935-93C4-4BCD-93E2-E3B085C9AB24}">
+                  <p16:designElem xmlns:p16="http://schemas.microsoft.com/office/powerpoint/2015/main" val="1"/>
+                </p:ext>
+              </p:extLst>
+            </p:nvPr>
+          </p:nvSpPr>
+          <p:spPr bwMode="auto">
+            <a:xfrm>
+              <a:off x="1223963" y="1382713"/>
+              <a:ext cx="142875" cy="476250"/>
+            </a:xfrm>
+            <a:custGeom>
+              <a:avLst/>
+              <a:gdLst/>
+              <a:ahLst/>
+              <a:cxnLst/>
+              <a:rect l="0" t="0" r="r" b="b"/>
+              <a:pathLst>
+                <a:path w="90" h="300">
+                  <a:moveTo>
+                    <a:pt x="90" y="300"/>
+                  </a:moveTo>
+                  <a:lnTo>
+                    <a:pt x="78" y="300"/>
+                  </a:lnTo>
+                  <a:lnTo>
+                    <a:pt x="78" y="84"/>
+                  </a:lnTo>
+                  <a:lnTo>
+                    <a:pt x="0" y="9"/>
+                  </a:lnTo>
+                  <a:lnTo>
+                    <a:pt x="9" y="0"/>
+                  </a:lnTo>
+                  <a:lnTo>
+                    <a:pt x="90" y="81"/>
+                  </a:lnTo>
+                  <a:lnTo>
+                    <a:pt x="90" y="300"/>
+                  </a:lnTo>
+                  <a:close/>
+                </a:path>
+              </a:pathLst>
+            </a:custGeom>
+            <a:grpFill/>
+            <a:ln>
+              <a:noFill/>
+            </a:ln>
+            <a:extLst>
+              <a:ext uri="{91240B29-F687-4f45-9708-019B960494DF}">
+                <a14:hiddenLine xmlns="" xmlns:a16="http://schemas.microsoft.com/office/drawing/2014/main" xmlns:a14="http://schemas.microsoft.com/office/drawing/2010/main" xmlns:p14="http://schemas.microsoft.com/office/powerpoint/2010/main" w="9525">
+                  <a:solidFill>
+                    <a:srgbClr val="000000"/>
+                  </a:solidFill>
+                  <a:round/>
+                  <a:headEnd/>
+                  <a:tailEnd/>
+                </a14:hiddenLine>
+              </a:ext>
+            </a:extLst>
+          </p:spPr>
+        </p:sp>
+        <p:sp>
+          <p:nvSpPr>
+            <p:cNvPr id="51" name="Freeform 40">
+              <a:extLst>
+                <a:ext uri="{FF2B5EF4-FFF2-40B4-BE49-F238E27FC236}">
+                  <a16:creationId xmlns:a16="http://schemas.microsoft.com/office/drawing/2014/main" id="{CCE5E17C-696E-46EB-B70D-586274216994}"/>
+                </a:ext>
+                <a:ext uri="{C183D7F6-B498-43B3-948B-1728B52AA6E4}">
+                  <adec:decorative xmlns:adec="http://schemas.microsoft.com/office/drawing/2017/decorative" val="1"/>
+                </a:ext>
+              </a:extLst>
+            </p:cNvPr>
+            <p:cNvSpPr>
+              <a:spLocks noEditPoints="1"/>
+            </p:cNvSpPr>
+            <p:nvPr>
+              <p:extLst>
+                <p:ext uri="{386F3935-93C4-4BCD-93E2-E3B085C9AB24}">
+                  <p16:designElem xmlns:p16="http://schemas.microsoft.com/office/powerpoint/2015/main" val="1"/>
+                </p:ext>
+              </p:extLst>
+            </p:nvPr>
+          </p:nvSpPr>
+          <p:spPr bwMode="auto">
+            <a:xfrm>
+              <a:off x="1300163" y="1849438"/>
+              <a:ext cx="109538" cy="107950"/>
+            </a:xfrm>
+            <a:custGeom>
+              <a:avLst/>
+              <a:gdLst/>
+              <a:ahLst/>
+              <a:cxnLst/>
+              <a:rect l="0" t="0" r="r" b="b"/>
+              <a:pathLst>
+                <a:path w="23" h="23">
+                  <a:moveTo>
+                    <a:pt x="12" y="23"/>
+                  </a:moveTo>
+                  <a:cubicBezTo>
+                    <a:pt x="5" y="23"/>
+                    <a:pt x="0" y="18"/>
+                    <a:pt x="0" y="12"/>
+                  </a:cubicBezTo>
+                  <a:cubicBezTo>
+                    <a:pt x="0" y="5"/>
+                    <a:pt x="5" y="0"/>
+                    <a:pt x="12" y="0"/>
+                  </a:cubicBezTo>
+                  <a:cubicBezTo>
+                    <a:pt x="18" y="0"/>
+                    <a:pt x="23" y="5"/>
+                    <a:pt x="23" y="12"/>
+                  </a:cubicBezTo>
+                  <a:cubicBezTo>
+                    <a:pt x="23" y="18"/>
+                    <a:pt x="18" y="23"/>
+                    <a:pt x="12" y="23"/>
+                  </a:cubicBezTo>
+                  <a:close/>
+                  <a:moveTo>
+                    <a:pt x="12" y="4"/>
+                  </a:moveTo>
+                  <a:cubicBezTo>
+                    <a:pt x="8" y="4"/>
+                    <a:pt x="4" y="8"/>
+                    <a:pt x="4" y="12"/>
+                  </a:cubicBezTo>
+                  <a:cubicBezTo>
+                    <a:pt x="4" y="16"/>
+                    <a:pt x="8" y="19"/>
+                    <a:pt x="12" y="19"/>
+                  </a:cubicBezTo>
+                  <a:cubicBezTo>
+                    <a:pt x="16" y="19"/>
+                    <a:pt x="19" y="16"/>
+                    <a:pt x="19" y="12"/>
+                  </a:cubicBezTo>
+                  <a:cubicBezTo>
+                    <a:pt x="19" y="8"/>
+                    <a:pt x="16" y="4"/>
+                    <a:pt x="12" y="4"/>
+                  </a:cubicBezTo>
+                  <a:close/>
+                </a:path>
+              </a:pathLst>
+            </a:custGeom>
+            <a:grpFill/>
+            <a:ln>
+              <a:noFill/>
+            </a:ln>
+            <a:extLst>
+              <a:ext uri="{91240B29-F687-4f45-9708-019B960494DF}">
+                <a14:hiddenLine xmlns="" xmlns:a16="http://schemas.microsoft.com/office/drawing/2014/main" xmlns:a14="http://schemas.microsoft.com/office/drawing/2010/main" xmlns:p14="http://schemas.microsoft.com/office/powerpoint/2010/main" w="9525">
+                  <a:solidFill>
+                    <a:srgbClr val="000000"/>
+                  </a:solidFill>
+                  <a:round/>
+                  <a:headEnd/>
+                  <a:tailEnd/>
+                </a14:hiddenLine>
+              </a:ext>
+            </a:extLst>
+          </p:spPr>
+        </p:sp>
+        <p:sp>
+          <p:nvSpPr>
+            <p:cNvPr id="52" name="Freeform 41">
+              <a:extLst>
+                <a:ext uri="{FF2B5EF4-FFF2-40B4-BE49-F238E27FC236}">
+                  <a16:creationId xmlns:a16="http://schemas.microsoft.com/office/drawing/2014/main" id="{AB6022EC-6D09-4098-9A97-5A911C08CA08}"/>
+                </a:ext>
+                <a:ext uri="{C183D7F6-B498-43B3-948B-1728B52AA6E4}">
+                  <adec:decorative xmlns:adec="http://schemas.microsoft.com/office/drawing/2017/decorative" val="1"/>
+                </a:ext>
+              </a:extLst>
+            </p:cNvPr>
+            <p:cNvSpPr/>
+            <p:nvPr>
+              <p:extLst>
+                <p:ext uri="{386F3935-93C4-4BCD-93E2-E3B085C9AB24}">
+                  <p16:designElem xmlns:p16="http://schemas.microsoft.com/office/powerpoint/2015/main" val="1"/>
+                </p:ext>
+              </p:extLst>
+            </p:nvPr>
+          </p:nvSpPr>
+          <p:spPr bwMode="auto">
+            <a:xfrm>
+              <a:off x="280988" y="3417888"/>
+              <a:ext cx="142875" cy="474663"/>
+            </a:xfrm>
+            <a:custGeom>
+              <a:avLst/>
+              <a:gdLst/>
+              <a:ahLst/>
+              <a:cxnLst/>
+              <a:rect l="0" t="0" r="r" b="b"/>
+              <a:pathLst>
+                <a:path w="90" h="299">
+                  <a:moveTo>
+                    <a:pt x="12" y="299"/>
+                  </a:moveTo>
+                  <a:lnTo>
+                    <a:pt x="0" y="299"/>
+                  </a:lnTo>
+                  <a:lnTo>
+                    <a:pt x="0" y="80"/>
+                  </a:lnTo>
+                  <a:lnTo>
+                    <a:pt x="81" y="0"/>
+                  </a:lnTo>
+                  <a:lnTo>
+                    <a:pt x="90" y="8"/>
+                  </a:lnTo>
+                  <a:lnTo>
+                    <a:pt x="12" y="83"/>
+                  </a:lnTo>
+                  <a:lnTo>
+                    <a:pt x="12" y="299"/>
+                  </a:lnTo>
+                  <a:close/>
+                </a:path>
+              </a:pathLst>
+            </a:custGeom>
+            <a:grpFill/>
+            <a:ln>
+              <a:noFill/>
+            </a:ln>
+            <a:extLst>
+              <a:ext uri="{91240B29-F687-4f45-9708-019B960494DF}">
+                <a14:hiddenLine xmlns="" xmlns:a16="http://schemas.microsoft.com/office/drawing/2014/main" xmlns:a14="http://schemas.microsoft.com/office/drawing/2010/main" xmlns:p14="http://schemas.microsoft.com/office/powerpoint/2010/main" w="9525">
+                  <a:solidFill>
+                    <a:srgbClr val="000000"/>
+                  </a:solidFill>
+                  <a:round/>
+                  <a:headEnd/>
+                  <a:tailEnd/>
+                </a14:hiddenLine>
+              </a:ext>
+            </a:extLst>
+          </p:spPr>
+        </p:sp>
+        <p:sp>
+          <p:nvSpPr>
+            <p:cNvPr id="53" name="Freeform 42">
+              <a:extLst>
+                <a:ext uri="{FF2B5EF4-FFF2-40B4-BE49-F238E27FC236}">
+                  <a16:creationId xmlns:a16="http://schemas.microsoft.com/office/drawing/2014/main" id="{7E18073E-1315-4400-ABD9-C34AEAFBFF03}"/>
+                </a:ext>
+                <a:ext uri="{C183D7F6-B498-43B3-948B-1728B52AA6E4}">
+                  <adec:decorative xmlns:adec="http://schemas.microsoft.com/office/drawing/2017/decorative" val="1"/>
+                </a:ext>
+              </a:extLst>
+            </p:cNvPr>
+            <p:cNvSpPr>
+              <a:spLocks noEditPoints="1"/>
+            </p:cNvSpPr>
+            <p:nvPr>
+              <p:extLst>
+                <p:ext uri="{386F3935-93C4-4BCD-93E2-E3B085C9AB24}">
+                  <p16:designElem xmlns:p16="http://schemas.microsoft.com/office/powerpoint/2015/main" val="1"/>
+                </p:ext>
+              </p:extLst>
+            </p:nvPr>
+          </p:nvSpPr>
+          <p:spPr bwMode="auto">
+            <a:xfrm>
+              <a:off x="238125" y="3883025"/>
+              <a:ext cx="109538" cy="109538"/>
+            </a:xfrm>
+            <a:custGeom>
+              <a:avLst/>
+              <a:gdLst/>
+              <a:ahLst/>
+              <a:cxnLst/>
+              <a:rect l="0" t="0" r="r" b="b"/>
+              <a:pathLst>
+                <a:path w="23" h="23">
+                  <a:moveTo>
+                    <a:pt x="11" y="23"/>
+                  </a:moveTo>
+                  <a:cubicBezTo>
+                    <a:pt x="5" y="23"/>
+                    <a:pt x="0" y="18"/>
+                    <a:pt x="0" y="12"/>
+                  </a:cubicBezTo>
+                  <a:cubicBezTo>
+                    <a:pt x="0" y="5"/>
+                    <a:pt x="5" y="0"/>
+                    <a:pt x="11" y="0"/>
+                  </a:cubicBezTo>
+                  <a:cubicBezTo>
+                    <a:pt x="17" y="0"/>
+                    <a:pt x="23" y="5"/>
+                    <a:pt x="23" y="12"/>
+                  </a:cubicBezTo>
+                  <a:cubicBezTo>
+                    <a:pt x="23" y="18"/>
+                    <a:pt x="17" y="23"/>
+                    <a:pt x="11" y="23"/>
+                  </a:cubicBezTo>
+                  <a:close/>
+                  <a:moveTo>
+                    <a:pt x="11" y="4"/>
+                  </a:moveTo>
+                  <a:cubicBezTo>
+                    <a:pt x="7" y="4"/>
+                    <a:pt x="4" y="8"/>
+                    <a:pt x="4" y="12"/>
+                  </a:cubicBezTo>
+                  <a:cubicBezTo>
+                    <a:pt x="4" y="16"/>
+                    <a:pt x="7" y="19"/>
+                    <a:pt x="11" y="19"/>
+                  </a:cubicBezTo>
+                  <a:cubicBezTo>
+                    <a:pt x="15" y="19"/>
+                    <a:pt x="19" y="16"/>
+                    <a:pt x="19" y="12"/>
+                  </a:cubicBezTo>
+                  <a:cubicBezTo>
+                    <a:pt x="19" y="8"/>
+                    <a:pt x="15" y="4"/>
+                    <a:pt x="11" y="4"/>
+                  </a:cubicBezTo>
+                  <a:close/>
+                </a:path>
+              </a:pathLst>
+            </a:custGeom>
+            <a:grpFill/>
+            <a:ln>
+              <a:noFill/>
+            </a:ln>
+            <a:extLst>
+              <a:ext uri="{91240B29-F687-4f45-9708-019B960494DF}">
+                <a14:hiddenLine xmlns="" xmlns:a16="http://schemas.microsoft.com/office/drawing/2014/main" xmlns:a14="http://schemas.microsoft.com/office/drawing/2010/main" xmlns:p14="http://schemas.microsoft.com/office/powerpoint/2010/main" w="9525">
+                  <a:solidFill>
+                    <a:srgbClr val="000000"/>
+                  </a:solidFill>
+                  <a:round/>
+                  <a:headEnd/>
+                  <a:tailEnd/>
+                </a14:hiddenLine>
+              </a:ext>
+            </a:extLst>
+          </p:spPr>
+        </p:sp>
+        <p:sp>
+          <p:nvSpPr>
+            <p:cNvPr id="54" name="Freeform 43">
+              <a:extLst>
+                <a:ext uri="{FF2B5EF4-FFF2-40B4-BE49-F238E27FC236}">
+                  <a16:creationId xmlns:a16="http://schemas.microsoft.com/office/drawing/2014/main" id="{5510509E-411D-4F1B-BDC6-3E566689633D}"/>
+                </a:ext>
+                <a:ext uri="{C183D7F6-B498-43B3-948B-1728B52AA6E4}">
+                  <adec:decorative xmlns:adec="http://schemas.microsoft.com/office/drawing/2017/decorative" val="1"/>
+                </a:ext>
+              </a:extLst>
+            </p:cNvPr>
+            <p:cNvSpPr/>
+            <p:nvPr>
+              <p:extLst>
+                <p:ext uri="{386F3935-93C4-4BCD-93E2-E3B085C9AB24}">
+                  <p16:designElem xmlns:p16="http://schemas.microsoft.com/office/powerpoint/2015/main" val="1"/>
+                </p:ext>
+              </p:extLst>
+            </p:nvPr>
+          </p:nvSpPr>
+          <p:spPr bwMode="auto">
+            <a:xfrm>
+              <a:off x="4763" y="2166938"/>
+              <a:ext cx="114300" cy="452438"/>
+            </a:xfrm>
+            <a:custGeom>
+              <a:avLst/>
+              <a:gdLst/>
+              <a:ahLst/>
+              <a:cxnLst/>
+              <a:rect l="0" t="0" r="r" b="b"/>
+              <a:pathLst>
+                <a:path w="72" h="285">
+                  <a:moveTo>
+                    <a:pt x="6" y="285"/>
+                  </a:moveTo>
+                  <a:lnTo>
+                    <a:pt x="0" y="276"/>
+                  </a:lnTo>
+                  <a:lnTo>
+                    <a:pt x="60" y="216"/>
+                  </a:lnTo>
+                  <a:lnTo>
+                    <a:pt x="60" y="0"/>
+                  </a:lnTo>
+                  <a:lnTo>
+                    <a:pt x="72" y="0"/>
+                  </a:lnTo>
+                  <a:lnTo>
+                    <a:pt x="72" y="222"/>
+                  </a:lnTo>
+                  <a:lnTo>
+                    <a:pt x="6" y="285"/>
+                  </a:lnTo>
+                  <a:close/>
+                </a:path>
+              </a:pathLst>
+            </a:custGeom>
+            <a:grpFill/>
+            <a:ln>
+              <a:noFill/>
+            </a:ln>
+            <a:extLst>
+              <a:ext uri="{91240B29-F687-4f45-9708-019B960494DF}">
+                <a14:hiddenLine xmlns="" xmlns:a16="http://schemas.microsoft.com/office/drawing/2014/main" xmlns:a14="http://schemas.microsoft.com/office/drawing/2010/main" xmlns:p14="http://schemas.microsoft.com/office/powerpoint/2010/main" w="9525">
+                  <a:solidFill>
+                    <a:srgbClr val="000000"/>
+                  </a:solidFill>
+                  <a:round/>
+                  <a:headEnd/>
+                  <a:tailEnd/>
+                </a14:hiddenLine>
+              </a:ext>
+            </a:extLst>
+          </p:spPr>
+        </p:sp>
+        <p:sp>
+          <p:nvSpPr>
+            <p:cNvPr id="55" name="Freeform 44">
+              <a:extLst>
+                <a:ext uri="{FF2B5EF4-FFF2-40B4-BE49-F238E27FC236}">
+                  <a16:creationId xmlns:a16="http://schemas.microsoft.com/office/drawing/2014/main" id="{46F1A7E1-EC01-4288-87AE-C3B6434BD030}"/>
+                </a:ext>
+                <a:ext uri="{C183D7F6-B498-43B3-948B-1728B52AA6E4}">
+                  <adec:decorative xmlns:adec="http://schemas.microsoft.com/office/drawing/2017/decorative" val="1"/>
+                </a:ext>
+              </a:extLst>
+            </p:cNvPr>
+            <p:cNvSpPr>
+              <a:spLocks noEditPoints="1"/>
+            </p:cNvSpPr>
+            <p:nvPr>
+              <p:extLst>
+                <p:ext uri="{386F3935-93C4-4BCD-93E2-E3B085C9AB24}">
+                  <p16:designElem xmlns:p16="http://schemas.microsoft.com/office/powerpoint/2015/main" val="1"/>
+                </p:ext>
+              </p:extLst>
+            </p:nvPr>
+          </p:nvSpPr>
+          <p:spPr bwMode="auto">
+            <a:xfrm>
+              <a:off x="52388" y="2066925"/>
+              <a:ext cx="109538" cy="109538"/>
+            </a:xfrm>
+            <a:custGeom>
+              <a:avLst/>
+              <a:gdLst/>
+              <a:ahLst/>
+              <a:cxnLst/>
+              <a:rect l="0" t="0" r="r" b="b"/>
+              <a:pathLst>
+                <a:path w="23" h="23">
+                  <a:moveTo>
+                    <a:pt x="12" y="23"/>
+                  </a:moveTo>
+                  <a:cubicBezTo>
+                    <a:pt x="5" y="23"/>
+                    <a:pt x="0" y="18"/>
+                    <a:pt x="0" y="12"/>
+                  </a:cubicBezTo>
+                  <a:cubicBezTo>
+                    <a:pt x="0" y="5"/>
+                    <a:pt x="5" y="0"/>
+                    <a:pt x="12" y="0"/>
+                  </a:cubicBezTo>
+                  <a:cubicBezTo>
+                    <a:pt x="18" y="0"/>
+                    <a:pt x="23" y="5"/>
+                    <a:pt x="23" y="12"/>
+                  </a:cubicBezTo>
+                  <a:cubicBezTo>
+                    <a:pt x="23" y="18"/>
+                    <a:pt x="18" y="23"/>
+                    <a:pt x="12" y="23"/>
+                  </a:cubicBezTo>
+                  <a:close/>
+                  <a:moveTo>
+                    <a:pt x="12" y="4"/>
+                  </a:moveTo>
+                  <a:cubicBezTo>
+                    <a:pt x="8" y="4"/>
+                    <a:pt x="4" y="8"/>
+                    <a:pt x="4" y="12"/>
+                  </a:cubicBezTo>
+                  <a:cubicBezTo>
+                    <a:pt x="4" y="16"/>
+                    <a:pt x="8" y="19"/>
+                    <a:pt x="12" y="19"/>
+                  </a:cubicBezTo>
+                  <a:cubicBezTo>
+                    <a:pt x="16" y="19"/>
+                    <a:pt x="19" y="16"/>
+                    <a:pt x="19" y="12"/>
+                  </a:cubicBezTo>
+                  <a:cubicBezTo>
+                    <a:pt x="19" y="8"/>
+                    <a:pt x="16" y="4"/>
+                    <a:pt x="12" y="4"/>
+                  </a:cubicBezTo>
+                  <a:close/>
+                </a:path>
+              </a:pathLst>
+            </a:custGeom>
+            <a:grpFill/>
+            <a:ln>
+              <a:noFill/>
+            </a:ln>
+            <a:extLst>
+              <a:ext uri="{91240B29-F687-4f45-9708-019B960494DF}">
+                <a14:hiddenLine xmlns="" xmlns:a16="http://schemas.microsoft.com/office/drawing/2014/main" xmlns:a14="http://schemas.microsoft.com/office/drawing/2010/main" xmlns:p14="http://schemas.microsoft.com/office/powerpoint/2010/main" w="9525">
+                  <a:solidFill>
+                    <a:srgbClr val="000000"/>
+                  </a:solidFill>
+                  <a:round/>
+                  <a:headEnd/>
+                  <a:tailEnd/>
+                </a14:hiddenLine>
+              </a:ext>
+            </a:extLst>
+          </p:spPr>
+        </p:sp>
+        <p:sp>
+          <p:nvSpPr>
+            <p:cNvPr id="56" name="Rectangle 45">
+              <a:extLst>
+                <a:ext uri="{FF2B5EF4-FFF2-40B4-BE49-F238E27FC236}">
+                  <a16:creationId xmlns:a16="http://schemas.microsoft.com/office/drawing/2014/main" id="{F7BBA432-5463-415B-BA54-3AA2B92D28B5}"/>
+                </a:ext>
+                <a:ext uri="{C183D7F6-B498-43B3-948B-1728B52AA6E4}">
+                  <adec:decorative xmlns:adec="http://schemas.microsoft.com/office/drawing/2017/decorative" val="1"/>
+                </a:ext>
+              </a:extLst>
+            </p:cNvPr>
+            <p:cNvSpPr>
+              <a:spLocks noChangeArrowheads="1"/>
+            </p:cNvSpPr>
+            <p:nvPr>
+              <p:extLst>
+                <p:ext uri="{386F3935-93C4-4BCD-93E2-E3B085C9AB24}">
+                  <p16:designElem xmlns:p16="http://schemas.microsoft.com/office/powerpoint/2015/main" val="1"/>
+                </p:ext>
+              </p:extLst>
+            </p:nvPr>
+          </p:nvSpPr>
+          <p:spPr bwMode="auto">
+            <a:xfrm>
+              <a:off x="1228725" y="4662488"/>
+              <a:ext cx="23813" cy="2181225"/>
+            </a:xfrm>
+            <a:prstGeom prst="rect">
+              <a:avLst/>
+            </a:prstGeom>
+            <a:grpFill/>
+            <a:ln>
+              <a:noFill/>
+            </a:ln>
+            <a:extLst>
+              <a:ext uri="{91240B29-F687-4f45-9708-019B960494DF}">
+                <a14:hiddenLine xmlns="" xmlns:a16="http://schemas.microsoft.com/office/drawing/2014/main" xmlns:a14="http://schemas.microsoft.com/office/drawing/2010/main" xmlns:p14="http://schemas.microsoft.com/office/powerpoint/2010/main" w="9525">
+                  <a:solidFill>
+                    <a:srgbClr val="000000"/>
+                  </a:solidFill>
+                  <a:miter lim="800000"/>
+                  <a:headEnd/>
+                  <a:tailEnd/>
+                </a14:hiddenLine>
+              </a:ext>
+            </a:extLst>
+          </p:spPr>
+        </p:sp>
+        <p:sp>
+          <p:nvSpPr>
+            <p:cNvPr id="57" name="Freeform 46">
+              <a:extLst>
+                <a:ext uri="{FF2B5EF4-FFF2-40B4-BE49-F238E27FC236}">
+                  <a16:creationId xmlns:a16="http://schemas.microsoft.com/office/drawing/2014/main" id="{66E19F01-137B-4A95-9313-CE6F7780665D}"/>
+                </a:ext>
+                <a:ext uri="{C183D7F6-B498-43B3-948B-1728B52AA6E4}">
+                  <adec:decorative xmlns:adec="http://schemas.microsoft.com/office/drawing/2017/decorative" val="1"/>
+                </a:ext>
+              </a:extLst>
+            </p:cNvPr>
+            <p:cNvSpPr/>
+            <p:nvPr>
+              <p:extLst>
+                <p:ext uri="{386F3935-93C4-4BCD-93E2-E3B085C9AB24}">
+                  <p16:designElem xmlns:p16="http://schemas.microsoft.com/office/powerpoint/2015/main" val="1"/>
+                </p:ext>
+              </p:extLst>
+            </p:nvPr>
+          </p:nvSpPr>
+          <p:spPr bwMode="auto">
+            <a:xfrm>
+              <a:off x="1319213" y="5041900"/>
+              <a:ext cx="371475" cy="1801813"/>
+            </a:xfrm>
+            <a:custGeom>
+              <a:avLst/>
+              <a:gdLst/>
+              <a:ahLst/>
+              <a:cxnLst/>
+              <a:rect l="0" t="0" r="r" b="b"/>
+              <a:pathLst>
+                <a:path w="234" h="1135">
+                  <a:moveTo>
+                    <a:pt x="15" y="1135"/>
+                  </a:moveTo>
+                  <a:lnTo>
+                    <a:pt x="0" y="1135"/>
+                  </a:lnTo>
+                  <a:lnTo>
+                    <a:pt x="0" y="515"/>
+                  </a:lnTo>
+                  <a:lnTo>
+                    <a:pt x="0" y="512"/>
+                  </a:lnTo>
+                  <a:lnTo>
+                    <a:pt x="219" y="0"/>
+                  </a:lnTo>
+                  <a:lnTo>
+                    <a:pt x="234" y="6"/>
+                  </a:lnTo>
+                  <a:lnTo>
+                    <a:pt x="15" y="518"/>
+                  </a:lnTo>
+                  <a:lnTo>
+                    <a:pt x="15" y="1135"/>
+                  </a:lnTo>
+                  <a:close/>
+                </a:path>
+              </a:pathLst>
+            </a:custGeom>
+            <a:grpFill/>
+            <a:ln>
+              <a:noFill/>
+            </a:ln>
+            <a:extLst>
+              <a:ext uri="{91240B29-F687-4f45-9708-019B960494DF}">
+                <a14:hiddenLine xmlns="" xmlns:a16="http://schemas.microsoft.com/office/drawing/2014/main" xmlns:a14="http://schemas.microsoft.com/office/drawing/2010/main" xmlns:p14="http://schemas.microsoft.com/office/powerpoint/2010/main" w="9525">
+                  <a:solidFill>
+                    <a:srgbClr val="000000"/>
+                  </a:solidFill>
+                  <a:round/>
+                  <a:headEnd/>
+                  <a:tailEnd/>
+                </a14:hiddenLine>
+              </a:ext>
+            </a:extLst>
+          </p:spPr>
+        </p:sp>
+        <p:sp>
+          <p:nvSpPr>
+            <p:cNvPr id="58" name="Freeform 47">
+              <a:extLst>
+                <a:ext uri="{FF2B5EF4-FFF2-40B4-BE49-F238E27FC236}">
+                  <a16:creationId xmlns:a16="http://schemas.microsoft.com/office/drawing/2014/main" id="{38C0AACC-51F2-424F-9988-F3B621941C6E}"/>
+                </a:ext>
+                <a:ext uri="{C183D7F6-B498-43B3-948B-1728B52AA6E4}">
+                  <adec:decorative xmlns:adec="http://schemas.microsoft.com/office/drawing/2017/decorative" val="1"/>
+                </a:ext>
+              </a:extLst>
+            </p:cNvPr>
+            <p:cNvSpPr>
+              <a:spLocks noEditPoints="1"/>
+            </p:cNvSpPr>
+            <p:nvPr>
+              <p:extLst>
+                <p:ext uri="{386F3935-93C4-4BCD-93E2-E3B085C9AB24}">
+                  <p16:designElem xmlns:p16="http://schemas.microsoft.com/office/powerpoint/2015/main" val="1"/>
+                </p:ext>
+              </p:extLst>
+            </p:nvPr>
+          </p:nvSpPr>
+          <p:spPr bwMode="auto">
+            <a:xfrm>
+              <a:off x="1147763" y="4481513"/>
+              <a:ext cx="190500" cy="190500"/>
+            </a:xfrm>
+            <a:custGeom>
+              <a:avLst/>
+              <a:gdLst/>
+              <a:ahLst/>
+              <a:cxnLst/>
+              <a:rect l="0" t="0" r="r" b="b"/>
+              <a:pathLst>
+                <a:path w="40" h="40">
+                  <a:moveTo>
+                    <a:pt x="20" y="40"/>
+                  </a:moveTo>
+                  <a:cubicBezTo>
+                    <a:pt x="9" y="40"/>
+                    <a:pt x="0" y="31"/>
+                    <a:pt x="0" y="20"/>
+                  </a:cubicBezTo>
+                  <a:cubicBezTo>
+                    <a:pt x="0" y="9"/>
+                    <a:pt x="9" y="0"/>
+                    <a:pt x="20" y="0"/>
+                  </a:cubicBezTo>
+                  <a:cubicBezTo>
+                    <a:pt x="31" y="0"/>
+                    <a:pt x="40" y="9"/>
+                    <a:pt x="40" y="20"/>
+                  </a:cubicBezTo>
+                  <a:cubicBezTo>
+                    <a:pt x="40" y="31"/>
+                    <a:pt x="31" y="40"/>
+                    <a:pt x="20" y="40"/>
+                  </a:cubicBezTo>
+                  <a:close/>
+                  <a:moveTo>
+                    <a:pt x="20" y="4"/>
+                  </a:moveTo>
+                  <a:cubicBezTo>
+                    <a:pt x="11" y="4"/>
+                    <a:pt x="4" y="11"/>
+                    <a:pt x="4" y="20"/>
+                  </a:cubicBezTo>
+                  <a:cubicBezTo>
+                    <a:pt x="4" y="29"/>
+                    <a:pt x="11" y="36"/>
+                    <a:pt x="20" y="36"/>
+                  </a:cubicBezTo>
+                  <a:cubicBezTo>
+                    <a:pt x="28" y="36"/>
+                    <a:pt x="36" y="29"/>
+                    <a:pt x="36" y="20"/>
+                  </a:cubicBezTo>
+                  <a:cubicBezTo>
+                    <a:pt x="36" y="11"/>
+                    <a:pt x="28" y="4"/>
+                    <a:pt x="20" y="4"/>
+                  </a:cubicBezTo>
+                  <a:close/>
+                </a:path>
+              </a:pathLst>
+            </a:custGeom>
+            <a:grpFill/>
+            <a:ln>
+              <a:noFill/>
+            </a:ln>
+            <a:extLst>
+              <a:ext uri="{91240B29-F687-4f45-9708-019B960494DF}">
+                <a14:hiddenLine xmlns="" xmlns:a16="http://schemas.microsoft.com/office/drawing/2014/main" xmlns:a14="http://schemas.microsoft.com/office/drawing/2010/main" xmlns:p14="http://schemas.microsoft.com/office/powerpoint/2010/main" w="9525">
+                  <a:solidFill>
+                    <a:srgbClr val="000000"/>
+                  </a:solidFill>
+                  <a:round/>
+                  <a:headEnd/>
+                  <a:tailEnd/>
+                </a14:hiddenLine>
+              </a:ext>
+            </a:extLst>
+          </p:spPr>
+        </p:sp>
+        <p:sp>
+          <p:nvSpPr>
+            <p:cNvPr id="59" name="Freeform 48">
+              <a:extLst>
+                <a:ext uri="{FF2B5EF4-FFF2-40B4-BE49-F238E27FC236}">
+                  <a16:creationId xmlns:a16="http://schemas.microsoft.com/office/drawing/2014/main" id="{7364A775-01A6-4012-88CF-58FDDBE4CBC7}"/>
+                </a:ext>
+                <a:ext uri="{C183D7F6-B498-43B3-948B-1728B52AA6E4}">
+                  <adec:decorative xmlns:adec="http://schemas.microsoft.com/office/drawing/2017/decorative" val="1"/>
+                </a:ext>
+              </a:extLst>
+            </p:cNvPr>
+            <p:cNvSpPr/>
+            <p:nvPr>
+              <p:extLst>
+                <p:ext uri="{386F3935-93C4-4BCD-93E2-E3B085C9AB24}">
+                  <p16:designElem xmlns:p16="http://schemas.microsoft.com/office/powerpoint/2015/main" val="1"/>
+                </p:ext>
+              </p:extLst>
+            </p:nvPr>
+          </p:nvSpPr>
+          <p:spPr bwMode="auto">
+            <a:xfrm>
+              <a:off x="819150" y="3983038"/>
+              <a:ext cx="347663" cy="2860675"/>
+            </a:xfrm>
+            <a:custGeom>
+              <a:avLst/>
+              <a:gdLst/>
+              <a:ahLst/>
+              <a:cxnLst/>
+              <a:rect l="0" t="0" r="r" b="b"/>
+              <a:pathLst>
+                <a:path w="219" h="1802">
+                  <a:moveTo>
+                    <a:pt x="219" y="1802"/>
+                  </a:moveTo>
+                  <a:lnTo>
+                    <a:pt x="201" y="1802"/>
+                  </a:lnTo>
+                  <a:lnTo>
+                    <a:pt x="201" y="1185"/>
+                  </a:lnTo>
+                  <a:lnTo>
+                    <a:pt x="0" y="3"/>
+                  </a:lnTo>
+                  <a:lnTo>
+                    <a:pt x="15" y="0"/>
+                  </a:lnTo>
+                  <a:lnTo>
+                    <a:pt x="219" y="1185"/>
+                  </a:lnTo>
+                  <a:lnTo>
+                    <a:pt x="219" y="1802"/>
+                  </a:lnTo>
+                  <a:close/>
+                </a:path>
+              </a:pathLst>
+            </a:custGeom>
+            <a:grpFill/>
+            <a:ln>
+              <a:noFill/>
+            </a:ln>
+            <a:extLst>
+              <a:ext uri="{91240B29-F687-4f45-9708-019B960494DF}">
+                <a14:hiddenLine xmlns="" xmlns:a16="http://schemas.microsoft.com/office/drawing/2014/main" xmlns:a14="http://schemas.microsoft.com/office/drawing/2010/main" xmlns:p14="http://schemas.microsoft.com/office/powerpoint/2010/main" w="9525">
+                  <a:solidFill>
+                    <a:srgbClr val="000000"/>
+                  </a:solidFill>
+                  <a:round/>
+                  <a:headEnd/>
+                  <a:tailEnd/>
+                </a14:hiddenLine>
+              </a:ext>
+            </a:extLst>
+          </p:spPr>
+        </p:sp>
+        <p:sp>
+          <p:nvSpPr>
+            <p:cNvPr id="60" name="Freeform 49">
+              <a:extLst>
+                <a:ext uri="{FF2B5EF4-FFF2-40B4-BE49-F238E27FC236}">
+                  <a16:creationId xmlns:a16="http://schemas.microsoft.com/office/drawing/2014/main" id="{C8C770C5-535A-4F1B-81CA-FD6F32C09A7A}"/>
+                </a:ext>
+                <a:ext uri="{C183D7F6-B498-43B3-948B-1728B52AA6E4}">
+                  <adec:decorative xmlns:adec="http://schemas.microsoft.com/office/drawing/2017/decorative" val="1"/>
+                </a:ext>
+              </a:extLst>
+            </p:cNvPr>
+            <p:cNvSpPr>
+              <a:spLocks noEditPoints="1"/>
+            </p:cNvSpPr>
+            <p:nvPr>
+              <p:extLst>
+                <p:ext uri="{386F3935-93C4-4BCD-93E2-E3B085C9AB24}">
+                  <p16:designElem xmlns:p16="http://schemas.microsoft.com/office/powerpoint/2015/main" val="1"/>
+                </p:ext>
+              </p:extLst>
+            </p:nvPr>
+          </p:nvSpPr>
+          <p:spPr bwMode="auto">
+            <a:xfrm>
+              <a:off x="728663" y="3806825"/>
+              <a:ext cx="190500" cy="190500"/>
+            </a:xfrm>
+            <a:custGeom>
+              <a:avLst/>
+              <a:gdLst/>
+              <a:ahLst/>
+              <a:cxnLst/>
+              <a:rect l="0" t="0" r="r" b="b"/>
+              <a:pathLst>
+                <a:path w="40" h="40">
+                  <a:moveTo>
+                    <a:pt x="20" y="40"/>
+                  </a:moveTo>
+                  <a:cubicBezTo>
+                    <a:pt x="9" y="40"/>
+                    <a:pt x="0" y="31"/>
+                    <a:pt x="0" y="20"/>
+                  </a:cubicBezTo>
+                  <a:cubicBezTo>
+                    <a:pt x="0" y="9"/>
+                    <a:pt x="9" y="0"/>
+                    <a:pt x="20" y="0"/>
+                  </a:cubicBezTo>
+                  <a:cubicBezTo>
+                    <a:pt x="31" y="0"/>
+                    <a:pt x="40" y="9"/>
+                    <a:pt x="40" y="20"/>
+                  </a:cubicBezTo>
+                  <a:cubicBezTo>
+                    <a:pt x="40" y="31"/>
+                    <a:pt x="31" y="40"/>
+                    <a:pt x="20" y="40"/>
+                  </a:cubicBezTo>
+                  <a:close/>
+                  <a:moveTo>
+                    <a:pt x="20" y="4"/>
+                  </a:moveTo>
+                  <a:cubicBezTo>
+                    <a:pt x="11" y="4"/>
+                    <a:pt x="4" y="11"/>
+                    <a:pt x="4" y="20"/>
+                  </a:cubicBezTo>
+                  <a:cubicBezTo>
+                    <a:pt x="4" y="28"/>
+                    <a:pt x="11" y="36"/>
+                    <a:pt x="20" y="36"/>
+                  </a:cubicBezTo>
+                  <a:cubicBezTo>
+                    <a:pt x="29" y="36"/>
+                    <a:pt x="36" y="28"/>
+                    <a:pt x="36" y="20"/>
+                  </a:cubicBezTo>
+                  <a:cubicBezTo>
+                    <a:pt x="36" y="11"/>
+                    <a:pt x="29" y="4"/>
+                    <a:pt x="20" y="4"/>
+                  </a:cubicBezTo>
+                  <a:close/>
+                </a:path>
+              </a:pathLst>
+            </a:custGeom>
+            <a:grpFill/>
+            <a:ln>
+              <a:noFill/>
+            </a:ln>
+            <a:extLst>
+              <a:ext uri="{91240B29-F687-4f45-9708-019B960494DF}">
+                <a14:hiddenLine xmlns="" xmlns:a16="http://schemas.microsoft.com/office/drawing/2014/main" xmlns:a14="http://schemas.microsoft.com/office/drawing/2010/main" xmlns:p14="http://schemas.microsoft.com/office/powerpoint/2010/main" w="9525">
+                  <a:solidFill>
+                    <a:srgbClr val="000000"/>
+                  </a:solidFill>
+                  <a:round/>
+                  <a:headEnd/>
+                  <a:tailEnd/>
+                </a14:hiddenLine>
+              </a:ext>
+            </a:extLst>
+          </p:spPr>
+        </p:sp>
+        <p:sp>
+          <p:nvSpPr>
+            <p:cNvPr id="61" name="Freeform 50">
+              <a:extLst>
+                <a:ext uri="{FF2B5EF4-FFF2-40B4-BE49-F238E27FC236}">
+                  <a16:creationId xmlns:a16="http://schemas.microsoft.com/office/drawing/2014/main" id="{55F9C3EF-BEB8-4836-8DE0-319E54496E73}"/>
+                </a:ext>
+                <a:ext uri="{C183D7F6-B498-43B3-948B-1728B52AA6E4}">
+                  <adec:decorative xmlns:adec="http://schemas.microsoft.com/office/drawing/2017/decorative" val="1"/>
+                </a:ext>
+              </a:extLst>
+            </p:cNvPr>
+            <p:cNvSpPr>
+              <a:spLocks noEditPoints="1"/>
+            </p:cNvSpPr>
+            <p:nvPr>
+              <p:extLst>
+                <p:ext uri="{386F3935-93C4-4BCD-93E2-E3B085C9AB24}">
+                  <p16:designElem xmlns:p16="http://schemas.microsoft.com/office/powerpoint/2015/main" val="1"/>
+                </p:ext>
+              </p:extLst>
+            </p:nvPr>
+          </p:nvSpPr>
+          <p:spPr bwMode="auto">
+            <a:xfrm>
+              <a:off x="1624013" y="4867275"/>
+              <a:ext cx="190500" cy="188913"/>
+            </a:xfrm>
+            <a:custGeom>
+              <a:avLst/>
+              <a:gdLst/>
+              <a:ahLst/>
+              <a:cxnLst/>
+              <a:rect l="0" t="0" r="r" b="b"/>
+              <a:pathLst>
+                <a:path w="40" h="40">
+                  <a:moveTo>
+                    <a:pt x="20" y="40"/>
+                  </a:moveTo>
+                  <a:cubicBezTo>
+                    <a:pt x="9" y="40"/>
+                    <a:pt x="0" y="31"/>
+                    <a:pt x="0" y="20"/>
+                  </a:cubicBezTo>
+                  <a:cubicBezTo>
+                    <a:pt x="0" y="9"/>
+                    <a:pt x="9" y="0"/>
+                    <a:pt x="20" y="0"/>
+                  </a:cubicBezTo>
+                  <a:cubicBezTo>
+                    <a:pt x="31" y="0"/>
+                    <a:pt x="40" y="9"/>
+                    <a:pt x="40" y="20"/>
+                  </a:cubicBezTo>
+                  <a:cubicBezTo>
+                    <a:pt x="40" y="31"/>
+                    <a:pt x="31" y="40"/>
+                    <a:pt x="20" y="40"/>
+                  </a:cubicBezTo>
+                  <a:close/>
+                  <a:moveTo>
+                    <a:pt x="20" y="4"/>
+                  </a:moveTo>
+                  <a:cubicBezTo>
+                    <a:pt x="11" y="4"/>
+                    <a:pt x="4" y="11"/>
+                    <a:pt x="4" y="20"/>
+                  </a:cubicBezTo>
+                  <a:cubicBezTo>
+                    <a:pt x="4" y="29"/>
+                    <a:pt x="11" y="36"/>
+                    <a:pt x="20" y="36"/>
+                  </a:cubicBezTo>
+                  <a:cubicBezTo>
+                    <a:pt x="28" y="36"/>
+                    <a:pt x="36" y="29"/>
+                    <a:pt x="36" y="20"/>
+                  </a:cubicBezTo>
+                  <a:cubicBezTo>
+                    <a:pt x="36" y="11"/>
+                    <a:pt x="28" y="4"/>
+                    <a:pt x="20" y="4"/>
+                  </a:cubicBezTo>
+                  <a:close/>
+                </a:path>
+              </a:pathLst>
+            </a:custGeom>
+            <a:grpFill/>
+            <a:ln>
+              <a:noFill/>
+            </a:ln>
+            <a:extLst>
+              <a:ext uri="{91240B29-F687-4f45-9708-019B960494DF}">
+                <a14:hiddenLine xmlns="" xmlns:a16="http://schemas.microsoft.com/office/drawing/2014/main" xmlns:a14="http://schemas.microsoft.com/office/drawing/2010/main" xmlns:p14="http://schemas.microsoft.com/office/powerpoint/2010/main" w="9525">
+                  <a:solidFill>
+                    <a:srgbClr val="000000"/>
+                  </a:solidFill>
+                  <a:round/>
+                  <a:headEnd/>
+                  <a:tailEnd/>
+                </a14:hiddenLine>
+              </a:ext>
+            </a:extLst>
+          </p:spPr>
+        </p:sp>
+        <p:sp>
+          <p:nvSpPr>
+            <p:cNvPr id="62" name="Freeform 51">
+              <a:extLst>
+                <a:ext uri="{FF2B5EF4-FFF2-40B4-BE49-F238E27FC236}">
+                  <a16:creationId xmlns:a16="http://schemas.microsoft.com/office/drawing/2014/main" id="{0976D9A1-85FC-406B-8AEA-AE3C056A4034}"/>
+                </a:ext>
+                <a:ext uri="{C183D7F6-B498-43B3-948B-1728B52AA6E4}">
+                  <adec:decorative xmlns:adec="http://schemas.microsoft.com/office/drawing/2017/decorative" val="1"/>
+                </a:ext>
+              </a:extLst>
+            </p:cNvPr>
+            <p:cNvSpPr/>
+            <p:nvPr>
+              <p:extLst>
+                <p:ext uri="{386F3935-93C4-4BCD-93E2-E3B085C9AB24}">
+                  <p16:designElem xmlns:p16="http://schemas.microsoft.com/office/powerpoint/2015/main" val="1"/>
+                </p:ext>
+              </p:extLst>
+            </p:nvPr>
+          </p:nvSpPr>
+          <p:spPr bwMode="auto">
+            <a:xfrm>
+              <a:off x="1404938" y="5422900"/>
+              <a:ext cx="371475" cy="1425575"/>
+            </a:xfrm>
+            <a:custGeom>
+              <a:avLst/>
+              <a:gdLst/>
+              <a:ahLst/>
+              <a:cxnLst/>
+              <a:rect l="0" t="0" r="r" b="b"/>
+              <a:pathLst>
+                <a:path w="234" h="898">
+                  <a:moveTo>
+                    <a:pt x="18" y="898"/>
+                  </a:moveTo>
+                  <a:lnTo>
+                    <a:pt x="0" y="898"/>
+                  </a:lnTo>
+                  <a:lnTo>
+                    <a:pt x="0" y="515"/>
+                  </a:lnTo>
+                  <a:lnTo>
+                    <a:pt x="0" y="512"/>
+                  </a:lnTo>
+                  <a:lnTo>
+                    <a:pt x="222" y="0"/>
+                  </a:lnTo>
+                  <a:lnTo>
+                    <a:pt x="234" y="6"/>
+                  </a:lnTo>
+                  <a:lnTo>
+                    <a:pt x="18" y="518"/>
+                  </a:lnTo>
+                  <a:lnTo>
+                    <a:pt x="18" y="898"/>
+                  </a:lnTo>
+                  <a:close/>
+                </a:path>
+              </a:pathLst>
+            </a:custGeom>
+            <a:grpFill/>
+            <a:ln>
+              <a:noFill/>
+            </a:ln>
+            <a:extLst>
+              <a:ext uri="{91240B29-F687-4f45-9708-019B960494DF}">
+                <a14:hiddenLine xmlns="" xmlns:a16="http://schemas.microsoft.com/office/drawing/2014/main" xmlns:a14="http://schemas.microsoft.com/office/drawing/2010/main" xmlns:p14="http://schemas.microsoft.com/office/powerpoint/2010/main" w="9525">
+                  <a:solidFill>
+                    <a:srgbClr val="000000"/>
+                  </a:solidFill>
+                  <a:round/>
+                  <a:headEnd/>
+                  <a:tailEnd/>
+                </a14:hiddenLine>
+              </a:ext>
+            </a:extLst>
+          </p:spPr>
+        </p:sp>
+        <p:sp>
+          <p:nvSpPr>
+            <p:cNvPr id="63" name="Freeform 52">
+              <a:extLst>
+                <a:ext uri="{FF2B5EF4-FFF2-40B4-BE49-F238E27FC236}">
+                  <a16:creationId xmlns:a16="http://schemas.microsoft.com/office/drawing/2014/main" id="{68BC6126-2A3A-4F1D-A565-BEF620660A43}"/>
+                </a:ext>
+                <a:ext uri="{C183D7F6-B498-43B3-948B-1728B52AA6E4}">
+                  <adec:decorative xmlns:adec="http://schemas.microsoft.com/office/drawing/2017/decorative" val="1"/>
+                </a:ext>
+              </a:extLst>
+            </p:cNvPr>
+            <p:cNvSpPr/>
+            <p:nvPr>
+              <p:extLst>
+                <p:ext uri="{386F3935-93C4-4BCD-93E2-E3B085C9AB24}">
+                  <p16:designElem xmlns:p16="http://schemas.microsoft.com/office/powerpoint/2015/main" val="1"/>
+                </p:ext>
+              </p:extLst>
+            </p:nvPr>
+          </p:nvSpPr>
+          <p:spPr bwMode="auto">
+            <a:xfrm>
+              <a:off x="1666875" y="5945188"/>
+              <a:ext cx="152400" cy="912813"/>
+            </a:xfrm>
+            <a:custGeom>
+              <a:avLst/>
+              <a:gdLst/>
+              <a:ahLst/>
+              <a:cxnLst/>
+              <a:rect l="0" t="0" r="r" b="b"/>
+              <a:pathLst>
+                <a:path w="96" h="575">
+                  <a:moveTo>
+                    <a:pt x="15" y="575"/>
+                  </a:moveTo>
+                  <a:lnTo>
+                    <a:pt x="0" y="569"/>
+                  </a:lnTo>
+                  <a:lnTo>
+                    <a:pt x="81" y="383"/>
+                  </a:lnTo>
+                  <a:lnTo>
+                    <a:pt x="81" y="0"/>
+                  </a:lnTo>
+                  <a:lnTo>
+                    <a:pt x="96" y="0"/>
+                  </a:lnTo>
+                  <a:lnTo>
+                    <a:pt x="96" y="386"/>
+                  </a:lnTo>
+                  <a:lnTo>
+                    <a:pt x="15" y="575"/>
+                  </a:lnTo>
+                  <a:close/>
+                </a:path>
+              </a:pathLst>
+            </a:custGeom>
+            <a:grpFill/>
+            <a:ln>
+              <a:noFill/>
+            </a:ln>
+            <a:extLst>
+              <a:ext uri="{91240B29-F687-4f45-9708-019B960494DF}">
+                <a14:hiddenLine xmlns="" xmlns:a16="http://schemas.microsoft.com/office/drawing/2014/main" xmlns:a14="http://schemas.microsoft.com/office/drawing/2010/main" xmlns:p14="http://schemas.microsoft.com/office/powerpoint/2010/main" w="9525">
+                  <a:solidFill>
+                    <a:srgbClr val="000000"/>
+                  </a:solidFill>
+                  <a:round/>
+                  <a:headEnd/>
+                  <a:tailEnd/>
+                </a14:hiddenLine>
+              </a:ext>
+            </a:extLst>
+          </p:spPr>
+        </p:sp>
+        <p:sp>
+          <p:nvSpPr>
+            <p:cNvPr id="64" name="Freeform 53">
+              <a:extLst>
+                <a:ext uri="{FF2B5EF4-FFF2-40B4-BE49-F238E27FC236}">
+                  <a16:creationId xmlns:a16="http://schemas.microsoft.com/office/drawing/2014/main" id="{D8C7B98D-F83E-485D-B01D-270242E8FD95}"/>
+                </a:ext>
+                <a:ext uri="{C183D7F6-B498-43B3-948B-1728B52AA6E4}">
+                  <adec:decorative xmlns:adec="http://schemas.microsoft.com/office/drawing/2017/decorative" val="1"/>
+                </a:ext>
+              </a:extLst>
+            </p:cNvPr>
+            <p:cNvSpPr>
+              <a:spLocks noEditPoints="1"/>
+            </p:cNvSpPr>
+            <p:nvPr>
+              <p:extLst>
+                <p:ext uri="{386F3935-93C4-4BCD-93E2-E3B085C9AB24}">
+                  <p16:designElem xmlns:p16="http://schemas.microsoft.com/office/powerpoint/2015/main" val="1"/>
+                </p:ext>
+              </p:extLst>
+            </p:nvPr>
+          </p:nvSpPr>
+          <p:spPr bwMode="auto">
+            <a:xfrm>
+              <a:off x="1709738" y="5246688"/>
+              <a:ext cx="190500" cy="190500"/>
+            </a:xfrm>
+            <a:custGeom>
+              <a:avLst/>
+              <a:gdLst/>
+              <a:ahLst/>
+              <a:cxnLst/>
+              <a:rect l="0" t="0" r="r" b="b"/>
+              <a:pathLst>
+                <a:path w="40" h="40">
+                  <a:moveTo>
+                    <a:pt x="20" y="40"/>
+                  </a:moveTo>
+                  <a:cubicBezTo>
+                    <a:pt x="9" y="40"/>
+                    <a:pt x="0" y="31"/>
+                    <a:pt x="0" y="20"/>
+                  </a:cubicBezTo>
+                  <a:cubicBezTo>
+                    <a:pt x="0" y="9"/>
+                    <a:pt x="9" y="0"/>
+                    <a:pt x="20" y="0"/>
+                  </a:cubicBezTo>
+                  <a:cubicBezTo>
+                    <a:pt x="31" y="0"/>
+                    <a:pt x="40" y="9"/>
+                    <a:pt x="40" y="20"/>
+                  </a:cubicBezTo>
+                  <a:cubicBezTo>
+                    <a:pt x="40" y="31"/>
+                    <a:pt x="31" y="40"/>
+                    <a:pt x="20" y="40"/>
+                  </a:cubicBezTo>
+                  <a:close/>
+                  <a:moveTo>
+                    <a:pt x="20" y="4"/>
+                  </a:moveTo>
+                  <a:cubicBezTo>
+                    <a:pt x="11" y="4"/>
+                    <a:pt x="4" y="11"/>
+                    <a:pt x="4" y="20"/>
+                  </a:cubicBezTo>
+                  <a:cubicBezTo>
+                    <a:pt x="4" y="29"/>
+                    <a:pt x="11" y="36"/>
+                    <a:pt x="20" y="36"/>
+                  </a:cubicBezTo>
+                  <a:cubicBezTo>
+                    <a:pt x="29" y="36"/>
+                    <a:pt x="36" y="29"/>
+                    <a:pt x="36" y="20"/>
+                  </a:cubicBezTo>
+                  <a:cubicBezTo>
+                    <a:pt x="36" y="11"/>
+                    <a:pt x="29" y="4"/>
+                    <a:pt x="20" y="4"/>
+                  </a:cubicBezTo>
+                  <a:close/>
+                </a:path>
+              </a:pathLst>
+            </a:custGeom>
+            <a:grpFill/>
+            <a:ln>
+              <a:noFill/>
+            </a:ln>
+            <a:extLst>
+              <a:ext uri="{91240B29-F687-4f45-9708-019B960494DF}">
+                <a14:hiddenLine xmlns="" xmlns:a16="http://schemas.microsoft.com/office/drawing/2014/main" xmlns:a14="http://schemas.microsoft.com/office/drawing/2010/main" xmlns:p14="http://schemas.microsoft.com/office/powerpoint/2010/main" w="9525">
+                  <a:solidFill>
+                    <a:srgbClr val="000000"/>
+                  </a:solidFill>
+                  <a:round/>
+                  <a:headEnd/>
+                  <a:tailEnd/>
+                </a14:hiddenLine>
+              </a:ext>
+            </a:extLst>
+          </p:spPr>
+        </p:sp>
+        <p:sp>
+          <p:nvSpPr>
+            <p:cNvPr id="65" name="Freeform 54">
+              <a:extLst>
+                <a:ext uri="{FF2B5EF4-FFF2-40B4-BE49-F238E27FC236}">
+                  <a16:creationId xmlns:a16="http://schemas.microsoft.com/office/drawing/2014/main" id="{93D5E722-D236-478A-A13F-8FA4141D94D9}"/>
+                </a:ext>
+                <a:ext uri="{C183D7F6-B498-43B3-948B-1728B52AA6E4}">
+                  <adec:decorative xmlns:adec="http://schemas.microsoft.com/office/drawing/2017/decorative" val="1"/>
+                </a:ext>
+              </a:extLst>
+            </p:cNvPr>
+            <p:cNvSpPr>
+              <a:spLocks noEditPoints="1"/>
+            </p:cNvSpPr>
+            <p:nvPr>
+              <p:extLst>
+                <p:ext uri="{386F3935-93C4-4BCD-93E2-E3B085C9AB24}">
+                  <p16:designElem xmlns:p16="http://schemas.microsoft.com/office/powerpoint/2015/main" val="1"/>
+                </p:ext>
+              </p:extLst>
+            </p:nvPr>
+          </p:nvSpPr>
+          <p:spPr bwMode="auto">
+            <a:xfrm>
+              <a:off x="1709738" y="5764213"/>
+              <a:ext cx="190500" cy="190500"/>
+            </a:xfrm>
+            <a:custGeom>
+              <a:avLst/>
+              <a:gdLst/>
+              <a:ahLst/>
+              <a:cxnLst/>
+              <a:rect l="0" t="0" r="r" b="b"/>
+              <a:pathLst>
+                <a:path w="40" h="40">
+                  <a:moveTo>
+                    <a:pt x="20" y="40"/>
+                  </a:moveTo>
+                  <a:cubicBezTo>
+                    <a:pt x="9" y="40"/>
+                    <a:pt x="0" y="31"/>
+                    <a:pt x="0" y="20"/>
+                  </a:cubicBezTo>
+                  <a:cubicBezTo>
+                    <a:pt x="0" y="9"/>
+                    <a:pt x="9" y="0"/>
+                    <a:pt x="20" y="0"/>
+                  </a:cubicBezTo>
+                  <a:cubicBezTo>
+                    <a:pt x="31" y="0"/>
+                    <a:pt x="40" y="9"/>
+                    <a:pt x="40" y="20"/>
+                  </a:cubicBezTo>
+                  <a:cubicBezTo>
+                    <a:pt x="40" y="31"/>
+                    <a:pt x="31" y="40"/>
+                    <a:pt x="20" y="40"/>
+                  </a:cubicBezTo>
+                  <a:close/>
+                  <a:moveTo>
+                    <a:pt x="20" y="4"/>
+                  </a:moveTo>
+                  <a:cubicBezTo>
+                    <a:pt x="11" y="4"/>
+                    <a:pt x="4" y="11"/>
+                    <a:pt x="4" y="20"/>
+                  </a:cubicBezTo>
+                  <a:cubicBezTo>
+                    <a:pt x="4" y="29"/>
+                    <a:pt x="11" y="36"/>
+                    <a:pt x="20" y="36"/>
+                  </a:cubicBezTo>
+                  <a:cubicBezTo>
+                    <a:pt x="29" y="36"/>
+                    <a:pt x="36" y="29"/>
+                    <a:pt x="36" y="20"/>
+                  </a:cubicBezTo>
+                  <a:cubicBezTo>
+                    <a:pt x="36" y="11"/>
+                    <a:pt x="29" y="4"/>
+                    <a:pt x="20" y="4"/>
+                  </a:cubicBezTo>
+                  <a:close/>
+                </a:path>
+              </a:pathLst>
+            </a:custGeom>
+            <a:grpFill/>
+            <a:ln>
+              <a:noFill/>
+            </a:ln>
+            <a:extLst>
+              <a:ext uri="{91240B29-F687-4f45-9708-019B960494DF}">
+                <a14:hiddenLine xmlns="" xmlns:a16="http://schemas.microsoft.com/office/drawing/2014/main" xmlns:a14="http://schemas.microsoft.com/office/drawing/2010/main" xmlns:p14="http://schemas.microsoft.com/office/powerpoint/2010/main" w="9525">
+                  <a:solidFill>
+                    <a:srgbClr val="000000"/>
+                  </a:solidFill>
+                  <a:round/>
+                  <a:headEnd/>
+                  <a:tailEnd/>
+                </a14:hiddenLine>
+              </a:ext>
+            </a:extLst>
+          </p:spPr>
+        </p:sp>
+        <p:sp>
+          <p:nvSpPr>
+            <p:cNvPr id="66" name="Freeform 55">
+              <a:extLst>
+                <a:ext uri="{FF2B5EF4-FFF2-40B4-BE49-F238E27FC236}">
+                  <a16:creationId xmlns:a16="http://schemas.microsoft.com/office/drawing/2014/main" id="{ABE1456F-F283-4BD5-A1B9-EF2423B68215}"/>
+                </a:ext>
+                <a:ext uri="{C183D7F6-B498-43B3-948B-1728B52AA6E4}">
+                  <adec:decorative xmlns:adec="http://schemas.microsoft.com/office/drawing/2017/decorative" val="1"/>
+                </a:ext>
+              </a:extLst>
+            </p:cNvPr>
+            <p:cNvSpPr/>
+            <p:nvPr>
+              <p:extLst>
+                <p:ext uri="{386F3935-93C4-4BCD-93E2-E3B085C9AB24}">
+                  <p16:designElem xmlns:p16="http://schemas.microsoft.com/office/powerpoint/2015/main" val="1"/>
+                </p:ext>
+              </p:extLst>
+            </p:nvPr>
+          </p:nvSpPr>
+          <p:spPr bwMode="auto">
+            <a:xfrm>
+              <a:off x="1766888" y="6330950"/>
+              <a:ext cx="419100" cy="527050"/>
+            </a:xfrm>
+            <a:custGeom>
+              <a:avLst/>
+              <a:gdLst/>
+              <a:ahLst/>
+              <a:cxnLst/>
+              <a:rect l="0" t="0" r="r" b="b"/>
+              <a:pathLst>
+                <a:path w="264" h="332">
+                  <a:moveTo>
+                    <a:pt x="12" y="332"/>
+                  </a:moveTo>
+                  <a:lnTo>
+                    <a:pt x="0" y="326"/>
+                  </a:lnTo>
+                  <a:lnTo>
+                    <a:pt x="45" y="206"/>
+                  </a:lnTo>
+                  <a:lnTo>
+                    <a:pt x="255" y="0"/>
+                  </a:lnTo>
+                  <a:lnTo>
+                    <a:pt x="264" y="12"/>
+                  </a:lnTo>
+                  <a:lnTo>
+                    <a:pt x="60" y="215"/>
+                  </a:lnTo>
+                  <a:lnTo>
+                    <a:pt x="12" y="332"/>
+                  </a:lnTo>
+                  <a:close/>
+                </a:path>
+              </a:pathLst>
+            </a:custGeom>
+            <a:grpFill/>
+            <a:ln>
+              <a:noFill/>
+            </a:ln>
+            <a:extLst>
+              <a:ext uri="{91240B29-F687-4f45-9708-019B960494DF}">
+                <a14:hiddenLine xmlns="" xmlns:a16="http://schemas.microsoft.com/office/drawing/2014/main" xmlns:a14="http://schemas.microsoft.com/office/drawing/2010/main" xmlns:p14="http://schemas.microsoft.com/office/powerpoint/2010/main" w="9525">
+                  <a:solidFill>
+                    <a:srgbClr val="000000"/>
+                  </a:solidFill>
+                  <a:round/>
+                  <a:headEnd/>
+                  <a:tailEnd/>
+                </a14:hiddenLine>
+              </a:ext>
+            </a:extLst>
+          </p:spPr>
+        </p:sp>
+        <p:sp>
+          <p:nvSpPr>
+            <p:cNvPr id="67" name="Freeform 56">
+              <a:extLst>
+                <a:ext uri="{FF2B5EF4-FFF2-40B4-BE49-F238E27FC236}">
+                  <a16:creationId xmlns:a16="http://schemas.microsoft.com/office/drawing/2014/main" id="{E4D1AC66-8164-4BBC-89D5-69FE7A4FC2E2}"/>
+                </a:ext>
+                <a:ext uri="{C183D7F6-B498-43B3-948B-1728B52AA6E4}">
+                  <adec:decorative xmlns:adec="http://schemas.microsoft.com/office/drawing/2017/decorative" val="1"/>
+                </a:ext>
+              </a:extLst>
+            </p:cNvPr>
+            <p:cNvSpPr>
+              <a:spLocks noEditPoints="1"/>
+            </p:cNvSpPr>
+            <p:nvPr>
+              <p:extLst>
+                <p:ext uri="{386F3935-93C4-4BCD-93E2-E3B085C9AB24}">
+                  <p16:designElem xmlns:p16="http://schemas.microsoft.com/office/powerpoint/2015/main" val="1"/>
+                </p:ext>
+              </p:extLst>
+            </p:nvPr>
+          </p:nvSpPr>
+          <p:spPr bwMode="auto">
+            <a:xfrm>
+              <a:off x="2147888" y="6221413"/>
+              <a:ext cx="157163" cy="147638"/>
+            </a:xfrm>
+            <a:custGeom>
+              <a:avLst/>
+              <a:gdLst/>
+              <a:ahLst/>
+              <a:cxnLst/>
+              <a:rect l="0" t="0" r="r" b="b"/>
+              <a:pathLst>
+                <a:path w="33" h="31">
+                  <a:moveTo>
+                    <a:pt x="16" y="31"/>
+                  </a:moveTo>
+                  <a:cubicBezTo>
+                    <a:pt x="12" y="31"/>
+                    <a:pt x="8" y="29"/>
+                    <a:pt x="5" y="26"/>
+                  </a:cubicBezTo>
+                  <a:cubicBezTo>
+                    <a:pt x="2" y="24"/>
+                    <a:pt x="0" y="20"/>
+                    <a:pt x="0" y="15"/>
+                  </a:cubicBezTo>
+                  <a:cubicBezTo>
+                    <a:pt x="0" y="11"/>
+                    <a:pt x="2" y="7"/>
+                    <a:pt x="5" y="4"/>
+                  </a:cubicBezTo>
+                  <a:cubicBezTo>
+                    <a:pt x="8" y="1"/>
+                    <a:pt x="12" y="0"/>
+                    <a:pt x="16" y="0"/>
+                  </a:cubicBezTo>
+                  <a:cubicBezTo>
+                    <a:pt x="20" y="0"/>
+                    <a:pt x="24" y="1"/>
+                    <a:pt x="27" y="4"/>
+                  </a:cubicBezTo>
+                  <a:cubicBezTo>
+                    <a:pt x="33" y="10"/>
+                    <a:pt x="33" y="20"/>
+                    <a:pt x="27" y="26"/>
+                  </a:cubicBezTo>
+                  <a:cubicBezTo>
+                    <a:pt x="24" y="29"/>
+                    <a:pt x="20" y="31"/>
+                    <a:pt x="16" y="31"/>
+                  </a:cubicBezTo>
+                  <a:close/>
+                  <a:moveTo>
+                    <a:pt x="16" y="4"/>
+                  </a:moveTo>
+                  <a:cubicBezTo>
+                    <a:pt x="13" y="4"/>
+                    <a:pt x="10" y="5"/>
+                    <a:pt x="8" y="7"/>
+                  </a:cubicBezTo>
+                  <a:cubicBezTo>
+                    <a:pt x="6" y="9"/>
+                    <a:pt x="4" y="12"/>
+                    <a:pt x="4" y="15"/>
+                  </a:cubicBezTo>
+                  <a:cubicBezTo>
+                    <a:pt x="4" y="19"/>
+                    <a:pt x="6" y="21"/>
+                    <a:pt x="8" y="24"/>
+                  </a:cubicBezTo>
+                  <a:cubicBezTo>
+                    <a:pt x="10" y="26"/>
+                    <a:pt x="13" y="27"/>
+                    <a:pt x="16" y="27"/>
+                  </a:cubicBezTo>
+                  <a:cubicBezTo>
+                    <a:pt x="19" y="27"/>
+                    <a:pt x="22" y="26"/>
+                    <a:pt x="24" y="24"/>
+                  </a:cubicBezTo>
+                  <a:cubicBezTo>
+                    <a:pt x="29" y="19"/>
+                    <a:pt x="29" y="12"/>
+                    <a:pt x="24" y="7"/>
+                  </a:cubicBezTo>
+                  <a:cubicBezTo>
+                    <a:pt x="22" y="5"/>
+                    <a:pt x="19" y="4"/>
+                    <a:pt x="16" y="4"/>
+                  </a:cubicBezTo>
+                  <a:close/>
+                </a:path>
+              </a:pathLst>
+            </a:custGeom>
+            <a:grpFill/>
+            <a:ln>
+              <a:noFill/>
+            </a:ln>
+            <a:extLst>
+              <a:ext uri="{91240B29-F687-4f45-9708-019B960494DF}">
+                <a14:hiddenLine xmlns="" xmlns:a16="http://schemas.microsoft.com/office/drawing/2014/main" xmlns:a14="http://schemas.microsoft.com/office/drawing/2010/main" xmlns:p14="http://schemas.microsoft.com/office/powerpoint/2010/main" w="9525">
+                  <a:solidFill>
+                    <a:srgbClr val="000000"/>
+                  </a:solidFill>
+                  <a:round/>
+                  <a:headEnd/>
+                  <a:tailEnd/>
+                </a14:hiddenLine>
+              </a:ext>
+            </a:extLst>
+          </p:spPr>
+        </p:sp>
+        <p:sp>
+          <p:nvSpPr>
+            <p:cNvPr id="68" name="Freeform 57">
+              <a:extLst>
+                <a:ext uri="{FF2B5EF4-FFF2-40B4-BE49-F238E27FC236}">
+                  <a16:creationId xmlns:a16="http://schemas.microsoft.com/office/drawing/2014/main" id="{845A8868-488C-447D-979F-7E01B82ACB41}"/>
+                </a:ext>
+                <a:ext uri="{C183D7F6-B498-43B3-948B-1728B52AA6E4}">
+                  <adec:decorative xmlns:adec="http://schemas.microsoft.com/office/drawing/2017/decorative" val="1"/>
+                </a:ext>
+              </a:extLst>
+            </p:cNvPr>
+            <p:cNvSpPr/>
+            <p:nvPr>
+              <p:extLst>
+                <p:ext uri="{386F3935-93C4-4BCD-93E2-E3B085C9AB24}">
+                  <p16:designElem xmlns:p16="http://schemas.microsoft.com/office/powerpoint/2015/main" val="1"/>
+                </p:ext>
+              </p:extLst>
+            </p:nvPr>
+          </p:nvSpPr>
+          <p:spPr bwMode="auto">
+            <a:xfrm>
+              <a:off x="504825" y="9525"/>
+              <a:ext cx="233363" cy="5103813"/>
+            </a:xfrm>
+            <a:custGeom>
+              <a:avLst/>
+              <a:gdLst/>
+              <a:ahLst/>
+              <a:cxnLst/>
+              <a:rect l="0" t="0" r="r" b="b"/>
+              <a:pathLst>
+                <a:path w="147" h="3215">
+                  <a:moveTo>
+                    <a:pt x="132" y="3215"/>
+                  </a:moveTo>
+                  <a:lnTo>
+                    <a:pt x="129" y="2754"/>
+                  </a:lnTo>
+                  <a:lnTo>
+                    <a:pt x="0" y="1901"/>
+                  </a:lnTo>
+                  <a:lnTo>
+                    <a:pt x="0" y="0"/>
+                  </a:lnTo>
+                  <a:lnTo>
+                    <a:pt x="15" y="0"/>
+                  </a:lnTo>
+                  <a:lnTo>
+                    <a:pt x="15" y="1898"/>
+                  </a:lnTo>
+                  <a:lnTo>
+                    <a:pt x="144" y="2754"/>
+                  </a:lnTo>
+                  <a:lnTo>
+                    <a:pt x="147" y="3215"/>
+                  </a:lnTo>
+                  <a:lnTo>
+                    <a:pt x="132" y="3215"/>
+                  </a:lnTo>
+                  <a:close/>
+                </a:path>
+              </a:pathLst>
+            </a:custGeom>
+            <a:grpFill/>
+            <a:ln>
+              <a:noFill/>
+            </a:ln>
+            <a:extLst>
+              <a:ext uri="{91240B29-F687-4f45-9708-019B960494DF}">
+                <a14:hiddenLine xmlns="" xmlns:a16="http://schemas.microsoft.com/office/drawing/2014/main" xmlns:a14="http://schemas.microsoft.com/office/drawing/2010/main" xmlns:p14="http://schemas.microsoft.com/office/powerpoint/2010/main" w="9525">
+                  <a:solidFill>
+                    <a:srgbClr val="000000"/>
+                  </a:solidFill>
+                  <a:round/>
+                  <a:headEnd/>
+                  <a:tailEnd/>
+                </a14:hiddenLine>
+              </a:ext>
+            </a:extLst>
+          </p:spPr>
+        </p:sp>
+        <p:sp>
+          <p:nvSpPr>
+            <p:cNvPr id="69" name="Freeform 58">
+              <a:extLst>
+                <a:ext uri="{FF2B5EF4-FFF2-40B4-BE49-F238E27FC236}">
+                  <a16:creationId xmlns:a16="http://schemas.microsoft.com/office/drawing/2014/main" id="{948639B9-9B88-432B-914E-6B70BAEB1DFA}"/>
+                </a:ext>
+                <a:ext uri="{C183D7F6-B498-43B3-948B-1728B52AA6E4}">
+                  <adec:decorative xmlns:adec="http://schemas.microsoft.com/office/drawing/2017/decorative" val="1"/>
+                </a:ext>
+              </a:extLst>
+            </p:cNvPr>
+            <p:cNvSpPr>
+              <a:spLocks noEditPoints="1"/>
+            </p:cNvSpPr>
+            <p:nvPr>
+              <p:extLst>
+                <p:ext uri="{386F3935-93C4-4BCD-93E2-E3B085C9AB24}">
+                  <p16:designElem xmlns:p16="http://schemas.microsoft.com/office/powerpoint/2015/main" val="1"/>
+                </p:ext>
+              </p:extLst>
+            </p:nvPr>
+          </p:nvSpPr>
+          <p:spPr bwMode="auto">
+            <a:xfrm>
+              <a:off x="633413" y="5103813"/>
+              <a:ext cx="185738" cy="185738"/>
+            </a:xfrm>
+            <a:custGeom>
+              <a:avLst/>
+              <a:gdLst/>
+              <a:ahLst/>
+              <a:cxnLst/>
+              <a:rect l="0" t="0" r="r" b="b"/>
+              <a:pathLst>
+                <a:path w="39" h="39">
+                  <a:moveTo>
+                    <a:pt x="20" y="39"/>
+                  </a:moveTo>
+                  <a:cubicBezTo>
+                    <a:pt x="9" y="39"/>
+                    <a:pt x="0" y="30"/>
+                    <a:pt x="0" y="19"/>
+                  </a:cubicBezTo>
+                  <a:cubicBezTo>
+                    <a:pt x="0" y="9"/>
+                    <a:pt x="9" y="0"/>
+                    <a:pt x="20" y="0"/>
+                  </a:cubicBezTo>
+                  <a:cubicBezTo>
+                    <a:pt x="30" y="0"/>
+                    <a:pt x="39" y="9"/>
+                    <a:pt x="39" y="19"/>
+                  </a:cubicBezTo>
+                  <a:cubicBezTo>
+                    <a:pt x="39" y="30"/>
+                    <a:pt x="30" y="39"/>
+                    <a:pt x="20" y="39"/>
+                  </a:cubicBezTo>
+                  <a:close/>
+                  <a:moveTo>
+                    <a:pt x="20" y="4"/>
+                  </a:moveTo>
+                  <a:cubicBezTo>
+                    <a:pt x="11" y="4"/>
+                    <a:pt x="4" y="11"/>
+                    <a:pt x="4" y="19"/>
+                  </a:cubicBezTo>
+                  <a:cubicBezTo>
+                    <a:pt x="4" y="28"/>
+                    <a:pt x="11" y="35"/>
+                    <a:pt x="20" y="35"/>
+                  </a:cubicBezTo>
+                  <a:cubicBezTo>
+                    <a:pt x="28" y="35"/>
+                    <a:pt x="35" y="28"/>
+                    <a:pt x="35" y="19"/>
+                  </a:cubicBezTo>
+                  <a:cubicBezTo>
+                    <a:pt x="35" y="11"/>
+                    <a:pt x="28" y="4"/>
+                    <a:pt x="20" y="4"/>
+                  </a:cubicBezTo>
+                  <a:close/>
+                </a:path>
+              </a:pathLst>
+            </a:custGeom>
+            <a:grpFill/>
+            <a:ln>
+              <a:noFill/>
+            </a:ln>
+            <a:extLst>
+              <a:ext uri="{91240B29-F687-4f45-9708-019B960494DF}">
+                <a14:hiddenLine xmlns="" xmlns:a16="http://schemas.microsoft.com/office/drawing/2014/main" xmlns:a14="http://schemas.microsoft.com/office/drawing/2010/main" xmlns:p14="http://schemas.microsoft.com/office/powerpoint/2010/main" w="9525">
+                  <a:solidFill>
+                    <a:srgbClr val="000000"/>
+                  </a:solidFill>
+                  <a:round/>
+                  <a:headEnd/>
+                  <a:tailEnd/>
+                </a14:hiddenLine>
+              </a:ext>
+            </a:extLst>
+          </p:spPr>
+        </p:sp>
+      </p:grpSp>
+      <p:grpSp>
+        <p:nvGrpSpPr>
+          <p:cNvPr id="71" name="Group 70">
+            <a:extLst>
+              <a:ext uri="{FF2B5EF4-FFF2-40B4-BE49-F238E27FC236}">
+                <a16:creationId xmlns:a16="http://schemas.microsoft.com/office/drawing/2014/main" id="{77EB1C59-16D1-4C5E-9775-50CB40E022FE}"/>
+              </a:ext>
+              <a:ext uri="{C183D7F6-B498-43B3-948B-1728B52AA6E4}">
+                <adec:decorative xmlns:adec="http://schemas.microsoft.com/office/drawing/2017/decorative" val="1"/>
+              </a:ext>
+            </a:extLst>
+          </p:cNvPr>
+          <p:cNvGrpSpPr>
+            <a:grpSpLocks noGrp="1" noUngrp="1" noRot="1" noChangeAspect="1" noMove="1" noResize="1"/>
+          </p:cNvGrpSpPr>
+          <p:nvPr>
+            <p:extLst>
+              <p:ext uri="{386F3935-93C4-4BCD-93E2-E3B085C9AB24}">
+                <p16:designElem xmlns:p16="http://schemas.microsoft.com/office/powerpoint/2015/main" val="1"/>
+              </p:ext>
+            </p:extLst>
+          </p:nvPr>
+        </p:nvGrpSpPr>
+        <p:grpSpPr>
+          <a:xfrm>
+            <a:off x="11364912" y="0"/>
+            <a:ext cx="674688" cy="6848476"/>
+            <a:chOff x="11364912" y="0"/>
+            <a:chExt cx="674688" cy="6848476"/>
+          </a:xfrm>
+          <a:gradFill flip="none" rotWithShape="1">
+            <a:gsLst>
+              <a:gs pos="0">
+                <a:schemeClr val="tx2">
+                  <a:alpha val="80000"/>
+                </a:schemeClr>
+              </a:gs>
+              <a:gs pos="100000">
+                <a:schemeClr val="bg2">
+                  <a:lumMod val="60000"/>
+                  <a:lumOff val="40000"/>
+                  <a:alpha val="60000"/>
+                </a:schemeClr>
+              </a:gs>
+            </a:gsLst>
+            <a:lin ang="5400000" scaled="0"/>
+            <a:tileRect/>
+          </a:gradFill>
+        </p:grpSpPr>
+        <p:sp>
+          <p:nvSpPr>
+            <p:cNvPr id="72" name="Freeform 32">
+              <a:extLst>
+                <a:ext uri="{FF2B5EF4-FFF2-40B4-BE49-F238E27FC236}">
+                  <a16:creationId xmlns:a16="http://schemas.microsoft.com/office/drawing/2014/main" id="{08680D14-7FE7-4522-B5EE-76447F833961}"/>
+                </a:ext>
+                <a:ext uri="{C183D7F6-B498-43B3-948B-1728B52AA6E4}">
+                  <adec:decorative xmlns:adec="http://schemas.microsoft.com/office/drawing/2017/decorative" val="1"/>
+                </a:ext>
+              </a:extLst>
+            </p:cNvPr>
+            <p:cNvSpPr/>
+            <p:nvPr>
+              <p:extLst>
+                <p:ext uri="{386F3935-93C4-4BCD-93E2-E3B085C9AB24}">
+                  <p16:designElem xmlns:p16="http://schemas.microsoft.com/office/powerpoint/2015/main" val="1"/>
+                </p:ext>
+              </p:extLst>
+            </p:nvPr>
+          </p:nvSpPr>
+          <p:spPr bwMode="auto">
+            <a:xfrm>
+              <a:off x="11483975" y="0"/>
+              <a:ext cx="417513" cy="512763"/>
+            </a:xfrm>
+            <a:custGeom>
+              <a:avLst/>
+              <a:gdLst/>
+              <a:ahLst/>
+              <a:cxnLst/>
+              <a:rect l="0" t="0" r="r" b="b"/>
+              <a:pathLst>
+                <a:path w="263" h="323">
+                  <a:moveTo>
+                    <a:pt x="12" y="323"/>
+                  </a:moveTo>
+                  <a:lnTo>
+                    <a:pt x="0" y="314"/>
+                  </a:lnTo>
+                  <a:lnTo>
+                    <a:pt x="203" y="108"/>
+                  </a:lnTo>
+                  <a:lnTo>
+                    <a:pt x="248" y="0"/>
+                  </a:lnTo>
+                  <a:lnTo>
+                    <a:pt x="263" y="6"/>
+                  </a:lnTo>
+                  <a:lnTo>
+                    <a:pt x="218" y="117"/>
+                  </a:lnTo>
+                  <a:lnTo>
+                    <a:pt x="218" y="117"/>
+                  </a:lnTo>
+                  <a:lnTo>
+                    <a:pt x="12" y="323"/>
+                  </a:lnTo>
+                  <a:close/>
+                </a:path>
+              </a:pathLst>
+            </a:custGeom>
+            <a:grpFill/>
+            <a:ln>
+              <a:noFill/>
+            </a:ln>
+            <a:extLst>
+              <a:ext uri="{91240B29-F687-4f45-9708-019B960494DF}">
+                <a14:hiddenLine xmlns="" xmlns:a16="http://schemas.microsoft.com/office/drawing/2014/main" xmlns:a14="http://schemas.microsoft.com/office/drawing/2010/main" xmlns:p14="http://schemas.microsoft.com/office/powerpoint/2010/main" w="9525">
+                  <a:solidFill>
+                    <a:srgbClr val="000000"/>
+                  </a:solidFill>
+                  <a:round/>
+                  <a:headEnd/>
+                  <a:tailEnd/>
+                </a14:hiddenLine>
+              </a:ext>
+            </a:extLst>
+          </p:spPr>
+        </p:sp>
+        <p:sp>
+          <p:nvSpPr>
+            <p:cNvPr id="73" name="Freeform 33">
+              <a:extLst>
+                <a:ext uri="{FF2B5EF4-FFF2-40B4-BE49-F238E27FC236}">
+                  <a16:creationId xmlns:a16="http://schemas.microsoft.com/office/drawing/2014/main" id="{D82C01B5-EC9C-4883-B130-115321E8B3E6}"/>
+                </a:ext>
+                <a:ext uri="{C183D7F6-B498-43B3-948B-1728B52AA6E4}">
+                  <adec:decorative xmlns:adec="http://schemas.microsoft.com/office/drawing/2017/decorative" val="1"/>
+                </a:ext>
+              </a:extLst>
+            </p:cNvPr>
+            <p:cNvSpPr>
+              <a:spLocks noEditPoints="1"/>
+            </p:cNvSpPr>
+            <p:nvPr>
+              <p:extLst>
+                <p:ext uri="{386F3935-93C4-4BCD-93E2-E3B085C9AB24}">
+                  <p16:designElem xmlns:p16="http://schemas.microsoft.com/office/powerpoint/2015/main" val="1"/>
+                </p:ext>
+              </p:extLst>
+            </p:nvPr>
+          </p:nvSpPr>
+          <p:spPr bwMode="auto">
+            <a:xfrm>
+              <a:off x="11364912" y="474663"/>
+              <a:ext cx="157163" cy="152400"/>
+            </a:xfrm>
+            <a:custGeom>
+              <a:avLst/>
+              <a:gdLst/>
+              <a:ahLst/>
+              <a:cxnLst/>
+              <a:rect l="0" t="0" r="r" b="b"/>
+              <a:pathLst>
+                <a:path w="33" h="32">
+                  <a:moveTo>
+                    <a:pt x="17" y="32"/>
+                  </a:moveTo>
+                  <a:cubicBezTo>
+                    <a:pt x="13" y="32"/>
+                    <a:pt x="9" y="30"/>
+                    <a:pt x="6" y="27"/>
+                  </a:cubicBezTo>
+                  <a:cubicBezTo>
+                    <a:pt x="0" y="21"/>
+                    <a:pt x="0" y="11"/>
+                    <a:pt x="6" y="5"/>
+                  </a:cubicBezTo>
+                  <a:cubicBezTo>
+                    <a:pt x="9" y="2"/>
+                    <a:pt x="13" y="0"/>
+                    <a:pt x="17" y="0"/>
+                  </a:cubicBezTo>
+                  <a:cubicBezTo>
+                    <a:pt x="21" y="0"/>
+                    <a:pt x="25" y="2"/>
+                    <a:pt x="28" y="5"/>
+                  </a:cubicBezTo>
+                  <a:cubicBezTo>
+                    <a:pt x="31" y="8"/>
+                    <a:pt x="33" y="12"/>
+                    <a:pt x="33" y="16"/>
+                  </a:cubicBezTo>
+                  <a:cubicBezTo>
+                    <a:pt x="33" y="20"/>
+                    <a:pt x="31" y="24"/>
+                    <a:pt x="28" y="27"/>
+                  </a:cubicBezTo>
+                  <a:cubicBezTo>
+                    <a:pt x="25" y="30"/>
+                    <a:pt x="21" y="32"/>
+                    <a:pt x="17" y="32"/>
+                  </a:cubicBezTo>
+                  <a:close/>
+                  <a:moveTo>
+                    <a:pt x="17" y="4"/>
+                  </a:moveTo>
+                  <a:cubicBezTo>
+                    <a:pt x="14" y="4"/>
+                    <a:pt x="11" y="6"/>
+                    <a:pt x="9" y="8"/>
+                  </a:cubicBezTo>
+                  <a:cubicBezTo>
+                    <a:pt x="4" y="12"/>
+                    <a:pt x="4" y="20"/>
+                    <a:pt x="9" y="24"/>
+                  </a:cubicBezTo>
+                  <a:cubicBezTo>
+                    <a:pt x="11" y="27"/>
+                    <a:pt x="14" y="28"/>
+                    <a:pt x="17" y="28"/>
+                  </a:cubicBezTo>
+                  <a:cubicBezTo>
+                    <a:pt x="20" y="28"/>
+                    <a:pt x="23" y="27"/>
+                    <a:pt x="26" y="24"/>
+                  </a:cubicBezTo>
+                  <a:cubicBezTo>
+                    <a:pt x="30" y="20"/>
+                    <a:pt x="30" y="12"/>
+                    <a:pt x="26" y="8"/>
+                  </a:cubicBezTo>
+                  <a:cubicBezTo>
+                    <a:pt x="23" y="6"/>
+                    <a:pt x="20" y="4"/>
+                    <a:pt x="17" y="4"/>
+                  </a:cubicBezTo>
+                  <a:close/>
+                </a:path>
+              </a:pathLst>
+            </a:custGeom>
+            <a:grpFill/>
+            <a:ln>
+              <a:noFill/>
+            </a:ln>
+            <a:extLst>
+              <a:ext uri="{91240B29-F687-4f45-9708-019B960494DF}">
+                <a14:hiddenLine xmlns="" xmlns:a16="http://schemas.microsoft.com/office/drawing/2014/main" xmlns:a14="http://schemas.microsoft.com/office/drawing/2010/main" xmlns:p14="http://schemas.microsoft.com/office/powerpoint/2010/main" w="9525">
+                  <a:solidFill>
+                    <a:srgbClr val="000000"/>
+                  </a:solidFill>
+                  <a:round/>
+                  <a:headEnd/>
+                  <a:tailEnd/>
+                </a14:hiddenLine>
+              </a:ext>
+            </a:extLst>
+          </p:spPr>
+        </p:sp>
+        <p:sp>
+          <p:nvSpPr>
+            <p:cNvPr id="74" name="Freeform 34">
+              <a:extLst>
+                <a:ext uri="{FF2B5EF4-FFF2-40B4-BE49-F238E27FC236}">
+                  <a16:creationId xmlns:a16="http://schemas.microsoft.com/office/drawing/2014/main" id="{DBBE5E83-362F-4EA7-A96D-0BC830A21701}"/>
+                </a:ext>
+                <a:ext uri="{C183D7F6-B498-43B3-948B-1728B52AA6E4}">
+                  <adec:decorative xmlns:adec="http://schemas.microsoft.com/office/drawing/2017/decorative" val="1"/>
+                </a:ext>
+              </a:extLst>
+            </p:cNvPr>
+            <p:cNvSpPr>
+              <a:spLocks noEditPoints="1"/>
+            </p:cNvSpPr>
+            <p:nvPr>
+              <p:extLst>
+                <p:ext uri="{386F3935-93C4-4BCD-93E2-E3B085C9AB24}">
+                  <p16:designElem xmlns:p16="http://schemas.microsoft.com/office/powerpoint/2015/main" val="1"/>
+                </p:ext>
+              </p:extLst>
+            </p:nvPr>
+          </p:nvSpPr>
+          <p:spPr bwMode="auto">
+            <a:xfrm>
+              <a:off x="11631612" y="1539875"/>
+              <a:ext cx="188913" cy="190500"/>
+            </a:xfrm>
+            <a:custGeom>
+              <a:avLst/>
+              <a:gdLst/>
+              <a:ahLst/>
+              <a:cxnLst/>
+              <a:rect l="0" t="0" r="r" b="b"/>
+              <a:pathLst>
+                <a:path w="40" h="40">
+                  <a:moveTo>
+                    <a:pt x="20" y="40"/>
+                  </a:moveTo>
+                  <a:cubicBezTo>
+                    <a:pt x="9" y="40"/>
+                    <a:pt x="0" y="31"/>
+                    <a:pt x="0" y="20"/>
+                  </a:cubicBezTo>
+                  <a:cubicBezTo>
+                    <a:pt x="0" y="9"/>
+                    <a:pt x="9" y="0"/>
+                    <a:pt x="20" y="0"/>
+                  </a:cubicBezTo>
+                  <a:cubicBezTo>
+                    <a:pt x="31" y="0"/>
+                    <a:pt x="40" y="9"/>
+                    <a:pt x="40" y="20"/>
+                  </a:cubicBezTo>
+                  <a:cubicBezTo>
+                    <a:pt x="40" y="31"/>
+                    <a:pt x="31" y="40"/>
+                    <a:pt x="20" y="40"/>
+                  </a:cubicBezTo>
+                  <a:close/>
+                  <a:moveTo>
+                    <a:pt x="20" y="4"/>
+                  </a:moveTo>
+                  <a:cubicBezTo>
+                    <a:pt x="11" y="4"/>
+                    <a:pt x="4" y="11"/>
+                    <a:pt x="4" y="20"/>
+                  </a:cubicBezTo>
+                  <a:cubicBezTo>
+                    <a:pt x="4" y="29"/>
+                    <a:pt x="11" y="36"/>
+                    <a:pt x="20" y="36"/>
+                  </a:cubicBezTo>
+                  <a:cubicBezTo>
+                    <a:pt x="29" y="36"/>
+                    <a:pt x="36" y="29"/>
+                    <a:pt x="36" y="20"/>
+                  </a:cubicBezTo>
+                  <a:cubicBezTo>
+                    <a:pt x="36" y="11"/>
+                    <a:pt x="29" y="4"/>
+                    <a:pt x="20" y="4"/>
+                  </a:cubicBezTo>
+                  <a:close/>
+                </a:path>
+              </a:pathLst>
+            </a:custGeom>
+            <a:grpFill/>
+            <a:ln>
+              <a:noFill/>
+            </a:ln>
+            <a:extLst>
+              <a:ext uri="{91240B29-F687-4f45-9708-019B960494DF}">
+                <a14:hiddenLine xmlns="" xmlns:a16="http://schemas.microsoft.com/office/drawing/2014/main" xmlns:a14="http://schemas.microsoft.com/office/drawing/2010/main" xmlns:p14="http://schemas.microsoft.com/office/powerpoint/2010/main" w="9525">
+                  <a:solidFill>
+                    <a:srgbClr val="000000"/>
+                  </a:solidFill>
+                  <a:round/>
+                  <a:headEnd/>
+                  <a:tailEnd/>
+                </a14:hiddenLine>
+              </a:ext>
+            </a:extLst>
+          </p:spPr>
+        </p:sp>
+        <p:sp>
+          <p:nvSpPr>
+            <p:cNvPr id="75" name="Freeform 35">
+              <a:extLst>
+                <a:ext uri="{FF2B5EF4-FFF2-40B4-BE49-F238E27FC236}">
+                  <a16:creationId xmlns:a16="http://schemas.microsoft.com/office/drawing/2014/main" id="{3971FE03-8B37-43AF-8842-8D4411C3C53F}"/>
+                </a:ext>
+                <a:ext uri="{C183D7F6-B498-43B3-948B-1728B52AA6E4}">
+                  <adec:decorative xmlns:adec="http://schemas.microsoft.com/office/drawing/2017/decorative" val="1"/>
+                </a:ext>
+              </a:extLst>
+            </p:cNvPr>
+            <p:cNvSpPr/>
+            <p:nvPr>
+              <p:extLst>
+                <p:ext uri="{386F3935-93C4-4BCD-93E2-E3B085C9AB24}">
+                  <p16:designElem xmlns:p16="http://schemas.microsoft.com/office/powerpoint/2015/main" val="1"/>
+                </p:ext>
+              </p:extLst>
+            </p:nvPr>
+          </p:nvSpPr>
+          <p:spPr bwMode="auto">
+            <a:xfrm>
+              <a:off x="11531600" y="5694363"/>
+              <a:ext cx="298450" cy="1154113"/>
+            </a:xfrm>
+            <a:custGeom>
+              <a:avLst/>
+              <a:gdLst/>
+              <a:ahLst/>
+              <a:cxnLst/>
+              <a:rect l="0" t="0" r="r" b="b"/>
+              <a:pathLst>
+                <a:path w="188" h="727">
+                  <a:moveTo>
+                    <a:pt x="15" y="727"/>
+                  </a:moveTo>
+                  <a:lnTo>
+                    <a:pt x="0" y="727"/>
+                  </a:lnTo>
+                  <a:lnTo>
+                    <a:pt x="0" y="407"/>
+                  </a:lnTo>
+                  <a:lnTo>
+                    <a:pt x="0" y="407"/>
+                  </a:lnTo>
+                  <a:lnTo>
+                    <a:pt x="176" y="0"/>
+                  </a:lnTo>
+                  <a:lnTo>
+                    <a:pt x="188" y="6"/>
+                  </a:lnTo>
+                  <a:lnTo>
+                    <a:pt x="15" y="410"/>
+                  </a:lnTo>
+                  <a:lnTo>
+                    <a:pt x="15" y="727"/>
+                  </a:lnTo>
+                  <a:close/>
+                </a:path>
+              </a:pathLst>
+            </a:custGeom>
+            <a:grpFill/>
+            <a:ln>
+              <a:noFill/>
+            </a:ln>
+            <a:extLst>
+              <a:ext uri="{91240B29-F687-4f45-9708-019B960494DF}">
+                <a14:hiddenLine xmlns="" xmlns:a16="http://schemas.microsoft.com/office/drawing/2014/main" xmlns:a14="http://schemas.microsoft.com/office/drawing/2010/main" xmlns:p14="http://schemas.microsoft.com/office/powerpoint/2010/main" w="9525">
+                  <a:solidFill>
+                    <a:srgbClr val="000000"/>
+                  </a:solidFill>
+                  <a:round/>
+                  <a:headEnd/>
+                  <a:tailEnd/>
+                </a14:hiddenLine>
+              </a:ext>
+            </a:extLst>
+          </p:spPr>
+        </p:sp>
+        <p:sp>
+          <p:nvSpPr>
+            <p:cNvPr id="76" name="Freeform 36">
+              <a:extLst>
+                <a:ext uri="{FF2B5EF4-FFF2-40B4-BE49-F238E27FC236}">
+                  <a16:creationId xmlns:a16="http://schemas.microsoft.com/office/drawing/2014/main" id="{8E4E3D41-4CF7-4D15-854A-C4330D3900B8}"/>
+                </a:ext>
+                <a:ext uri="{C183D7F6-B498-43B3-948B-1728B52AA6E4}">
+                  <adec:decorative xmlns:adec="http://schemas.microsoft.com/office/drawing/2017/decorative" val="1"/>
+                </a:ext>
+              </a:extLst>
+            </p:cNvPr>
+            <p:cNvSpPr>
+              <a:spLocks noEditPoints="1"/>
+            </p:cNvSpPr>
+            <p:nvPr>
+              <p:extLst>
+                <p:ext uri="{386F3935-93C4-4BCD-93E2-E3B085C9AB24}">
+                  <p16:designElem xmlns:p16="http://schemas.microsoft.com/office/powerpoint/2015/main" val="1"/>
+                </p:ext>
+              </p:extLst>
+            </p:nvPr>
+          </p:nvSpPr>
+          <p:spPr bwMode="auto">
+            <a:xfrm>
+              <a:off x="11772900" y="5551488"/>
+              <a:ext cx="157163" cy="155575"/>
+            </a:xfrm>
+            <a:custGeom>
+              <a:avLst/>
+              <a:gdLst/>
+              <a:ahLst/>
+              <a:cxnLst/>
+              <a:rect l="0" t="0" r="r" b="b"/>
+              <a:pathLst>
+                <a:path w="33" h="33">
+                  <a:moveTo>
+                    <a:pt x="17" y="33"/>
+                  </a:moveTo>
+                  <a:cubicBezTo>
+                    <a:pt x="8" y="33"/>
+                    <a:pt x="0" y="25"/>
+                    <a:pt x="0" y="16"/>
+                  </a:cubicBezTo>
+                  <a:cubicBezTo>
+                    <a:pt x="0" y="7"/>
+                    <a:pt x="8" y="0"/>
+                    <a:pt x="17" y="0"/>
+                  </a:cubicBezTo>
+                  <a:cubicBezTo>
+                    <a:pt x="26" y="0"/>
+                    <a:pt x="33" y="7"/>
+                    <a:pt x="33" y="16"/>
+                  </a:cubicBezTo>
+                  <a:cubicBezTo>
+                    <a:pt x="33" y="25"/>
+                    <a:pt x="26" y="33"/>
+                    <a:pt x="17" y="33"/>
+                  </a:cubicBezTo>
+                  <a:close/>
+                  <a:moveTo>
+                    <a:pt x="17" y="4"/>
+                  </a:moveTo>
+                  <a:cubicBezTo>
+                    <a:pt x="10" y="4"/>
+                    <a:pt x="4" y="9"/>
+                    <a:pt x="4" y="16"/>
+                  </a:cubicBezTo>
+                  <a:cubicBezTo>
+                    <a:pt x="4" y="23"/>
+                    <a:pt x="10" y="29"/>
+                    <a:pt x="17" y="29"/>
+                  </a:cubicBezTo>
+                  <a:cubicBezTo>
+                    <a:pt x="23" y="29"/>
+                    <a:pt x="29" y="23"/>
+                    <a:pt x="29" y="16"/>
+                  </a:cubicBezTo>
+                  <a:cubicBezTo>
+                    <a:pt x="29" y="9"/>
+                    <a:pt x="23" y="4"/>
+                    <a:pt x="17" y="4"/>
+                  </a:cubicBezTo>
+                  <a:close/>
+                </a:path>
+              </a:pathLst>
+            </a:custGeom>
+            <a:grpFill/>
+            <a:ln>
+              <a:noFill/>
+            </a:ln>
+            <a:extLst>
+              <a:ext uri="{91240B29-F687-4f45-9708-019B960494DF}">
+                <a14:hiddenLine xmlns="" xmlns:a16="http://schemas.microsoft.com/office/drawing/2014/main" xmlns:a14="http://schemas.microsoft.com/office/drawing/2010/main" xmlns:p14="http://schemas.microsoft.com/office/powerpoint/2010/main" w="9525">
+                  <a:solidFill>
+                    <a:srgbClr val="000000"/>
+                  </a:solidFill>
+                  <a:round/>
+                  <a:headEnd/>
+                  <a:tailEnd/>
+                </a14:hiddenLine>
+              </a:ext>
+            </a:extLst>
+          </p:spPr>
+        </p:sp>
+        <p:sp>
+          <p:nvSpPr>
+            <p:cNvPr id="77" name="Freeform 37">
+              <a:extLst>
+                <a:ext uri="{FF2B5EF4-FFF2-40B4-BE49-F238E27FC236}">
+                  <a16:creationId xmlns:a16="http://schemas.microsoft.com/office/drawing/2014/main" id="{78B649D7-3C5D-462D-B06A-D065135FE8A4}"/>
+                </a:ext>
+                <a:ext uri="{C183D7F6-B498-43B3-948B-1728B52AA6E4}">
+                  <adec:decorative xmlns:adec="http://schemas.microsoft.com/office/drawing/2017/decorative" val="1"/>
+                </a:ext>
+              </a:extLst>
+            </p:cNvPr>
+            <p:cNvSpPr/>
+            <p:nvPr>
+              <p:extLst>
+                <p:ext uri="{386F3935-93C4-4BCD-93E2-E3B085C9AB24}">
+                  <p16:designElem xmlns:p16="http://schemas.microsoft.com/office/powerpoint/2015/main" val="1"/>
+                </p:ext>
+              </p:extLst>
+            </p:nvPr>
+          </p:nvSpPr>
+          <p:spPr bwMode="auto">
+            <a:xfrm>
+              <a:off x="11710987" y="4763"/>
+              <a:ext cx="304800" cy="1544638"/>
+            </a:xfrm>
+            <a:custGeom>
+              <a:avLst/>
+              <a:gdLst/>
+              <a:ahLst/>
+              <a:cxnLst/>
+              <a:rect l="0" t="0" r="r" b="b"/>
+              <a:pathLst>
+                <a:path w="192" h="973">
+                  <a:moveTo>
+                    <a:pt x="15" y="973"/>
+                  </a:moveTo>
+                  <a:lnTo>
+                    <a:pt x="0" y="973"/>
+                  </a:lnTo>
+                  <a:lnTo>
+                    <a:pt x="0" y="790"/>
+                  </a:lnTo>
+                  <a:lnTo>
+                    <a:pt x="174" y="614"/>
+                  </a:lnTo>
+                  <a:lnTo>
+                    <a:pt x="174" y="0"/>
+                  </a:lnTo>
+                  <a:lnTo>
+                    <a:pt x="192" y="0"/>
+                  </a:lnTo>
+                  <a:lnTo>
+                    <a:pt x="192" y="620"/>
+                  </a:lnTo>
+                  <a:lnTo>
+                    <a:pt x="15" y="796"/>
+                  </a:lnTo>
+                  <a:lnTo>
+                    <a:pt x="15" y="973"/>
+                  </a:lnTo>
+                  <a:close/>
+                </a:path>
+              </a:pathLst>
+            </a:custGeom>
+            <a:grpFill/>
+            <a:ln>
+              <a:noFill/>
+            </a:ln>
+            <a:extLst>
+              <a:ext uri="{91240B29-F687-4f45-9708-019B960494DF}">
+                <a14:hiddenLine xmlns="" xmlns:a16="http://schemas.microsoft.com/office/drawing/2014/main" xmlns:a14="http://schemas.microsoft.com/office/drawing/2010/main" xmlns:p14="http://schemas.microsoft.com/office/powerpoint/2010/main" w="9525">
+                  <a:solidFill>
+                    <a:srgbClr val="000000"/>
+                  </a:solidFill>
+                  <a:round/>
+                  <a:headEnd/>
+                  <a:tailEnd/>
+                </a14:hiddenLine>
+              </a:ext>
+            </a:extLst>
+          </p:spPr>
+        </p:sp>
+        <p:sp>
+          <p:nvSpPr>
+            <p:cNvPr id="78" name="Freeform 38">
+              <a:extLst>
+                <a:ext uri="{FF2B5EF4-FFF2-40B4-BE49-F238E27FC236}">
+                  <a16:creationId xmlns:a16="http://schemas.microsoft.com/office/drawing/2014/main" id="{7A3DDEF1-D28A-48D9-8E48-B2003DF2EEEC}"/>
+                </a:ext>
+                <a:ext uri="{C183D7F6-B498-43B3-948B-1728B52AA6E4}">
+                  <adec:decorative xmlns:adec="http://schemas.microsoft.com/office/drawing/2017/decorative" val="1"/>
+                </a:ext>
+              </a:extLst>
+            </p:cNvPr>
+            <p:cNvSpPr>
+              <a:spLocks noEditPoints="1"/>
+            </p:cNvSpPr>
+            <p:nvPr>
+              <p:extLst>
+                <p:ext uri="{386F3935-93C4-4BCD-93E2-E3B085C9AB24}">
+                  <p16:designElem xmlns:p16="http://schemas.microsoft.com/office/powerpoint/2015/main" val="1"/>
+                </p:ext>
+              </p:extLst>
+            </p:nvPr>
+          </p:nvSpPr>
+          <p:spPr bwMode="auto">
+            <a:xfrm>
+              <a:off x="11636375" y="4867275"/>
+              <a:ext cx="188913" cy="188913"/>
+            </a:xfrm>
+            <a:custGeom>
+              <a:avLst/>
+              <a:gdLst/>
+              <a:ahLst/>
+              <a:cxnLst/>
+              <a:rect l="0" t="0" r="r" b="b"/>
+              <a:pathLst>
+                <a:path w="40" h="40">
+                  <a:moveTo>
+                    <a:pt x="20" y="40"/>
+                  </a:moveTo>
+                  <a:cubicBezTo>
+                    <a:pt x="9" y="40"/>
+                    <a:pt x="0" y="31"/>
+                    <a:pt x="0" y="20"/>
+                  </a:cubicBezTo>
+                  <a:cubicBezTo>
+                    <a:pt x="0" y="9"/>
+                    <a:pt x="9" y="0"/>
+                    <a:pt x="20" y="0"/>
+                  </a:cubicBezTo>
+                  <a:cubicBezTo>
+                    <a:pt x="31" y="0"/>
+                    <a:pt x="40" y="9"/>
+                    <a:pt x="40" y="20"/>
+                  </a:cubicBezTo>
+                  <a:cubicBezTo>
+                    <a:pt x="40" y="31"/>
+                    <a:pt x="31" y="40"/>
+                    <a:pt x="20" y="40"/>
+                  </a:cubicBezTo>
+                  <a:close/>
+                  <a:moveTo>
+                    <a:pt x="20" y="4"/>
+                  </a:moveTo>
+                  <a:cubicBezTo>
+                    <a:pt x="11" y="4"/>
+                    <a:pt x="4" y="11"/>
+                    <a:pt x="4" y="20"/>
+                  </a:cubicBezTo>
+                  <a:cubicBezTo>
+                    <a:pt x="4" y="29"/>
+                    <a:pt x="11" y="36"/>
+                    <a:pt x="20" y="36"/>
+                  </a:cubicBezTo>
+                  <a:cubicBezTo>
+                    <a:pt x="29" y="36"/>
+                    <a:pt x="36" y="29"/>
+                    <a:pt x="36" y="20"/>
+                  </a:cubicBezTo>
+                  <a:cubicBezTo>
+                    <a:pt x="36" y="11"/>
+                    <a:pt x="29" y="4"/>
+                    <a:pt x="20" y="4"/>
+                  </a:cubicBezTo>
+                  <a:close/>
+                </a:path>
+              </a:pathLst>
+            </a:custGeom>
+            <a:grpFill/>
+            <a:ln>
+              <a:noFill/>
+            </a:ln>
+            <a:extLst>
+              <a:ext uri="{91240B29-F687-4f45-9708-019B960494DF}">
+                <a14:hiddenLine xmlns="" xmlns:a16="http://schemas.microsoft.com/office/drawing/2014/main" xmlns:a14="http://schemas.microsoft.com/office/drawing/2010/main" xmlns:p14="http://schemas.microsoft.com/office/powerpoint/2010/main" w="9525">
+                  <a:solidFill>
+                    <a:srgbClr val="000000"/>
+                  </a:solidFill>
+                  <a:round/>
+                  <a:headEnd/>
+                  <a:tailEnd/>
+                </a14:hiddenLine>
+              </a:ext>
+            </a:extLst>
+          </p:spPr>
+        </p:sp>
+        <p:sp>
+          <p:nvSpPr>
+            <p:cNvPr id="79" name="Freeform 39">
+              <a:extLst>
+                <a:ext uri="{FF2B5EF4-FFF2-40B4-BE49-F238E27FC236}">
+                  <a16:creationId xmlns:a16="http://schemas.microsoft.com/office/drawing/2014/main" id="{4A56A02B-D000-45AB-B7DB-E47CA8E777D1}"/>
+                </a:ext>
+                <a:ext uri="{C183D7F6-B498-43B3-948B-1728B52AA6E4}">
+                  <adec:decorative xmlns:adec="http://schemas.microsoft.com/office/drawing/2017/decorative" val="1"/>
+                </a:ext>
+              </a:extLst>
+            </p:cNvPr>
+            <p:cNvSpPr/>
+            <p:nvPr>
+              <p:extLst>
+                <p:ext uri="{386F3935-93C4-4BCD-93E2-E3B085C9AB24}">
+                  <p16:designElem xmlns:p16="http://schemas.microsoft.com/office/powerpoint/2015/main" val="1"/>
+                </p:ext>
+              </p:extLst>
+            </p:nvPr>
+          </p:nvSpPr>
+          <p:spPr bwMode="auto">
+            <a:xfrm>
+              <a:off x="11441112" y="5046663"/>
+              <a:ext cx="307975" cy="1801813"/>
+            </a:xfrm>
+            <a:custGeom>
+              <a:avLst/>
+              <a:gdLst/>
+              <a:ahLst/>
+              <a:cxnLst/>
+              <a:rect l="0" t="0" r="r" b="b"/>
+              <a:pathLst>
+                <a:path w="194" h="1135">
+                  <a:moveTo>
+                    <a:pt x="18" y="1135"/>
+                  </a:moveTo>
+                  <a:lnTo>
+                    <a:pt x="0" y="1135"/>
+                  </a:lnTo>
+                  <a:lnTo>
+                    <a:pt x="0" y="354"/>
+                  </a:lnTo>
+                  <a:lnTo>
+                    <a:pt x="176" y="177"/>
+                  </a:lnTo>
+                  <a:lnTo>
+                    <a:pt x="176" y="0"/>
+                  </a:lnTo>
+                  <a:lnTo>
+                    <a:pt x="194" y="0"/>
+                  </a:lnTo>
+                  <a:lnTo>
+                    <a:pt x="194" y="183"/>
+                  </a:lnTo>
+                  <a:lnTo>
+                    <a:pt x="18" y="360"/>
+                  </a:lnTo>
+                  <a:lnTo>
+                    <a:pt x="18" y="1135"/>
+                  </a:lnTo>
+                  <a:close/>
+                </a:path>
+              </a:pathLst>
+            </a:custGeom>
+            <a:grpFill/>
+            <a:ln>
+              <a:noFill/>
+            </a:ln>
+            <a:extLst>
+              <a:ext uri="{91240B29-F687-4f45-9708-019B960494DF}">
+                <a14:hiddenLine xmlns="" xmlns:a16="http://schemas.microsoft.com/office/drawing/2014/main" xmlns:a14="http://schemas.microsoft.com/office/drawing/2010/main" xmlns:p14="http://schemas.microsoft.com/office/powerpoint/2010/main" w="9525">
+                  <a:solidFill>
+                    <a:srgbClr val="000000"/>
+                  </a:solidFill>
+                  <a:round/>
+                  <a:headEnd/>
+                  <a:tailEnd/>
+                </a14:hiddenLine>
+              </a:ext>
+            </a:extLst>
+          </p:spPr>
+        </p:sp>
+        <p:sp>
+          <p:nvSpPr>
+            <p:cNvPr id="80" name="Freeform 40">
+              <a:extLst>
+                <a:ext uri="{FF2B5EF4-FFF2-40B4-BE49-F238E27FC236}">
+                  <a16:creationId xmlns:a16="http://schemas.microsoft.com/office/drawing/2014/main" id="{343CE08B-7325-4244-99EA-5E58C982DB1C}"/>
+                </a:ext>
+                <a:ext uri="{C183D7F6-B498-43B3-948B-1728B52AA6E4}">
+                  <adec:decorative xmlns:adec="http://schemas.microsoft.com/office/drawing/2017/decorative" val="1"/>
+                </a:ext>
+              </a:extLst>
+            </p:cNvPr>
+            <p:cNvSpPr>
+              <a:spLocks noEditPoints="1"/>
+            </p:cNvSpPr>
+            <p:nvPr>
+              <p:extLst>
+                <p:ext uri="{386F3935-93C4-4BCD-93E2-E3B085C9AB24}">
+                  <p16:designElem xmlns:p16="http://schemas.microsoft.com/office/powerpoint/2015/main" val="1"/>
+                </p:ext>
+              </p:extLst>
+            </p:nvPr>
+          </p:nvSpPr>
+          <p:spPr bwMode="auto">
+            <a:xfrm>
+              <a:off x="11849100" y="6416675"/>
+              <a:ext cx="190500" cy="188913"/>
+            </a:xfrm>
+            <a:custGeom>
+              <a:avLst/>
+              <a:gdLst/>
+              <a:ahLst/>
+              <a:cxnLst/>
+              <a:rect l="0" t="0" r="r" b="b"/>
+              <a:pathLst>
+                <a:path w="40" h="40">
+                  <a:moveTo>
+                    <a:pt x="20" y="40"/>
+                  </a:moveTo>
+                  <a:cubicBezTo>
+                    <a:pt x="9" y="40"/>
+                    <a:pt x="0" y="31"/>
+                    <a:pt x="0" y="20"/>
+                  </a:cubicBezTo>
+                  <a:cubicBezTo>
+                    <a:pt x="0" y="9"/>
+                    <a:pt x="9" y="0"/>
+                    <a:pt x="20" y="0"/>
+                  </a:cubicBezTo>
+                  <a:cubicBezTo>
+                    <a:pt x="31" y="0"/>
+                    <a:pt x="40" y="9"/>
+                    <a:pt x="40" y="20"/>
+                  </a:cubicBezTo>
+                  <a:cubicBezTo>
+                    <a:pt x="40" y="31"/>
+                    <a:pt x="31" y="40"/>
+                    <a:pt x="20" y="40"/>
+                  </a:cubicBezTo>
+                  <a:close/>
+                  <a:moveTo>
+                    <a:pt x="20" y="4"/>
+                  </a:moveTo>
+                  <a:cubicBezTo>
+                    <a:pt x="12" y="4"/>
+                    <a:pt x="4" y="11"/>
+                    <a:pt x="4" y="20"/>
+                  </a:cubicBezTo>
+                  <a:cubicBezTo>
+                    <a:pt x="4" y="29"/>
+                    <a:pt x="12" y="36"/>
+                    <a:pt x="20" y="36"/>
+                  </a:cubicBezTo>
+                  <a:cubicBezTo>
+                    <a:pt x="29" y="36"/>
+                    <a:pt x="36" y="29"/>
+                    <a:pt x="36" y="20"/>
+                  </a:cubicBezTo>
+                  <a:cubicBezTo>
+                    <a:pt x="36" y="11"/>
+                    <a:pt x="29" y="4"/>
+                    <a:pt x="20" y="4"/>
+                  </a:cubicBezTo>
+                  <a:close/>
+                </a:path>
+              </a:pathLst>
+            </a:custGeom>
+            <a:grpFill/>
+            <a:ln>
+              <a:noFill/>
+            </a:ln>
+            <a:extLst>
+              <a:ext uri="{91240B29-F687-4f45-9708-019B960494DF}">
+                <a14:hiddenLine xmlns="" xmlns:a16="http://schemas.microsoft.com/office/drawing/2014/main" xmlns:a14="http://schemas.microsoft.com/office/drawing/2010/main" xmlns:p14="http://schemas.microsoft.com/office/powerpoint/2010/main" w="9525">
+                  <a:solidFill>
+                    <a:srgbClr val="000000"/>
+                  </a:solidFill>
+                  <a:round/>
+                  <a:headEnd/>
+                  <a:tailEnd/>
+                </a14:hiddenLine>
+              </a:ext>
+            </a:extLst>
+          </p:spPr>
+        </p:sp>
+        <p:sp>
+          <p:nvSpPr>
+            <p:cNvPr id="81" name="Rectangle 41">
+              <a:extLst>
+                <a:ext uri="{FF2B5EF4-FFF2-40B4-BE49-F238E27FC236}">
+                  <a16:creationId xmlns:a16="http://schemas.microsoft.com/office/drawing/2014/main" id="{7F08E29E-A67F-410A-A810-7000201BFA84}"/>
+                </a:ext>
+                <a:ext uri="{C183D7F6-B498-43B3-948B-1728B52AA6E4}">
+                  <adec:decorative xmlns:adec="http://schemas.microsoft.com/office/drawing/2017/decorative" val="1"/>
+                </a:ext>
+              </a:extLst>
+            </p:cNvPr>
+            <p:cNvSpPr>
+              <a:spLocks noChangeArrowheads="1"/>
+            </p:cNvSpPr>
+            <p:nvPr>
+              <p:extLst>
+                <p:ext uri="{386F3935-93C4-4BCD-93E2-E3B085C9AB24}">
+                  <p16:designElem xmlns:p16="http://schemas.microsoft.com/office/powerpoint/2015/main" val="1"/>
+                </p:ext>
+              </p:extLst>
+            </p:nvPr>
+          </p:nvSpPr>
+          <p:spPr bwMode="auto">
+            <a:xfrm>
+              <a:off x="11939587" y="6596063"/>
+              <a:ext cx="23813" cy="252413"/>
+            </a:xfrm>
+            <a:prstGeom prst="rect">
+              <a:avLst/>
+            </a:prstGeom>
+            <a:grpFill/>
+            <a:ln>
+              <a:noFill/>
+            </a:ln>
+            <a:extLst>
+              <a:ext uri="{91240B29-F687-4f45-9708-019B960494DF}">
+                <a14:hiddenLine xmlns="" xmlns:a16="http://schemas.microsoft.com/office/drawing/2014/main" xmlns:a14="http://schemas.microsoft.com/office/drawing/2010/main" xmlns:p14="http://schemas.microsoft.com/office/powerpoint/2010/main" w="9525">
+                  <a:solidFill>
+                    <a:srgbClr val="000000"/>
+                  </a:solidFill>
+                  <a:miter lim="800000"/>
+                  <a:headEnd/>
+                  <a:tailEnd/>
+                </a14:hiddenLine>
+              </a:ext>
+            </a:extLst>
+          </p:spPr>
+        </p:sp>
+      </p:grpSp>
+    </p:spTree>
+    <p:extLst>
+      <p:ext uri="{BB962C8B-B14F-4D97-AF65-F5344CB8AC3E}">
+        <p14:creationId xmlns:p14="http://schemas.microsoft.com/office/powerpoint/2010/main" val="3138133500"/>
+      </p:ext>
+    </p:extLst>
+  </p:cSld>
+  <p:clrMapOvr>
+    <a:masterClrMapping/>
+  </p:clrMapOvr>
+</p:sld>
+</file>
+
+<file path=ppt/slides/slide7.xml><?xml version="1.0" encoding="utf-8"?>
+<p:sld xmlns:a="http://schemas.openxmlformats.org/drawingml/2006/main" xmlns:r="http://schemas.openxmlformats.org/officeDocument/2006/relationships" xmlns:p="http://schemas.openxmlformats.org/presentationml/2006/main">
+  <p:cSld>
+    <p:spTree>
+      <p:nvGrpSpPr>
+        <p:cNvPr id="1" name=""/>
+        <p:cNvGrpSpPr/>
+        <p:nvPr/>
+      </p:nvGrpSpPr>
+      <p:grpSpPr>
+        <a:xfrm>
+          <a:off x="0" y="0"/>
+          <a:ext cx="0" cy="0"/>
+          <a:chOff x="0" y="0"/>
+          <a:chExt cx="0" cy="0"/>
+        </a:xfrm>
+      </p:grpSpPr>
+      <p:sp>
+        <p:nvSpPr>
+          <p:cNvPr id="2" name="Title 1">
+            <a:extLst>
+              <a:ext uri="{FF2B5EF4-FFF2-40B4-BE49-F238E27FC236}">
+                <a16:creationId xmlns:a16="http://schemas.microsoft.com/office/drawing/2014/main" id="{6B71CA7C-003A-B037-99AA-E1DA60DFC956}"/>
+              </a:ext>
+            </a:extLst>
+          </p:cNvPr>
+          <p:cNvSpPr>
+            <a:spLocks noGrp="1"/>
+          </p:cNvSpPr>
+          <p:nvPr>
+            <p:ph type="title"/>
+          </p:nvPr>
+        </p:nvSpPr>
+        <p:spPr>
+          <a:xfrm>
+            <a:off x="866783" y="616120"/>
+            <a:ext cx="8536845" cy="547662"/>
+          </a:xfrm>
+        </p:spPr>
+        <p:txBody>
+          <a:bodyPr>
+            <a:normAutofit fontScale="90000"/>
+          </a:bodyPr>
+          <a:lstStyle/>
+          <a:p>
+            <a:r>
+              <a:rPr lang="en-US" dirty="0"/>
+              <a:t>PLANNED ANALYSES - ORIGINAL</a:t>
             </a:r>
           </a:p>
         </p:txBody>
@@ -13813,505 +21276,6 @@
 </p:sld>
 </file>
 
-<file path=ppt/slides/slide4.xml><?xml version="1.0" encoding="utf-8"?>
-<p:sld xmlns:a="http://schemas.openxmlformats.org/drawingml/2006/main" xmlns:r="http://schemas.openxmlformats.org/officeDocument/2006/relationships" xmlns:p="http://schemas.openxmlformats.org/presentationml/2006/main">
-  <p:cSld>
-    <p:spTree>
-      <p:nvGrpSpPr>
-        <p:cNvPr id="1" name=""/>
-        <p:cNvGrpSpPr/>
-        <p:nvPr/>
-      </p:nvGrpSpPr>
-      <p:grpSpPr>
-        <a:xfrm>
-          <a:off x="0" y="0"/>
-          <a:ext cx="0" cy="0"/>
-          <a:chOff x="0" y="0"/>
-          <a:chExt cx="0" cy="0"/>
-        </a:xfrm>
-      </p:grpSpPr>
-      <p:sp>
-        <p:nvSpPr>
-          <p:cNvPr id="2" name="Title 1">
-            <a:extLst>
-              <a:ext uri="{FF2B5EF4-FFF2-40B4-BE49-F238E27FC236}">
-                <a16:creationId xmlns:a16="http://schemas.microsoft.com/office/drawing/2014/main" id="{F89DE632-F5FD-6B8B-429A-333B74DF39AF}"/>
-              </a:ext>
-            </a:extLst>
-          </p:cNvPr>
-          <p:cNvSpPr>
-            <a:spLocks noGrp="1"/>
-          </p:cNvSpPr>
-          <p:nvPr>
-            <p:ph type="title"/>
-          </p:nvPr>
-        </p:nvSpPr>
-        <p:spPr/>
-        <p:txBody>
-          <a:bodyPr/>
-          <a:lstStyle/>
-          <a:p>
-            <a:r>
-              <a:rPr lang="en-US" dirty="0"/>
-              <a:t>Open Questions</a:t>
-            </a:r>
-          </a:p>
-        </p:txBody>
-      </p:sp>
-      <p:sp>
-        <p:nvSpPr>
-          <p:cNvPr id="3" name="Content Placeholder 2">
-            <a:extLst>
-              <a:ext uri="{FF2B5EF4-FFF2-40B4-BE49-F238E27FC236}">
-                <a16:creationId xmlns:a16="http://schemas.microsoft.com/office/drawing/2014/main" id="{FCA87426-55C0-F550-A05E-3A1DCFA90DCD}"/>
-              </a:ext>
-            </a:extLst>
-          </p:cNvPr>
-          <p:cNvSpPr>
-            <a:spLocks noGrp="1"/>
-          </p:cNvSpPr>
-          <p:nvPr>
-            <p:ph idx="1"/>
-          </p:nvPr>
-        </p:nvSpPr>
-        <p:spPr/>
-        <p:txBody>
-          <a:bodyPr/>
-          <a:lstStyle/>
-          <a:p>
-            <a:r>
-              <a:rPr lang="en-US" dirty="0"/>
-              <a:t>To be completed</a:t>
-            </a:r>
-          </a:p>
-        </p:txBody>
-      </p:sp>
-    </p:spTree>
-    <p:extLst>
-      <p:ext uri="{BB962C8B-B14F-4D97-AF65-F5344CB8AC3E}">
-        <p14:creationId xmlns:p14="http://schemas.microsoft.com/office/powerpoint/2010/main" val="2200927822"/>
-      </p:ext>
-    </p:extLst>
-  </p:cSld>
-  <p:clrMapOvr>
-    <a:masterClrMapping/>
-  </p:clrMapOvr>
-</p:sld>
-</file>
-
-<file path=ppt/slides/slide5.xml><?xml version="1.0" encoding="utf-8"?>
-<p:sld xmlns:a="http://schemas.openxmlformats.org/drawingml/2006/main" xmlns:r="http://schemas.openxmlformats.org/officeDocument/2006/relationships" xmlns:p="http://schemas.openxmlformats.org/presentationml/2006/main">
-  <p:cSld>
-    <p:spTree>
-      <p:nvGrpSpPr>
-        <p:cNvPr id="1" name=""/>
-        <p:cNvGrpSpPr/>
-        <p:nvPr/>
-      </p:nvGrpSpPr>
-      <p:grpSpPr>
-        <a:xfrm>
-          <a:off x="0" y="0"/>
-          <a:ext cx="0" cy="0"/>
-          <a:chOff x="0" y="0"/>
-          <a:chExt cx="0" cy="0"/>
-        </a:xfrm>
-      </p:grpSpPr>
-      <p:sp>
-        <p:nvSpPr>
-          <p:cNvPr id="2" name="Title 1">
-            <a:extLst>
-              <a:ext uri="{FF2B5EF4-FFF2-40B4-BE49-F238E27FC236}">
-                <a16:creationId xmlns:a16="http://schemas.microsoft.com/office/drawing/2014/main" id="{FF7D97D9-DCC6-E889-1E3B-BF8CF1AD20AC}"/>
-              </a:ext>
-            </a:extLst>
-          </p:cNvPr>
-          <p:cNvSpPr>
-            <a:spLocks noGrp="1"/>
-          </p:cNvSpPr>
-          <p:nvPr>
-            <p:ph type="title"/>
-          </p:nvPr>
-        </p:nvSpPr>
-        <p:spPr/>
-        <p:txBody>
-          <a:bodyPr/>
-          <a:lstStyle/>
-          <a:p>
-            <a:r>
-              <a:rPr lang="en-US" dirty="0"/>
-              <a:t>Team 3</a:t>
-            </a:r>
-          </a:p>
-        </p:txBody>
-      </p:sp>
-      <p:graphicFrame>
-        <p:nvGraphicFramePr>
-          <p:cNvPr id="5" name="Table 5">
-            <a:extLst>
-              <a:ext uri="{FF2B5EF4-FFF2-40B4-BE49-F238E27FC236}">
-                <a16:creationId xmlns:a16="http://schemas.microsoft.com/office/drawing/2014/main" id="{0510B953-DD6B-29C6-D1C4-17AD86D51A8B}"/>
-              </a:ext>
-            </a:extLst>
-          </p:cNvPr>
-          <p:cNvGraphicFramePr>
-            <a:graphicFrameLocks noGrp="1"/>
-          </p:cNvGraphicFramePr>
-          <p:nvPr>
-            <p:ph idx="1"/>
-            <p:extLst>
-              <p:ext uri="{D42A27DB-BD31-4B8C-83A1-F6EECF244321}">
-                <p14:modId xmlns:p14="http://schemas.microsoft.com/office/powerpoint/2010/main" val="693433232"/>
-              </p:ext>
-            </p:extLst>
-          </p:nvPr>
-        </p:nvGraphicFramePr>
-        <p:xfrm>
-          <a:off x="1141413" y="2249488"/>
-          <a:ext cx="9906003" cy="2225040"/>
-        </p:xfrm>
-        <a:graphic>
-          <a:graphicData uri="http://schemas.openxmlformats.org/drawingml/2006/table">
-            <a:tbl>
-              <a:tblPr firstRow="1" bandRow="1">
-                <a:tableStyleId>{5C22544A-7EE6-4342-B048-85BDC9FD1C3A}</a:tableStyleId>
-              </a:tblPr>
-              <a:tblGrid>
-                <a:gridCol w="3302001">
-                  <a:extLst>
-                    <a:ext uri="{9D8B030D-6E8A-4147-A177-3AD203B41FA5}">
-                      <a16:colId xmlns:a16="http://schemas.microsoft.com/office/drawing/2014/main" val="493935080"/>
-                    </a:ext>
-                  </a:extLst>
-                </a:gridCol>
-                <a:gridCol w="3302001">
-                  <a:extLst>
-                    <a:ext uri="{9D8B030D-6E8A-4147-A177-3AD203B41FA5}">
-                      <a16:colId xmlns:a16="http://schemas.microsoft.com/office/drawing/2014/main" val="4264535401"/>
-                    </a:ext>
-                  </a:extLst>
-                </a:gridCol>
-                <a:gridCol w="3302001">
-                  <a:extLst>
-                    <a:ext uri="{9D8B030D-6E8A-4147-A177-3AD203B41FA5}">
-                      <a16:colId xmlns:a16="http://schemas.microsoft.com/office/drawing/2014/main" val="2095949783"/>
-                    </a:ext>
-                  </a:extLst>
-                </a:gridCol>
-              </a:tblGrid>
-              <a:tr h="370840">
-                <a:tc>
-                  <a:txBody>
-                    <a:bodyPr/>
-                    <a:lstStyle/>
-                    <a:p>
-                      <a:r>
-                        <a:rPr lang="en-US" dirty="0"/>
-                        <a:t>Name</a:t>
-                      </a:r>
-                    </a:p>
-                  </a:txBody>
-                  <a:tcPr marL="86140" marR="86140"/>
-                </a:tc>
-                <a:tc>
-                  <a:txBody>
-                    <a:bodyPr/>
-                    <a:lstStyle/>
-                    <a:p>
-                      <a:r>
-                        <a:rPr lang="en-US" dirty="0"/>
-                        <a:t>Phone</a:t>
-                      </a:r>
-                    </a:p>
-                  </a:txBody>
-                  <a:tcPr marL="86140" marR="86140"/>
-                </a:tc>
-                <a:tc>
-                  <a:txBody>
-                    <a:bodyPr/>
-                    <a:lstStyle/>
-                    <a:p>
-                      <a:r>
-                        <a:rPr lang="en-US" dirty="0"/>
-                        <a:t>Email</a:t>
-                      </a:r>
-                    </a:p>
-                  </a:txBody>
-                  <a:tcPr marL="86140" marR="86140"/>
-                </a:tc>
-                <a:extLst>
-                  <a:ext uri="{0D108BD9-81ED-4DB2-BD59-A6C34878D82A}">
-                    <a16:rowId xmlns:a16="http://schemas.microsoft.com/office/drawing/2014/main" val="2364225308"/>
-                  </a:ext>
-                </a:extLst>
-              </a:tr>
-              <a:tr h="370840">
-                <a:tc>
-                  <a:txBody>
-                    <a:bodyPr/>
-                    <a:lstStyle/>
-                    <a:p>
-                      <a:pPr marL="0" marR="0" lvl="0" indent="0" algn="l" defTabSz="914400" rtl="0" eaLnBrk="1" fontAlgn="auto" latinLnBrk="0" hangingPunct="1">
-                        <a:lnSpc>
-                          <a:spcPct val="100000"/>
-                        </a:lnSpc>
-                        <a:spcBef>
-                          <a:spcPts val="0"/>
-                        </a:spcBef>
-                        <a:spcAft>
-                          <a:spcPts val="0"/>
-                        </a:spcAft>
-                        <a:buClrTx/>
-                        <a:buSzTx/>
-                        <a:buFontTx/>
-                        <a:buNone/>
-                        <a:tabLst/>
-                        <a:defRPr/>
-                      </a:pPr>
-                      <a:r>
-                        <a:rPr lang="en-US" dirty="0"/>
-                        <a:t>Calogera McCormick</a:t>
-                      </a:r>
-                    </a:p>
-                  </a:txBody>
-                  <a:tcPr marL="86140" marR="86140"/>
-                </a:tc>
-                <a:tc>
-                  <a:txBody>
-                    <a:bodyPr/>
-                    <a:lstStyle/>
-                    <a:p>
-                      <a:r>
-                        <a:rPr lang="en-US" dirty="0"/>
-                        <a:t>973-634-8571</a:t>
-                      </a:r>
-                    </a:p>
-                  </a:txBody>
-                  <a:tcPr marL="86140" marR="86140"/>
-                </a:tc>
-                <a:tc>
-                  <a:txBody>
-                    <a:bodyPr/>
-                    <a:lstStyle/>
-                    <a:p>
-                      <a:endParaRPr lang="en-US"/>
-                    </a:p>
-                  </a:txBody>
-                  <a:tcPr marL="86140" marR="86140"/>
-                </a:tc>
-                <a:extLst>
-                  <a:ext uri="{0D108BD9-81ED-4DB2-BD59-A6C34878D82A}">
-                    <a16:rowId xmlns:a16="http://schemas.microsoft.com/office/drawing/2014/main" val="487768389"/>
-                  </a:ext>
-                </a:extLst>
-              </a:tr>
-              <a:tr h="370840">
-                <a:tc>
-                  <a:txBody>
-                    <a:bodyPr/>
-                    <a:lstStyle/>
-                    <a:p>
-                      <a:pPr marL="0" marR="0" lvl="0" indent="0" algn="l" defTabSz="914400" rtl="0" eaLnBrk="1" fontAlgn="auto" latinLnBrk="0" hangingPunct="1">
-                        <a:lnSpc>
-                          <a:spcPct val="100000"/>
-                        </a:lnSpc>
-                        <a:spcBef>
-                          <a:spcPts val="0"/>
-                        </a:spcBef>
-                        <a:spcAft>
-                          <a:spcPts val="0"/>
-                        </a:spcAft>
-                        <a:buClrTx/>
-                        <a:buSzTx/>
-                        <a:buFontTx/>
-                        <a:buNone/>
-                        <a:tabLst/>
-                        <a:defRPr/>
-                      </a:pPr>
-                      <a:r>
-                        <a:rPr lang="en-US" dirty="0" err="1"/>
-                        <a:t>Tawn</a:t>
-                      </a:r>
-                      <a:r>
-                        <a:rPr lang="en-US" dirty="0"/>
-                        <a:t> </a:t>
-                      </a:r>
-                      <a:r>
-                        <a:rPr lang="en-US" dirty="0" err="1"/>
-                        <a:t>Scotton</a:t>
-                      </a:r>
-                      <a:endParaRPr lang="en-US" dirty="0"/>
-                    </a:p>
-                  </a:txBody>
-                  <a:tcPr marL="86140" marR="86140"/>
-                </a:tc>
-                <a:tc>
-                  <a:txBody>
-                    <a:bodyPr/>
-                    <a:lstStyle/>
-                    <a:p>
-                      <a:endParaRPr lang="en-US" dirty="0"/>
-                    </a:p>
-                  </a:txBody>
-                  <a:tcPr marL="86140" marR="86140"/>
-                </a:tc>
-                <a:tc>
-                  <a:txBody>
-                    <a:bodyPr/>
-                    <a:lstStyle/>
-                    <a:p>
-                      <a:endParaRPr lang="en-US"/>
-                    </a:p>
-                  </a:txBody>
-                  <a:tcPr marL="86140" marR="86140"/>
-                </a:tc>
-                <a:extLst>
-                  <a:ext uri="{0D108BD9-81ED-4DB2-BD59-A6C34878D82A}">
-                    <a16:rowId xmlns:a16="http://schemas.microsoft.com/office/drawing/2014/main" val="3865353329"/>
-                  </a:ext>
-                </a:extLst>
-              </a:tr>
-              <a:tr h="370840">
-                <a:tc>
-                  <a:txBody>
-                    <a:bodyPr/>
-                    <a:lstStyle/>
-                    <a:p>
-                      <a:r>
-                        <a:rPr lang="en-US" dirty="0"/>
-                        <a:t>Jamie Cid</a:t>
-                      </a:r>
-                    </a:p>
-                  </a:txBody>
-                  <a:tcPr marL="86140" marR="86140"/>
-                </a:tc>
-                <a:tc>
-                  <a:txBody>
-                    <a:bodyPr/>
-                    <a:lstStyle/>
-                    <a:p>
-                      <a:endParaRPr lang="en-US"/>
-                    </a:p>
-                  </a:txBody>
-                  <a:tcPr marL="86140" marR="86140"/>
-                </a:tc>
-                <a:tc>
-                  <a:txBody>
-                    <a:bodyPr/>
-                    <a:lstStyle/>
-                    <a:p>
-                      <a:endParaRPr lang="en-US"/>
-                    </a:p>
-                  </a:txBody>
-                  <a:tcPr marL="86140" marR="86140"/>
-                </a:tc>
-                <a:extLst>
-                  <a:ext uri="{0D108BD9-81ED-4DB2-BD59-A6C34878D82A}">
-                    <a16:rowId xmlns:a16="http://schemas.microsoft.com/office/drawing/2014/main" val="3676232138"/>
-                  </a:ext>
-                </a:extLst>
-              </a:tr>
-              <a:tr h="370840">
-                <a:tc>
-                  <a:txBody>
-                    <a:bodyPr/>
-                    <a:lstStyle/>
-                    <a:p>
-                      <a:r>
-                        <a:rPr lang="en-US" dirty="0"/>
-                        <a:t>Sana </a:t>
-                      </a:r>
-                      <a:r>
-                        <a:rPr lang="en-US" dirty="0" err="1"/>
-                        <a:t>Ayubzai</a:t>
-                      </a:r>
-                      <a:endParaRPr lang="en-US" dirty="0"/>
-                    </a:p>
-                  </a:txBody>
-                  <a:tcPr marL="86140" marR="86140"/>
-                </a:tc>
-                <a:tc>
-                  <a:txBody>
-                    <a:bodyPr/>
-                    <a:lstStyle/>
-                    <a:p>
-                      <a:endParaRPr lang="en-US"/>
-                    </a:p>
-                  </a:txBody>
-                  <a:tcPr marL="86140" marR="86140"/>
-                </a:tc>
-                <a:tc>
-                  <a:txBody>
-                    <a:bodyPr/>
-                    <a:lstStyle/>
-                    <a:p>
-                      <a:endParaRPr lang="en-US"/>
-                    </a:p>
-                  </a:txBody>
-                  <a:tcPr marL="86140" marR="86140"/>
-                </a:tc>
-                <a:extLst>
-                  <a:ext uri="{0D108BD9-81ED-4DB2-BD59-A6C34878D82A}">
-                    <a16:rowId xmlns:a16="http://schemas.microsoft.com/office/drawing/2014/main" val="291637085"/>
-                  </a:ext>
-                </a:extLst>
-              </a:tr>
-              <a:tr h="370840">
-                <a:tc>
-                  <a:txBody>
-                    <a:bodyPr/>
-                    <a:lstStyle/>
-                    <a:p>
-                      <a:r>
-                        <a:rPr lang="en-US" dirty="0"/>
-                        <a:t>Minta Burke</a:t>
-                      </a:r>
-                    </a:p>
-                  </a:txBody>
-                  <a:tcPr marL="86140" marR="86140"/>
-                </a:tc>
-                <a:tc>
-                  <a:txBody>
-                    <a:bodyPr/>
-                    <a:lstStyle/>
-                    <a:p>
-                      <a:endParaRPr lang="en-US"/>
-                    </a:p>
-                  </a:txBody>
-                  <a:tcPr marL="86140" marR="86140"/>
-                </a:tc>
-                <a:tc>
-                  <a:txBody>
-                    <a:bodyPr/>
-                    <a:lstStyle/>
-                    <a:p>
-                      <a:endParaRPr lang="en-US" dirty="0"/>
-                    </a:p>
-                  </a:txBody>
-                  <a:tcPr marL="86140" marR="86140"/>
-                </a:tc>
-                <a:extLst>
-                  <a:ext uri="{0D108BD9-81ED-4DB2-BD59-A6C34878D82A}">
-                    <a16:rowId xmlns:a16="http://schemas.microsoft.com/office/drawing/2014/main" val="1230473942"/>
-                  </a:ext>
-                </a:extLst>
-              </a:tr>
-            </a:tbl>
-          </a:graphicData>
-        </a:graphic>
-      </p:graphicFrame>
-    </p:spTree>
-    <p:extLst>
-      <p:ext uri="{BB962C8B-B14F-4D97-AF65-F5344CB8AC3E}">
-        <p14:creationId xmlns:p14="http://schemas.microsoft.com/office/powerpoint/2010/main" val="890501272"/>
-      </p:ext>
-    </p:extLst>
-  </p:cSld>
-  <p:clrMapOvr>
-    <a:masterClrMapping/>
-  </p:clrMapOvr>
-</p:sld>
-</file>
-
 <file path=ppt/theme/theme1.xml><?xml version="1.0" encoding="utf-8"?>
 <a:theme xmlns:a="http://schemas.openxmlformats.org/drawingml/2006/main" name="Circuit">
   <a:themeElements>

--- a/Team_3_Air_Travel_Weather_Satisfaction.pptx
+++ b/Team_3_Air_Travel_Weather_Satisfaction.pptx
@@ -140,7 +140,7 @@
   <pc:docChgLst>
     <pc:chgData name="Calogera McCormick" userId="e0a4c6cb4146cbe1" providerId="LiveId" clId="{43E20478-7581-4DD6-9A41-2D114A35964C}"/>
     <pc:docChg chg="undo custSel addSld modSld sldOrd">
-      <pc:chgData name="Calogera McCormick" userId="e0a4c6cb4146cbe1" providerId="LiveId" clId="{43E20478-7581-4DD6-9A41-2D114A35964C}" dt="2023-02-09T19:06:58.064" v="7682" actId="14100"/>
+      <pc:chgData name="Calogera McCormick" userId="e0a4c6cb4146cbe1" providerId="LiveId" clId="{43E20478-7581-4DD6-9A41-2D114A35964C}" dt="2023-02-09T20:12:21.314" v="7688" actId="1035"/>
       <pc:docMkLst>
         <pc:docMk/>
       </pc:docMkLst>
@@ -486,7 +486,7 @@
         </pc:spChg>
       </pc:sldChg>
       <pc:sldChg chg="addSp delSp modSp new mod modClrScheme chgLayout">
-        <pc:chgData name="Calogera McCormick" userId="e0a4c6cb4146cbe1" providerId="LiveId" clId="{43E20478-7581-4DD6-9A41-2D114A35964C}" dt="2023-02-09T17:08:41.034" v="7418" actId="403"/>
+        <pc:chgData name="Calogera McCormick" userId="e0a4c6cb4146cbe1" providerId="LiveId" clId="{43E20478-7581-4DD6-9A41-2D114A35964C}" dt="2023-02-09T20:08:33.190" v="7683" actId="14734"/>
         <pc:sldMkLst>
           <pc:docMk/>
           <pc:sldMk cId="2504695382" sldId="271"/>
@@ -556,7 +556,7 @@
           </ac:graphicFrameMkLst>
         </pc:graphicFrameChg>
         <pc:graphicFrameChg chg="add mod ord modGraphic">
-          <ac:chgData name="Calogera McCormick" userId="e0a4c6cb4146cbe1" providerId="LiveId" clId="{43E20478-7581-4DD6-9A41-2D114A35964C}" dt="2023-02-09T17:08:41.034" v="7418" actId="403"/>
+          <ac:chgData name="Calogera McCormick" userId="e0a4c6cb4146cbe1" providerId="LiveId" clId="{43E20478-7581-4DD6-9A41-2D114A35964C}" dt="2023-02-09T20:08:33.190" v="7683" actId="14734"/>
           <ac:graphicFrameMkLst>
             <pc:docMk/>
             <pc:sldMk cId="2504695382" sldId="271"/>
@@ -565,7 +565,7 @@
         </pc:graphicFrameChg>
       </pc:sldChg>
       <pc:sldChg chg="modSp add mod">
-        <pc:chgData name="Calogera McCormick" userId="e0a4c6cb4146cbe1" providerId="LiveId" clId="{43E20478-7581-4DD6-9A41-2D114A35964C}" dt="2023-02-09T19:06:58.064" v="7682" actId="14100"/>
+        <pc:chgData name="Calogera McCormick" userId="e0a4c6cb4146cbe1" providerId="LiveId" clId="{43E20478-7581-4DD6-9A41-2D114A35964C}" dt="2023-02-09T20:12:21.314" v="7688" actId="1035"/>
         <pc:sldMkLst>
           <pc:docMk/>
           <pc:sldMk cId="3040459613" sldId="272"/>
@@ -579,7 +579,7 @@
           </ac:spMkLst>
         </pc:spChg>
         <pc:graphicFrameChg chg="mod modGraphic">
-          <ac:chgData name="Calogera McCormick" userId="e0a4c6cb4146cbe1" providerId="LiveId" clId="{43E20478-7581-4DD6-9A41-2D114A35964C}" dt="2023-02-09T19:06:58.064" v="7682" actId="14100"/>
+          <ac:chgData name="Calogera McCormick" userId="e0a4c6cb4146cbe1" providerId="LiveId" clId="{43E20478-7581-4DD6-9A41-2D114A35964C}" dt="2023-02-09T20:12:21.314" v="7688" actId="1035"/>
           <ac:graphicFrameMkLst>
             <pc:docMk/>
             <pc:sldMk cId="3040459613" sldId="272"/>
@@ -642,7 +642,7 @@
           <a:noFill/>
           <a:extLst>
             <a:ext uri="{909E8E84-426E-40dd-AFC4-6F175D3DCCD1}">
-              <a14:hiddenFill xmlns:a14="http://schemas.microsoft.com/office/drawing/2010/main" xmlns="">
+              <a14:hiddenFill xmlns="" xmlns:a14="http://schemas.microsoft.com/office/drawing/2010/main">
                 <a:solidFill>
                   <a:srgbClr val="FFFFFF"/>
                 </a:solidFill>
@@ -702,7 +702,7 @@
             </a:ln>
             <a:extLst>
               <a:ext uri="{91240B29-F687-4f45-9708-019B960494DF}">
-                <a14:hiddenLine xmlns:a14="http://schemas.microsoft.com/office/drawing/2010/main" xmlns="" w="9525">
+                <a14:hiddenLine xmlns="" xmlns:a14="http://schemas.microsoft.com/office/drawing/2010/main" w="9525">
                   <a:solidFill>
                     <a:srgbClr val="000000"/>
                   </a:solidFill>
@@ -792,7 +792,7 @@
             </a:ln>
             <a:extLst>
               <a:ext uri="{91240B29-F687-4f45-9708-019B960494DF}">
-                <a14:hiddenLine xmlns:a14="http://schemas.microsoft.com/office/drawing/2010/main" xmlns="" w="9525">
+                <a14:hiddenLine xmlns="" xmlns:a14="http://schemas.microsoft.com/office/drawing/2010/main" w="9525">
                   <a:solidFill>
                     <a:srgbClr val="000000"/>
                   </a:solidFill>
@@ -882,7 +882,7 @@
             </a:ln>
             <a:extLst>
               <a:ext uri="{91240B29-F687-4f45-9708-019B960494DF}">
-                <a14:hiddenLine xmlns:a14="http://schemas.microsoft.com/office/drawing/2010/main" xmlns="" w="9525">
+                <a14:hiddenLine xmlns="" xmlns:a14="http://schemas.microsoft.com/office/drawing/2010/main" w="9525">
                   <a:solidFill>
                     <a:srgbClr val="000000"/>
                   </a:solidFill>
@@ -916,7 +916,7 @@
             </a:ln>
             <a:extLst>
               <a:ext uri="{91240B29-F687-4f45-9708-019B960494DF}">
-                <a14:hiddenLine xmlns:a14="http://schemas.microsoft.com/office/drawing/2010/main" xmlns="" w="9525">
+                <a14:hiddenLine xmlns="" xmlns:a14="http://schemas.microsoft.com/office/drawing/2010/main" w="9525">
                   <a:solidFill>
                     <a:srgbClr val="000000"/>
                   </a:solidFill>
@@ -1006,7 +1006,7 @@
             </a:ln>
             <a:extLst>
               <a:ext uri="{91240B29-F687-4f45-9708-019B960494DF}">
-                <a14:hiddenLine xmlns:a14="http://schemas.microsoft.com/office/drawing/2010/main" xmlns="" w="9525">
+                <a14:hiddenLine xmlns="" xmlns:a14="http://schemas.microsoft.com/office/drawing/2010/main" w="9525">
                   <a:solidFill>
                     <a:srgbClr val="000000"/>
                   </a:solidFill>
@@ -1068,7 +1068,7 @@
             </a:ln>
             <a:extLst>
               <a:ext uri="{91240B29-F687-4f45-9708-019B960494DF}">
-                <a14:hiddenLine xmlns:a14="http://schemas.microsoft.com/office/drawing/2010/main" xmlns="" w="9525">
+                <a14:hiddenLine xmlns="" xmlns:a14="http://schemas.microsoft.com/office/drawing/2010/main" w="9525">
                   <a:solidFill>
                     <a:srgbClr val="000000"/>
                   </a:solidFill>
@@ -1130,7 +1130,7 @@
             </a:ln>
             <a:extLst>
               <a:ext uri="{91240B29-F687-4f45-9708-019B960494DF}">
-                <a14:hiddenLine xmlns:a14="http://schemas.microsoft.com/office/drawing/2010/main" xmlns="" w="9525">
+                <a14:hiddenLine xmlns="" xmlns:a14="http://schemas.microsoft.com/office/drawing/2010/main" w="9525">
                   <a:solidFill>
                     <a:srgbClr val="000000"/>
                   </a:solidFill>
@@ -1220,7 +1220,7 @@
             </a:ln>
             <a:extLst>
               <a:ext uri="{91240B29-F687-4f45-9708-019B960494DF}">
-                <a14:hiddenLine xmlns:a14="http://schemas.microsoft.com/office/drawing/2010/main" xmlns="" w="9525">
+                <a14:hiddenLine xmlns="" xmlns:a14="http://schemas.microsoft.com/office/drawing/2010/main" w="9525">
                   <a:solidFill>
                     <a:srgbClr val="000000"/>
                   </a:solidFill>
@@ -1282,7 +1282,7 @@
             </a:ln>
             <a:extLst>
               <a:ext uri="{91240B29-F687-4f45-9708-019B960494DF}">
-                <a14:hiddenLine xmlns:a14="http://schemas.microsoft.com/office/drawing/2010/main" xmlns="" w="9525">
+                <a14:hiddenLine xmlns="" xmlns:a14="http://schemas.microsoft.com/office/drawing/2010/main" w="9525">
                   <a:solidFill>
                     <a:srgbClr val="000000"/>
                   </a:solidFill>
@@ -1344,7 +1344,7 @@
             </a:ln>
             <a:extLst>
               <a:ext uri="{91240B29-F687-4f45-9708-019B960494DF}">
-                <a14:hiddenLine xmlns:a14="http://schemas.microsoft.com/office/drawing/2010/main" xmlns="" w="9525">
+                <a14:hiddenLine xmlns="" xmlns:a14="http://schemas.microsoft.com/office/drawing/2010/main" w="9525">
                   <a:solidFill>
                     <a:srgbClr val="000000"/>
                   </a:solidFill>
@@ -1434,7 +1434,7 @@
             </a:ln>
             <a:extLst>
               <a:ext uri="{91240B29-F687-4f45-9708-019B960494DF}">
-                <a14:hiddenLine xmlns:a14="http://schemas.microsoft.com/office/drawing/2010/main" xmlns="" w="9525">
+                <a14:hiddenLine xmlns="" xmlns:a14="http://schemas.microsoft.com/office/drawing/2010/main" w="9525">
                   <a:solidFill>
                     <a:srgbClr val="000000"/>
                   </a:solidFill>
@@ -1524,7 +1524,7 @@
             </a:ln>
             <a:extLst>
               <a:ext uri="{91240B29-F687-4f45-9708-019B960494DF}">
-                <a14:hiddenLine xmlns:a14="http://schemas.microsoft.com/office/drawing/2010/main" xmlns="" w="9525">
+                <a14:hiddenLine xmlns="" xmlns:a14="http://schemas.microsoft.com/office/drawing/2010/main" w="9525">
                   <a:solidFill>
                     <a:srgbClr val="000000"/>
                   </a:solidFill>
@@ -1586,7 +1586,7 @@
             </a:ln>
             <a:extLst>
               <a:ext uri="{91240B29-F687-4f45-9708-019B960494DF}">
-                <a14:hiddenLine xmlns:a14="http://schemas.microsoft.com/office/drawing/2010/main" xmlns="" w="9525">
+                <a14:hiddenLine xmlns="" xmlns:a14="http://schemas.microsoft.com/office/drawing/2010/main" w="9525">
                   <a:solidFill>
                     <a:srgbClr val="000000"/>
                   </a:solidFill>
@@ -1696,7 +1696,7 @@
             </a:ln>
             <a:extLst>
               <a:ext uri="{91240B29-F687-4f45-9708-019B960494DF}">
-                <a14:hiddenLine xmlns:a14="http://schemas.microsoft.com/office/drawing/2010/main" xmlns="" w="9525">
+                <a14:hiddenLine xmlns="" xmlns:a14="http://schemas.microsoft.com/office/drawing/2010/main" w="9525">
                   <a:solidFill>
                     <a:srgbClr val="000000"/>
                   </a:solidFill>
@@ -1758,7 +1758,7 @@
             </a:ln>
             <a:extLst>
               <a:ext uri="{91240B29-F687-4f45-9708-019B960494DF}">
-                <a14:hiddenLine xmlns:a14="http://schemas.microsoft.com/office/drawing/2010/main" xmlns="" w="9525">
+                <a14:hiddenLine xmlns="" xmlns:a14="http://schemas.microsoft.com/office/drawing/2010/main" w="9525">
                   <a:solidFill>
                     <a:srgbClr val="000000"/>
                   </a:solidFill>
@@ -1848,7 +1848,7 @@
             </a:ln>
             <a:extLst>
               <a:ext uri="{91240B29-F687-4f45-9708-019B960494DF}">
-                <a14:hiddenLine xmlns:a14="http://schemas.microsoft.com/office/drawing/2010/main" xmlns="" w="9525">
+                <a14:hiddenLine xmlns="" xmlns:a14="http://schemas.microsoft.com/office/drawing/2010/main" w="9525">
                   <a:solidFill>
                     <a:srgbClr val="000000"/>
                   </a:solidFill>
@@ -1938,7 +1938,7 @@
             </a:ln>
             <a:extLst>
               <a:ext uri="{91240B29-F687-4f45-9708-019B960494DF}">
-                <a14:hiddenLine xmlns:a14="http://schemas.microsoft.com/office/drawing/2010/main" xmlns="" w="9525">
+                <a14:hiddenLine xmlns="" xmlns:a14="http://schemas.microsoft.com/office/drawing/2010/main" w="9525">
                   <a:solidFill>
                     <a:srgbClr val="000000"/>
                   </a:solidFill>
@@ -2000,7 +2000,7 @@
             </a:ln>
             <a:extLst>
               <a:ext uri="{91240B29-F687-4f45-9708-019B960494DF}">
-                <a14:hiddenLine xmlns:a14="http://schemas.microsoft.com/office/drawing/2010/main" xmlns="" w="9525">
+                <a14:hiddenLine xmlns="" xmlns:a14="http://schemas.microsoft.com/office/drawing/2010/main" w="9525">
                   <a:solidFill>
                     <a:srgbClr val="000000"/>
                   </a:solidFill>
@@ -2090,7 +2090,7 @@
             </a:ln>
             <a:extLst>
               <a:ext uri="{91240B29-F687-4f45-9708-019B960494DF}">
-                <a14:hiddenLine xmlns:a14="http://schemas.microsoft.com/office/drawing/2010/main" xmlns="" w="9525">
+                <a14:hiddenLine xmlns="" xmlns:a14="http://schemas.microsoft.com/office/drawing/2010/main" w="9525">
                   <a:solidFill>
                     <a:srgbClr val="000000"/>
                   </a:solidFill>
@@ -2180,7 +2180,7 @@
             </a:ln>
             <a:extLst>
               <a:ext uri="{91240B29-F687-4f45-9708-019B960494DF}">
-                <a14:hiddenLine xmlns:a14="http://schemas.microsoft.com/office/drawing/2010/main" xmlns="" w="9525">
+                <a14:hiddenLine xmlns="" xmlns:a14="http://schemas.microsoft.com/office/drawing/2010/main" w="9525">
                   <a:solidFill>
                     <a:srgbClr val="000000"/>
                   </a:solidFill>
@@ -2236,7 +2236,7 @@
             </a:ln>
             <a:extLst>
               <a:ext uri="{91240B29-F687-4f45-9708-019B960494DF}">
-                <a14:hiddenLine xmlns:a14="http://schemas.microsoft.com/office/drawing/2010/main" xmlns="" w="9525">
+                <a14:hiddenLine xmlns="" xmlns:a14="http://schemas.microsoft.com/office/drawing/2010/main" w="9525">
                   <a:solidFill>
                     <a:srgbClr val="000000"/>
                   </a:solidFill>
@@ -2326,7 +2326,7 @@
             </a:ln>
             <a:extLst>
               <a:ext uri="{91240B29-F687-4f45-9708-019B960494DF}">
-                <a14:hiddenLine xmlns:a14="http://schemas.microsoft.com/office/drawing/2010/main" xmlns="" w="9525">
+                <a14:hiddenLine xmlns="" xmlns:a14="http://schemas.microsoft.com/office/drawing/2010/main" w="9525">
                   <a:solidFill>
                     <a:srgbClr val="000000"/>
                   </a:solidFill>
@@ -2382,7 +2382,7 @@
             </a:ln>
             <a:extLst>
               <a:ext uri="{91240B29-F687-4f45-9708-019B960494DF}">
-                <a14:hiddenLine xmlns:a14="http://schemas.microsoft.com/office/drawing/2010/main" xmlns="" w="9525">
+                <a14:hiddenLine xmlns="" xmlns:a14="http://schemas.microsoft.com/office/drawing/2010/main" w="9525">
                   <a:solidFill>
                     <a:srgbClr val="000000"/>
                   </a:solidFill>
@@ -2472,7 +2472,7 @@
             </a:ln>
             <a:extLst>
               <a:ext uri="{91240B29-F687-4f45-9708-019B960494DF}">
-                <a14:hiddenLine xmlns:a14="http://schemas.microsoft.com/office/drawing/2010/main" xmlns="" w="9525">
+                <a14:hiddenLine xmlns="" xmlns:a14="http://schemas.microsoft.com/office/drawing/2010/main" w="9525">
                   <a:solidFill>
                     <a:srgbClr val="000000"/>
                   </a:solidFill>
@@ -2540,7 +2540,7 @@
             </a:ln>
             <a:extLst>
               <a:ext uri="{91240B29-F687-4f45-9708-019B960494DF}">
-                <a14:hiddenLine xmlns:a14="http://schemas.microsoft.com/office/drawing/2010/main" xmlns="" w="9525">
+                <a14:hiddenLine xmlns="" xmlns:a14="http://schemas.microsoft.com/office/drawing/2010/main" w="9525">
                   <a:solidFill>
                     <a:srgbClr val="000000"/>
                   </a:solidFill>
@@ -2630,7 +2630,7 @@
             </a:ln>
             <a:extLst>
               <a:ext uri="{91240B29-F687-4f45-9708-019B960494DF}">
-                <a14:hiddenLine xmlns:a14="http://schemas.microsoft.com/office/drawing/2010/main" xmlns="" w="9525">
+                <a14:hiddenLine xmlns="" xmlns:a14="http://schemas.microsoft.com/office/drawing/2010/main" w="9525">
                   <a:solidFill>
                     <a:srgbClr val="000000"/>
                   </a:solidFill>
@@ -2698,7 +2698,7 @@
             </a:ln>
             <a:extLst>
               <a:ext uri="{91240B29-F687-4f45-9708-019B960494DF}">
-                <a14:hiddenLine xmlns:a14="http://schemas.microsoft.com/office/drawing/2010/main" xmlns="" w="9525">
+                <a14:hiddenLine xmlns="" xmlns:a14="http://schemas.microsoft.com/office/drawing/2010/main" w="9525">
                   <a:solidFill>
                     <a:srgbClr val="000000"/>
                   </a:solidFill>
@@ -2788,7 +2788,7 @@
             </a:ln>
             <a:extLst>
               <a:ext uri="{91240B29-F687-4f45-9708-019B960494DF}">
-                <a14:hiddenLine xmlns:a14="http://schemas.microsoft.com/office/drawing/2010/main" xmlns="" w="9525">
+                <a14:hiddenLine xmlns="" xmlns:a14="http://schemas.microsoft.com/office/drawing/2010/main" w="9525">
                   <a:solidFill>
                     <a:srgbClr val="000000"/>
                   </a:solidFill>
@@ -2822,7 +2822,7 @@
             </a:ln>
             <a:extLst>
               <a:ext uri="{91240B29-F687-4f45-9708-019B960494DF}">
-                <a14:hiddenLine xmlns:a14="http://schemas.microsoft.com/office/drawing/2010/main" xmlns="" w="9525">
+                <a14:hiddenLine xmlns="" xmlns:a14="http://schemas.microsoft.com/office/drawing/2010/main" w="9525">
                   <a:solidFill>
                     <a:srgbClr val="000000"/>
                   </a:solidFill>
@@ -2912,7 +2912,7 @@
             </a:ln>
             <a:extLst>
               <a:ext uri="{91240B29-F687-4f45-9708-019B960494DF}">
-                <a14:hiddenLine xmlns:a14="http://schemas.microsoft.com/office/drawing/2010/main" xmlns="" w="9525">
+                <a14:hiddenLine xmlns="" xmlns:a14="http://schemas.microsoft.com/office/drawing/2010/main" w="9525">
                   <a:solidFill>
                     <a:srgbClr val="000000"/>
                   </a:solidFill>
@@ -2974,7 +2974,7 @@
             </a:ln>
             <a:extLst>
               <a:ext uri="{91240B29-F687-4f45-9708-019B960494DF}">
-                <a14:hiddenLine xmlns:a14="http://schemas.microsoft.com/office/drawing/2010/main" xmlns="" w="9525">
+                <a14:hiddenLine xmlns="" xmlns:a14="http://schemas.microsoft.com/office/drawing/2010/main" w="9525">
                   <a:solidFill>
                     <a:srgbClr val="000000"/>
                   </a:solidFill>
@@ -3036,7 +3036,7 @@
             </a:ln>
             <a:extLst>
               <a:ext uri="{91240B29-F687-4f45-9708-019B960494DF}">
-                <a14:hiddenLine xmlns:a14="http://schemas.microsoft.com/office/drawing/2010/main" xmlns="" w="9525">
+                <a14:hiddenLine xmlns="" xmlns:a14="http://schemas.microsoft.com/office/drawing/2010/main" w="9525">
                   <a:solidFill>
                     <a:srgbClr val="000000"/>
                   </a:solidFill>
@@ -3126,7 +3126,7 @@
             </a:ln>
             <a:extLst>
               <a:ext uri="{91240B29-F687-4f45-9708-019B960494DF}">
-                <a14:hiddenLine xmlns:a14="http://schemas.microsoft.com/office/drawing/2010/main" xmlns="" w="9525">
+                <a14:hiddenLine xmlns="" xmlns:a14="http://schemas.microsoft.com/office/drawing/2010/main" w="9525">
                   <a:solidFill>
                     <a:srgbClr val="000000"/>
                   </a:solidFill>
@@ -3194,7 +3194,7 @@
             </a:ln>
             <a:extLst>
               <a:ext uri="{91240B29-F687-4f45-9708-019B960494DF}">
-                <a14:hiddenLine xmlns:a14="http://schemas.microsoft.com/office/drawing/2010/main" xmlns="" w="9525">
+                <a14:hiddenLine xmlns="" xmlns:a14="http://schemas.microsoft.com/office/drawing/2010/main" w="9525">
                   <a:solidFill>
                     <a:srgbClr val="000000"/>
                   </a:solidFill>
@@ -3256,7 +3256,7 @@
             </a:ln>
             <a:extLst>
               <a:ext uri="{91240B29-F687-4f45-9708-019B960494DF}">
-                <a14:hiddenLine xmlns:a14="http://schemas.microsoft.com/office/drawing/2010/main" xmlns="" w="9525">
+                <a14:hiddenLine xmlns="" xmlns:a14="http://schemas.microsoft.com/office/drawing/2010/main" w="9525">
                   <a:solidFill>
                     <a:srgbClr val="000000"/>
                   </a:solidFill>
@@ -3346,7 +3346,7 @@
             </a:ln>
             <a:extLst>
               <a:ext uri="{91240B29-F687-4f45-9708-019B960494DF}">
-                <a14:hiddenLine xmlns:a14="http://schemas.microsoft.com/office/drawing/2010/main" xmlns="" w="9525">
+                <a14:hiddenLine xmlns="" xmlns:a14="http://schemas.microsoft.com/office/drawing/2010/main" w="9525">
                   <a:solidFill>
                     <a:srgbClr val="000000"/>
                   </a:solidFill>
@@ -3408,7 +3408,7 @@
             </a:ln>
             <a:extLst>
               <a:ext uri="{91240B29-F687-4f45-9708-019B960494DF}">
-                <a14:hiddenLine xmlns:a14="http://schemas.microsoft.com/office/drawing/2010/main" xmlns="" w="9525">
+                <a14:hiddenLine xmlns="" xmlns:a14="http://schemas.microsoft.com/office/drawing/2010/main" w="9525">
                   <a:solidFill>
                     <a:srgbClr val="000000"/>
                   </a:solidFill>
@@ -3498,7 +3498,7 @@
             </a:ln>
             <a:extLst>
               <a:ext uri="{91240B29-F687-4f45-9708-019B960494DF}">
-                <a14:hiddenLine xmlns:a14="http://schemas.microsoft.com/office/drawing/2010/main" xmlns="" w="9525">
+                <a14:hiddenLine xmlns="" xmlns:a14="http://schemas.microsoft.com/office/drawing/2010/main" w="9525">
                   <a:solidFill>
                     <a:srgbClr val="000000"/>
                   </a:solidFill>
@@ -3560,7 +3560,7 @@
             </a:ln>
             <a:extLst>
               <a:ext uri="{91240B29-F687-4f45-9708-019B960494DF}">
-                <a14:hiddenLine xmlns:a14="http://schemas.microsoft.com/office/drawing/2010/main" xmlns="" w="9525">
+                <a14:hiddenLine xmlns="" xmlns:a14="http://schemas.microsoft.com/office/drawing/2010/main" w="9525">
                   <a:solidFill>
                     <a:srgbClr val="000000"/>
                   </a:solidFill>
@@ -3650,7 +3650,7 @@
             </a:ln>
             <a:extLst>
               <a:ext uri="{91240B29-F687-4f45-9708-019B960494DF}">
-                <a14:hiddenLine xmlns:a14="http://schemas.microsoft.com/office/drawing/2010/main" xmlns="" w="9525">
+                <a14:hiddenLine xmlns="" xmlns:a14="http://schemas.microsoft.com/office/drawing/2010/main" w="9525">
                   <a:solidFill>
                     <a:srgbClr val="000000"/>
                   </a:solidFill>
@@ -3684,7 +3684,7 @@
             </a:ln>
             <a:extLst>
               <a:ext uri="{91240B29-F687-4f45-9708-019B960494DF}">
-                <a14:hiddenLine xmlns:a14="http://schemas.microsoft.com/office/drawing/2010/main" xmlns="" w="9525">
+                <a14:hiddenLine xmlns="" xmlns:a14="http://schemas.microsoft.com/office/drawing/2010/main" w="9525">
                   <a:solidFill>
                     <a:srgbClr val="000000"/>
                   </a:solidFill>
@@ -3749,7 +3749,7 @@
             </a:ln>
             <a:extLst>
               <a:ext uri="{91240B29-F687-4f45-9708-019B960494DF}">
-                <a14:hiddenLine xmlns:a14="http://schemas.microsoft.com/office/drawing/2010/main" xmlns="" w="9525">
+                <a14:hiddenLine xmlns="" xmlns:a14="http://schemas.microsoft.com/office/drawing/2010/main" w="9525">
                   <a:solidFill>
                     <a:srgbClr val="000000"/>
                   </a:solidFill>
@@ -3839,7 +3839,7 @@
             </a:ln>
             <a:extLst>
               <a:ext uri="{91240B29-F687-4f45-9708-019B960494DF}">
-                <a14:hiddenLine xmlns:a14="http://schemas.microsoft.com/office/drawing/2010/main" xmlns="" w="9525">
+                <a14:hiddenLine xmlns="" xmlns:a14="http://schemas.microsoft.com/office/drawing/2010/main" w="9525">
                   <a:solidFill>
                     <a:srgbClr val="000000"/>
                   </a:solidFill>
@@ -3901,7 +3901,7 @@
             </a:ln>
             <a:extLst>
               <a:ext uri="{91240B29-F687-4f45-9708-019B960494DF}">
-                <a14:hiddenLine xmlns:a14="http://schemas.microsoft.com/office/drawing/2010/main" xmlns="" w="9525">
+                <a14:hiddenLine xmlns="" xmlns:a14="http://schemas.microsoft.com/office/drawing/2010/main" w="9525">
                   <a:solidFill>
                     <a:srgbClr val="000000"/>
                   </a:solidFill>
@@ -3991,7 +3991,7 @@
             </a:ln>
             <a:extLst>
               <a:ext uri="{91240B29-F687-4f45-9708-019B960494DF}">
-                <a14:hiddenLine xmlns:a14="http://schemas.microsoft.com/office/drawing/2010/main" xmlns="" w="9525">
+                <a14:hiddenLine xmlns="" xmlns:a14="http://schemas.microsoft.com/office/drawing/2010/main" w="9525">
                   <a:solidFill>
                     <a:srgbClr val="000000"/>
                   </a:solidFill>
@@ -4081,7 +4081,7 @@
             </a:ln>
             <a:extLst>
               <a:ext uri="{91240B29-F687-4f45-9708-019B960494DF}">
-                <a14:hiddenLine xmlns:a14="http://schemas.microsoft.com/office/drawing/2010/main" xmlns="" w="9525">
+                <a14:hiddenLine xmlns="" xmlns:a14="http://schemas.microsoft.com/office/drawing/2010/main" w="9525">
                   <a:solidFill>
                     <a:srgbClr val="000000"/>
                   </a:solidFill>
@@ -4146,7 +4146,7 @@
             </a:ln>
             <a:extLst>
               <a:ext uri="{91240B29-F687-4f45-9708-019B960494DF}">
-                <a14:hiddenLine xmlns:a14="http://schemas.microsoft.com/office/drawing/2010/main" xmlns="" w="9525">
+                <a14:hiddenLine xmlns="" xmlns:a14="http://schemas.microsoft.com/office/drawing/2010/main" w="9525">
                   <a:solidFill>
                     <a:srgbClr val="000000"/>
                   </a:solidFill>
@@ -4208,7 +4208,7 @@
             </a:ln>
             <a:extLst>
               <a:ext uri="{91240B29-F687-4f45-9708-019B960494DF}">
-                <a14:hiddenLine xmlns:a14="http://schemas.microsoft.com/office/drawing/2010/main" xmlns="" w="9525">
+                <a14:hiddenLine xmlns="" xmlns:a14="http://schemas.microsoft.com/office/drawing/2010/main" w="9525">
                   <a:solidFill>
                     <a:srgbClr val="000000"/>
                   </a:solidFill>
@@ -4298,7 +4298,7 @@
             </a:ln>
             <a:extLst>
               <a:ext uri="{91240B29-F687-4f45-9708-019B960494DF}">
-                <a14:hiddenLine xmlns:a14="http://schemas.microsoft.com/office/drawing/2010/main" xmlns="" w="9525">
+                <a14:hiddenLine xmlns="" xmlns:a14="http://schemas.microsoft.com/office/drawing/2010/main" w="9525">
                   <a:solidFill>
                     <a:srgbClr val="000000"/>
                   </a:solidFill>
@@ -4388,7 +4388,7 @@
             </a:ln>
             <a:extLst>
               <a:ext uri="{91240B29-F687-4f45-9708-019B960494DF}">
-                <a14:hiddenLine xmlns:a14="http://schemas.microsoft.com/office/drawing/2010/main" xmlns="" w="9525">
+                <a14:hiddenLine xmlns="" xmlns:a14="http://schemas.microsoft.com/office/drawing/2010/main" w="9525">
                   <a:solidFill>
                     <a:srgbClr val="000000"/>
                   </a:solidFill>
@@ -4450,7 +4450,7 @@
             </a:ln>
             <a:extLst>
               <a:ext uri="{91240B29-F687-4f45-9708-019B960494DF}">
-                <a14:hiddenLine xmlns:a14="http://schemas.microsoft.com/office/drawing/2010/main" xmlns="" w="9525">
+                <a14:hiddenLine xmlns="" xmlns:a14="http://schemas.microsoft.com/office/drawing/2010/main" w="9525">
                   <a:solidFill>
                     <a:srgbClr val="000000"/>
                   </a:solidFill>
@@ -4570,7 +4570,7 @@
             </a:ln>
             <a:extLst>
               <a:ext uri="{91240B29-F687-4f45-9708-019B960494DF}">
-                <a14:hiddenLine xmlns:a14="http://schemas.microsoft.com/office/drawing/2010/main" xmlns="" w="9525">
+                <a14:hiddenLine xmlns="" xmlns:a14="http://schemas.microsoft.com/office/drawing/2010/main" w="9525">
                   <a:solidFill>
                     <a:srgbClr val="000000"/>
                   </a:solidFill>
@@ -4638,7 +4638,7 @@
             </a:ln>
             <a:extLst>
               <a:ext uri="{91240B29-F687-4f45-9708-019B960494DF}">
-                <a14:hiddenLine xmlns:a14="http://schemas.microsoft.com/office/drawing/2010/main" xmlns="" w="9525">
+                <a14:hiddenLine xmlns="" xmlns:a14="http://schemas.microsoft.com/office/drawing/2010/main" w="9525">
                   <a:solidFill>
                     <a:srgbClr val="000000"/>
                   </a:solidFill>
@@ -4728,7 +4728,7 @@
             </a:ln>
             <a:extLst>
               <a:ext uri="{91240B29-F687-4f45-9708-019B960494DF}">
-                <a14:hiddenLine xmlns:a14="http://schemas.microsoft.com/office/drawing/2010/main" xmlns="" w="9525">
+                <a14:hiddenLine xmlns="" xmlns:a14="http://schemas.microsoft.com/office/drawing/2010/main" w="9525">
                   <a:solidFill>
                     <a:srgbClr val="000000"/>
                   </a:solidFill>
@@ -4868,7 +4868,7 @@
           <a:p>
             <a:fld id="{C21E9E10-B59A-4E9D-AF95-0F4C2023A7FB}" type="datetimeFigureOut">
               <a:rPr lang="en-US" smtClean="0"/>
-              <a:t>2/8/2023</a:t>
+              <a:t>2/9/2023</a:t>
             </a:fld>
             <a:endParaRPr lang="en-US"/>
           </a:p>
@@ -5135,7 +5135,7 @@
           <a:p>
             <a:fld id="{C21E9E10-B59A-4E9D-AF95-0F4C2023A7FB}" type="datetimeFigureOut">
               <a:rPr lang="en-US" smtClean="0"/>
-              <a:t>2/8/2023</a:t>
+              <a:t>2/9/2023</a:t>
             </a:fld>
             <a:endParaRPr lang="en-US"/>
           </a:p>
@@ -5331,7 +5331,7 @@
           <a:p>
             <a:fld id="{C21E9E10-B59A-4E9D-AF95-0F4C2023A7FB}" type="datetimeFigureOut">
               <a:rPr lang="en-US" smtClean="0"/>
-              <a:t>2/8/2023</a:t>
+              <a:t>2/9/2023</a:t>
             </a:fld>
             <a:endParaRPr lang="en-US"/>
           </a:p>
@@ -5594,7 +5594,7 @@
           <a:p>
             <a:fld id="{C21E9E10-B59A-4E9D-AF95-0F4C2023A7FB}" type="datetimeFigureOut">
               <a:rPr lang="en-US" smtClean="0"/>
-              <a:t>2/8/2023</a:t>
+              <a:t>2/9/2023</a:t>
             </a:fld>
             <a:endParaRPr lang="en-US"/>
           </a:p>
@@ -6028,7 +6028,7 @@
           <a:p>
             <a:fld id="{C21E9E10-B59A-4E9D-AF95-0F4C2023A7FB}" type="datetimeFigureOut">
               <a:rPr lang="en-US" smtClean="0"/>
-              <a:t>2/8/2023</a:t>
+              <a:t>2/9/2023</a:t>
             </a:fld>
             <a:endParaRPr lang="en-US"/>
           </a:p>
@@ -6574,7 +6574,7 @@
           <a:p>
             <a:fld id="{C21E9E10-B59A-4E9D-AF95-0F4C2023A7FB}" type="datetimeFigureOut">
               <a:rPr lang="en-US" smtClean="0"/>
-              <a:t>2/8/2023</a:t>
+              <a:t>2/9/2023</a:t>
             </a:fld>
             <a:endParaRPr lang="en-US"/>
           </a:p>
@@ -7294,7 +7294,7 @@
           <a:p>
             <a:fld id="{C21E9E10-B59A-4E9D-AF95-0F4C2023A7FB}" type="datetimeFigureOut">
               <a:rPr lang="en-US" smtClean="0"/>
-              <a:t>2/8/2023</a:t>
+              <a:t>2/9/2023</a:t>
             </a:fld>
             <a:endParaRPr lang="en-US"/>
           </a:p>
@@ -7464,7 +7464,7 @@
           <a:p>
             <a:fld id="{C21E9E10-B59A-4E9D-AF95-0F4C2023A7FB}" type="datetimeFigureOut">
               <a:rPr lang="en-US" smtClean="0"/>
-              <a:t>2/8/2023</a:t>
+              <a:t>2/9/2023</a:t>
             </a:fld>
             <a:endParaRPr lang="en-US"/>
           </a:p>
@@ -7644,7 +7644,7 @@
           <a:p>
             <a:fld id="{C21E9E10-B59A-4E9D-AF95-0F4C2023A7FB}" type="datetimeFigureOut">
               <a:rPr lang="en-US" smtClean="0"/>
-              <a:t>2/8/2023</a:t>
+              <a:t>2/9/2023</a:t>
             </a:fld>
             <a:endParaRPr lang="en-US"/>
           </a:p>
@@ -7814,7 +7814,7 @@
           <a:p>
             <a:fld id="{C21E9E10-B59A-4E9D-AF95-0F4C2023A7FB}" type="datetimeFigureOut">
               <a:rPr lang="en-US" smtClean="0"/>
-              <a:t>2/8/2023</a:t>
+              <a:t>2/9/2023</a:t>
             </a:fld>
             <a:endParaRPr lang="en-US"/>
           </a:p>
@@ -8064,7 +8064,7 @@
           <a:p>
             <a:fld id="{C21E9E10-B59A-4E9D-AF95-0F4C2023A7FB}" type="datetimeFigureOut">
               <a:rPr lang="en-US" smtClean="0"/>
-              <a:t>2/8/2023</a:t>
+              <a:t>2/9/2023</a:t>
             </a:fld>
             <a:endParaRPr lang="en-US"/>
           </a:p>
@@ -8296,7 +8296,7 @@
           <a:p>
             <a:fld id="{C21E9E10-B59A-4E9D-AF95-0F4C2023A7FB}" type="datetimeFigureOut">
               <a:rPr lang="en-US" smtClean="0"/>
-              <a:t>2/8/2023</a:t>
+              <a:t>2/9/2023</a:t>
             </a:fld>
             <a:endParaRPr lang="en-US"/>
           </a:p>
@@ -8677,7 +8677,7 @@
           <a:p>
             <a:fld id="{C21E9E10-B59A-4E9D-AF95-0F4C2023A7FB}" type="datetimeFigureOut">
               <a:rPr lang="en-US" smtClean="0"/>
-              <a:t>2/8/2023</a:t>
+              <a:t>2/9/2023</a:t>
             </a:fld>
             <a:endParaRPr lang="en-US"/>
           </a:p>
@@ -8795,7 +8795,7 @@
           <a:p>
             <a:fld id="{C21E9E10-B59A-4E9D-AF95-0F4C2023A7FB}" type="datetimeFigureOut">
               <a:rPr lang="en-US" smtClean="0"/>
-              <a:t>2/8/2023</a:t>
+              <a:t>2/9/2023</a:t>
             </a:fld>
             <a:endParaRPr lang="en-US"/>
           </a:p>
@@ -8890,7 +8890,7 @@
           <a:p>
             <a:fld id="{C21E9E10-B59A-4E9D-AF95-0F4C2023A7FB}" type="datetimeFigureOut">
               <a:rPr lang="en-US" smtClean="0"/>
-              <a:t>2/8/2023</a:t>
+              <a:t>2/9/2023</a:t>
             </a:fld>
             <a:endParaRPr lang="en-US"/>
           </a:p>
@@ -9139,7 +9139,7 @@
           <a:p>
             <a:fld id="{C21E9E10-B59A-4E9D-AF95-0F4C2023A7FB}" type="datetimeFigureOut">
               <a:rPr lang="en-US" smtClean="0"/>
-              <a:t>2/8/2023</a:t>
+              <a:t>2/9/2023</a:t>
             </a:fld>
             <a:endParaRPr lang="en-US"/>
           </a:p>
@@ -9419,7 +9419,7 @@
           <a:p>
             <a:fld id="{C21E9E10-B59A-4E9D-AF95-0F4C2023A7FB}" type="datetimeFigureOut">
               <a:rPr lang="en-US" smtClean="0"/>
-              <a:t>2/8/2023</a:t>
+              <a:t>2/9/2023</a:t>
             </a:fld>
             <a:endParaRPr lang="en-US"/>
           </a:p>
@@ -9535,7 +9535,7 @@
           <a:noFill/>
           <a:extLst>
             <a:ext uri="{909E8E84-426E-40dd-AFC4-6F175D3DCCD1}">
-              <a14:hiddenFill xmlns:a14="http://schemas.microsoft.com/office/drawing/2010/main" xmlns="">
+              <a14:hiddenFill xmlns="" xmlns:a14="http://schemas.microsoft.com/office/drawing/2010/main">
                 <a:solidFill>
                   <a:srgbClr val="FFFFFF"/>
                 </a:solidFill>
@@ -9609,7 +9609,7 @@
               </a:ln>
               <a:extLst>
                 <a:ext uri="{91240B29-F687-4f45-9708-019B960494DF}">
-                  <a14:hiddenLine xmlns:a14="http://schemas.microsoft.com/office/drawing/2010/main" xmlns="" w="9525">
+                  <a14:hiddenLine xmlns="" xmlns:a14="http://schemas.microsoft.com/office/drawing/2010/main" w="9525">
                     <a:solidFill>
                       <a:srgbClr val="000000"/>
                     </a:solidFill>
@@ -9699,7 +9699,7 @@
               </a:ln>
               <a:extLst>
                 <a:ext uri="{91240B29-F687-4f45-9708-019B960494DF}">
-                  <a14:hiddenLine xmlns:a14="http://schemas.microsoft.com/office/drawing/2010/main" xmlns="" w="9525">
+                  <a14:hiddenLine xmlns="" xmlns:a14="http://schemas.microsoft.com/office/drawing/2010/main" w="9525">
                     <a:solidFill>
                       <a:srgbClr val="000000"/>
                     </a:solidFill>
@@ -9789,7 +9789,7 @@
               </a:ln>
               <a:extLst>
                 <a:ext uri="{91240B29-F687-4f45-9708-019B960494DF}">
-                  <a14:hiddenLine xmlns:a14="http://schemas.microsoft.com/office/drawing/2010/main" xmlns="" w="9525">
+                  <a14:hiddenLine xmlns="" xmlns:a14="http://schemas.microsoft.com/office/drawing/2010/main" w="9525">
                     <a:solidFill>
                       <a:srgbClr val="000000"/>
                     </a:solidFill>
@@ -9851,7 +9851,7 @@
               </a:ln>
               <a:extLst>
                 <a:ext uri="{91240B29-F687-4f45-9708-019B960494DF}">
-                  <a14:hiddenLine xmlns:a14="http://schemas.microsoft.com/office/drawing/2010/main" xmlns="" w="9525">
+                  <a14:hiddenLine xmlns="" xmlns:a14="http://schemas.microsoft.com/office/drawing/2010/main" w="9525">
                     <a:solidFill>
                       <a:srgbClr val="000000"/>
                     </a:solidFill>
@@ -9941,7 +9941,7 @@
               </a:ln>
               <a:extLst>
                 <a:ext uri="{91240B29-F687-4f45-9708-019B960494DF}">
-                  <a14:hiddenLine xmlns:a14="http://schemas.microsoft.com/office/drawing/2010/main" xmlns="" w="9525">
+                  <a14:hiddenLine xmlns="" xmlns:a14="http://schemas.microsoft.com/office/drawing/2010/main" w="9525">
                     <a:solidFill>
                       <a:srgbClr val="000000"/>
                     </a:solidFill>
@@ -10003,7 +10003,7 @@
               </a:ln>
               <a:extLst>
                 <a:ext uri="{91240B29-F687-4f45-9708-019B960494DF}">
-                  <a14:hiddenLine xmlns:a14="http://schemas.microsoft.com/office/drawing/2010/main" xmlns="" w="9525">
+                  <a14:hiddenLine xmlns="" xmlns:a14="http://schemas.microsoft.com/office/drawing/2010/main" w="9525">
                     <a:solidFill>
                       <a:srgbClr val="000000"/>
                     </a:solidFill>
@@ -10065,7 +10065,7 @@
               </a:ln>
               <a:extLst>
                 <a:ext uri="{91240B29-F687-4f45-9708-019B960494DF}">
-                  <a14:hiddenLine xmlns:a14="http://schemas.microsoft.com/office/drawing/2010/main" xmlns="" w="9525">
+                  <a14:hiddenLine xmlns="" xmlns:a14="http://schemas.microsoft.com/office/drawing/2010/main" w="9525">
                     <a:solidFill>
                       <a:srgbClr val="000000"/>
                     </a:solidFill>
@@ -10155,7 +10155,7 @@
               </a:ln>
               <a:extLst>
                 <a:ext uri="{91240B29-F687-4f45-9708-019B960494DF}">
-                  <a14:hiddenLine xmlns:a14="http://schemas.microsoft.com/office/drawing/2010/main" xmlns="" w="9525">
+                  <a14:hiddenLine xmlns="" xmlns:a14="http://schemas.microsoft.com/office/drawing/2010/main" w="9525">
                     <a:solidFill>
                       <a:srgbClr val="000000"/>
                     </a:solidFill>
@@ -10245,7 +10245,7 @@
               </a:ln>
               <a:extLst>
                 <a:ext uri="{91240B29-F687-4f45-9708-019B960494DF}">
-                  <a14:hiddenLine xmlns:a14="http://schemas.microsoft.com/office/drawing/2010/main" xmlns="" w="9525">
+                  <a14:hiddenLine xmlns="" xmlns:a14="http://schemas.microsoft.com/office/drawing/2010/main" w="9525">
                     <a:solidFill>
                       <a:srgbClr val="000000"/>
                     </a:solidFill>
@@ -10307,7 +10307,7 @@
               </a:ln>
               <a:extLst>
                 <a:ext uri="{91240B29-F687-4f45-9708-019B960494DF}">
-                  <a14:hiddenLine xmlns:a14="http://schemas.microsoft.com/office/drawing/2010/main" xmlns="" w="9525">
+                  <a14:hiddenLine xmlns="" xmlns:a14="http://schemas.microsoft.com/office/drawing/2010/main" w="9525">
                     <a:solidFill>
                       <a:srgbClr val="000000"/>
                     </a:solidFill>
@@ -10417,7 +10417,7 @@
               </a:ln>
               <a:extLst>
                 <a:ext uri="{91240B29-F687-4f45-9708-019B960494DF}">
-                  <a14:hiddenLine xmlns:a14="http://schemas.microsoft.com/office/drawing/2010/main" xmlns="" w="9525">
+                  <a14:hiddenLine xmlns="" xmlns:a14="http://schemas.microsoft.com/office/drawing/2010/main" w="9525">
                     <a:solidFill>
                       <a:srgbClr val="000000"/>
                     </a:solidFill>
@@ -10501,7 +10501,7 @@
               </a:ln>
               <a:extLst>
                 <a:ext uri="{91240B29-F687-4f45-9708-019B960494DF}">
-                  <a14:hiddenLine xmlns:a14="http://schemas.microsoft.com/office/drawing/2010/main" xmlns="" w="9525">
+                  <a14:hiddenLine xmlns="" xmlns:a14="http://schemas.microsoft.com/office/drawing/2010/main" w="9525">
                     <a:solidFill>
                       <a:srgbClr val="000000"/>
                     </a:solidFill>
@@ -10563,7 +10563,7 @@
               </a:ln>
               <a:extLst>
                 <a:ext uri="{91240B29-F687-4f45-9708-019B960494DF}">
-                  <a14:hiddenLine xmlns:a14="http://schemas.microsoft.com/office/drawing/2010/main" xmlns="" w="9525">
+                  <a14:hiddenLine xmlns="" xmlns:a14="http://schemas.microsoft.com/office/drawing/2010/main" w="9525">
                     <a:solidFill>
                       <a:srgbClr val="000000"/>
                     </a:solidFill>
@@ -10625,7 +10625,7 @@
               </a:ln>
               <a:extLst>
                 <a:ext uri="{91240B29-F687-4f45-9708-019B960494DF}">
-                  <a14:hiddenLine xmlns:a14="http://schemas.microsoft.com/office/drawing/2010/main" xmlns="" w="9525">
+                  <a14:hiddenLine xmlns="" xmlns:a14="http://schemas.microsoft.com/office/drawing/2010/main" w="9525">
                     <a:solidFill>
                       <a:srgbClr val="000000"/>
                     </a:solidFill>
@@ -10715,7 +10715,7 @@
               </a:ln>
               <a:extLst>
                 <a:ext uri="{91240B29-F687-4f45-9708-019B960494DF}">
-                  <a14:hiddenLine xmlns:a14="http://schemas.microsoft.com/office/drawing/2010/main" xmlns="" w="9525">
+                  <a14:hiddenLine xmlns="" xmlns:a14="http://schemas.microsoft.com/office/drawing/2010/main" w="9525">
                     <a:solidFill>
                       <a:srgbClr val="000000"/>
                     </a:solidFill>
@@ -10749,7 +10749,7 @@
               </a:ln>
               <a:extLst>
                 <a:ext uri="{91240B29-F687-4f45-9708-019B960494DF}">
-                  <a14:hiddenLine xmlns:a14="http://schemas.microsoft.com/office/drawing/2010/main" xmlns="" w="9525">
+                  <a14:hiddenLine xmlns="" xmlns:a14="http://schemas.microsoft.com/office/drawing/2010/main" w="9525">
                     <a:solidFill>
                       <a:srgbClr val="000000"/>
                     </a:solidFill>
@@ -10814,7 +10814,7 @@
               </a:ln>
               <a:extLst>
                 <a:ext uri="{91240B29-F687-4f45-9708-019B960494DF}">
-                  <a14:hiddenLine xmlns:a14="http://schemas.microsoft.com/office/drawing/2010/main" xmlns="" w="9525">
+                  <a14:hiddenLine xmlns="" xmlns:a14="http://schemas.microsoft.com/office/drawing/2010/main" w="9525">
                     <a:solidFill>
                       <a:srgbClr val="000000"/>
                     </a:solidFill>
@@ -10904,7 +10904,7 @@
               </a:ln>
               <a:extLst>
                 <a:ext uri="{91240B29-F687-4f45-9708-019B960494DF}">
-                  <a14:hiddenLine xmlns:a14="http://schemas.microsoft.com/office/drawing/2010/main" xmlns="" w="9525">
+                  <a14:hiddenLine xmlns="" xmlns:a14="http://schemas.microsoft.com/office/drawing/2010/main" w="9525">
                     <a:solidFill>
                       <a:srgbClr val="000000"/>
                     </a:solidFill>
@@ -10966,7 +10966,7 @@
               </a:ln>
               <a:extLst>
                 <a:ext uri="{91240B29-F687-4f45-9708-019B960494DF}">
-                  <a14:hiddenLine xmlns:a14="http://schemas.microsoft.com/office/drawing/2010/main" xmlns="" w="9525">
+                  <a14:hiddenLine xmlns="" xmlns:a14="http://schemas.microsoft.com/office/drawing/2010/main" w="9525">
                     <a:solidFill>
                       <a:srgbClr val="000000"/>
                     </a:solidFill>
@@ -11056,7 +11056,7 @@
               </a:ln>
               <a:extLst>
                 <a:ext uri="{91240B29-F687-4f45-9708-019B960494DF}">
-                  <a14:hiddenLine xmlns:a14="http://schemas.microsoft.com/office/drawing/2010/main" xmlns="" w="9525">
+                  <a14:hiddenLine xmlns="" xmlns:a14="http://schemas.microsoft.com/office/drawing/2010/main" w="9525">
                     <a:solidFill>
                       <a:srgbClr val="000000"/>
                     </a:solidFill>
@@ -11121,7 +11121,7 @@
               </a:ln>
               <a:extLst>
                 <a:ext uri="{91240B29-F687-4f45-9708-019B960494DF}">
-                  <a14:hiddenLine xmlns:a14="http://schemas.microsoft.com/office/drawing/2010/main" xmlns="" w="9525">
+                  <a14:hiddenLine xmlns="" xmlns:a14="http://schemas.microsoft.com/office/drawing/2010/main" w="9525">
                     <a:solidFill>
                       <a:srgbClr val="000000"/>
                     </a:solidFill>
@@ -11183,7 +11183,7 @@
               </a:ln>
               <a:extLst>
                 <a:ext uri="{91240B29-F687-4f45-9708-019B960494DF}">
-                  <a14:hiddenLine xmlns:a14="http://schemas.microsoft.com/office/drawing/2010/main" xmlns="" w="9525">
+                  <a14:hiddenLine xmlns="" xmlns:a14="http://schemas.microsoft.com/office/drawing/2010/main" w="9525">
                     <a:solidFill>
                       <a:srgbClr val="000000"/>
                     </a:solidFill>
@@ -11273,7 +11273,7 @@
               </a:ln>
               <a:extLst>
                 <a:ext uri="{91240B29-F687-4f45-9708-019B960494DF}">
-                  <a14:hiddenLine xmlns:a14="http://schemas.microsoft.com/office/drawing/2010/main" xmlns="" w="9525">
+                  <a14:hiddenLine xmlns="" xmlns:a14="http://schemas.microsoft.com/office/drawing/2010/main" w="9525">
                     <a:solidFill>
                       <a:srgbClr val="000000"/>
                     </a:solidFill>
@@ -11363,7 +11363,7 @@
               </a:ln>
               <a:extLst>
                 <a:ext uri="{91240B29-F687-4f45-9708-019B960494DF}">
-                  <a14:hiddenLine xmlns:a14="http://schemas.microsoft.com/office/drawing/2010/main" xmlns="" w="9525">
+                  <a14:hiddenLine xmlns="" xmlns:a14="http://schemas.microsoft.com/office/drawing/2010/main" w="9525">
                     <a:solidFill>
                       <a:srgbClr val="000000"/>
                     </a:solidFill>
@@ -11428,7 +11428,7 @@
               </a:ln>
               <a:extLst>
                 <a:ext uri="{91240B29-F687-4f45-9708-019B960494DF}">
-                  <a14:hiddenLine xmlns:a14="http://schemas.microsoft.com/office/drawing/2010/main" xmlns="" w="9525">
+                  <a14:hiddenLine xmlns="" xmlns:a14="http://schemas.microsoft.com/office/drawing/2010/main" w="9525">
                     <a:solidFill>
                       <a:srgbClr val="000000"/>
                     </a:solidFill>
@@ -11548,7 +11548,7 @@
               </a:ln>
               <a:extLst>
                 <a:ext uri="{91240B29-F687-4f45-9708-019B960494DF}">
-                  <a14:hiddenLine xmlns:a14="http://schemas.microsoft.com/office/drawing/2010/main" xmlns="" w="9525">
+                  <a14:hiddenLine xmlns="" xmlns:a14="http://schemas.microsoft.com/office/drawing/2010/main" w="9525">
                     <a:solidFill>
                       <a:srgbClr val="000000"/>
                     </a:solidFill>
@@ -11646,7 +11646,7 @@
               </a:ln>
               <a:extLst>
                 <a:ext uri="{91240B29-F687-4f45-9708-019B960494DF}">
-                  <a14:hiddenLine xmlns:a14="http://schemas.microsoft.com/office/drawing/2010/main" xmlns="" w="9525">
+                  <a14:hiddenLine xmlns="" xmlns:a14="http://schemas.microsoft.com/office/drawing/2010/main" w="9525">
                     <a:solidFill>
                       <a:srgbClr val="000000"/>
                     </a:solidFill>
@@ -11761,7 +11761,7 @@
               </a:ln>
               <a:extLst>
                 <a:ext uri="{91240B29-F687-4f45-9708-019B960494DF}">
-                  <a14:hiddenLine xmlns:a14="http://schemas.microsoft.com/office/drawing/2010/main" xmlns="" w="9525">
+                  <a14:hiddenLine xmlns="" xmlns:a14="http://schemas.microsoft.com/office/drawing/2010/main" w="9525">
                     <a:solidFill>
                       <a:srgbClr val="000000"/>
                     </a:solidFill>
@@ -11851,7 +11851,7 @@
               </a:ln>
               <a:extLst>
                 <a:ext uri="{91240B29-F687-4f45-9708-019B960494DF}">
-                  <a14:hiddenLine xmlns:a14="http://schemas.microsoft.com/office/drawing/2010/main" xmlns="" w="9525">
+                  <a14:hiddenLine xmlns="" xmlns:a14="http://schemas.microsoft.com/office/drawing/2010/main" w="9525">
                     <a:solidFill>
                       <a:srgbClr val="000000"/>
                     </a:solidFill>
@@ -11916,7 +11916,7 @@
               </a:ln>
               <a:extLst>
                 <a:ext uri="{91240B29-F687-4f45-9708-019B960494DF}">
-                  <a14:hiddenLine xmlns:a14="http://schemas.microsoft.com/office/drawing/2010/main" xmlns="" w="9525">
+                  <a14:hiddenLine xmlns="" xmlns:a14="http://schemas.microsoft.com/office/drawing/2010/main" w="9525">
                     <a:solidFill>
                       <a:srgbClr val="000000"/>
                     </a:solidFill>
@@ -12006,7 +12006,7 @@
               </a:ln>
               <a:extLst>
                 <a:ext uri="{91240B29-F687-4f45-9708-019B960494DF}">
-                  <a14:hiddenLine xmlns:a14="http://schemas.microsoft.com/office/drawing/2010/main" xmlns="" w="9525">
+                  <a14:hiddenLine xmlns="" xmlns:a14="http://schemas.microsoft.com/office/drawing/2010/main" w="9525">
                     <a:solidFill>
                       <a:srgbClr val="000000"/>
                     </a:solidFill>
@@ -12074,7 +12074,7 @@
               </a:ln>
               <a:extLst>
                 <a:ext uri="{91240B29-F687-4f45-9708-019B960494DF}">
-                  <a14:hiddenLine xmlns:a14="http://schemas.microsoft.com/office/drawing/2010/main" xmlns="" w="9525">
+                  <a14:hiddenLine xmlns="" xmlns:a14="http://schemas.microsoft.com/office/drawing/2010/main" w="9525">
                     <a:solidFill>
                       <a:srgbClr val="000000"/>
                     </a:solidFill>
@@ -12164,7 +12164,7 @@
               </a:ln>
               <a:extLst>
                 <a:ext uri="{91240B29-F687-4f45-9708-019B960494DF}">
-                  <a14:hiddenLine xmlns:a14="http://schemas.microsoft.com/office/drawing/2010/main" xmlns="" w="9525">
+                  <a14:hiddenLine xmlns="" xmlns:a14="http://schemas.microsoft.com/office/drawing/2010/main" w="9525">
                     <a:solidFill>
                       <a:srgbClr val="000000"/>
                     </a:solidFill>
@@ -12232,7 +12232,7 @@
               </a:ln>
               <a:extLst>
                 <a:ext uri="{91240B29-F687-4f45-9708-019B960494DF}">
-                  <a14:hiddenLine xmlns:a14="http://schemas.microsoft.com/office/drawing/2010/main" xmlns="" w="9525">
+                  <a14:hiddenLine xmlns="" xmlns:a14="http://schemas.microsoft.com/office/drawing/2010/main" w="9525">
                     <a:solidFill>
                       <a:srgbClr val="000000"/>
                     </a:solidFill>
@@ -12322,7 +12322,7 @@
               </a:ln>
               <a:extLst>
                 <a:ext uri="{91240B29-F687-4f45-9708-019B960494DF}">
-                  <a14:hiddenLine xmlns:a14="http://schemas.microsoft.com/office/drawing/2010/main" xmlns="" w="9525">
+                  <a14:hiddenLine xmlns="" xmlns:a14="http://schemas.microsoft.com/office/drawing/2010/main" w="9525">
                     <a:solidFill>
                       <a:srgbClr val="000000"/>
                     </a:solidFill>
@@ -12356,7 +12356,7 @@
               </a:ln>
               <a:extLst>
                 <a:ext uri="{91240B29-F687-4f45-9708-019B960494DF}">
-                  <a14:hiddenLine xmlns:a14="http://schemas.microsoft.com/office/drawing/2010/main" xmlns="" w="9525">
+                  <a14:hiddenLine xmlns="" xmlns:a14="http://schemas.microsoft.com/office/drawing/2010/main" w="9525">
                     <a:solidFill>
                       <a:srgbClr val="000000"/>
                     </a:solidFill>
@@ -12496,7 +12496,7 @@
           <a:p>
             <a:fld id="{C21E9E10-B59A-4E9D-AF95-0F4C2023A7FB}" type="datetimeFigureOut">
               <a:rPr lang="en-US" smtClean="0"/>
-              <a:t>2/8/2023</a:t>
+              <a:t>2/9/2023</a:t>
             </a:fld>
             <a:endParaRPr lang="en-US"/>
           </a:p>
@@ -13238,13 +13238,13 @@
             <p:ph idx="1"/>
             <p:extLst>
               <p:ext uri="{D42A27DB-BD31-4B8C-83A1-F6EECF244321}">
-                <p14:modId xmlns:p14="http://schemas.microsoft.com/office/powerpoint/2010/main" val="94665209"/>
+                <p14:modId xmlns:p14="http://schemas.microsoft.com/office/powerpoint/2010/main" val="1133119910"/>
               </p:ext>
             </p:extLst>
           </p:nvPr>
         </p:nvGraphicFramePr>
         <p:xfrm>
-          <a:off x="411480" y="743639"/>
+          <a:off x="411480" y="720074"/>
           <a:ext cx="11262361" cy="5797754"/>
         </p:xfrm>
         <a:graphic>
@@ -13485,7 +13485,7 @@
                     <a:p>
                       <a:pPr algn="l" rtl="0" fontAlgn="ctr"/>
                       <a:r>
-                        <a:rPr lang="en-US" sz="1400" b="0" i="0" u="none" strike="noStrike">
+                        <a:rPr lang="en-US" sz="1400" b="0" i="0" u="none" strike="noStrike" dirty="0">
                           <a:solidFill>
                             <a:srgbClr val="000000"/>
                           </a:solidFill>
@@ -13505,7 +13505,7 @@
                     <a:p>
                       <a:pPr algn="ctr" rtl="0" fontAlgn="ctr"/>
                       <a:r>
-                        <a:rPr lang="en-US" sz="1400" b="0" i="0" u="none" strike="noStrike">
+                        <a:rPr lang="en-US" sz="1400" b="0" i="0" u="none" strike="noStrike" dirty="0">
                           <a:solidFill>
                             <a:srgbClr val="000000"/>
                           </a:solidFill>
@@ -13525,7 +13525,7 @@
                     <a:p>
                       <a:pPr algn="ctr" rtl="0" fontAlgn="ctr"/>
                       <a:r>
-                        <a:rPr lang="en-US" sz="1400" b="0" i="0" u="none" strike="noStrike">
+                        <a:rPr lang="en-US" sz="1400" b="0" i="0" u="none" strike="noStrike" dirty="0">
                           <a:solidFill>
                             <a:srgbClr val="000000"/>
                           </a:solidFill>
@@ -13672,7 +13672,7 @@
                     <a:p>
                       <a:pPr algn="l" rtl="0" fontAlgn="ctr"/>
                       <a:r>
-                        <a:rPr lang="en-US" sz="1400" b="0" i="0" u="none" strike="noStrike">
+                        <a:rPr lang="en-US" sz="1400" b="0" i="0" u="none" strike="noStrike" dirty="0">
                           <a:solidFill>
                             <a:srgbClr val="000000"/>
                           </a:solidFill>
@@ -13712,7 +13712,7 @@
                     <a:p>
                       <a:pPr algn="ctr" rtl="0" fontAlgn="ctr"/>
                       <a:r>
-                        <a:rPr lang="en-US" sz="1400" b="0" i="0" u="none" strike="noStrike">
+                        <a:rPr lang="en-US" sz="1400" b="0" i="0" u="none" strike="noStrike" dirty="0">
                           <a:solidFill>
                             <a:srgbClr val="000000"/>
                           </a:solidFill>
@@ -13859,7 +13859,7 @@
                     <a:p>
                       <a:pPr algn="l" rtl="0" fontAlgn="ctr"/>
                       <a:r>
-                        <a:rPr lang="en-US" sz="1400" b="0" i="0" u="none" strike="noStrike">
+                        <a:rPr lang="en-US" sz="1400" b="0" i="0" u="none" strike="noStrike" dirty="0">
                           <a:solidFill>
                             <a:srgbClr val="000000"/>
                           </a:solidFill>
@@ -13899,7 +13899,7 @@
                     <a:p>
                       <a:pPr algn="ctr" rtl="0" fontAlgn="ctr"/>
                       <a:r>
-                        <a:rPr lang="en-US" sz="1400" b="0" i="0" u="none" strike="noStrike">
+                        <a:rPr lang="en-US" sz="1400" b="0" i="0" u="none" strike="noStrike" dirty="0">
                           <a:solidFill>
                             <a:srgbClr val="000000"/>
                           </a:solidFill>
@@ -13919,7 +13919,7 @@
                     <a:p>
                       <a:pPr algn="ctr" rtl="0" fontAlgn="ctr"/>
                       <a:r>
-                        <a:rPr lang="en-US" sz="1400" b="0" i="0" u="none" strike="noStrike">
+                        <a:rPr lang="en-US" sz="1400" b="0" i="0" u="none" strike="noStrike" dirty="0">
                           <a:solidFill>
                             <a:srgbClr val="000000"/>
                           </a:solidFill>
@@ -14046,7 +14046,7 @@
                     <a:p>
                       <a:pPr algn="l" rtl="0" fontAlgn="ctr"/>
                       <a:r>
-                        <a:rPr lang="en-US" sz="1400" b="0" i="0" u="none" strike="noStrike">
+                        <a:rPr lang="en-US" sz="1400" b="0" i="0" u="none" strike="noStrike" dirty="0">
                           <a:solidFill>
                             <a:srgbClr val="000000"/>
                           </a:solidFill>
@@ -14086,7 +14086,7 @@
                     <a:p>
                       <a:pPr algn="ctr" rtl="0" fontAlgn="ctr"/>
                       <a:r>
-                        <a:rPr lang="en-US" sz="1400" b="0" i="0" u="none" strike="noStrike">
+                        <a:rPr lang="en-US" sz="1400" b="0" i="0" u="none" strike="noStrike" dirty="0">
                           <a:solidFill>
                             <a:srgbClr val="000000"/>
                           </a:solidFill>
@@ -14106,7 +14106,7 @@
                     <a:p>
                       <a:pPr algn="ctr" rtl="0" fontAlgn="ctr"/>
                       <a:r>
-                        <a:rPr lang="en-US" sz="1400" b="0" i="0" u="none" strike="noStrike">
+                        <a:rPr lang="en-US" sz="1400" b="0" i="0" u="none" strike="noStrike" dirty="0">
                           <a:solidFill>
                             <a:srgbClr val="000000"/>
                           </a:solidFill>
@@ -14233,7 +14233,7 @@
                     <a:p>
                       <a:pPr algn="l" rtl="0" fontAlgn="ctr"/>
                       <a:r>
-                        <a:rPr lang="en-US" sz="1400" b="0" i="0" u="none" strike="noStrike">
+                        <a:rPr lang="en-US" sz="1400" b="0" i="0" u="none" strike="noStrike" dirty="0">
                           <a:solidFill>
                             <a:srgbClr val="000000"/>
                           </a:solidFill>
@@ -14253,7 +14253,7 @@
                     <a:p>
                       <a:pPr algn="ctr" rtl="0" fontAlgn="ctr"/>
                       <a:r>
-                        <a:rPr lang="en-US" sz="1400" b="0" i="0" u="none" strike="noStrike">
+                        <a:rPr lang="en-US" sz="1400" b="0" i="0" u="none" strike="noStrike" dirty="0">
                           <a:solidFill>
                             <a:srgbClr val="000000"/>
                           </a:solidFill>
@@ -14273,7 +14273,7 @@
                     <a:p>
                       <a:pPr algn="ctr" rtl="0" fontAlgn="ctr"/>
                       <a:r>
-                        <a:rPr lang="en-US" sz="1400" b="0" i="0" u="none" strike="noStrike">
+                        <a:rPr lang="en-US" sz="1400" b="0" i="0" u="none" strike="noStrike" dirty="0">
                           <a:solidFill>
                             <a:srgbClr val="000000"/>
                           </a:solidFill>
@@ -14460,7 +14460,7 @@
                     <a:p>
                       <a:pPr algn="ctr" rtl="0" fontAlgn="ctr"/>
                       <a:r>
-                        <a:rPr lang="en-US" sz="1400" b="0" i="0" u="none" strike="noStrike">
+                        <a:rPr lang="en-US" sz="1400" b="0" i="0" u="none" strike="noStrike" dirty="0">
                           <a:solidFill>
                             <a:srgbClr val="000000"/>
                           </a:solidFill>
@@ -14480,7 +14480,7 @@
                     <a:p>
                       <a:pPr algn="ctr" rtl="0" fontAlgn="ctr"/>
                       <a:r>
-                        <a:rPr lang="en-US" sz="1400" b="0" i="0" u="none" strike="noStrike">
+                        <a:rPr lang="en-US" sz="1400" b="0" i="0" u="none" strike="noStrike" dirty="0">
                           <a:solidFill>
                             <a:srgbClr val="000000"/>
                           </a:solidFill>
@@ -14794,7 +14794,7 @@
                     <a:p>
                       <a:pPr algn="l" rtl="0" fontAlgn="ctr"/>
                       <a:r>
-                        <a:rPr lang="en-US" sz="1400" b="0" i="0" u="none" strike="noStrike">
+                        <a:rPr lang="en-US" sz="1400" b="0" i="0" u="none" strike="noStrike" dirty="0">
                           <a:solidFill>
                             <a:srgbClr val="000000"/>
                           </a:solidFill>
@@ -14814,7 +14814,7 @@
                     <a:p>
                       <a:pPr algn="ctr" rtl="0" fontAlgn="ctr"/>
                       <a:r>
-                        <a:rPr lang="en-US" sz="1400" b="0" i="0" u="none" strike="noStrike">
+                        <a:rPr lang="en-US" sz="1400" b="0" i="0" u="none" strike="noStrike" dirty="0">
                           <a:solidFill>
                             <a:srgbClr val="000000"/>
                           </a:solidFill>
@@ -14834,7 +14834,7 @@
                     <a:p>
                       <a:pPr algn="ctr" rtl="0" fontAlgn="ctr"/>
                       <a:r>
-                        <a:rPr lang="en-US" sz="1400" b="0" i="0" u="none" strike="noStrike">
+                        <a:rPr lang="en-US" sz="1400" b="0" i="0" u="none" strike="noStrike" dirty="0">
                           <a:solidFill>
                             <a:srgbClr val="000000"/>
                           </a:solidFill>
@@ -14854,7 +14854,7 @@
                     <a:p>
                       <a:pPr algn="ctr" rtl="0" fontAlgn="ctr"/>
                       <a:r>
-                        <a:rPr lang="en-US" sz="1400" b="0" i="0" u="none" strike="noStrike">
+                        <a:rPr lang="en-US" sz="1400" b="0" i="0" u="none" strike="noStrike" dirty="0">
                           <a:solidFill>
                             <a:srgbClr val="000000"/>
                           </a:solidFill>
@@ -15041,7 +15041,7 @@
                     <a:p>
                       <a:pPr algn="ctr" rtl="0" fontAlgn="ctr"/>
                       <a:r>
-                        <a:rPr lang="en-US" sz="1400" b="0" i="0" u="none" strike="noStrike">
+                        <a:rPr lang="en-US" sz="1400" b="0" i="0" u="none" strike="noStrike" dirty="0">
                           <a:solidFill>
                             <a:srgbClr val="000000"/>
                           </a:solidFill>
@@ -17135,14 +17135,14 @@
             <p:ph sz="half" idx="2"/>
             <p:extLst>
               <p:ext uri="{D42A27DB-BD31-4B8C-83A1-F6EECF244321}">
-                <p14:modId xmlns:p14="http://schemas.microsoft.com/office/powerpoint/2010/main" val="1255735733"/>
+                <p14:modId xmlns:p14="http://schemas.microsoft.com/office/powerpoint/2010/main" val="3393404155"/>
               </p:ext>
             </p:extLst>
           </p:nvPr>
         </p:nvGraphicFramePr>
         <p:xfrm>
-          <a:off x="1141413" y="2261231"/>
-          <a:ext cx="4878386" cy="4206240"/>
+          <a:off x="1145357" y="2261231"/>
+          <a:ext cx="4874442" cy="4206240"/>
         </p:xfrm>
         <a:graphic>
           <a:graphicData uri="http://schemas.openxmlformats.org/drawingml/2006/table">
@@ -17151,7 +17151,7 @@
                 <a:tableStyleId>{5C22544A-7EE6-4342-B048-85BDC9FD1C3A}</a:tableStyleId>
               </a:tblPr>
               <a:tblGrid>
-                <a:gridCol w="2439193">
+                <a:gridCol w="2435249">
                   <a:extLst>
                     <a:ext uri="{9D8B030D-6E8A-4147-A177-3AD203B41FA5}">
                       <a16:colId xmlns:a16="http://schemas.microsoft.com/office/drawing/2014/main" val="893569035"/>
@@ -18723,7 +18723,7 @@
             <a:noFill/>
             <a:extLst>
               <a:ext uri="{909E8E84-426E-40dd-AFC4-6F175D3DCCD1}">
-                <a14:hiddenFill xmlns:p14="http://schemas.microsoft.com/office/powerpoint/2010/main" xmlns:a14="http://schemas.microsoft.com/office/drawing/2010/main" xmlns:a16="http://schemas.microsoft.com/office/drawing/2014/main" xmlns="">
+                <a14:hiddenFill xmlns="" xmlns:a16="http://schemas.microsoft.com/office/drawing/2014/main" xmlns:a14="http://schemas.microsoft.com/office/drawing/2010/main" xmlns:p14="http://schemas.microsoft.com/office/powerpoint/2010/main">
                   <a:solidFill>
                     <a:srgbClr val="FFFFFF"/>
                   </a:solidFill>
@@ -18903,7 +18903,7 @@
             </a:ln>
             <a:extLst>
               <a:ext uri="{91240B29-F687-4f45-9708-019B960494DF}">
-                <a14:hiddenLine xmlns:p14="http://schemas.microsoft.com/office/powerpoint/2010/main" xmlns:a14="http://schemas.microsoft.com/office/drawing/2010/main" xmlns:a16="http://schemas.microsoft.com/office/drawing/2014/main" xmlns="" w="9525">
+                <a14:hiddenLine xmlns="" xmlns:a16="http://schemas.microsoft.com/office/drawing/2014/main" xmlns:a14="http://schemas.microsoft.com/office/drawing/2010/main" xmlns:p14="http://schemas.microsoft.com/office/powerpoint/2010/main" w="9525">
                   <a:solidFill>
                     <a:srgbClr val="000000"/>
                   </a:solidFill>
@@ -19008,7 +19008,7 @@
             </a:ln>
             <a:extLst>
               <a:ext uri="{91240B29-F687-4f45-9708-019B960494DF}">
-                <a14:hiddenLine xmlns:p14="http://schemas.microsoft.com/office/powerpoint/2010/main" xmlns:a14="http://schemas.microsoft.com/office/drawing/2010/main" xmlns:a16="http://schemas.microsoft.com/office/drawing/2014/main" xmlns="" w="9525">
+                <a14:hiddenLine xmlns="" xmlns:a16="http://schemas.microsoft.com/office/drawing/2014/main" xmlns:a14="http://schemas.microsoft.com/office/drawing/2010/main" xmlns:p14="http://schemas.microsoft.com/office/powerpoint/2010/main" w="9525">
                   <a:solidFill>
                     <a:srgbClr val="000000"/>
                   </a:solidFill>
@@ -19113,7 +19113,7 @@
             </a:ln>
             <a:extLst>
               <a:ext uri="{91240B29-F687-4f45-9708-019B960494DF}">
-                <a14:hiddenLine xmlns:p14="http://schemas.microsoft.com/office/powerpoint/2010/main" xmlns:a14="http://schemas.microsoft.com/office/drawing/2010/main" xmlns:a16="http://schemas.microsoft.com/office/drawing/2014/main" xmlns="" w="9525">
+                <a14:hiddenLine xmlns="" xmlns:a16="http://schemas.microsoft.com/office/drawing/2014/main" xmlns:a14="http://schemas.microsoft.com/office/drawing/2010/main" xmlns:p14="http://schemas.microsoft.com/office/powerpoint/2010/main" w="9525">
                   <a:solidFill>
                     <a:srgbClr val="000000"/>
                   </a:solidFill>
@@ -19162,7 +19162,7 @@
             </a:ln>
             <a:extLst>
               <a:ext uri="{91240B29-F687-4f45-9708-019B960494DF}">
-                <a14:hiddenLine xmlns:p14="http://schemas.microsoft.com/office/powerpoint/2010/main" xmlns:a14="http://schemas.microsoft.com/office/drawing/2010/main" xmlns:a16="http://schemas.microsoft.com/office/drawing/2014/main" xmlns="" w="9525">
+                <a14:hiddenLine xmlns="" xmlns:a16="http://schemas.microsoft.com/office/drawing/2014/main" xmlns:a14="http://schemas.microsoft.com/office/drawing/2010/main" xmlns:p14="http://schemas.microsoft.com/office/powerpoint/2010/main" w="9525">
                   <a:solidFill>
                     <a:srgbClr val="000000"/>
                   </a:solidFill>
@@ -19267,7 +19267,7 @@
             </a:ln>
             <a:extLst>
               <a:ext uri="{91240B29-F687-4f45-9708-019B960494DF}">
-                <a14:hiddenLine xmlns:p14="http://schemas.microsoft.com/office/powerpoint/2010/main" xmlns:a14="http://schemas.microsoft.com/office/drawing/2010/main" xmlns:a16="http://schemas.microsoft.com/office/drawing/2014/main" xmlns="" w="9525">
+                <a14:hiddenLine xmlns="" xmlns:a16="http://schemas.microsoft.com/office/drawing/2014/main" xmlns:a14="http://schemas.microsoft.com/office/drawing/2010/main" xmlns:p14="http://schemas.microsoft.com/office/powerpoint/2010/main" w="9525">
                   <a:solidFill>
                     <a:srgbClr val="000000"/>
                   </a:solidFill>
@@ -19344,7 +19344,7 @@
             </a:ln>
             <a:extLst>
               <a:ext uri="{91240B29-F687-4f45-9708-019B960494DF}">
-                <a14:hiddenLine xmlns:p14="http://schemas.microsoft.com/office/powerpoint/2010/main" xmlns:a14="http://schemas.microsoft.com/office/drawing/2010/main" xmlns:a16="http://schemas.microsoft.com/office/drawing/2014/main" xmlns="" w="9525">
+                <a14:hiddenLine xmlns="" xmlns:a16="http://schemas.microsoft.com/office/drawing/2014/main" xmlns:a14="http://schemas.microsoft.com/office/drawing/2010/main" xmlns:p14="http://schemas.microsoft.com/office/powerpoint/2010/main" w="9525">
                   <a:solidFill>
                     <a:srgbClr val="000000"/>
                   </a:solidFill>
@@ -19421,7 +19421,7 @@
             </a:ln>
             <a:extLst>
               <a:ext uri="{91240B29-F687-4f45-9708-019B960494DF}">
-                <a14:hiddenLine xmlns:p14="http://schemas.microsoft.com/office/powerpoint/2010/main" xmlns:a14="http://schemas.microsoft.com/office/drawing/2010/main" xmlns:a16="http://schemas.microsoft.com/office/drawing/2014/main" xmlns="" w="9525">
+                <a14:hiddenLine xmlns="" xmlns:a16="http://schemas.microsoft.com/office/drawing/2014/main" xmlns:a14="http://schemas.microsoft.com/office/drawing/2010/main" xmlns:p14="http://schemas.microsoft.com/office/powerpoint/2010/main" w="9525">
                   <a:solidFill>
                     <a:srgbClr val="000000"/>
                   </a:solidFill>
@@ -19526,7 +19526,7 @@
             </a:ln>
             <a:extLst>
               <a:ext uri="{91240B29-F687-4f45-9708-019B960494DF}">
-                <a14:hiddenLine xmlns:p14="http://schemas.microsoft.com/office/powerpoint/2010/main" xmlns:a14="http://schemas.microsoft.com/office/drawing/2010/main" xmlns:a16="http://schemas.microsoft.com/office/drawing/2014/main" xmlns="" w="9525">
+                <a14:hiddenLine xmlns="" xmlns:a16="http://schemas.microsoft.com/office/drawing/2014/main" xmlns:a14="http://schemas.microsoft.com/office/drawing/2010/main" xmlns:p14="http://schemas.microsoft.com/office/powerpoint/2010/main" w="9525">
                   <a:solidFill>
                     <a:srgbClr val="000000"/>
                   </a:solidFill>
@@ -19603,7 +19603,7 @@
             </a:ln>
             <a:extLst>
               <a:ext uri="{91240B29-F687-4f45-9708-019B960494DF}">
-                <a14:hiddenLine xmlns:p14="http://schemas.microsoft.com/office/powerpoint/2010/main" xmlns:a14="http://schemas.microsoft.com/office/drawing/2010/main" xmlns:a16="http://schemas.microsoft.com/office/drawing/2014/main" xmlns="" w="9525">
+                <a14:hiddenLine xmlns="" xmlns:a16="http://schemas.microsoft.com/office/drawing/2014/main" xmlns:a14="http://schemas.microsoft.com/office/drawing/2010/main" xmlns:p14="http://schemas.microsoft.com/office/powerpoint/2010/main" w="9525">
                   <a:solidFill>
                     <a:srgbClr val="000000"/>
                   </a:solidFill>
@@ -19680,7 +19680,7 @@
             </a:ln>
             <a:extLst>
               <a:ext uri="{91240B29-F687-4f45-9708-019B960494DF}">
-                <a14:hiddenLine xmlns:p14="http://schemas.microsoft.com/office/powerpoint/2010/main" xmlns:a14="http://schemas.microsoft.com/office/drawing/2010/main" xmlns:a16="http://schemas.microsoft.com/office/drawing/2014/main" xmlns="" w="9525">
+                <a14:hiddenLine xmlns="" xmlns:a16="http://schemas.microsoft.com/office/drawing/2014/main" xmlns:a14="http://schemas.microsoft.com/office/drawing/2010/main" xmlns:p14="http://schemas.microsoft.com/office/powerpoint/2010/main" w="9525">
                   <a:solidFill>
                     <a:srgbClr val="000000"/>
                   </a:solidFill>
@@ -19785,7 +19785,7 @@
             </a:ln>
             <a:extLst>
               <a:ext uri="{91240B29-F687-4f45-9708-019B960494DF}">
-                <a14:hiddenLine xmlns:p14="http://schemas.microsoft.com/office/powerpoint/2010/main" xmlns:a14="http://schemas.microsoft.com/office/drawing/2010/main" xmlns:a16="http://schemas.microsoft.com/office/drawing/2014/main" xmlns="" w="9525">
+                <a14:hiddenLine xmlns="" xmlns:a16="http://schemas.microsoft.com/office/drawing/2014/main" xmlns:a14="http://schemas.microsoft.com/office/drawing/2010/main" xmlns:p14="http://schemas.microsoft.com/office/powerpoint/2010/main" w="9525">
                   <a:solidFill>
                     <a:srgbClr val="000000"/>
                   </a:solidFill>
@@ -19890,7 +19890,7 @@
             </a:ln>
             <a:extLst>
               <a:ext uri="{91240B29-F687-4f45-9708-019B960494DF}">
-                <a14:hiddenLine xmlns:p14="http://schemas.microsoft.com/office/powerpoint/2010/main" xmlns:a14="http://schemas.microsoft.com/office/drawing/2010/main" xmlns:a16="http://schemas.microsoft.com/office/drawing/2014/main" xmlns="" w="9525">
+                <a14:hiddenLine xmlns="" xmlns:a16="http://schemas.microsoft.com/office/drawing/2014/main" xmlns:a14="http://schemas.microsoft.com/office/drawing/2010/main" xmlns:p14="http://schemas.microsoft.com/office/powerpoint/2010/main" w="9525">
                   <a:solidFill>
                     <a:srgbClr val="000000"/>
                   </a:solidFill>
@@ -19967,7 +19967,7 @@
             </a:ln>
             <a:extLst>
               <a:ext uri="{91240B29-F687-4f45-9708-019B960494DF}">
-                <a14:hiddenLine xmlns:p14="http://schemas.microsoft.com/office/powerpoint/2010/main" xmlns:a14="http://schemas.microsoft.com/office/drawing/2010/main" xmlns:a16="http://schemas.microsoft.com/office/drawing/2014/main" xmlns="" w="9525">
+                <a14:hiddenLine xmlns="" xmlns:a16="http://schemas.microsoft.com/office/drawing/2014/main" xmlns:a14="http://schemas.microsoft.com/office/drawing/2010/main" xmlns:p14="http://schemas.microsoft.com/office/powerpoint/2010/main" w="9525">
                   <a:solidFill>
                     <a:srgbClr val="000000"/>
                   </a:solidFill>
@@ -20092,7 +20092,7 @@
             </a:ln>
             <a:extLst>
               <a:ext uri="{91240B29-F687-4f45-9708-019B960494DF}">
-                <a14:hiddenLine xmlns:p14="http://schemas.microsoft.com/office/powerpoint/2010/main" xmlns:a14="http://schemas.microsoft.com/office/drawing/2010/main" xmlns:a16="http://schemas.microsoft.com/office/drawing/2014/main" xmlns="" w="9525">
+                <a14:hiddenLine xmlns="" xmlns:a16="http://schemas.microsoft.com/office/drawing/2014/main" xmlns:a14="http://schemas.microsoft.com/office/drawing/2010/main" xmlns:p14="http://schemas.microsoft.com/office/powerpoint/2010/main" w="9525">
                   <a:solidFill>
                     <a:srgbClr val="000000"/>
                   </a:solidFill>
@@ -20169,7 +20169,7 @@
             </a:ln>
             <a:extLst>
               <a:ext uri="{91240B29-F687-4f45-9708-019B960494DF}">
-                <a14:hiddenLine xmlns:p14="http://schemas.microsoft.com/office/powerpoint/2010/main" xmlns:a14="http://schemas.microsoft.com/office/drawing/2010/main" xmlns:a16="http://schemas.microsoft.com/office/drawing/2014/main" xmlns="" w="9525">
+                <a14:hiddenLine xmlns="" xmlns:a16="http://schemas.microsoft.com/office/drawing/2014/main" xmlns:a14="http://schemas.microsoft.com/office/drawing/2010/main" xmlns:p14="http://schemas.microsoft.com/office/powerpoint/2010/main" w="9525">
                   <a:solidFill>
                     <a:srgbClr val="000000"/>
                   </a:solidFill>
@@ -20274,7 +20274,7 @@
             </a:ln>
             <a:extLst>
               <a:ext uri="{91240B29-F687-4f45-9708-019B960494DF}">
-                <a14:hiddenLine xmlns:p14="http://schemas.microsoft.com/office/powerpoint/2010/main" xmlns:a14="http://schemas.microsoft.com/office/drawing/2010/main" xmlns:a16="http://schemas.microsoft.com/office/drawing/2014/main" xmlns="" w="9525">
+                <a14:hiddenLine xmlns="" xmlns:a16="http://schemas.microsoft.com/office/drawing/2014/main" xmlns:a14="http://schemas.microsoft.com/office/drawing/2010/main" xmlns:p14="http://schemas.microsoft.com/office/powerpoint/2010/main" w="9525">
                   <a:solidFill>
                     <a:srgbClr val="000000"/>
                   </a:solidFill>
@@ -20379,7 +20379,7 @@
             </a:ln>
             <a:extLst>
               <a:ext uri="{91240B29-F687-4f45-9708-019B960494DF}">
-                <a14:hiddenLine xmlns:p14="http://schemas.microsoft.com/office/powerpoint/2010/main" xmlns:a14="http://schemas.microsoft.com/office/drawing/2010/main" xmlns:a16="http://schemas.microsoft.com/office/drawing/2014/main" xmlns="" w="9525">
+                <a14:hiddenLine xmlns="" xmlns:a16="http://schemas.microsoft.com/office/drawing/2014/main" xmlns:a14="http://schemas.microsoft.com/office/drawing/2010/main" xmlns:p14="http://schemas.microsoft.com/office/powerpoint/2010/main" w="9525">
                   <a:solidFill>
                     <a:srgbClr val="000000"/>
                   </a:solidFill>
@@ -20456,7 +20456,7 @@
             </a:ln>
             <a:extLst>
               <a:ext uri="{91240B29-F687-4f45-9708-019B960494DF}">
-                <a14:hiddenLine xmlns:p14="http://schemas.microsoft.com/office/powerpoint/2010/main" xmlns:a14="http://schemas.microsoft.com/office/drawing/2010/main" xmlns:a16="http://schemas.microsoft.com/office/drawing/2014/main" xmlns="" w="9525">
+                <a14:hiddenLine xmlns="" xmlns:a16="http://schemas.microsoft.com/office/drawing/2014/main" xmlns:a14="http://schemas.microsoft.com/office/drawing/2010/main" xmlns:p14="http://schemas.microsoft.com/office/powerpoint/2010/main" w="9525">
                   <a:solidFill>
                     <a:srgbClr val="000000"/>
                   </a:solidFill>
@@ -20561,7 +20561,7 @@
             </a:ln>
             <a:extLst>
               <a:ext uri="{91240B29-F687-4f45-9708-019B960494DF}">
-                <a14:hiddenLine xmlns:p14="http://schemas.microsoft.com/office/powerpoint/2010/main" xmlns:a14="http://schemas.microsoft.com/office/drawing/2010/main" xmlns:a16="http://schemas.microsoft.com/office/drawing/2014/main" xmlns="" w="9525">
+                <a14:hiddenLine xmlns="" xmlns:a16="http://schemas.microsoft.com/office/drawing/2014/main" xmlns:a14="http://schemas.microsoft.com/office/drawing/2010/main" xmlns:p14="http://schemas.microsoft.com/office/powerpoint/2010/main" w="9525">
                   <a:solidFill>
                     <a:srgbClr val="000000"/>
                   </a:solidFill>
@@ -20666,7 +20666,7 @@
             </a:ln>
             <a:extLst>
               <a:ext uri="{91240B29-F687-4f45-9708-019B960494DF}">
-                <a14:hiddenLine xmlns:p14="http://schemas.microsoft.com/office/powerpoint/2010/main" xmlns:a14="http://schemas.microsoft.com/office/drawing/2010/main" xmlns:a16="http://schemas.microsoft.com/office/drawing/2014/main" xmlns="" w="9525">
+                <a14:hiddenLine xmlns="" xmlns:a16="http://schemas.microsoft.com/office/drawing/2014/main" xmlns:a14="http://schemas.microsoft.com/office/drawing/2010/main" xmlns:p14="http://schemas.microsoft.com/office/powerpoint/2010/main" w="9525">
                   <a:solidFill>
                     <a:srgbClr val="000000"/>
                   </a:solidFill>
@@ -20737,7 +20737,7 @@
             </a:ln>
             <a:extLst>
               <a:ext uri="{91240B29-F687-4f45-9708-019B960494DF}">
-                <a14:hiddenLine xmlns:p14="http://schemas.microsoft.com/office/powerpoint/2010/main" xmlns:a14="http://schemas.microsoft.com/office/drawing/2010/main" xmlns:a16="http://schemas.microsoft.com/office/drawing/2014/main" xmlns="" w="9525">
+                <a14:hiddenLine xmlns="" xmlns:a16="http://schemas.microsoft.com/office/drawing/2014/main" xmlns:a14="http://schemas.microsoft.com/office/drawing/2010/main" xmlns:p14="http://schemas.microsoft.com/office/powerpoint/2010/main" w="9525">
                   <a:solidFill>
                     <a:srgbClr val="000000"/>
                   </a:solidFill>
@@ -20842,7 +20842,7 @@
             </a:ln>
             <a:extLst>
               <a:ext uri="{91240B29-F687-4f45-9708-019B960494DF}">
-                <a14:hiddenLine xmlns:p14="http://schemas.microsoft.com/office/powerpoint/2010/main" xmlns:a14="http://schemas.microsoft.com/office/drawing/2010/main" xmlns:a16="http://schemas.microsoft.com/office/drawing/2014/main" xmlns="" w="9525">
+                <a14:hiddenLine xmlns="" xmlns:a16="http://schemas.microsoft.com/office/drawing/2014/main" xmlns:a14="http://schemas.microsoft.com/office/drawing/2010/main" xmlns:p14="http://schemas.microsoft.com/office/powerpoint/2010/main" w="9525">
                   <a:solidFill>
                     <a:srgbClr val="000000"/>
                   </a:solidFill>
@@ -20913,7 +20913,7 @@
             </a:ln>
             <a:extLst>
               <a:ext uri="{91240B29-F687-4f45-9708-019B960494DF}">
-                <a14:hiddenLine xmlns:p14="http://schemas.microsoft.com/office/powerpoint/2010/main" xmlns:a14="http://schemas.microsoft.com/office/drawing/2010/main" xmlns:a16="http://schemas.microsoft.com/office/drawing/2014/main" xmlns="" w="9525">
+                <a14:hiddenLine xmlns="" xmlns:a16="http://schemas.microsoft.com/office/drawing/2014/main" xmlns:a14="http://schemas.microsoft.com/office/drawing/2010/main" xmlns:p14="http://schemas.microsoft.com/office/powerpoint/2010/main" w="9525">
                   <a:solidFill>
                     <a:srgbClr val="000000"/>
                   </a:solidFill>
@@ -21018,7 +21018,7 @@
             </a:ln>
             <a:extLst>
               <a:ext uri="{91240B29-F687-4f45-9708-019B960494DF}">
-                <a14:hiddenLine xmlns:p14="http://schemas.microsoft.com/office/powerpoint/2010/main" xmlns:a14="http://schemas.microsoft.com/office/drawing/2010/main" xmlns:a16="http://schemas.microsoft.com/office/drawing/2014/main" xmlns="" w="9525">
+                <a14:hiddenLine xmlns="" xmlns:a16="http://schemas.microsoft.com/office/drawing/2014/main" xmlns:a14="http://schemas.microsoft.com/office/drawing/2010/main" xmlns:p14="http://schemas.microsoft.com/office/powerpoint/2010/main" w="9525">
                   <a:solidFill>
                     <a:srgbClr val="000000"/>
                   </a:solidFill>
@@ -21101,7 +21101,7 @@
             </a:ln>
             <a:extLst>
               <a:ext uri="{91240B29-F687-4f45-9708-019B960494DF}">
-                <a14:hiddenLine xmlns:p14="http://schemas.microsoft.com/office/powerpoint/2010/main" xmlns:a14="http://schemas.microsoft.com/office/drawing/2010/main" xmlns:a16="http://schemas.microsoft.com/office/drawing/2014/main" xmlns="" w="9525">
+                <a14:hiddenLine xmlns="" xmlns:a16="http://schemas.microsoft.com/office/drawing/2014/main" xmlns:a14="http://schemas.microsoft.com/office/drawing/2010/main" xmlns:p14="http://schemas.microsoft.com/office/powerpoint/2010/main" w="9525">
                   <a:solidFill>
                     <a:srgbClr val="000000"/>
                   </a:solidFill>
@@ -21206,7 +21206,7 @@
             </a:ln>
             <a:extLst>
               <a:ext uri="{91240B29-F687-4f45-9708-019B960494DF}">
-                <a14:hiddenLine xmlns:p14="http://schemas.microsoft.com/office/powerpoint/2010/main" xmlns:a14="http://schemas.microsoft.com/office/drawing/2010/main" xmlns:a16="http://schemas.microsoft.com/office/drawing/2014/main" xmlns="" w="9525">
+                <a14:hiddenLine xmlns="" xmlns:a16="http://schemas.microsoft.com/office/drawing/2014/main" xmlns:a14="http://schemas.microsoft.com/office/drawing/2010/main" xmlns:p14="http://schemas.microsoft.com/office/powerpoint/2010/main" w="9525">
                   <a:solidFill>
                     <a:srgbClr val="000000"/>
                   </a:solidFill>
@@ -21289,7 +21289,7 @@
             </a:ln>
             <a:extLst>
               <a:ext uri="{91240B29-F687-4f45-9708-019B960494DF}">
-                <a14:hiddenLine xmlns:p14="http://schemas.microsoft.com/office/powerpoint/2010/main" xmlns:a14="http://schemas.microsoft.com/office/drawing/2010/main" xmlns:a16="http://schemas.microsoft.com/office/drawing/2014/main" xmlns="" w="9525">
+                <a14:hiddenLine xmlns="" xmlns:a16="http://schemas.microsoft.com/office/drawing/2014/main" xmlns:a14="http://schemas.microsoft.com/office/drawing/2010/main" xmlns:p14="http://schemas.microsoft.com/office/powerpoint/2010/main" w="9525">
                   <a:solidFill>
                     <a:srgbClr val="000000"/>
                   </a:solidFill>
@@ -21394,7 +21394,7 @@
             </a:ln>
             <a:extLst>
               <a:ext uri="{91240B29-F687-4f45-9708-019B960494DF}">
-                <a14:hiddenLine xmlns:p14="http://schemas.microsoft.com/office/powerpoint/2010/main" xmlns:a14="http://schemas.microsoft.com/office/drawing/2010/main" xmlns:a16="http://schemas.microsoft.com/office/drawing/2014/main" xmlns="" w="9525">
+                <a14:hiddenLine xmlns="" xmlns:a16="http://schemas.microsoft.com/office/drawing/2014/main" xmlns:a14="http://schemas.microsoft.com/office/drawing/2010/main" xmlns:p14="http://schemas.microsoft.com/office/powerpoint/2010/main" w="9525">
                   <a:solidFill>
                     <a:srgbClr val="000000"/>
                   </a:solidFill>
@@ -21443,7 +21443,7 @@
             </a:ln>
             <a:extLst>
               <a:ext uri="{91240B29-F687-4f45-9708-019B960494DF}">
-                <a14:hiddenLine xmlns:p14="http://schemas.microsoft.com/office/powerpoint/2010/main" xmlns:a14="http://schemas.microsoft.com/office/drawing/2010/main" xmlns:a16="http://schemas.microsoft.com/office/drawing/2014/main" xmlns="" w="9525">
+                <a14:hiddenLine xmlns="" xmlns:a16="http://schemas.microsoft.com/office/drawing/2014/main" xmlns:a14="http://schemas.microsoft.com/office/drawing/2010/main" xmlns:p14="http://schemas.microsoft.com/office/powerpoint/2010/main" w="9525">
                   <a:solidFill>
                     <a:srgbClr val="000000"/>
                   </a:solidFill>
@@ -21548,7 +21548,7 @@
             </a:ln>
             <a:extLst>
               <a:ext uri="{91240B29-F687-4f45-9708-019B960494DF}">
-                <a14:hiddenLine xmlns:p14="http://schemas.microsoft.com/office/powerpoint/2010/main" xmlns:a14="http://schemas.microsoft.com/office/drawing/2010/main" xmlns:a16="http://schemas.microsoft.com/office/drawing/2014/main" xmlns="" w="9525">
+                <a14:hiddenLine xmlns="" xmlns:a16="http://schemas.microsoft.com/office/drawing/2014/main" xmlns:a14="http://schemas.microsoft.com/office/drawing/2010/main" xmlns:p14="http://schemas.microsoft.com/office/powerpoint/2010/main" w="9525">
                   <a:solidFill>
                     <a:srgbClr val="000000"/>
                   </a:solidFill>
@@ -21625,7 +21625,7 @@
             </a:ln>
             <a:extLst>
               <a:ext uri="{91240B29-F687-4f45-9708-019B960494DF}">
-                <a14:hiddenLine xmlns:p14="http://schemas.microsoft.com/office/powerpoint/2010/main" xmlns:a14="http://schemas.microsoft.com/office/drawing/2010/main" xmlns:a16="http://schemas.microsoft.com/office/drawing/2014/main" xmlns="" w="9525">
+                <a14:hiddenLine xmlns="" xmlns:a16="http://schemas.microsoft.com/office/drawing/2014/main" xmlns:a14="http://schemas.microsoft.com/office/drawing/2010/main" xmlns:p14="http://schemas.microsoft.com/office/powerpoint/2010/main" w="9525">
                   <a:solidFill>
                     <a:srgbClr val="000000"/>
                   </a:solidFill>
@@ -21702,7 +21702,7 @@
             </a:ln>
             <a:extLst>
               <a:ext uri="{91240B29-F687-4f45-9708-019B960494DF}">
-                <a14:hiddenLine xmlns:p14="http://schemas.microsoft.com/office/powerpoint/2010/main" xmlns:a14="http://schemas.microsoft.com/office/drawing/2010/main" xmlns:a16="http://schemas.microsoft.com/office/drawing/2014/main" xmlns="" w="9525">
+                <a14:hiddenLine xmlns="" xmlns:a16="http://schemas.microsoft.com/office/drawing/2014/main" xmlns:a14="http://schemas.microsoft.com/office/drawing/2010/main" xmlns:p14="http://schemas.microsoft.com/office/powerpoint/2010/main" w="9525">
                   <a:solidFill>
                     <a:srgbClr val="000000"/>
                   </a:solidFill>
@@ -21807,7 +21807,7 @@
             </a:ln>
             <a:extLst>
               <a:ext uri="{91240B29-F687-4f45-9708-019B960494DF}">
-                <a14:hiddenLine xmlns:p14="http://schemas.microsoft.com/office/powerpoint/2010/main" xmlns:a14="http://schemas.microsoft.com/office/drawing/2010/main" xmlns:a16="http://schemas.microsoft.com/office/drawing/2014/main" xmlns="" w="9525">
+                <a14:hiddenLine xmlns="" xmlns:a16="http://schemas.microsoft.com/office/drawing/2014/main" xmlns:a14="http://schemas.microsoft.com/office/drawing/2010/main" xmlns:p14="http://schemas.microsoft.com/office/powerpoint/2010/main" w="9525">
                   <a:solidFill>
                     <a:srgbClr val="000000"/>
                   </a:solidFill>
@@ -21890,7 +21890,7 @@
             </a:ln>
             <a:extLst>
               <a:ext uri="{91240B29-F687-4f45-9708-019B960494DF}">
-                <a14:hiddenLine xmlns:p14="http://schemas.microsoft.com/office/powerpoint/2010/main" xmlns:a14="http://schemas.microsoft.com/office/drawing/2010/main" xmlns:a16="http://schemas.microsoft.com/office/drawing/2014/main" xmlns="" w="9525">
+                <a14:hiddenLine xmlns="" xmlns:a16="http://schemas.microsoft.com/office/drawing/2014/main" xmlns:a14="http://schemas.microsoft.com/office/drawing/2010/main" xmlns:p14="http://schemas.microsoft.com/office/powerpoint/2010/main" w="9525">
                   <a:solidFill>
                     <a:srgbClr val="000000"/>
                   </a:solidFill>
@@ -21967,7 +21967,7 @@
             </a:ln>
             <a:extLst>
               <a:ext uri="{91240B29-F687-4f45-9708-019B960494DF}">
-                <a14:hiddenLine xmlns:p14="http://schemas.microsoft.com/office/powerpoint/2010/main" xmlns:a14="http://schemas.microsoft.com/office/drawing/2010/main" xmlns:a16="http://schemas.microsoft.com/office/drawing/2014/main" xmlns="" w="9525">
+                <a14:hiddenLine xmlns="" xmlns:a16="http://schemas.microsoft.com/office/drawing/2014/main" xmlns:a14="http://schemas.microsoft.com/office/drawing/2010/main" xmlns:p14="http://schemas.microsoft.com/office/powerpoint/2010/main" w="9525">
                   <a:solidFill>
                     <a:srgbClr val="000000"/>
                   </a:solidFill>
@@ -22072,7 +22072,7 @@
             </a:ln>
             <a:extLst>
               <a:ext uri="{91240B29-F687-4f45-9708-019B960494DF}">
-                <a14:hiddenLine xmlns:p14="http://schemas.microsoft.com/office/powerpoint/2010/main" xmlns:a14="http://schemas.microsoft.com/office/drawing/2010/main" xmlns:a16="http://schemas.microsoft.com/office/drawing/2014/main" xmlns="" w="9525">
+                <a14:hiddenLine xmlns="" xmlns:a16="http://schemas.microsoft.com/office/drawing/2014/main" xmlns:a14="http://schemas.microsoft.com/office/drawing/2010/main" xmlns:p14="http://schemas.microsoft.com/office/powerpoint/2010/main" w="9525">
                   <a:solidFill>
                     <a:srgbClr val="000000"/>
                   </a:solidFill>
@@ -22149,7 +22149,7 @@
             </a:ln>
             <a:extLst>
               <a:ext uri="{91240B29-F687-4f45-9708-019B960494DF}">
-                <a14:hiddenLine xmlns:p14="http://schemas.microsoft.com/office/powerpoint/2010/main" xmlns:a14="http://schemas.microsoft.com/office/drawing/2010/main" xmlns:a16="http://schemas.microsoft.com/office/drawing/2014/main" xmlns="" w="9525">
+                <a14:hiddenLine xmlns="" xmlns:a16="http://schemas.microsoft.com/office/drawing/2014/main" xmlns:a14="http://schemas.microsoft.com/office/drawing/2010/main" xmlns:p14="http://schemas.microsoft.com/office/powerpoint/2010/main" w="9525">
                   <a:solidFill>
                     <a:srgbClr val="000000"/>
                   </a:solidFill>
@@ -22254,7 +22254,7 @@
             </a:ln>
             <a:extLst>
               <a:ext uri="{91240B29-F687-4f45-9708-019B960494DF}">
-                <a14:hiddenLine xmlns:p14="http://schemas.microsoft.com/office/powerpoint/2010/main" xmlns:a14="http://schemas.microsoft.com/office/drawing/2010/main" xmlns:a16="http://schemas.microsoft.com/office/drawing/2014/main" xmlns="" w="9525">
+                <a14:hiddenLine xmlns="" xmlns:a16="http://schemas.microsoft.com/office/drawing/2014/main" xmlns:a14="http://schemas.microsoft.com/office/drawing/2010/main" xmlns:p14="http://schemas.microsoft.com/office/powerpoint/2010/main" w="9525">
                   <a:solidFill>
                     <a:srgbClr val="000000"/>
                   </a:solidFill>
@@ -22331,7 +22331,7 @@
             </a:ln>
             <a:extLst>
               <a:ext uri="{91240B29-F687-4f45-9708-019B960494DF}">
-                <a14:hiddenLine xmlns:p14="http://schemas.microsoft.com/office/powerpoint/2010/main" xmlns:a14="http://schemas.microsoft.com/office/drawing/2010/main" xmlns:a16="http://schemas.microsoft.com/office/drawing/2014/main" xmlns="" w="9525">
+                <a14:hiddenLine xmlns="" xmlns:a16="http://schemas.microsoft.com/office/drawing/2014/main" xmlns:a14="http://schemas.microsoft.com/office/drawing/2010/main" xmlns:p14="http://schemas.microsoft.com/office/powerpoint/2010/main" w="9525">
                   <a:solidFill>
                     <a:srgbClr val="000000"/>
                   </a:solidFill>
@@ -22436,7 +22436,7 @@
             </a:ln>
             <a:extLst>
               <a:ext uri="{91240B29-F687-4f45-9708-019B960494DF}">
-                <a14:hiddenLine xmlns:p14="http://schemas.microsoft.com/office/powerpoint/2010/main" xmlns:a14="http://schemas.microsoft.com/office/drawing/2010/main" xmlns:a16="http://schemas.microsoft.com/office/drawing/2014/main" xmlns="" w="9525">
+                <a14:hiddenLine xmlns="" xmlns:a16="http://schemas.microsoft.com/office/drawing/2014/main" xmlns:a14="http://schemas.microsoft.com/office/drawing/2010/main" xmlns:p14="http://schemas.microsoft.com/office/powerpoint/2010/main" w="9525">
                   <a:solidFill>
                     <a:srgbClr val="000000"/>
                   </a:solidFill>
@@ -22485,7 +22485,7 @@
             </a:ln>
             <a:extLst>
               <a:ext uri="{91240B29-F687-4f45-9708-019B960494DF}">
-                <a14:hiddenLine xmlns:p14="http://schemas.microsoft.com/office/powerpoint/2010/main" xmlns:a14="http://schemas.microsoft.com/office/drawing/2010/main" xmlns:a16="http://schemas.microsoft.com/office/drawing/2014/main" xmlns="" w="9525">
+                <a14:hiddenLine xmlns="" xmlns:a16="http://schemas.microsoft.com/office/drawing/2014/main" xmlns:a14="http://schemas.microsoft.com/office/drawing/2010/main" xmlns:p14="http://schemas.microsoft.com/office/powerpoint/2010/main" w="9525">
                   <a:solidFill>
                     <a:srgbClr val="000000"/>
                   </a:solidFill>
@@ -22565,7 +22565,7 @@
             </a:ln>
             <a:extLst>
               <a:ext uri="{91240B29-F687-4f45-9708-019B960494DF}">
-                <a14:hiddenLine xmlns:p14="http://schemas.microsoft.com/office/powerpoint/2010/main" xmlns:a14="http://schemas.microsoft.com/office/drawing/2010/main" xmlns:a16="http://schemas.microsoft.com/office/drawing/2014/main" xmlns="" w="9525">
+                <a14:hiddenLine xmlns="" xmlns:a16="http://schemas.microsoft.com/office/drawing/2014/main" xmlns:a14="http://schemas.microsoft.com/office/drawing/2010/main" xmlns:p14="http://schemas.microsoft.com/office/powerpoint/2010/main" w="9525">
                   <a:solidFill>
                     <a:srgbClr val="000000"/>
                   </a:solidFill>
@@ -22670,7 +22670,7 @@
             </a:ln>
             <a:extLst>
               <a:ext uri="{91240B29-F687-4f45-9708-019B960494DF}">
-                <a14:hiddenLine xmlns:p14="http://schemas.microsoft.com/office/powerpoint/2010/main" xmlns:a14="http://schemas.microsoft.com/office/drawing/2010/main" xmlns:a16="http://schemas.microsoft.com/office/drawing/2014/main" xmlns="" w="9525">
+                <a14:hiddenLine xmlns="" xmlns:a16="http://schemas.microsoft.com/office/drawing/2014/main" xmlns:a14="http://schemas.microsoft.com/office/drawing/2010/main" xmlns:p14="http://schemas.microsoft.com/office/powerpoint/2010/main" w="9525">
                   <a:solidFill>
                     <a:srgbClr val="000000"/>
                   </a:solidFill>
@@ -22747,7 +22747,7 @@
             </a:ln>
             <a:extLst>
               <a:ext uri="{91240B29-F687-4f45-9708-019B960494DF}">
-                <a14:hiddenLine xmlns:p14="http://schemas.microsoft.com/office/powerpoint/2010/main" xmlns:a14="http://schemas.microsoft.com/office/drawing/2010/main" xmlns:a16="http://schemas.microsoft.com/office/drawing/2014/main" xmlns="" w="9525">
+                <a14:hiddenLine xmlns="" xmlns:a16="http://schemas.microsoft.com/office/drawing/2014/main" xmlns:a14="http://schemas.microsoft.com/office/drawing/2010/main" xmlns:p14="http://schemas.microsoft.com/office/powerpoint/2010/main" w="9525">
                   <a:solidFill>
                     <a:srgbClr val="000000"/>
                   </a:solidFill>
@@ -22852,7 +22852,7 @@
             </a:ln>
             <a:extLst>
               <a:ext uri="{91240B29-F687-4f45-9708-019B960494DF}">
-                <a14:hiddenLine xmlns:p14="http://schemas.microsoft.com/office/powerpoint/2010/main" xmlns:a14="http://schemas.microsoft.com/office/drawing/2010/main" xmlns:a16="http://schemas.microsoft.com/office/drawing/2014/main" xmlns="" w="9525">
+                <a14:hiddenLine xmlns="" xmlns:a16="http://schemas.microsoft.com/office/drawing/2014/main" xmlns:a14="http://schemas.microsoft.com/office/drawing/2010/main" xmlns:p14="http://schemas.microsoft.com/office/powerpoint/2010/main" w="9525">
                   <a:solidFill>
                     <a:srgbClr val="000000"/>
                   </a:solidFill>
@@ -22957,7 +22957,7 @@
             </a:ln>
             <a:extLst>
               <a:ext uri="{91240B29-F687-4f45-9708-019B960494DF}">
-                <a14:hiddenLine xmlns:p14="http://schemas.microsoft.com/office/powerpoint/2010/main" xmlns:a14="http://schemas.microsoft.com/office/drawing/2010/main" xmlns:a16="http://schemas.microsoft.com/office/drawing/2014/main" xmlns="" w="9525">
+                <a14:hiddenLine xmlns="" xmlns:a16="http://schemas.microsoft.com/office/drawing/2014/main" xmlns:a14="http://schemas.microsoft.com/office/drawing/2010/main" xmlns:p14="http://schemas.microsoft.com/office/powerpoint/2010/main" w="9525">
                   <a:solidFill>
                     <a:srgbClr val="000000"/>
                   </a:solidFill>
@@ -23037,7 +23037,7 @@
             </a:ln>
             <a:extLst>
               <a:ext uri="{91240B29-F687-4f45-9708-019B960494DF}">
-                <a14:hiddenLine xmlns:p14="http://schemas.microsoft.com/office/powerpoint/2010/main" xmlns:a14="http://schemas.microsoft.com/office/drawing/2010/main" xmlns:a16="http://schemas.microsoft.com/office/drawing/2014/main" xmlns="" w="9525">
+                <a14:hiddenLine xmlns="" xmlns:a16="http://schemas.microsoft.com/office/drawing/2014/main" xmlns:a14="http://schemas.microsoft.com/office/drawing/2010/main" xmlns:p14="http://schemas.microsoft.com/office/powerpoint/2010/main" w="9525">
                   <a:solidFill>
                     <a:srgbClr val="000000"/>
                   </a:solidFill>
@@ -23114,7 +23114,7 @@
             </a:ln>
             <a:extLst>
               <a:ext uri="{91240B29-F687-4f45-9708-019B960494DF}">
-                <a14:hiddenLine xmlns:p14="http://schemas.microsoft.com/office/powerpoint/2010/main" xmlns:a14="http://schemas.microsoft.com/office/drawing/2010/main" xmlns:a16="http://schemas.microsoft.com/office/drawing/2014/main" xmlns="" w="9525">
+                <a14:hiddenLine xmlns="" xmlns:a16="http://schemas.microsoft.com/office/drawing/2014/main" xmlns:a14="http://schemas.microsoft.com/office/drawing/2010/main" xmlns:p14="http://schemas.microsoft.com/office/powerpoint/2010/main" w="9525">
                   <a:solidFill>
                     <a:srgbClr val="000000"/>
                   </a:solidFill>
@@ -23219,7 +23219,7 @@
             </a:ln>
             <a:extLst>
               <a:ext uri="{91240B29-F687-4f45-9708-019B960494DF}">
-                <a14:hiddenLine xmlns:p14="http://schemas.microsoft.com/office/powerpoint/2010/main" xmlns:a14="http://schemas.microsoft.com/office/drawing/2010/main" xmlns:a16="http://schemas.microsoft.com/office/drawing/2014/main" xmlns="" w="9525">
+                <a14:hiddenLine xmlns="" xmlns:a16="http://schemas.microsoft.com/office/drawing/2014/main" xmlns:a14="http://schemas.microsoft.com/office/drawing/2010/main" xmlns:p14="http://schemas.microsoft.com/office/powerpoint/2010/main" w="9525">
                   <a:solidFill>
                     <a:srgbClr val="000000"/>
                   </a:solidFill>
@@ -23324,7 +23324,7 @@
             </a:ln>
             <a:extLst>
               <a:ext uri="{91240B29-F687-4f45-9708-019B960494DF}">
-                <a14:hiddenLine xmlns:p14="http://schemas.microsoft.com/office/powerpoint/2010/main" xmlns:a14="http://schemas.microsoft.com/office/drawing/2010/main" xmlns:a16="http://schemas.microsoft.com/office/drawing/2014/main" xmlns="" w="9525">
+                <a14:hiddenLine xmlns="" xmlns:a16="http://schemas.microsoft.com/office/drawing/2014/main" xmlns:a14="http://schemas.microsoft.com/office/drawing/2010/main" xmlns:p14="http://schemas.microsoft.com/office/powerpoint/2010/main" w="9525">
                   <a:solidFill>
                     <a:srgbClr val="000000"/>
                   </a:solidFill>
@@ -23401,7 +23401,7 @@
             </a:ln>
             <a:extLst>
               <a:ext uri="{91240B29-F687-4f45-9708-019B960494DF}">
-                <a14:hiddenLine xmlns:p14="http://schemas.microsoft.com/office/powerpoint/2010/main" xmlns:a14="http://schemas.microsoft.com/office/drawing/2010/main" xmlns:a16="http://schemas.microsoft.com/office/drawing/2014/main" xmlns="" w="9525">
+                <a14:hiddenLine xmlns="" xmlns:a16="http://schemas.microsoft.com/office/drawing/2014/main" xmlns:a14="http://schemas.microsoft.com/office/drawing/2010/main" xmlns:p14="http://schemas.microsoft.com/office/powerpoint/2010/main" w="9525">
                   <a:solidFill>
                     <a:srgbClr val="000000"/>
                   </a:solidFill>
@@ -23536,7 +23536,7 @@
             </a:ln>
             <a:extLst>
               <a:ext uri="{91240B29-F687-4f45-9708-019B960494DF}">
-                <a14:hiddenLine xmlns:p14="http://schemas.microsoft.com/office/powerpoint/2010/main" xmlns:a14="http://schemas.microsoft.com/office/drawing/2010/main" xmlns:a16="http://schemas.microsoft.com/office/drawing/2014/main" xmlns="" w="9525">
+                <a14:hiddenLine xmlns="" xmlns:a16="http://schemas.microsoft.com/office/drawing/2014/main" xmlns:a14="http://schemas.microsoft.com/office/drawing/2010/main" xmlns:p14="http://schemas.microsoft.com/office/powerpoint/2010/main" w="9525">
                   <a:solidFill>
                     <a:srgbClr val="000000"/>
                   </a:solidFill>
@@ -23619,7 +23619,7 @@
             </a:ln>
             <a:extLst>
               <a:ext uri="{91240B29-F687-4f45-9708-019B960494DF}">
-                <a14:hiddenLine xmlns:p14="http://schemas.microsoft.com/office/powerpoint/2010/main" xmlns:a14="http://schemas.microsoft.com/office/drawing/2010/main" xmlns:a16="http://schemas.microsoft.com/office/drawing/2014/main" xmlns="" w="9525">
+                <a14:hiddenLine xmlns="" xmlns:a16="http://schemas.microsoft.com/office/drawing/2014/main" xmlns:a14="http://schemas.microsoft.com/office/drawing/2010/main" xmlns:p14="http://schemas.microsoft.com/office/powerpoint/2010/main" w="9525">
                   <a:solidFill>
                     <a:srgbClr val="000000"/>
                   </a:solidFill>
@@ -23724,7 +23724,7 @@
             </a:ln>
             <a:extLst>
               <a:ext uri="{91240B29-F687-4f45-9708-019B960494DF}">
-                <a14:hiddenLine xmlns:p14="http://schemas.microsoft.com/office/powerpoint/2010/main" xmlns:a14="http://schemas.microsoft.com/office/drawing/2010/main" xmlns:a16="http://schemas.microsoft.com/office/drawing/2014/main" xmlns="" w="9525">
+                <a14:hiddenLine xmlns="" xmlns:a16="http://schemas.microsoft.com/office/drawing/2014/main" xmlns:a14="http://schemas.microsoft.com/office/drawing/2010/main" xmlns:p14="http://schemas.microsoft.com/office/powerpoint/2010/main" w="9525">
                   <a:solidFill>
                     <a:srgbClr val="000000"/>
                   </a:solidFill>
@@ -23854,7 +23854,7 @@
             </a:ln>
             <a:extLst>
               <a:ext uri="{91240B29-F687-4f45-9708-019B960494DF}">
-                <a14:hiddenLine xmlns:p14="http://schemas.microsoft.com/office/powerpoint/2010/main" xmlns:a14="http://schemas.microsoft.com/office/drawing/2010/main" xmlns:a16="http://schemas.microsoft.com/office/drawing/2014/main" xmlns="" w="9525">
+                <a14:hiddenLine xmlns="" xmlns:a16="http://schemas.microsoft.com/office/drawing/2014/main" xmlns:a14="http://schemas.microsoft.com/office/drawing/2010/main" xmlns:p14="http://schemas.microsoft.com/office/powerpoint/2010/main" w="9525">
                   <a:solidFill>
                     <a:srgbClr val="000000"/>
                   </a:solidFill>
@@ -23984,7 +23984,7 @@
             </a:ln>
             <a:extLst>
               <a:ext uri="{91240B29-F687-4f45-9708-019B960494DF}">
-                <a14:hiddenLine xmlns:p14="http://schemas.microsoft.com/office/powerpoint/2010/main" xmlns:a14="http://schemas.microsoft.com/office/drawing/2010/main" xmlns:a16="http://schemas.microsoft.com/office/drawing/2014/main" xmlns="" w="9525">
+                <a14:hiddenLine xmlns="" xmlns:a16="http://schemas.microsoft.com/office/drawing/2014/main" xmlns:a14="http://schemas.microsoft.com/office/drawing/2010/main" xmlns:p14="http://schemas.microsoft.com/office/powerpoint/2010/main" w="9525">
                   <a:solidFill>
                     <a:srgbClr val="000000"/>
                   </a:solidFill>
@@ -24089,7 +24089,7 @@
             </a:ln>
             <a:extLst>
               <a:ext uri="{91240B29-F687-4f45-9708-019B960494DF}">
-                <a14:hiddenLine xmlns:p14="http://schemas.microsoft.com/office/powerpoint/2010/main" xmlns:a14="http://schemas.microsoft.com/office/drawing/2010/main" xmlns:a16="http://schemas.microsoft.com/office/drawing/2014/main" xmlns="" w="9525">
+                <a14:hiddenLine xmlns="" xmlns:a16="http://schemas.microsoft.com/office/drawing/2014/main" xmlns:a14="http://schemas.microsoft.com/office/drawing/2010/main" xmlns:p14="http://schemas.microsoft.com/office/powerpoint/2010/main" w="9525">
                   <a:solidFill>
                     <a:srgbClr val="000000"/>
                   </a:solidFill>
@@ -24169,7 +24169,7 @@
             </a:ln>
             <a:extLst>
               <a:ext uri="{91240B29-F687-4f45-9708-019B960494DF}">
-                <a14:hiddenLine xmlns:p14="http://schemas.microsoft.com/office/powerpoint/2010/main" xmlns:a14="http://schemas.microsoft.com/office/drawing/2010/main" xmlns:a16="http://schemas.microsoft.com/office/drawing/2014/main" xmlns="" w="9525">
+                <a14:hiddenLine xmlns="" xmlns:a16="http://schemas.microsoft.com/office/drawing/2014/main" xmlns:a14="http://schemas.microsoft.com/office/drawing/2010/main" xmlns:p14="http://schemas.microsoft.com/office/powerpoint/2010/main" w="9525">
                   <a:solidFill>
                     <a:srgbClr val="000000"/>
                   </a:solidFill>
@@ -24274,7 +24274,7 @@
             </a:ln>
             <a:extLst>
               <a:ext uri="{91240B29-F687-4f45-9708-019B960494DF}">
-                <a14:hiddenLine xmlns:p14="http://schemas.microsoft.com/office/powerpoint/2010/main" xmlns:a14="http://schemas.microsoft.com/office/drawing/2010/main" xmlns:a16="http://schemas.microsoft.com/office/drawing/2014/main" xmlns="" w="9525">
+                <a14:hiddenLine xmlns="" xmlns:a16="http://schemas.microsoft.com/office/drawing/2014/main" xmlns:a14="http://schemas.microsoft.com/office/drawing/2010/main" xmlns:p14="http://schemas.microsoft.com/office/powerpoint/2010/main" w="9525">
                   <a:solidFill>
                     <a:srgbClr val="000000"/>
                   </a:solidFill>
@@ -24357,7 +24357,7 @@
             </a:ln>
             <a:extLst>
               <a:ext uri="{91240B29-F687-4f45-9708-019B960494DF}">
-                <a14:hiddenLine xmlns:p14="http://schemas.microsoft.com/office/powerpoint/2010/main" xmlns:a14="http://schemas.microsoft.com/office/drawing/2010/main" xmlns:a16="http://schemas.microsoft.com/office/drawing/2014/main" xmlns="" w="9525">
+                <a14:hiddenLine xmlns="" xmlns:a16="http://schemas.microsoft.com/office/drawing/2014/main" xmlns:a14="http://schemas.microsoft.com/office/drawing/2010/main" xmlns:p14="http://schemas.microsoft.com/office/powerpoint/2010/main" w="9525">
                   <a:solidFill>
                     <a:srgbClr val="000000"/>
                   </a:solidFill>
@@ -24462,7 +24462,7 @@
             </a:ln>
             <a:extLst>
               <a:ext uri="{91240B29-F687-4f45-9708-019B960494DF}">
-                <a14:hiddenLine xmlns:p14="http://schemas.microsoft.com/office/powerpoint/2010/main" xmlns:a14="http://schemas.microsoft.com/office/drawing/2010/main" xmlns:a16="http://schemas.microsoft.com/office/drawing/2014/main" xmlns="" w="9525">
+                <a14:hiddenLine xmlns="" xmlns:a16="http://schemas.microsoft.com/office/drawing/2014/main" xmlns:a14="http://schemas.microsoft.com/office/drawing/2010/main" xmlns:p14="http://schemas.microsoft.com/office/powerpoint/2010/main" w="9525">
                   <a:solidFill>
                     <a:srgbClr val="000000"/>
                   </a:solidFill>
@@ -24545,7 +24545,7 @@
             </a:ln>
             <a:extLst>
               <a:ext uri="{91240B29-F687-4f45-9708-019B960494DF}">
-                <a14:hiddenLine xmlns:p14="http://schemas.microsoft.com/office/powerpoint/2010/main" xmlns:a14="http://schemas.microsoft.com/office/drawing/2010/main" xmlns:a16="http://schemas.microsoft.com/office/drawing/2014/main" xmlns="" w="9525">
+                <a14:hiddenLine xmlns="" xmlns:a16="http://schemas.microsoft.com/office/drawing/2014/main" xmlns:a14="http://schemas.microsoft.com/office/drawing/2010/main" xmlns:p14="http://schemas.microsoft.com/office/powerpoint/2010/main" w="9525">
                   <a:solidFill>
                     <a:srgbClr val="000000"/>
                   </a:solidFill>
@@ -24650,7 +24650,7 @@
             </a:ln>
             <a:extLst>
               <a:ext uri="{91240B29-F687-4f45-9708-019B960494DF}">
-                <a14:hiddenLine xmlns:p14="http://schemas.microsoft.com/office/powerpoint/2010/main" xmlns:a14="http://schemas.microsoft.com/office/drawing/2010/main" xmlns:a16="http://schemas.microsoft.com/office/drawing/2014/main" xmlns="" w="9525">
+                <a14:hiddenLine xmlns="" xmlns:a16="http://schemas.microsoft.com/office/drawing/2014/main" xmlns:a14="http://schemas.microsoft.com/office/drawing/2010/main" xmlns:p14="http://schemas.microsoft.com/office/powerpoint/2010/main" w="9525">
                   <a:solidFill>
                     <a:srgbClr val="000000"/>
                   </a:solidFill>
@@ -24699,7 +24699,7 @@
             </a:ln>
             <a:extLst>
               <a:ext uri="{91240B29-F687-4f45-9708-019B960494DF}">
-                <a14:hiddenLine xmlns:p14="http://schemas.microsoft.com/office/powerpoint/2010/main" xmlns:a14="http://schemas.microsoft.com/office/drawing/2010/main" xmlns:a16="http://schemas.microsoft.com/office/drawing/2014/main" xmlns="" w="9525">
+                <a14:hiddenLine xmlns="" xmlns:a16="http://schemas.microsoft.com/office/drawing/2014/main" xmlns:a14="http://schemas.microsoft.com/office/drawing/2010/main" xmlns:p14="http://schemas.microsoft.com/office/powerpoint/2010/main" w="9525">
                   <a:solidFill>
                     <a:srgbClr val="000000"/>
                   </a:solidFill>
@@ -29645,7 +29645,7 @@
                     <a:p>
                       <a:pPr algn="l" rtl="0" fontAlgn="ctr"/>
                       <a:r>
-                        <a:rPr lang="en-US" sz="1400" b="0" i="0" u="none" strike="noStrike">
+                        <a:rPr lang="en-US" sz="1400" b="0" i="0" u="none" strike="noStrike" dirty="0">
                           <a:solidFill>
                             <a:srgbClr val="000000"/>
                           </a:solidFill>
@@ -29852,7 +29852,7 @@
                     <a:p>
                       <a:pPr algn="ctr" rtl="0" fontAlgn="ctr"/>
                       <a:r>
-                        <a:rPr lang="en-US" sz="1400" b="0" i="0" u="none" strike="noStrike">
+                        <a:rPr lang="en-US" sz="1400" b="0" i="0" u="none" strike="noStrike" dirty="0">
                           <a:solidFill>
                             <a:srgbClr val="000000"/>
                           </a:solidFill>
@@ -29872,7 +29872,7 @@
                     <a:p>
                       <a:pPr algn="ctr" rtl="0" fontAlgn="ctr"/>
                       <a:r>
-                        <a:rPr lang="en-US" sz="1400" b="0" i="0" u="none" strike="noStrike">
+                        <a:rPr lang="en-US" sz="1400" b="0" i="0" u="none" strike="noStrike" dirty="0">
                           <a:solidFill>
                             <a:srgbClr val="000000"/>
                           </a:solidFill>
@@ -30059,7 +30059,7 @@
                     <a:p>
                       <a:pPr algn="ctr" rtl="0" fontAlgn="ctr"/>
                       <a:r>
-                        <a:rPr lang="en-US" sz="1400" b="0" i="0" u="none" strike="noStrike">
+                        <a:rPr lang="en-US" sz="1400" b="0" i="0" u="none" strike="noStrike" dirty="0">
                           <a:solidFill>
                             <a:srgbClr val="000000"/>
                           </a:solidFill>
@@ -30246,7 +30246,7 @@
                     <a:p>
                       <a:pPr algn="ctr" rtl="0" fontAlgn="ctr"/>
                       <a:r>
-                        <a:rPr lang="en-US" sz="1400" b="0" i="0" u="none" strike="noStrike">
+                        <a:rPr lang="en-US" sz="1400" b="0" i="0" u="none" strike="noStrike" dirty="0">
                           <a:solidFill>
                             <a:srgbClr val="000000"/>
                           </a:solidFill>

--- a/Team_3_Air_Travel_Weather_Satisfaction.pptx
+++ b/Team_3_Air_Travel_Weather_Satisfaction.pptx
@@ -23,6 +23,7 @@
     <p:sldId id="268" r:id="rId17"/>
     <p:sldId id="259" r:id="rId18"/>
     <p:sldId id="273" r:id="rId19"/>
+    <p:sldId id="275" r:id="rId20"/>
   </p:sldIdLst>
   <p:sldSz cx="12192000" cy="6858000"/>
   <p:notesSz cx="6858000" cy="9144000"/>
@@ -132,7 +133,7 @@
 <file path=ppt/revisionInfo.xml><?xml version="1.0" encoding="utf-8"?>
 <p1510:revInfo xmlns:a="http://schemas.openxmlformats.org/drawingml/2006/main" xmlns:r="http://schemas.openxmlformats.org/officeDocument/2006/relationships" xmlns:p1510="http://schemas.microsoft.com/office/powerpoint/2015/10/main">
   <p1510:revLst>
-    <p1510:client id="{43E20478-7581-4DD6-9A41-2D114A35964C}" v="80" dt="2023-02-10T03:02:57.522"/>
+    <p1510:client id="{43E20478-7581-4DD6-9A41-2D114A35964C}" v="89" dt="2023-02-12T00:57:50.869"/>
   </p1510:revLst>
 </p1510:revInfo>
 </file>
@@ -142,7 +143,7 @@
   <pc:docChgLst>
     <pc:chgData name="Calogera McCormick" userId="e0a4c6cb4146cbe1" providerId="LiveId" clId="{43E20478-7581-4DD6-9A41-2D114A35964C}"/>
     <pc:docChg chg="undo custSel addSld delSld modSld sldOrd">
-      <pc:chgData name="Calogera McCormick" userId="e0a4c6cb4146cbe1" providerId="LiveId" clId="{43E20478-7581-4DD6-9A41-2D114A35964C}" dt="2023-02-10T03:05:39.586" v="9063" actId="14100"/>
+      <pc:chgData name="Calogera McCormick" userId="e0a4c6cb4146cbe1" providerId="LiveId" clId="{43E20478-7581-4DD6-9A41-2D114A35964C}" dt="2023-02-12T01:20:07.789" v="9859" actId="20577"/>
       <pc:docMkLst>
         <pc:docMk/>
       </pc:docMkLst>
@@ -372,7 +373,7 @@
         </pc:picChg>
       </pc:sldChg>
       <pc:sldChg chg="addSp modSp add mod">
-        <pc:chgData name="Calogera McCormick" userId="e0a4c6cb4146cbe1" providerId="LiveId" clId="{43E20478-7581-4DD6-9A41-2D114A35964C}" dt="2023-02-10T03:05:39.586" v="9063" actId="14100"/>
+        <pc:chgData name="Calogera McCormick" userId="e0a4c6cb4146cbe1" providerId="LiveId" clId="{43E20478-7581-4DD6-9A41-2D114A35964C}" dt="2023-02-12T01:20:07.789" v="9859" actId="20577"/>
         <pc:sldMkLst>
           <pc:docMk/>
           <pc:sldMk cId="2652164246" sldId="264"/>
@@ -394,7 +395,7 @@
           </ac:spMkLst>
         </pc:spChg>
         <pc:graphicFrameChg chg="mod modGraphic">
-          <ac:chgData name="Calogera McCormick" userId="e0a4c6cb4146cbe1" providerId="LiveId" clId="{43E20478-7581-4DD6-9A41-2D114A35964C}" dt="2023-02-10T03:05:39.586" v="9063" actId="14100"/>
+          <ac:chgData name="Calogera McCormick" userId="e0a4c6cb4146cbe1" providerId="LiveId" clId="{43E20478-7581-4DD6-9A41-2D114A35964C}" dt="2023-02-12T01:20:07.789" v="9859" actId="20577"/>
           <ac:graphicFrameMkLst>
             <pc:docMk/>
             <pc:sldMk cId="2652164246" sldId="264"/>
@@ -815,6 +816,37 @@
           </ac:spMkLst>
         </pc:spChg>
       </pc:sldChg>
+      <pc:sldChg chg="modSp new mod">
+        <pc:chgData name="Calogera McCormick" userId="e0a4c6cb4146cbe1" providerId="LiveId" clId="{43E20478-7581-4DD6-9A41-2D114A35964C}" dt="2023-02-12T00:05:23.967" v="9255" actId="20577"/>
+        <pc:sldMkLst>
+          <pc:docMk/>
+          <pc:sldMk cId="1632897692" sldId="275"/>
+        </pc:sldMkLst>
+        <pc:spChg chg="mod">
+          <ac:chgData name="Calogera McCormick" userId="e0a4c6cb4146cbe1" providerId="LiveId" clId="{43E20478-7581-4DD6-9A41-2D114A35964C}" dt="2023-02-12T00:04:30.463" v="9112" actId="20577"/>
+          <ac:spMkLst>
+            <pc:docMk/>
+            <pc:sldMk cId="1632897692" sldId="275"/>
+            <ac:spMk id="2" creationId="{7ABA32C3-8E37-A477-75EF-9607C456E63C}"/>
+          </ac:spMkLst>
+        </pc:spChg>
+        <pc:spChg chg="mod">
+          <ac:chgData name="Calogera McCormick" userId="e0a4c6cb4146cbe1" providerId="LiveId" clId="{43E20478-7581-4DD6-9A41-2D114A35964C}" dt="2023-02-12T00:05:17.572" v="9241" actId="14100"/>
+          <ac:spMkLst>
+            <pc:docMk/>
+            <pc:sldMk cId="1632897692" sldId="275"/>
+            <ac:spMk id="3" creationId="{C78ACF02-BA7D-D456-6F9A-D21AEAB61A0D}"/>
+          </ac:spMkLst>
+        </pc:spChg>
+        <pc:spChg chg="mod">
+          <ac:chgData name="Calogera McCormick" userId="e0a4c6cb4146cbe1" providerId="LiveId" clId="{43E20478-7581-4DD6-9A41-2D114A35964C}" dt="2023-02-12T00:05:23.967" v="9255" actId="20577"/>
+          <ac:spMkLst>
+            <pc:docMk/>
+            <pc:sldMk cId="1632897692" sldId="275"/>
+            <ac:spMk id="4" creationId="{BC44D4DF-7575-9D62-00C1-6A8672929F0D}"/>
+          </ac:spMkLst>
+        </pc:spChg>
+      </pc:sldChg>
     </pc:docChg>
   </pc:docChgLst>
 </pc:chgInfo>
@@ -953,7 +985,7 @@
           <a:p>
             <a:fld id="{C21E9E10-B59A-4E9D-AF95-0F4C2023A7FB}" type="datetimeFigureOut">
               <a:rPr lang="en-US" smtClean="0"/>
-              <a:t>2/9/2023</a:t>
+              <a:t>2/11/2023</a:t>
             </a:fld>
             <a:endParaRPr lang="en-US"/>
           </a:p>
@@ -1240,7 +1272,7 @@
           <a:p>
             <a:fld id="{C21E9E10-B59A-4E9D-AF95-0F4C2023A7FB}" type="datetimeFigureOut">
               <a:rPr lang="en-US" smtClean="0"/>
-              <a:t>2/9/2023</a:t>
+              <a:t>2/11/2023</a:t>
             </a:fld>
             <a:endParaRPr lang="en-US"/>
           </a:p>
@@ -1432,7 +1464,7 @@
           <a:p>
             <a:fld id="{C21E9E10-B59A-4E9D-AF95-0F4C2023A7FB}" type="datetimeFigureOut">
               <a:rPr lang="en-US" smtClean="0"/>
-              <a:t>2/9/2023</a:t>
+              <a:t>2/11/2023</a:t>
             </a:fld>
             <a:endParaRPr lang="en-US"/>
           </a:p>
@@ -1693,7 +1725,7 @@
           <a:p>
             <a:fld id="{C21E9E10-B59A-4E9D-AF95-0F4C2023A7FB}" type="datetimeFigureOut">
               <a:rPr lang="en-US" smtClean="0"/>
-              <a:t>2/9/2023</a:t>
+              <a:t>2/11/2023</a:t>
             </a:fld>
             <a:endParaRPr lang="en-US"/>
           </a:p>
@@ -2117,7 +2149,7 @@
           <a:p>
             <a:fld id="{C21E9E10-B59A-4E9D-AF95-0F4C2023A7FB}" type="datetimeFigureOut">
               <a:rPr lang="en-US" smtClean="0"/>
-              <a:t>2/9/2023</a:t>
+              <a:t>2/11/2023</a:t>
             </a:fld>
             <a:endParaRPr lang="en-US"/>
           </a:p>
@@ -2663,7 +2695,7 @@
           <a:p>
             <a:fld id="{C21E9E10-B59A-4E9D-AF95-0F4C2023A7FB}" type="datetimeFigureOut">
               <a:rPr lang="en-US" smtClean="0"/>
-              <a:t>2/9/2023</a:t>
+              <a:t>2/11/2023</a:t>
             </a:fld>
             <a:endParaRPr lang="en-US"/>
           </a:p>
@@ -3503,7 +3535,7 @@
           <a:p>
             <a:fld id="{C21E9E10-B59A-4E9D-AF95-0F4C2023A7FB}" type="datetimeFigureOut">
               <a:rPr lang="en-US" smtClean="0"/>
-              <a:t>2/9/2023</a:t>
+              <a:t>2/11/2023</a:t>
             </a:fld>
             <a:endParaRPr lang="en-US"/>
           </a:p>
@@ -3673,7 +3705,7 @@
           <a:p>
             <a:fld id="{C21E9E10-B59A-4E9D-AF95-0F4C2023A7FB}" type="datetimeFigureOut">
               <a:rPr lang="en-US" smtClean="0"/>
-              <a:t>2/9/2023</a:t>
+              <a:t>2/11/2023</a:t>
             </a:fld>
             <a:endParaRPr lang="en-US"/>
           </a:p>
@@ -3857,7 +3889,7 @@
           <a:p>
             <a:fld id="{C21E9E10-B59A-4E9D-AF95-0F4C2023A7FB}" type="datetimeFigureOut">
               <a:rPr lang="en-US" smtClean="0"/>
-              <a:t>2/9/2023</a:t>
+              <a:t>2/11/2023</a:t>
             </a:fld>
             <a:endParaRPr lang="en-US"/>
           </a:p>
@@ -4027,7 +4059,7 @@
           <a:p>
             <a:fld id="{C21E9E10-B59A-4E9D-AF95-0F4C2023A7FB}" type="datetimeFigureOut">
               <a:rPr lang="en-US" smtClean="0"/>
-              <a:t>2/9/2023</a:t>
+              <a:t>2/11/2023</a:t>
             </a:fld>
             <a:endParaRPr lang="en-US"/>
           </a:p>
@@ -4275,7 +4307,7 @@
           <a:p>
             <a:fld id="{C21E9E10-B59A-4E9D-AF95-0F4C2023A7FB}" type="datetimeFigureOut">
               <a:rPr lang="en-US" smtClean="0"/>
-              <a:t>2/9/2023</a:t>
+              <a:t>2/11/2023</a:t>
             </a:fld>
             <a:endParaRPr lang="en-US"/>
           </a:p>
@@ -4512,7 +4544,7 @@
           <a:p>
             <a:fld id="{C21E9E10-B59A-4E9D-AF95-0F4C2023A7FB}" type="datetimeFigureOut">
               <a:rPr lang="en-US" smtClean="0"/>
-              <a:t>2/9/2023</a:t>
+              <a:t>2/11/2023</a:t>
             </a:fld>
             <a:endParaRPr lang="en-US"/>
           </a:p>
@@ -4885,7 +4917,7 @@
           <a:p>
             <a:fld id="{C21E9E10-B59A-4E9D-AF95-0F4C2023A7FB}" type="datetimeFigureOut">
               <a:rPr lang="en-US" smtClean="0"/>
-              <a:t>2/9/2023</a:t>
+              <a:t>2/11/2023</a:t>
             </a:fld>
             <a:endParaRPr lang="en-US"/>
           </a:p>
@@ -5003,7 +5035,7 @@
           <a:p>
             <a:fld id="{C21E9E10-B59A-4E9D-AF95-0F4C2023A7FB}" type="datetimeFigureOut">
               <a:rPr lang="en-US" smtClean="0"/>
-              <a:t>2/9/2023</a:t>
+              <a:t>2/11/2023</a:t>
             </a:fld>
             <a:endParaRPr lang="en-US"/>
           </a:p>
@@ -5098,7 +5130,7 @@
           <a:p>
             <a:fld id="{C21E9E10-B59A-4E9D-AF95-0F4C2023A7FB}" type="datetimeFigureOut">
               <a:rPr lang="en-US" smtClean="0"/>
-              <a:t>2/9/2023</a:t>
+              <a:t>2/11/2023</a:t>
             </a:fld>
             <a:endParaRPr lang="en-US"/>
           </a:p>
@@ -5349,7 +5381,7 @@
           <a:p>
             <a:fld id="{C21E9E10-B59A-4E9D-AF95-0F4C2023A7FB}" type="datetimeFigureOut">
               <a:rPr lang="en-US" smtClean="0"/>
-              <a:t>2/9/2023</a:t>
+              <a:t>2/11/2023</a:t>
             </a:fld>
             <a:endParaRPr lang="en-US"/>
           </a:p>
@@ -5636,7 +5668,7 @@
           <a:p>
             <a:fld id="{C21E9E10-B59A-4E9D-AF95-0F4C2023A7FB}" type="datetimeFigureOut">
               <a:rPr lang="en-US" smtClean="0"/>
-              <a:t>2/9/2023</a:t>
+              <a:t>2/11/2023</a:t>
             </a:fld>
             <a:endParaRPr lang="en-US"/>
           </a:p>
@@ -5849,7 +5881,7 @@
           <a:p>
             <a:fld id="{C21E9E10-B59A-4E9D-AF95-0F4C2023A7FB}" type="datetimeFigureOut">
               <a:rPr lang="en-US" smtClean="0"/>
-              <a:t>2/9/2023</a:t>
+              <a:t>2/11/2023</a:t>
             </a:fld>
             <a:endParaRPr lang="en-US"/>
           </a:p>
@@ -11769,6 +11801,179 @@
 </p:sld>
 </file>
 
+<file path=ppt/slides/slide19.xml><?xml version="1.0" encoding="utf-8"?>
+<p:sld xmlns:a="http://schemas.openxmlformats.org/drawingml/2006/main" xmlns:r="http://schemas.openxmlformats.org/officeDocument/2006/relationships" xmlns:p="http://schemas.openxmlformats.org/presentationml/2006/main">
+  <p:cSld>
+    <p:spTree>
+      <p:nvGrpSpPr>
+        <p:cNvPr id="1" name=""/>
+        <p:cNvGrpSpPr/>
+        <p:nvPr/>
+      </p:nvGrpSpPr>
+      <p:grpSpPr>
+        <a:xfrm>
+          <a:off x="0" y="0"/>
+          <a:ext cx="0" cy="0"/>
+          <a:chOff x="0" y="0"/>
+          <a:chExt cx="0" cy="0"/>
+        </a:xfrm>
+      </p:grpSpPr>
+      <p:sp>
+        <p:nvSpPr>
+          <p:cNvPr id="2" name="Title 1">
+            <a:extLst>
+              <a:ext uri="{FF2B5EF4-FFF2-40B4-BE49-F238E27FC236}">
+                <a16:creationId xmlns:a16="http://schemas.microsoft.com/office/drawing/2014/main" id="{7ABA32C3-8E37-A477-75EF-9607C456E63C}"/>
+              </a:ext>
+            </a:extLst>
+          </p:cNvPr>
+          <p:cNvSpPr>
+            <a:spLocks noGrp="1"/>
+          </p:cNvSpPr>
+          <p:nvPr>
+            <p:ph type="title"/>
+          </p:nvPr>
+        </p:nvSpPr>
+        <p:spPr/>
+        <p:txBody>
+          <a:bodyPr/>
+          <a:lstStyle/>
+          <a:p>
+            <a:r>
+              <a:rPr lang="en-US" dirty="0" err="1"/>
+              <a:t>TakeAWAYS</a:t>
+            </a:r>
+            <a:endParaRPr lang="en-US" dirty="0"/>
+          </a:p>
+        </p:txBody>
+      </p:sp>
+      <p:sp>
+        <p:nvSpPr>
+          <p:cNvPr id="3" name="Text Placeholder 2">
+            <a:extLst>
+              <a:ext uri="{FF2B5EF4-FFF2-40B4-BE49-F238E27FC236}">
+                <a16:creationId xmlns:a16="http://schemas.microsoft.com/office/drawing/2014/main" id="{C78ACF02-BA7D-D456-6F9A-D21AEAB61A0D}"/>
+              </a:ext>
+            </a:extLst>
+          </p:cNvPr>
+          <p:cNvSpPr>
+            <a:spLocks noGrp="1"/>
+          </p:cNvSpPr>
+          <p:nvPr>
+            <p:ph type="body" idx="1"/>
+          </p:nvPr>
+        </p:nvSpPr>
+        <p:spPr>
+          <a:xfrm>
+            <a:off x="924444" y="2088320"/>
+            <a:ext cx="5096560" cy="823912"/>
+          </a:xfrm>
+        </p:spPr>
+        <p:txBody>
+          <a:bodyPr/>
+          <a:lstStyle/>
+          <a:p>
+            <a:endParaRPr lang="en-US"/>
+          </a:p>
+        </p:txBody>
+      </p:sp>
+      <p:sp>
+        <p:nvSpPr>
+          <p:cNvPr id="4" name="Content Placeholder 3">
+            <a:extLst>
+              <a:ext uri="{FF2B5EF4-FFF2-40B4-BE49-F238E27FC236}">
+                <a16:creationId xmlns:a16="http://schemas.microsoft.com/office/drawing/2014/main" id="{BC44D4DF-7575-9D62-00C1-6A8672929F0D}"/>
+              </a:ext>
+            </a:extLst>
+          </p:cNvPr>
+          <p:cNvSpPr>
+            <a:spLocks noGrp="1"/>
+          </p:cNvSpPr>
+          <p:nvPr>
+            <p:ph sz="half" idx="2"/>
+          </p:nvPr>
+        </p:nvSpPr>
+        <p:spPr/>
+        <p:txBody>
+          <a:bodyPr/>
+          <a:lstStyle/>
+          <a:p>
+            <a:r>
+              <a:rPr lang="en-US" dirty="0"/>
+              <a:t>Order of programming matters – example weather subgroup before or after</a:t>
+            </a:r>
+          </a:p>
+          <a:p>
+            <a:r>
+              <a:rPr lang="en-US" dirty="0"/>
+              <a:t>Use other tools for logic check, if needed</a:t>
+            </a:r>
+          </a:p>
+        </p:txBody>
+      </p:sp>
+      <p:sp>
+        <p:nvSpPr>
+          <p:cNvPr id="5" name="Text Placeholder 4">
+            <a:extLst>
+              <a:ext uri="{FF2B5EF4-FFF2-40B4-BE49-F238E27FC236}">
+                <a16:creationId xmlns:a16="http://schemas.microsoft.com/office/drawing/2014/main" id="{B6983070-CDA1-EAE4-D4A2-0F7BFB0A4D92}"/>
+              </a:ext>
+            </a:extLst>
+          </p:cNvPr>
+          <p:cNvSpPr>
+            <a:spLocks noGrp="1"/>
+          </p:cNvSpPr>
+          <p:nvPr>
+            <p:ph type="body" sz="quarter" idx="3"/>
+          </p:nvPr>
+        </p:nvSpPr>
+        <p:spPr/>
+        <p:txBody>
+          <a:bodyPr/>
+          <a:lstStyle/>
+          <a:p>
+            <a:endParaRPr lang="en-US"/>
+          </a:p>
+        </p:txBody>
+      </p:sp>
+      <p:sp>
+        <p:nvSpPr>
+          <p:cNvPr id="6" name="Content Placeholder 5">
+            <a:extLst>
+              <a:ext uri="{FF2B5EF4-FFF2-40B4-BE49-F238E27FC236}">
+                <a16:creationId xmlns:a16="http://schemas.microsoft.com/office/drawing/2014/main" id="{86334E78-C71D-C0F6-79CE-7956E53D9D03}"/>
+              </a:ext>
+            </a:extLst>
+          </p:cNvPr>
+          <p:cNvSpPr>
+            <a:spLocks noGrp="1"/>
+          </p:cNvSpPr>
+          <p:nvPr>
+            <p:ph sz="quarter" idx="4"/>
+          </p:nvPr>
+        </p:nvSpPr>
+        <p:spPr/>
+        <p:txBody>
+          <a:bodyPr/>
+          <a:lstStyle/>
+          <a:p>
+            <a:endParaRPr lang="en-US"/>
+          </a:p>
+        </p:txBody>
+      </p:sp>
+    </p:spTree>
+    <p:extLst>
+      <p:ext uri="{BB962C8B-B14F-4D97-AF65-F5344CB8AC3E}">
+        <p14:creationId xmlns:p14="http://schemas.microsoft.com/office/powerpoint/2010/main" val="1632897692"/>
+      </p:ext>
+    </p:extLst>
+  </p:cSld>
+  <p:clrMapOvr>
+    <a:masterClrMapping/>
+  </p:clrMapOvr>
+</p:sld>
+</file>
+
 <file path=ppt/slides/slide2.xml><?xml version="1.0" encoding="utf-8"?>
 <p:sld xmlns:a="http://schemas.openxmlformats.org/drawingml/2006/main" xmlns:r="http://schemas.openxmlformats.org/officeDocument/2006/relationships" xmlns:p="http://schemas.openxmlformats.org/presentationml/2006/main">
   <p:cSld>
@@ -12057,14 +12262,14 @@
           <p:nvPr>
             <p:extLst>
               <p:ext uri="{D42A27DB-BD31-4B8C-83A1-F6EECF244321}">
-                <p14:modId xmlns:p14="http://schemas.microsoft.com/office/powerpoint/2010/main" val="2636216396"/>
+                <p14:modId xmlns:p14="http://schemas.microsoft.com/office/powerpoint/2010/main" val="2309816840"/>
               </p:ext>
             </p:extLst>
           </p:nvPr>
         </p:nvGraphicFramePr>
         <p:xfrm>
           <a:off x="240384" y="691454"/>
-          <a:ext cx="11660465" cy="5186158"/>
+          <a:ext cx="11660465" cy="8733959"/>
         </p:xfrm>
         <a:graphic>
           <a:graphicData uri="http://schemas.openxmlformats.org/drawingml/2006/table">
@@ -12116,7 +12321,7 @@
                           <a:latin typeface="Arial" panose="020B0604020202020204" pitchFamily="34" charset="0"/>
                           <a:cs typeface="Arial" panose="020B0604020202020204" pitchFamily="34" charset="0"/>
                         </a:rPr>
-                        <a:t>Team</a:t>
+                        <a:t>Source</a:t>
                       </a:r>
                     </a:p>
                   </a:txBody>
@@ -12182,6 +12387,844 @@
                 <a:extLst>
                   <a:ext uri="{0D108BD9-81ED-4DB2-BD59-A6C34878D82A}">
                     <a16:rowId xmlns:a16="http://schemas.microsoft.com/office/drawing/2014/main" val="2245751984"/>
+                  </a:ext>
+                </a:extLst>
+              </a:tr>
+              <a:tr h="161584">
+                <a:tc>
+                  <a:txBody>
+                    <a:bodyPr/>
+                    <a:lstStyle/>
+                    <a:p>
+                      <a:pPr marL="0" marR="0" lvl="0" indent="0" algn="l" defTabSz="914400" rtl="0" eaLnBrk="1" fontAlgn="auto" latinLnBrk="0" hangingPunct="1">
+                        <a:lnSpc>
+                          <a:spcPct val="100000"/>
+                        </a:lnSpc>
+                        <a:spcBef>
+                          <a:spcPts val="0"/>
+                        </a:spcBef>
+                        <a:spcAft>
+                          <a:spcPts val="0"/>
+                        </a:spcAft>
+                        <a:buClrTx/>
+                        <a:buSzTx/>
+                        <a:buFont typeface="Arial" panose="020B0604020202020204" pitchFamily="34" charset="0"/>
+                        <a:buNone/>
+                        <a:tabLst/>
+                        <a:defRPr/>
+                      </a:pPr>
+                      <a:r>
+                        <a:rPr lang="en-US" sz="1000" dirty="0">
+                          <a:latin typeface="Arial" panose="020B0604020202020204" pitchFamily="34" charset="0"/>
+                          <a:cs typeface="Arial" panose="020B0604020202020204" pitchFamily="34" charset="0"/>
+                        </a:rPr>
+                        <a:t>Table 1</a:t>
+                      </a:r>
+                    </a:p>
+                    <a:p>
+                      <a:pPr marL="0" marR="0" lvl="0" indent="0" algn="l" defTabSz="914400" rtl="0" eaLnBrk="1" fontAlgn="auto" latinLnBrk="0" hangingPunct="1">
+                        <a:lnSpc>
+                          <a:spcPct val="100000"/>
+                        </a:lnSpc>
+                        <a:spcBef>
+                          <a:spcPts val="0"/>
+                        </a:spcBef>
+                        <a:spcAft>
+                          <a:spcPts val="0"/>
+                        </a:spcAft>
+                        <a:buClrTx/>
+                        <a:buSzTx/>
+                        <a:buFont typeface="Arial" panose="020B0604020202020204" pitchFamily="34" charset="0"/>
+                        <a:buNone/>
+                        <a:tabLst/>
+                        <a:defRPr/>
+                      </a:pPr>
+                      <a:r>
+                        <a:rPr lang="en-US" sz="1000" dirty="0">
+                          <a:latin typeface="Arial" panose="020B0604020202020204" pitchFamily="34" charset="0"/>
+                          <a:cs typeface="Arial" panose="020B0604020202020204" pitchFamily="34" charset="0"/>
+                        </a:rPr>
+                        <a:t>Table 2</a:t>
+                      </a:r>
+                    </a:p>
+                  </a:txBody>
+                  <a:tcPr/>
+                </a:tc>
+                <a:tc>
+                  <a:txBody>
+                    <a:bodyPr/>
+                    <a:lstStyle/>
+                    <a:p>
+                      <a:pPr marL="0" marR="0" lvl="0" indent="0" algn="l" defTabSz="914400" rtl="0" eaLnBrk="1" fontAlgn="auto" latinLnBrk="0" hangingPunct="1">
+                        <a:lnSpc>
+                          <a:spcPct val="100000"/>
+                        </a:lnSpc>
+                        <a:spcBef>
+                          <a:spcPts val="0"/>
+                        </a:spcBef>
+                        <a:spcAft>
+                          <a:spcPts val="0"/>
+                        </a:spcAft>
+                        <a:buClrTx/>
+                        <a:buSzTx/>
+                        <a:buFont typeface="Arial" panose="020B0604020202020204" pitchFamily="34" charset="0"/>
+                        <a:buNone/>
+                        <a:tabLst/>
+                        <a:defRPr/>
+                      </a:pPr>
+                      <a:r>
+                        <a:rPr lang="en-US" sz="1000" dirty="0">
+                          <a:latin typeface="Arial" panose="020B0604020202020204" pitchFamily="34" charset="0"/>
+                          <a:cs typeface="Arial" panose="020B0604020202020204" pitchFamily="34" charset="0"/>
+                        </a:rPr>
+                        <a:t>Delays</a:t>
+                      </a:r>
+                    </a:p>
+                  </a:txBody>
+                  <a:tcPr/>
+                </a:tc>
+                <a:tc>
+                  <a:txBody>
+                    <a:bodyPr/>
+                    <a:lstStyle/>
+                    <a:p>
+                      <a:pPr marL="0" marR="0" lvl="0" indent="0" algn="l" defTabSz="914400" rtl="0" eaLnBrk="1" fontAlgn="auto" latinLnBrk="0" hangingPunct="1">
+                        <a:lnSpc>
+                          <a:spcPct val="100000"/>
+                        </a:lnSpc>
+                        <a:spcBef>
+                          <a:spcPts val="0"/>
+                        </a:spcBef>
+                        <a:spcAft>
+                          <a:spcPts val="0"/>
+                        </a:spcAft>
+                        <a:buClrTx/>
+                        <a:buSzTx/>
+                        <a:buFontTx/>
+                        <a:buNone/>
+                        <a:tabLst/>
+                        <a:defRPr/>
+                      </a:pPr>
+                      <a:r>
+                        <a:rPr lang="en-US" sz="1000" dirty="0">
+                          <a:latin typeface="Arial" panose="020B0604020202020204" pitchFamily="34" charset="0"/>
+                          <a:cs typeface="Arial" panose="020B0604020202020204" pitchFamily="34" charset="0"/>
+                        </a:rPr>
+                        <a:t>Number of delayed, cancelled and diverted flights in all US for 20 years for </a:t>
+                      </a:r>
+                      <a:r>
+                        <a:rPr lang="en-US" sz="1000" b="1" dirty="0">
+                          <a:latin typeface="Arial" panose="020B0604020202020204" pitchFamily="34" charset="0"/>
+                          <a:cs typeface="Arial" panose="020B0604020202020204" pitchFamily="34" charset="0"/>
+                        </a:rPr>
+                        <a:t>any reason and for last 5 years for any reason.</a:t>
+                      </a:r>
+                    </a:p>
+                  </a:txBody>
+                  <a:tcPr/>
+                </a:tc>
+                <a:tc>
+                  <a:txBody>
+                    <a:bodyPr/>
+                    <a:lstStyle/>
+                    <a:p>
+                      <a:pPr marL="0" marR="0" lvl="0" indent="0" algn="l" defTabSz="914400" rtl="0" eaLnBrk="1" fontAlgn="auto" latinLnBrk="0" hangingPunct="1">
+                        <a:lnSpc>
+                          <a:spcPct val="100000"/>
+                        </a:lnSpc>
+                        <a:spcBef>
+                          <a:spcPts val="0"/>
+                        </a:spcBef>
+                        <a:spcAft>
+                          <a:spcPts val="0"/>
+                        </a:spcAft>
+                        <a:buClrTx/>
+                        <a:buSzTx/>
+                        <a:buFontTx/>
+                        <a:buNone/>
+                        <a:tabLst/>
+                        <a:defRPr/>
+                      </a:pPr>
+                      <a:r>
+                        <a:rPr lang="en-US" sz="1000" b="1" dirty="0">
+                          <a:highlight>
+                            <a:srgbClr val="FFFF00"/>
+                          </a:highlight>
+                          <a:latin typeface="Arial" panose="020B0604020202020204" pitchFamily="34" charset="0"/>
+                          <a:cs typeface="Arial" panose="020B0604020202020204" pitchFamily="34" charset="0"/>
+                        </a:rPr>
+                        <a:t>How have the delays for the last 5 years (2018 to 2022) compared to the prior years</a:t>
+                      </a:r>
+                    </a:p>
+                  </a:txBody>
+                  <a:tcPr/>
+                </a:tc>
+                <a:extLst>
+                  <a:ext uri="{0D108BD9-81ED-4DB2-BD59-A6C34878D82A}">
+                    <a16:rowId xmlns:a16="http://schemas.microsoft.com/office/drawing/2014/main" val="2164387241"/>
+                  </a:ext>
+                </a:extLst>
+              </a:tr>
+              <a:tr h="0">
+                <a:tc>
+                  <a:txBody>
+                    <a:bodyPr/>
+                    <a:lstStyle/>
+                    <a:p>
+                      <a:pPr marL="0" marR="0" lvl="0" indent="0" algn="l" defTabSz="914400" rtl="0" eaLnBrk="1" fontAlgn="auto" latinLnBrk="0" hangingPunct="1">
+                        <a:lnSpc>
+                          <a:spcPct val="100000"/>
+                        </a:lnSpc>
+                        <a:spcBef>
+                          <a:spcPts val="0"/>
+                        </a:spcBef>
+                        <a:spcAft>
+                          <a:spcPts val="0"/>
+                        </a:spcAft>
+                        <a:buClrTx/>
+                        <a:buSzTx/>
+                        <a:buFont typeface="Arial" panose="020B0604020202020204" pitchFamily="34" charset="0"/>
+                        <a:buNone/>
+                        <a:tabLst/>
+                        <a:defRPr/>
+                      </a:pPr>
+                      <a:r>
+                        <a:rPr lang="en-US" sz="1000" dirty="0">
+                          <a:latin typeface="Arial" panose="020B0604020202020204" pitchFamily="34" charset="0"/>
+                          <a:cs typeface="Arial" panose="020B0604020202020204" pitchFamily="34" charset="0"/>
+                        </a:rPr>
+                        <a:t>Table 3</a:t>
+                      </a:r>
+                    </a:p>
+                    <a:p>
+                      <a:pPr marL="0" marR="0" lvl="0" indent="0" algn="l" defTabSz="914400" rtl="0" eaLnBrk="1" fontAlgn="auto" latinLnBrk="0" hangingPunct="1">
+                        <a:lnSpc>
+                          <a:spcPct val="100000"/>
+                        </a:lnSpc>
+                        <a:spcBef>
+                          <a:spcPts val="0"/>
+                        </a:spcBef>
+                        <a:spcAft>
+                          <a:spcPts val="0"/>
+                        </a:spcAft>
+                        <a:buClrTx/>
+                        <a:buSzTx/>
+                        <a:buFont typeface="Arial" panose="020B0604020202020204" pitchFamily="34" charset="0"/>
+                        <a:buNone/>
+                        <a:tabLst/>
+                        <a:defRPr/>
+                      </a:pPr>
+                      <a:r>
+                        <a:rPr lang="en-US" sz="1000" dirty="0">
+                          <a:latin typeface="Arial" panose="020B0604020202020204" pitchFamily="34" charset="0"/>
+                          <a:cs typeface="Arial" panose="020B0604020202020204" pitchFamily="34" charset="0"/>
+                        </a:rPr>
+                        <a:t>Table 4</a:t>
+                      </a:r>
+                    </a:p>
+                  </a:txBody>
+                  <a:tcPr/>
+                </a:tc>
+                <a:tc>
+                  <a:txBody>
+                    <a:bodyPr/>
+                    <a:lstStyle/>
+                    <a:p>
+                      <a:pPr marL="0" marR="0" lvl="0" indent="0" algn="l" defTabSz="914400" rtl="0" eaLnBrk="1" fontAlgn="auto" latinLnBrk="0" hangingPunct="1">
+                        <a:lnSpc>
+                          <a:spcPct val="100000"/>
+                        </a:lnSpc>
+                        <a:spcBef>
+                          <a:spcPts val="0"/>
+                        </a:spcBef>
+                        <a:spcAft>
+                          <a:spcPts val="0"/>
+                        </a:spcAft>
+                        <a:buClrTx/>
+                        <a:buSzTx/>
+                        <a:buFont typeface="Arial" panose="020B0604020202020204" pitchFamily="34" charset="0"/>
+                        <a:buNone/>
+                        <a:tabLst/>
+                        <a:defRPr/>
+                      </a:pPr>
+                      <a:r>
+                        <a:rPr lang="en-US" sz="1000" dirty="0">
+                          <a:latin typeface="Arial" panose="020B0604020202020204" pitchFamily="34" charset="0"/>
+                          <a:cs typeface="Arial" panose="020B0604020202020204" pitchFamily="34" charset="0"/>
+                        </a:rPr>
+                        <a:t>Delays</a:t>
+                      </a:r>
+                    </a:p>
+                  </a:txBody>
+                  <a:tcPr/>
+                </a:tc>
+                <a:tc>
+                  <a:txBody>
+                    <a:bodyPr/>
+                    <a:lstStyle/>
+                    <a:p>
+                      <a:pPr marL="0" marR="0" lvl="0" indent="0" algn="l" defTabSz="914400" rtl="0" eaLnBrk="1" fontAlgn="auto" latinLnBrk="0" hangingPunct="1">
+                        <a:lnSpc>
+                          <a:spcPct val="100000"/>
+                        </a:lnSpc>
+                        <a:spcBef>
+                          <a:spcPts val="0"/>
+                        </a:spcBef>
+                        <a:spcAft>
+                          <a:spcPts val="0"/>
+                        </a:spcAft>
+                        <a:buClrTx/>
+                        <a:buSzTx/>
+                        <a:buFontTx/>
+                        <a:buNone/>
+                        <a:tabLst/>
+                        <a:defRPr/>
+                      </a:pPr>
+                      <a:r>
+                        <a:rPr lang="en-US" sz="1000" dirty="0">
+                          <a:latin typeface="Arial" panose="020B0604020202020204" pitchFamily="34" charset="0"/>
+                          <a:cs typeface="Arial" panose="020B0604020202020204" pitchFamily="34" charset="0"/>
+                        </a:rPr>
+                        <a:t>Number of delayed flights in all US for 20 years and last 5 years for </a:t>
+                      </a:r>
+                      <a:r>
+                        <a:rPr lang="en-US" sz="1000" b="1" dirty="0">
+                          <a:latin typeface="Arial" panose="020B0604020202020204" pitchFamily="34" charset="0"/>
+                          <a:cs typeface="Arial" panose="020B0604020202020204" pitchFamily="34" charset="0"/>
+                        </a:rPr>
+                        <a:t>any reason (includes all airlines in US) (total aggregate sum)</a:t>
+                      </a:r>
+                    </a:p>
+                  </a:txBody>
+                  <a:tcPr/>
+                </a:tc>
+                <a:tc>
+                  <a:txBody>
+                    <a:bodyPr/>
+                    <a:lstStyle/>
+                    <a:p>
+                      <a:pPr marL="0" marR="0" lvl="0" indent="0" algn="l" defTabSz="914400" rtl="0" eaLnBrk="1" fontAlgn="auto" latinLnBrk="0" hangingPunct="1">
+                        <a:lnSpc>
+                          <a:spcPct val="100000"/>
+                        </a:lnSpc>
+                        <a:spcBef>
+                          <a:spcPts val="0"/>
+                        </a:spcBef>
+                        <a:spcAft>
+                          <a:spcPts val="0"/>
+                        </a:spcAft>
+                        <a:buClrTx/>
+                        <a:buSzTx/>
+                        <a:buFontTx/>
+                        <a:buNone/>
+                        <a:tabLst/>
+                        <a:defRPr/>
+                      </a:pPr>
+                      <a:endParaRPr lang="en-US" sz="1000" b="1" dirty="0">
+                        <a:latin typeface="Arial" panose="020B0604020202020204" pitchFamily="34" charset="0"/>
+                        <a:cs typeface="Arial" panose="020B0604020202020204" pitchFamily="34" charset="0"/>
+                      </a:endParaRPr>
+                    </a:p>
+                  </a:txBody>
+                  <a:tcPr/>
+                </a:tc>
+                <a:extLst>
+                  <a:ext uri="{0D108BD9-81ED-4DB2-BD59-A6C34878D82A}">
+                    <a16:rowId xmlns:a16="http://schemas.microsoft.com/office/drawing/2014/main" val="783266091"/>
+                  </a:ext>
+                </a:extLst>
+              </a:tr>
+              <a:tr h="0">
+                <a:tc>
+                  <a:txBody>
+                    <a:bodyPr/>
+                    <a:lstStyle/>
+                    <a:p>
+                      <a:pPr marL="0" marR="0" lvl="0" indent="0" algn="l" defTabSz="914400" rtl="0" eaLnBrk="1" fontAlgn="auto" latinLnBrk="0" hangingPunct="1">
+                        <a:lnSpc>
+                          <a:spcPct val="100000"/>
+                        </a:lnSpc>
+                        <a:spcBef>
+                          <a:spcPts val="0"/>
+                        </a:spcBef>
+                        <a:spcAft>
+                          <a:spcPts val="0"/>
+                        </a:spcAft>
+                        <a:buClrTx/>
+                        <a:buSzTx/>
+                        <a:buFont typeface="Arial" panose="020B0604020202020204" pitchFamily="34" charset="0"/>
+                        <a:buNone/>
+                        <a:tabLst/>
+                        <a:defRPr/>
+                      </a:pPr>
+                      <a:r>
+                        <a:rPr lang="en-US" sz="1000" dirty="0">
+                          <a:latin typeface="Arial" panose="020B0604020202020204" pitchFamily="34" charset="0"/>
+                          <a:cs typeface="Arial" panose="020B0604020202020204" pitchFamily="34" charset="0"/>
+                        </a:rPr>
+                        <a:t>Table 5</a:t>
+                      </a:r>
+                    </a:p>
+                  </a:txBody>
+                  <a:tcPr/>
+                </a:tc>
+                <a:tc>
+                  <a:txBody>
+                    <a:bodyPr/>
+                    <a:lstStyle/>
+                    <a:p>
+                      <a:pPr marL="0" marR="0" lvl="0" indent="0" algn="l" defTabSz="914400" rtl="0" eaLnBrk="1" fontAlgn="auto" latinLnBrk="0" hangingPunct="1">
+                        <a:lnSpc>
+                          <a:spcPct val="100000"/>
+                        </a:lnSpc>
+                        <a:spcBef>
+                          <a:spcPts val="0"/>
+                        </a:spcBef>
+                        <a:spcAft>
+                          <a:spcPts val="0"/>
+                        </a:spcAft>
+                        <a:buClrTx/>
+                        <a:buSzTx/>
+                        <a:buFont typeface="Arial" panose="020B0604020202020204" pitchFamily="34" charset="0"/>
+                        <a:buNone/>
+                        <a:tabLst/>
+                        <a:defRPr/>
+                      </a:pPr>
+                      <a:r>
+                        <a:rPr lang="en-US" sz="1000" dirty="0">
+                          <a:latin typeface="Arial" panose="020B0604020202020204" pitchFamily="34" charset="0"/>
+                          <a:cs typeface="Arial" panose="020B0604020202020204" pitchFamily="34" charset="0"/>
+                        </a:rPr>
+                        <a:t>Delays</a:t>
+                      </a:r>
+                    </a:p>
+                  </a:txBody>
+                  <a:tcPr/>
+                </a:tc>
+                <a:tc>
+                  <a:txBody>
+                    <a:bodyPr/>
+                    <a:lstStyle/>
+                    <a:p>
+                      <a:pPr marL="0" marR="0" lvl="0" indent="0" algn="l" defTabSz="914400" rtl="0" eaLnBrk="1" fontAlgn="auto" latinLnBrk="0" hangingPunct="1">
+                        <a:lnSpc>
+                          <a:spcPct val="100000"/>
+                        </a:lnSpc>
+                        <a:spcBef>
+                          <a:spcPts val="0"/>
+                        </a:spcBef>
+                        <a:spcAft>
+                          <a:spcPts val="0"/>
+                        </a:spcAft>
+                        <a:buClrTx/>
+                        <a:buSzTx/>
+                        <a:buFontTx/>
+                        <a:buNone/>
+                        <a:tabLst/>
+                        <a:defRPr/>
+                      </a:pPr>
+                      <a:r>
+                        <a:rPr lang="en-US" sz="1000" dirty="0">
+                          <a:latin typeface="Arial" panose="020B0604020202020204" pitchFamily="34" charset="0"/>
+                          <a:cs typeface="Arial" panose="020B0604020202020204" pitchFamily="34" charset="0"/>
+                        </a:rPr>
+                        <a:t>Number of delayed flights in all US for 20 years and 5 years for </a:t>
+                      </a:r>
+                      <a:r>
+                        <a:rPr lang="en-US" sz="1000" b="1" dirty="0">
+                          <a:latin typeface="Arial" panose="020B0604020202020204" pitchFamily="34" charset="0"/>
+                          <a:cs typeface="Arial" panose="020B0604020202020204" pitchFamily="34" charset="0"/>
+                        </a:rPr>
+                        <a:t>any reason for select AIRPORTS (total aggregate sum) – airports with at least 1 month with &gt;= 50 weather delays in 2018 to 2022 by any airline</a:t>
+                      </a:r>
+                    </a:p>
+                  </a:txBody>
+                  <a:tcPr/>
+                </a:tc>
+                <a:tc>
+                  <a:txBody>
+                    <a:bodyPr/>
+                    <a:lstStyle/>
+                    <a:p>
+                      <a:pPr marL="0" marR="0" lvl="0" indent="0" algn="l" defTabSz="914400" rtl="0" eaLnBrk="1" fontAlgn="auto" latinLnBrk="0" hangingPunct="1">
+                        <a:lnSpc>
+                          <a:spcPct val="100000"/>
+                        </a:lnSpc>
+                        <a:spcBef>
+                          <a:spcPts val="0"/>
+                        </a:spcBef>
+                        <a:spcAft>
+                          <a:spcPts val="0"/>
+                        </a:spcAft>
+                        <a:buClrTx/>
+                        <a:buSzTx/>
+                        <a:buFontTx/>
+                        <a:buNone/>
+                        <a:tabLst/>
+                        <a:defRPr/>
+                      </a:pPr>
+                      <a:endParaRPr lang="en-US" sz="1000" b="1" dirty="0">
+                        <a:latin typeface="Arial" panose="020B0604020202020204" pitchFamily="34" charset="0"/>
+                        <a:cs typeface="Arial" panose="020B0604020202020204" pitchFamily="34" charset="0"/>
+                      </a:endParaRPr>
+                    </a:p>
+                  </a:txBody>
+                  <a:tcPr/>
+                </a:tc>
+                <a:extLst>
+                  <a:ext uri="{0D108BD9-81ED-4DB2-BD59-A6C34878D82A}">
+                    <a16:rowId xmlns:a16="http://schemas.microsoft.com/office/drawing/2014/main" val="1723643592"/>
+                  </a:ext>
+                </a:extLst>
+              </a:tr>
+              <a:tr h="0">
+                <a:tc>
+                  <a:txBody>
+                    <a:bodyPr/>
+                    <a:lstStyle/>
+                    <a:p>
+                      <a:pPr marL="0" marR="0" lvl="0" indent="0" algn="l" defTabSz="914400" rtl="0" eaLnBrk="1" fontAlgn="auto" latinLnBrk="0" hangingPunct="1">
+                        <a:lnSpc>
+                          <a:spcPct val="100000"/>
+                        </a:lnSpc>
+                        <a:spcBef>
+                          <a:spcPts val="0"/>
+                        </a:spcBef>
+                        <a:spcAft>
+                          <a:spcPts val="0"/>
+                        </a:spcAft>
+                        <a:buClrTx/>
+                        <a:buSzTx/>
+                        <a:buFont typeface="Arial" panose="020B0604020202020204" pitchFamily="34" charset="0"/>
+                        <a:buNone/>
+                        <a:tabLst/>
+                        <a:defRPr/>
+                      </a:pPr>
+                      <a:r>
+                        <a:rPr lang="en-US" sz="1000" dirty="0">
+                          <a:latin typeface="Arial" panose="020B0604020202020204" pitchFamily="34" charset="0"/>
+                          <a:cs typeface="Arial" panose="020B0604020202020204" pitchFamily="34" charset="0"/>
+                        </a:rPr>
+                        <a:t>Table 7</a:t>
+                      </a:r>
+                    </a:p>
+                    <a:p>
+                      <a:pPr marL="0" marR="0" lvl="0" indent="0" algn="l" defTabSz="914400" rtl="0" eaLnBrk="1" fontAlgn="auto" latinLnBrk="0" hangingPunct="1">
+                        <a:lnSpc>
+                          <a:spcPct val="100000"/>
+                        </a:lnSpc>
+                        <a:spcBef>
+                          <a:spcPts val="0"/>
+                        </a:spcBef>
+                        <a:spcAft>
+                          <a:spcPts val="0"/>
+                        </a:spcAft>
+                        <a:buClrTx/>
+                        <a:buSzTx/>
+                        <a:buFont typeface="Arial" panose="020B0604020202020204" pitchFamily="34" charset="0"/>
+                        <a:buNone/>
+                        <a:tabLst/>
+                        <a:defRPr/>
+                      </a:pPr>
+                      <a:r>
+                        <a:rPr lang="en-US" sz="1000" dirty="0">
+                          <a:latin typeface="Arial" panose="020B0604020202020204" pitchFamily="34" charset="0"/>
+                          <a:cs typeface="Arial" panose="020B0604020202020204" pitchFamily="34" charset="0"/>
+                        </a:rPr>
+                        <a:t>Table 8</a:t>
+                      </a:r>
+                    </a:p>
+                  </a:txBody>
+                  <a:tcPr/>
+                </a:tc>
+                <a:tc>
+                  <a:txBody>
+                    <a:bodyPr/>
+                    <a:lstStyle/>
+                    <a:p>
+                      <a:pPr marL="0" marR="0" lvl="0" indent="0" algn="l" defTabSz="914400" rtl="0" eaLnBrk="1" fontAlgn="auto" latinLnBrk="0" hangingPunct="1">
+                        <a:lnSpc>
+                          <a:spcPct val="100000"/>
+                        </a:lnSpc>
+                        <a:spcBef>
+                          <a:spcPts val="0"/>
+                        </a:spcBef>
+                        <a:spcAft>
+                          <a:spcPts val="0"/>
+                        </a:spcAft>
+                        <a:buClrTx/>
+                        <a:buSzTx/>
+                        <a:buFont typeface="Arial" panose="020B0604020202020204" pitchFamily="34" charset="0"/>
+                        <a:buNone/>
+                        <a:tabLst/>
+                        <a:defRPr/>
+                      </a:pPr>
+                      <a:r>
+                        <a:rPr lang="en-US" sz="1000" dirty="0">
+                          <a:latin typeface="Arial" panose="020B0604020202020204" pitchFamily="34" charset="0"/>
+                          <a:cs typeface="Arial" panose="020B0604020202020204" pitchFamily="34" charset="0"/>
+                        </a:rPr>
+                        <a:t>Delays</a:t>
+                      </a:r>
+                    </a:p>
+                  </a:txBody>
+                  <a:tcPr/>
+                </a:tc>
+                <a:tc>
+                  <a:txBody>
+                    <a:bodyPr/>
+                    <a:lstStyle/>
+                    <a:p>
+                      <a:pPr marL="0" marR="0" lvl="0" indent="0" algn="l" defTabSz="914400" rtl="0" eaLnBrk="1" fontAlgn="auto" latinLnBrk="0" hangingPunct="1">
+                        <a:lnSpc>
+                          <a:spcPct val="100000"/>
+                        </a:lnSpc>
+                        <a:spcBef>
+                          <a:spcPts val="0"/>
+                        </a:spcBef>
+                        <a:spcAft>
+                          <a:spcPts val="0"/>
+                        </a:spcAft>
+                        <a:buClrTx/>
+                        <a:buSzTx/>
+                        <a:buFontTx/>
+                        <a:buNone/>
+                        <a:tabLst/>
+                        <a:defRPr/>
+                      </a:pPr>
+                      <a:r>
+                        <a:rPr lang="en-US" sz="1000" dirty="0">
+                          <a:latin typeface="Arial" panose="020B0604020202020204" pitchFamily="34" charset="0"/>
+                          <a:cs typeface="Arial" panose="020B0604020202020204" pitchFamily="34" charset="0"/>
+                        </a:rPr>
+                        <a:t>Number of delayed flights in all US for 20 years and 5 years for </a:t>
+                      </a:r>
+                      <a:r>
+                        <a:rPr lang="en-US" sz="1000" b="1" dirty="0">
+                          <a:latin typeface="Arial" panose="020B0604020202020204" pitchFamily="34" charset="0"/>
+                          <a:cs typeface="Arial" panose="020B0604020202020204" pitchFamily="34" charset="0"/>
+                        </a:rPr>
+                        <a:t>any reason for 5 AIRLINES (total aggregate sum)</a:t>
+                      </a:r>
+                    </a:p>
+                  </a:txBody>
+                  <a:tcPr/>
+                </a:tc>
+                <a:tc>
+                  <a:txBody>
+                    <a:bodyPr/>
+                    <a:lstStyle/>
+                    <a:p>
+                      <a:pPr marL="0" marR="0" lvl="0" indent="0" algn="l" defTabSz="914400" rtl="0" eaLnBrk="1" fontAlgn="auto" latinLnBrk="0" hangingPunct="1">
+                        <a:lnSpc>
+                          <a:spcPct val="100000"/>
+                        </a:lnSpc>
+                        <a:spcBef>
+                          <a:spcPts val="0"/>
+                        </a:spcBef>
+                        <a:spcAft>
+                          <a:spcPts val="0"/>
+                        </a:spcAft>
+                        <a:buClrTx/>
+                        <a:buSzTx/>
+                        <a:buFontTx/>
+                        <a:buNone/>
+                        <a:tabLst/>
+                        <a:defRPr/>
+                      </a:pPr>
+                      <a:r>
+                        <a:rPr lang="en-US" sz="1000" b="1" dirty="0">
+                          <a:latin typeface="Arial" panose="020B0604020202020204" pitchFamily="34" charset="0"/>
+                          <a:cs typeface="Arial" panose="020B0604020202020204" pitchFamily="34" charset="0"/>
+                        </a:rPr>
+                        <a:t>7 – aggregate</a:t>
+                      </a:r>
+                    </a:p>
+                    <a:p>
+                      <a:pPr marL="0" marR="0" lvl="0" indent="0" algn="l" defTabSz="914400" rtl="0" eaLnBrk="1" fontAlgn="auto" latinLnBrk="0" hangingPunct="1">
+                        <a:lnSpc>
+                          <a:spcPct val="100000"/>
+                        </a:lnSpc>
+                        <a:spcBef>
+                          <a:spcPts val="0"/>
+                        </a:spcBef>
+                        <a:spcAft>
+                          <a:spcPts val="0"/>
+                        </a:spcAft>
+                        <a:buClrTx/>
+                        <a:buSzTx/>
+                        <a:buFontTx/>
+                        <a:buNone/>
+                        <a:tabLst/>
+                        <a:defRPr/>
+                      </a:pPr>
+                      <a:r>
+                        <a:rPr lang="en-US" sz="1000" b="1" dirty="0">
+                          <a:latin typeface="Arial" panose="020B0604020202020204" pitchFamily="34" charset="0"/>
+                          <a:cs typeface="Arial" panose="020B0604020202020204" pitchFamily="34" charset="0"/>
+                        </a:rPr>
+                        <a:t>8 – per airline per year</a:t>
+                      </a:r>
+                    </a:p>
+                  </a:txBody>
+                  <a:tcPr/>
+                </a:tc>
+                <a:extLst>
+                  <a:ext uri="{0D108BD9-81ED-4DB2-BD59-A6C34878D82A}">
+                    <a16:rowId xmlns:a16="http://schemas.microsoft.com/office/drawing/2014/main" val="4225425671"/>
+                  </a:ext>
+                </a:extLst>
+              </a:tr>
+              <a:tr h="1810441">
+                <a:tc>
+                  <a:txBody>
+                    <a:bodyPr/>
+                    <a:lstStyle/>
+                    <a:p>
+                      <a:pPr marL="0" marR="0" lvl="0" indent="0" algn="l" defTabSz="914400" rtl="0" eaLnBrk="1" fontAlgn="auto" latinLnBrk="0" hangingPunct="1">
+                        <a:lnSpc>
+                          <a:spcPct val="100000"/>
+                        </a:lnSpc>
+                        <a:spcBef>
+                          <a:spcPts val="0"/>
+                        </a:spcBef>
+                        <a:spcAft>
+                          <a:spcPts val="0"/>
+                        </a:spcAft>
+                        <a:buClrTx/>
+                        <a:buSzTx/>
+                        <a:buFont typeface="Arial" panose="020B0604020202020204" pitchFamily="34" charset="0"/>
+                        <a:buNone/>
+                        <a:tabLst/>
+                        <a:defRPr/>
+                      </a:pPr>
+                      <a:r>
+                        <a:rPr lang="en-US" sz="1000" dirty="0">
+                          <a:latin typeface="Arial" panose="020B0604020202020204" pitchFamily="34" charset="0"/>
+                          <a:cs typeface="Arial" panose="020B0604020202020204" pitchFamily="34" charset="0"/>
+                        </a:rPr>
+                        <a:t>Table 9</a:t>
+                      </a:r>
+                    </a:p>
+                  </a:txBody>
+                  <a:tcPr/>
+                </a:tc>
+                <a:tc>
+                  <a:txBody>
+                    <a:bodyPr/>
+                    <a:lstStyle/>
+                    <a:p>
+                      <a:pPr marL="0" marR="0" lvl="0" indent="0" algn="l" defTabSz="914400" rtl="0" eaLnBrk="1" fontAlgn="auto" latinLnBrk="0" hangingPunct="1">
+                        <a:lnSpc>
+                          <a:spcPct val="100000"/>
+                        </a:lnSpc>
+                        <a:spcBef>
+                          <a:spcPts val="0"/>
+                        </a:spcBef>
+                        <a:spcAft>
+                          <a:spcPts val="0"/>
+                        </a:spcAft>
+                        <a:buClrTx/>
+                        <a:buSzTx/>
+                        <a:buFont typeface="Arial" panose="020B0604020202020204" pitchFamily="34" charset="0"/>
+                        <a:buNone/>
+                        <a:tabLst/>
+                        <a:defRPr/>
+                      </a:pPr>
+                      <a:r>
+                        <a:rPr lang="en-US" sz="1000" dirty="0">
+                          <a:latin typeface="Arial" panose="020B0604020202020204" pitchFamily="34" charset="0"/>
+                          <a:cs typeface="Arial" panose="020B0604020202020204" pitchFamily="34" charset="0"/>
+                        </a:rPr>
+                        <a:t>Delays</a:t>
+                      </a:r>
+                    </a:p>
+                  </a:txBody>
+                  <a:tcPr/>
+                </a:tc>
+                <a:tc>
+                  <a:txBody>
+                    <a:bodyPr/>
+                    <a:lstStyle/>
+                    <a:p>
+                      <a:pPr marL="0" indent="0">
+                        <a:buNone/>
+                      </a:pPr>
+                      <a:r>
+                        <a:rPr lang="en-US" sz="1000" b="1" dirty="0">
+                          <a:highlight>
+                            <a:srgbClr val="FFFF00"/>
+                          </a:highlight>
+                          <a:latin typeface="Arial" panose="020B0604020202020204" pitchFamily="34" charset="0"/>
+                          <a:cs typeface="Arial" panose="020B0604020202020204" pitchFamily="34" charset="0"/>
+                        </a:rPr>
+                        <a:t>Number of delayed flights per airport and airline </a:t>
+                      </a:r>
+                    </a:p>
+                  </a:txBody>
+                  <a:tcPr/>
+                </a:tc>
+                <a:tc>
+                  <a:txBody>
+                    <a:bodyPr/>
+                    <a:lstStyle/>
+                    <a:p>
+                      <a:pPr marL="0" marR="0" lvl="0" indent="0" algn="l" defTabSz="914400" rtl="0" eaLnBrk="1" fontAlgn="auto" latinLnBrk="0" hangingPunct="1">
+                        <a:lnSpc>
+                          <a:spcPct val="100000"/>
+                        </a:lnSpc>
+                        <a:spcBef>
+                          <a:spcPts val="0"/>
+                        </a:spcBef>
+                        <a:spcAft>
+                          <a:spcPts val="0"/>
+                        </a:spcAft>
+                        <a:buClrTx/>
+                        <a:buSzTx/>
+                        <a:buFontTx/>
+                        <a:buNone/>
+                        <a:tabLst/>
+                        <a:defRPr/>
+                      </a:pPr>
+                      <a:r>
+                        <a:rPr lang="en-US" sz="1000" b="1" dirty="0">
+                          <a:latin typeface="Arial" panose="020B0604020202020204" pitchFamily="34" charset="0"/>
+                          <a:cs typeface="Arial" panose="020B0604020202020204" pitchFamily="34" charset="0"/>
+                        </a:rPr>
+                        <a:t>Show weather delays </a:t>
+                      </a:r>
+                      <a:r>
+                        <a:rPr lang="en-US" sz="1000" b="1">
+                          <a:latin typeface="Arial" panose="020B0604020202020204" pitchFamily="34" charset="0"/>
+                          <a:cs typeface="Arial" panose="020B0604020202020204" pitchFamily="34" charset="0"/>
+                        </a:rPr>
+                        <a:t>from Table 12 </a:t>
+                      </a:r>
+                      <a:r>
+                        <a:rPr lang="en-US" sz="1000" b="1" dirty="0">
+                          <a:latin typeface="Arial" panose="020B0604020202020204" pitchFamily="34" charset="0"/>
+                          <a:cs typeface="Arial" panose="020B0604020202020204" pitchFamily="34" charset="0"/>
+                        </a:rPr>
+                        <a:t>over Table 13 as percentage to </a:t>
+                      </a:r>
+                      <a:r>
+                        <a:rPr lang="en-US" sz="1000" b="1">
+                          <a:latin typeface="Arial" panose="020B0604020202020204" pitchFamily="34" charset="0"/>
+                          <a:cs typeface="Arial" panose="020B0604020202020204" pitchFamily="34" charset="0"/>
+                        </a:rPr>
+                        <a:t>total arrival delays</a:t>
+                      </a:r>
+                      <a:endParaRPr lang="en-US" sz="1000" b="1" dirty="0">
+                        <a:latin typeface="Arial" panose="020B0604020202020204" pitchFamily="34" charset="0"/>
+                        <a:cs typeface="Arial" panose="020B0604020202020204" pitchFamily="34" charset="0"/>
+                      </a:endParaRPr>
+                    </a:p>
+                  </a:txBody>
+                  <a:tcPr/>
+                </a:tc>
+                <a:extLst>
+                  <a:ext uri="{0D108BD9-81ED-4DB2-BD59-A6C34878D82A}">
+                    <a16:rowId xmlns:a16="http://schemas.microsoft.com/office/drawing/2014/main" val="395846462"/>
                   </a:ext>
                 </a:extLst>
               </a:tr>
@@ -12238,13 +13281,10 @@
                         <a:tabLst/>
                         <a:defRPr/>
                       </a:pPr>
-                      <a:r>
-                        <a:rPr lang="en-US" sz="1000" dirty="0">
-                          <a:latin typeface="Arial" panose="020B0604020202020204" pitchFamily="34" charset="0"/>
-                          <a:cs typeface="Arial" panose="020B0604020202020204" pitchFamily="34" charset="0"/>
-                        </a:rPr>
-                        <a:t>Delays</a:t>
-                      </a:r>
+                      <a:endParaRPr lang="en-US" sz="1000" dirty="0">
+                        <a:latin typeface="Arial" panose="020B0604020202020204" pitchFamily="34" charset="0"/>
+                        <a:cs typeface="Arial" panose="020B0604020202020204" pitchFamily="34" charset="0"/>
+                      </a:endParaRPr>
                     </a:p>
                   </a:txBody>
                   <a:tcPr/>
@@ -12253,110 +13293,6 @@
                   <a:txBody>
                     <a:bodyPr/>
                     <a:lstStyle/>
-                    <a:p>
-                      <a:pPr marL="0" indent="0">
-                        <a:buNone/>
-                      </a:pPr>
-                      <a:r>
-                        <a:rPr lang="en-US" sz="1000" dirty="0">
-                          <a:highlight>
-                            <a:srgbClr val="FFFF00"/>
-                          </a:highlight>
-                          <a:latin typeface="Arial" panose="020B0604020202020204" pitchFamily="34" charset="0"/>
-                          <a:cs typeface="Arial" panose="020B0604020202020204" pitchFamily="34" charset="0"/>
-                        </a:rPr>
-                        <a:t>Number of delayed, cancelled and diverted flights in all US for 5 years for </a:t>
-                      </a:r>
-                      <a:r>
-                        <a:rPr lang="en-US" sz="1000" b="1" dirty="0">
-                          <a:highlight>
-                            <a:srgbClr val="FFFF00"/>
-                          </a:highlight>
-                          <a:latin typeface="Arial" panose="020B0604020202020204" pitchFamily="34" charset="0"/>
-                          <a:cs typeface="Arial" panose="020B0604020202020204" pitchFamily="34" charset="0"/>
-                        </a:rPr>
-                        <a:t>any reason (arr_del15 from main </a:t>
-                      </a:r>
-                      <a:r>
-                        <a:rPr lang="en-US" sz="1000" b="1" dirty="0" err="1">
-                          <a:highlight>
-                            <a:srgbClr val="FFFF00"/>
-                          </a:highlight>
-                          <a:latin typeface="Arial" panose="020B0604020202020204" pitchFamily="34" charset="0"/>
-                          <a:cs typeface="Arial" panose="020B0604020202020204" pitchFamily="34" charset="0"/>
-                        </a:rPr>
-                        <a:t>df</a:t>
-                      </a:r>
-                      <a:r>
-                        <a:rPr lang="en-US" sz="1000" b="1" dirty="0">
-                          <a:highlight>
-                            <a:srgbClr val="FFFF00"/>
-                          </a:highlight>
-                          <a:latin typeface="Arial" panose="020B0604020202020204" pitchFamily="34" charset="0"/>
-                          <a:cs typeface="Arial" panose="020B0604020202020204" pitchFamily="34" charset="0"/>
-                        </a:rPr>
-                        <a:t>, include the 5 columns with reasons, weather, </a:t>
-                      </a:r>
-                      <a:r>
-                        <a:rPr lang="en-US" sz="1000" b="1" dirty="0" err="1">
-                          <a:highlight>
-                            <a:srgbClr val="FFFF00"/>
-                          </a:highlight>
-                          <a:latin typeface="Arial" panose="020B0604020202020204" pitchFamily="34" charset="0"/>
-                          <a:cs typeface="Arial" panose="020B0604020202020204" pitchFamily="34" charset="0"/>
-                        </a:rPr>
-                        <a:t>nas</a:t>
-                      </a:r>
-                      <a:r>
-                        <a:rPr lang="en-US" sz="1000" b="1" dirty="0">
-                          <a:highlight>
-                            <a:srgbClr val="FFFF00"/>
-                          </a:highlight>
-                          <a:latin typeface="Arial" panose="020B0604020202020204" pitchFamily="34" charset="0"/>
-                          <a:cs typeface="Arial" panose="020B0604020202020204" pitchFamily="34" charset="0"/>
-                        </a:rPr>
-                        <a:t>, </a:t>
-                      </a:r>
-                      <a:r>
-                        <a:rPr lang="en-US" sz="1000" b="1" dirty="0" err="1">
-                          <a:highlight>
-                            <a:srgbClr val="FFFF00"/>
-                          </a:highlight>
-                          <a:latin typeface="Arial" panose="020B0604020202020204" pitchFamily="34" charset="0"/>
-                          <a:cs typeface="Arial" panose="020B0604020202020204" pitchFamily="34" charset="0"/>
-                        </a:rPr>
-                        <a:t>etc</a:t>
-                      </a:r>
-                      <a:r>
-                        <a:rPr lang="en-US" sz="1000" b="1" dirty="0">
-                          <a:highlight>
-                            <a:srgbClr val="FFFF00"/>
-                          </a:highlight>
-                          <a:latin typeface="Arial" panose="020B0604020202020204" pitchFamily="34" charset="0"/>
-                          <a:cs typeface="Arial" panose="020B0604020202020204" pitchFamily="34" charset="0"/>
-                        </a:rPr>
-                        <a:t>)</a:t>
-                      </a:r>
-                    </a:p>
-                    <a:p>
-                      <a:pPr marL="0" indent="0">
-                        <a:buNone/>
-                      </a:pPr>
-                      <a:r>
-                        <a:rPr lang="en-US" sz="1000" dirty="0">
-                          <a:latin typeface="Arial" panose="020B0604020202020204" pitchFamily="34" charset="0"/>
-                          <a:cs typeface="Arial" panose="020B0604020202020204" pitchFamily="34" charset="0"/>
-                        </a:rPr>
-                        <a:t>Number of delayed flights in all US for 5 years for </a:t>
-                      </a:r>
-                      <a:r>
-                        <a:rPr lang="en-US" sz="1000" b="1" dirty="0">
-                          <a:latin typeface="Arial" panose="020B0604020202020204" pitchFamily="34" charset="0"/>
-                          <a:cs typeface="Arial" panose="020B0604020202020204" pitchFamily="34" charset="0"/>
-                        </a:rPr>
-                        <a:t>any reason for 5 AIRLINES </a:t>
-                      </a:r>
-                    </a:p>
                     <a:p>
                       <a:pPr marL="0" indent="0">
                         <a:buNone/>
@@ -15794,7 +16730,7 @@
                     <a:p>
                       <a:pPr algn="ctr" rtl="0" fontAlgn="ctr"/>
                       <a:r>
-                        <a:rPr lang="en-US" sz="1400" b="0" i="0" u="none" strike="noStrike">
+                        <a:rPr lang="en-US" sz="1400" b="0" i="0" u="none" strike="noStrike" dirty="0">
                           <a:solidFill>
                             <a:srgbClr val="000000"/>
                           </a:solidFill>
@@ -15981,7 +16917,7 @@
                     <a:p>
                       <a:pPr algn="ctr" rtl="0" fontAlgn="ctr"/>
                       <a:r>
-                        <a:rPr lang="en-US" sz="1400" b="0" i="0" u="none" strike="noStrike">
+                        <a:rPr lang="en-US" sz="1400" b="0" i="0" u="none" strike="noStrike" dirty="0">
                           <a:solidFill>
                             <a:srgbClr val="000000"/>
                           </a:solidFill>
@@ -16168,7 +17104,7 @@
                     <a:p>
                       <a:pPr algn="ctr" rtl="0" fontAlgn="ctr"/>
                       <a:r>
-                        <a:rPr lang="en-US" sz="1400" b="0" i="0" u="none" strike="noStrike">
+                        <a:rPr lang="en-US" sz="1400" b="0" i="0" u="none" strike="noStrike" dirty="0">
                           <a:solidFill>
                             <a:srgbClr val="000000"/>
                           </a:solidFill>
@@ -16195,7 +17131,7 @@
                     <a:p>
                       <a:pPr algn="l" rtl="0" fontAlgn="ctr"/>
                       <a:r>
-                        <a:rPr lang="en-US" sz="1400" b="0" i="0" u="none" strike="noStrike">
+                        <a:rPr lang="en-US" sz="1400" b="0" i="0" u="none" strike="noStrike" dirty="0">
                           <a:solidFill>
                             <a:srgbClr val="000000"/>
                           </a:solidFill>
@@ -16255,7 +17191,7 @@
                     <a:p>
                       <a:pPr algn="ctr" rtl="0" fontAlgn="ctr"/>
                       <a:r>
-                        <a:rPr lang="en-US" sz="1400" b="0" i="0" u="none" strike="noStrike">
+                        <a:rPr lang="en-US" sz="1400" b="0" i="0" u="none" strike="noStrike" dirty="0">
                           <a:solidFill>
                             <a:srgbClr val="000000"/>
                           </a:solidFill>
@@ -16315,7 +17251,7 @@
                     <a:p>
                       <a:pPr algn="ctr" rtl="0" fontAlgn="ctr"/>
                       <a:r>
-                        <a:rPr lang="en-US" sz="1400" b="0" i="0" u="none" strike="noStrike">
+                        <a:rPr lang="en-US" sz="1400" b="0" i="0" u="none" strike="noStrike" dirty="0">
                           <a:solidFill>
                             <a:srgbClr val="000000"/>
                           </a:solidFill>
@@ -16335,7 +17271,7 @@
                     <a:p>
                       <a:pPr algn="ctr" rtl="0" fontAlgn="ctr"/>
                       <a:r>
-                        <a:rPr lang="en-US" sz="1400" b="0" i="0" u="none" strike="noStrike">
+                        <a:rPr lang="en-US" sz="1400" b="0" i="0" u="none" strike="noStrike" dirty="0">
                           <a:solidFill>
                             <a:srgbClr val="000000"/>
                           </a:solidFill>
@@ -16355,7 +17291,7 @@
                     <a:p>
                       <a:pPr algn="ctr" rtl="0" fontAlgn="ctr"/>
                       <a:r>
-                        <a:rPr lang="en-US" sz="1400" b="0" i="0" u="none" strike="noStrike">
+                        <a:rPr lang="en-US" sz="1400" b="0" i="0" u="none" strike="noStrike" dirty="0">
                           <a:solidFill>
                             <a:srgbClr val="000000"/>
                           </a:solidFill>
@@ -16442,7 +17378,7 @@
                     <a:p>
                       <a:pPr algn="ctr" rtl="0" fontAlgn="ctr"/>
                       <a:r>
-                        <a:rPr lang="en-US" sz="1400" b="0" i="0" u="none" strike="noStrike">
+                        <a:rPr lang="en-US" sz="1400" b="0" i="0" u="none" strike="noStrike" dirty="0">
                           <a:solidFill>
                             <a:srgbClr val="000000"/>
                           </a:solidFill>
@@ -16462,7 +17398,7 @@
                     <a:p>
                       <a:pPr algn="ctr" fontAlgn="t"/>
                       <a:r>
-                        <a:rPr lang="en-US" sz="1800" b="0" i="0" u="none" strike="noStrike">
+                        <a:rPr lang="en-US" sz="1800" b="0" i="0" u="none" strike="noStrike" dirty="0">
                           <a:solidFill>
                             <a:srgbClr val="000000"/>
                           </a:solidFill>
@@ -16482,7 +17418,7 @@
                     <a:p>
                       <a:pPr algn="ctr" fontAlgn="t"/>
                       <a:r>
-                        <a:rPr lang="en-US" sz="1800" b="0" i="0" u="none" strike="noStrike">
+                        <a:rPr lang="en-US" sz="1800" b="0" i="0" u="none" strike="noStrike" dirty="0">
                           <a:solidFill>
                             <a:srgbClr val="000000"/>
                           </a:solidFill>
@@ -16669,7 +17605,7 @@
                     <a:p>
                       <a:pPr algn="ctr" fontAlgn="t"/>
                       <a:r>
-                        <a:rPr lang="en-US" sz="1800" b="0" i="0" u="none" strike="noStrike">
+                        <a:rPr lang="en-US" sz="1800" b="0" i="0" u="none" strike="noStrike" dirty="0">
                           <a:solidFill>
                             <a:srgbClr val="000000"/>
                           </a:solidFill>
@@ -17230,7 +18166,7 @@
                     <a:p>
                       <a:pPr algn="ctr" rtl="0" fontAlgn="ctr"/>
                       <a:r>
-                        <a:rPr lang="en-US" sz="1400" b="0" i="0" u="none" strike="noStrike">
+                        <a:rPr lang="en-US" sz="1400" b="0" i="0" u="none" strike="noStrike" dirty="0">
                           <a:solidFill>
                             <a:srgbClr val="000000"/>
                           </a:solidFill>

--- a/Team_3_Air_Travel_Weather_Satisfaction.pptx
+++ b/Team_3_Air_Travel_Weather_Satisfaction.pptx
@@ -143,7 +143,7 @@
   <pc:docChgLst>
     <pc:chgData name="Calogera McCormick" userId="e0a4c6cb4146cbe1" providerId="LiveId" clId="{43E20478-7581-4DD6-9A41-2D114A35964C}"/>
     <pc:docChg chg="undo custSel addSld delSld modSld sldOrd">
-      <pc:chgData name="Calogera McCormick" userId="e0a4c6cb4146cbe1" providerId="LiveId" clId="{43E20478-7581-4DD6-9A41-2D114A35964C}" dt="2023-02-12T01:20:07.789" v="9859" actId="20577"/>
+      <pc:chgData name="Calogera McCormick" userId="e0a4c6cb4146cbe1" providerId="LiveId" clId="{43E20478-7581-4DD6-9A41-2D114A35964C}" dt="2023-02-12T19:49:18.096" v="9863" actId="947"/>
       <pc:docMkLst>
         <pc:docMk/>
       </pc:docMkLst>
@@ -373,7 +373,7 @@
         </pc:picChg>
       </pc:sldChg>
       <pc:sldChg chg="addSp modSp add mod">
-        <pc:chgData name="Calogera McCormick" userId="e0a4c6cb4146cbe1" providerId="LiveId" clId="{43E20478-7581-4DD6-9A41-2D114A35964C}" dt="2023-02-12T01:20:07.789" v="9859" actId="20577"/>
+        <pc:chgData name="Calogera McCormick" userId="e0a4c6cb4146cbe1" providerId="LiveId" clId="{43E20478-7581-4DD6-9A41-2D114A35964C}" dt="2023-02-12T19:49:18.096" v="9863" actId="947"/>
         <pc:sldMkLst>
           <pc:docMk/>
           <pc:sldMk cId="2652164246" sldId="264"/>
@@ -395,7 +395,7 @@
           </ac:spMkLst>
         </pc:spChg>
         <pc:graphicFrameChg chg="mod modGraphic">
-          <ac:chgData name="Calogera McCormick" userId="e0a4c6cb4146cbe1" providerId="LiveId" clId="{43E20478-7581-4DD6-9A41-2D114A35964C}" dt="2023-02-12T01:20:07.789" v="9859" actId="20577"/>
+          <ac:chgData name="Calogera McCormick" userId="e0a4c6cb4146cbe1" providerId="LiveId" clId="{43E20478-7581-4DD6-9A41-2D114A35964C}" dt="2023-02-12T19:49:18.096" v="9863" actId="947"/>
           <ac:graphicFrameMkLst>
             <pc:docMk/>
             <pc:sldMk cId="2652164246" sldId="264"/>
@@ -985,7 +985,7 @@
           <a:p>
             <a:fld id="{C21E9E10-B59A-4E9D-AF95-0F4C2023A7FB}" type="datetimeFigureOut">
               <a:rPr lang="en-US" smtClean="0"/>
-              <a:t>2/11/2023</a:t>
+              <a:t>2/12/2023</a:t>
             </a:fld>
             <a:endParaRPr lang="en-US"/>
           </a:p>
@@ -1272,7 +1272,7 @@
           <a:p>
             <a:fld id="{C21E9E10-B59A-4E9D-AF95-0F4C2023A7FB}" type="datetimeFigureOut">
               <a:rPr lang="en-US" smtClean="0"/>
-              <a:t>2/11/2023</a:t>
+              <a:t>2/12/2023</a:t>
             </a:fld>
             <a:endParaRPr lang="en-US"/>
           </a:p>
@@ -1464,7 +1464,7 @@
           <a:p>
             <a:fld id="{C21E9E10-B59A-4E9D-AF95-0F4C2023A7FB}" type="datetimeFigureOut">
               <a:rPr lang="en-US" smtClean="0"/>
-              <a:t>2/11/2023</a:t>
+              <a:t>2/12/2023</a:t>
             </a:fld>
             <a:endParaRPr lang="en-US"/>
           </a:p>
@@ -1725,7 +1725,7 @@
           <a:p>
             <a:fld id="{C21E9E10-B59A-4E9D-AF95-0F4C2023A7FB}" type="datetimeFigureOut">
               <a:rPr lang="en-US" smtClean="0"/>
-              <a:t>2/11/2023</a:t>
+              <a:t>2/12/2023</a:t>
             </a:fld>
             <a:endParaRPr lang="en-US"/>
           </a:p>
@@ -2149,7 +2149,7 @@
           <a:p>
             <a:fld id="{C21E9E10-B59A-4E9D-AF95-0F4C2023A7FB}" type="datetimeFigureOut">
               <a:rPr lang="en-US" smtClean="0"/>
-              <a:t>2/11/2023</a:t>
+              <a:t>2/12/2023</a:t>
             </a:fld>
             <a:endParaRPr lang="en-US"/>
           </a:p>
@@ -2695,7 +2695,7 @@
           <a:p>
             <a:fld id="{C21E9E10-B59A-4E9D-AF95-0F4C2023A7FB}" type="datetimeFigureOut">
               <a:rPr lang="en-US" smtClean="0"/>
-              <a:t>2/11/2023</a:t>
+              <a:t>2/12/2023</a:t>
             </a:fld>
             <a:endParaRPr lang="en-US"/>
           </a:p>
@@ -3535,7 +3535,7 @@
           <a:p>
             <a:fld id="{C21E9E10-B59A-4E9D-AF95-0F4C2023A7FB}" type="datetimeFigureOut">
               <a:rPr lang="en-US" smtClean="0"/>
-              <a:t>2/11/2023</a:t>
+              <a:t>2/12/2023</a:t>
             </a:fld>
             <a:endParaRPr lang="en-US"/>
           </a:p>
@@ -3705,7 +3705,7 @@
           <a:p>
             <a:fld id="{C21E9E10-B59A-4E9D-AF95-0F4C2023A7FB}" type="datetimeFigureOut">
               <a:rPr lang="en-US" smtClean="0"/>
-              <a:t>2/11/2023</a:t>
+              <a:t>2/12/2023</a:t>
             </a:fld>
             <a:endParaRPr lang="en-US"/>
           </a:p>
@@ -3889,7 +3889,7 @@
           <a:p>
             <a:fld id="{C21E9E10-B59A-4E9D-AF95-0F4C2023A7FB}" type="datetimeFigureOut">
               <a:rPr lang="en-US" smtClean="0"/>
-              <a:t>2/11/2023</a:t>
+              <a:t>2/12/2023</a:t>
             </a:fld>
             <a:endParaRPr lang="en-US"/>
           </a:p>
@@ -4059,7 +4059,7 @@
           <a:p>
             <a:fld id="{C21E9E10-B59A-4E9D-AF95-0F4C2023A7FB}" type="datetimeFigureOut">
               <a:rPr lang="en-US" smtClean="0"/>
-              <a:t>2/11/2023</a:t>
+              <a:t>2/12/2023</a:t>
             </a:fld>
             <a:endParaRPr lang="en-US"/>
           </a:p>
@@ -4307,7 +4307,7 @@
           <a:p>
             <a:fld id="{C21E9E10-B59A-4E9D-AF95-0F4C2023A7FB}" type="datetimeFigureOut">
               <a:rPr lang="en-US" smtClean="0"/>
-              <a:t>2/11/2023</a:t>
+              <a:t>2/12/2023</a:t>
             </a:fld>
             <a:endParaRPr lang="en-US"/>
           </a:p>
@@ -4544,7 +4544,7 @@
           <a:p>
             <a:fld id="{C21E9E10-B59A-4E9D-AF95-0F4C2023A7FB}" type="datetimeFigureOut">
               <a:rPr lang="en-US" smtClean="0"/>
-              <a:t>2/11/2023</a:t>
+              <a:t>2/12/2023</a:t>
             </a:fld>
             <a:endParaRPr lang="en-US"/>
           </a:p>
@@ -4917,7 +4917,7 @@
           <a:p>
             <a:fld id="{C21E9E10-B59A-4E9D-AF95-0F4C2023A7FB}" type="datetimeFigureOut">
               <a:rPr lang="en-US" smtClean="0"/>
-              <a:t>2/11/2023</a:t>
+              <a:t>2/12/2023</a:t>
             </a:fld>
             <a:endParaRPr lang="en-US"/>
           </a:p>
@@ -5035,7 +5035,7 @@
           <a:p>
             <a:fld id="{C21E9E10-B59A-4E9D-AF95-0F4C2023A7FB}" type="datetimeFigureOut">
               <a:rPr lang="en-US" smtClean="0"/>
-              <a:t>2/11/2023</a:t>
+              <a:t>2/12/2023</a:t>
             </a:fld>
             <a:endParaRPr lang="en-US"/>
           </a:p>
@@ -5130,7 +5130,7 @@
           <a:p>
             <a:fld id="{C21E9E10-B59A-4E9D-AF95-0F4C2023A7FB}" type="datetimeFigureOut">
               <a:rPr lang="en-US" smtClean="0"/>
-              <a:t>2/11/2023</a:t>
+              <a:t>2/12/2023</a:t>
             </a:fld>
             <a:endParaRPr lang="en-US"/>
           </a:p>
@@ -5381,7 +5381,7 @@
           <a:p>
             <a:fld id="{C21E9E10-B59A-4E9D-AF95-0F4C2023A7FB}" type="datetimeFigureOut">
               <a:rPr lang="en-US" smtClean="0"/>
-              <a:t>2/11/2023</a:t>
+              <a:t>2/12/2023</a:t>
             </a:fld>
             <a:endParaRPr lang="en-US"/>
           </a:p>
@@ -5668,7 +5668,7 @@
           <a:p>
             <a:fld id="{C21E9E10-B59A-4E9D-AF95-0F4C2023A7FB}" type="datetimeFigureOut">
               <a:rPr lang="en-US" smtClean="0"/>
-              <a:t>2/11/2023</a:t>
+              <a:t>2/12/2023</a:t>
             </a:fld>
             <a:endParaRPr lang="en-US"/>
           </a:p>
@@ -5881,7 +5881,7 @@
           <a:p>
             <a:fld id="{C21E9E10-B59A-4E9D-AF95-0F4C2023A7FB}" type="datetimeFigureOut">
               <a:rPr lang="en-US" smtClean="0"/>
-              <a:t>2/11/2023</a:t>
+              <a:t>2/12/2023</a:t>
             </a:fld>
             <a:endParaRPr lang="en-US"/>
           </a:p>
@@ -12262,14 +12262,14 @@
           <p:nvPr>
             <p:extLst>
               <p:ext uri="{D42A27DB-BD31-4B8C-83A1-F6EECF244321}">
-                <p14:modId xmlns:p14="http://schemas.microsoft.com/office/powerpoint/2010/main" val="2309816840"/>
+                <p14:modId xmlns:p14="http://schemas.microsoft.com/office/powerpoint/2010/main" val="3617374188"/>
               </p:ext>
             </p:extLst>
           </p:nvPr>
         </p:nvGraphicFramePr>
         <p:xfrm>
-          <a:off x="240384" y="691454"/>
-          <a:ext cx="11660465" cy="8733959"/>
+          <a:off x="318837" y="691454"/>
+          <a:ext cx="11582012" cy="8733959"/>
         </p:xfrm>
         <a:graphic>
           <a:graphicData uri="http://schemas.openxmlformats.org/drawingml/2006/table">
@@ -12278,7 +12278,7 @@
                 <a:tableStyleId>{5C22544A-7EE6-4342-B048-85BDC9FD1C3A}</a:tableStyleId>
               </a:tblPr>
               <a:tblGrid>
-                <a:gridCol w="785478">
+                <a:gridCol w="707025">
                   <a:extLst>
                     <a:ext uri="{9D8B030D-6E8A-4147-A177-3AD203B41FA5}">
                       <a16:colId xmlns:a16="http://schemas.microsoft.com/office/drawing/2014/main" val="388639171"/>
@@ -12589,7 +12589,7 @@
                         <a:defRPr/>
                       </a:pPr>
                       <a:r>
-                        <a:rPr lang="en-US" sz="1000" dirty="0">
+                        <a:rPr lang="en-US" sz="1000" strike="sngStrike" baseline="0" dirty="0">
                           <a:latin typeface="Arial" panose="020B0604020202020204" pitchFamily="34" charset="0"/>
                           <a:cs typeface="Arial" panose="020B0604020202020204" pitchFamily="34" charset="0"/>
                         </a:rPr>
@@ -12615,7 +12615,7 @@
                         <a:defRPr/>
                       </a:pPr>
                       <a:r>
-                        <a:rPr lang="en-US" sz="1000" dirty="0">
+                        <a:rPr lang="en-US" sz="1000" strike="sngStrike" baseline="0" dirty="0">
                           <a:latin typeface="Arial" panose="020B0604020202020204" pitchFamily="34" charset="0"/>
                           <a:cs typeface="Arial" panose="020B0604020202020204" pitchFamily="34" charset="0"/>
                         </a:rPr>
@@ -12648,7 +12648,7 @@
                         <a:defRPr/>
                       </a:pPr>
                       <a:r>
-                        <a:rPr lang="en-US" sz="1000" dirty="0">
+                        <a:rPr lang="en-US" sz="1000" strike="sngStrike" baseline="0" dirty="0">
                           <a:latin typeface="Arial" panose="020B0604020202020204" pitchFamily="34" charset="0"/>
                           <a:cs typeface="Arial" panose="020B0604020202020204" pitchFamily="34" charset="0"/>
                         </a:rPr>
@@ -12681,14 +12681,14 @@
                         <a:defRPr/>
                       </a:pPr>
                       <a:r>
-                        <a:rPr lang="en-US" sz="1000" dirty="0">
+                        <a:rPr lang="en-US" sz="1000" strike="sngStrike" baseline="0" dirty="0">
                           <a:latin typeface="Arial" panose="020B0604020202020204" pitchFamily="34" charset="0"/>
                           <a:cs typeface="Arial" panose="020B0604020202020204" pitchFamily="34" charset="0"/>
                         </a:rPr>
                         <a:t>Number of delayed flights in all US for 20 years and last 5 years for </a:t>
                       </a:r>
                       <a:r>
-                        <a:rPr lang="en-US" sz="1000" b="1" dirty="0">
+                        <a:rPr lang="en-US" sz="1000" b="1" strike="sngStrike" baseline="0" dirty="0">
                           <a:latin typeface="Arial" panose="020B0604020202020204" pitchFamily="34" charset="0"/>
                           <a:cs typeface="Arial" panose="020B0604020202020204" pitchFamily="34" charset="0"/>
                         </a:rPr>
@@ -12758,7 +12758,7 @@
                         <a:defRPr/>
                       </a:pPr>
                       <a:r>
-                        <a:rPr lang="en-US" sz="1000" dirty="0">
+                        <a:rPr lang="en-US" sz="1000" strike="sngStrike" baseline="0" dirty="0">
                           <a:latin typeface="Arial" panose="020B0604020202020204" pitchFamily="34" charset="0"/>
                           <a:cs typeface="Arial" panose="020B0604020202020204" pitchFamily="34" charset="0"/>
                         </a:rPr>
@@ -12824,11 +12824,18 @@
                         <a:defRPr/>
                       </a:pPr>
                       <a:r>
+                        <a:rPr lang="en-US" sz="1000" strike="sngStrike" baseline="0" dirty="0">
+                          <a:latin typeface="Arial" panose="020B0604020202020204" pitchFamily="34" charset="0"/>
+                          <a:cs typeface="Arial" panose="020B0604020202020204" pitchFamily="34" charset="0"/>
+                        </a:rPr>
+                        <a:t>Number of delayed flights in all US for 20 years </a:t>
+                      </a:r>
+                      <a:r>
                         <a:rPr lang="en-US" sz="1000" dirty="0">
                           <a:latin typeface="Arial" panose="020B0604020202020204" pitchFamily="34" charset="0"/>
                           <a:cs typeface="Arial" panose="020B0604020202020204" pitchFamily="34" charset="0"/>
                         </a:rPr>
-                        <a:t>Number of delayed flights in all US for 20 years and 5 years for </a:t>
+                        <a:t>and 5 years for </a:t>
                       </a:r>
                       <a:r>
                         <a:rPr lang="en-US" sz="1000" b="1" dirty="0">

--- a/Team_3_Air_Travel_Weather_Satisfaction.pptx
+++ b/Team_3_Air_Travel_Weather_Satisfaction.pptx
@@ -133,7 +133,7 @@
 <file path=ppt/revisionInfo.xml><?xml version="1.0" encoding="utf-8"?>
 <p1510:revInfo xmlns:a="http://schemas.openxmlformats.org/drawingml/2006/main" xmlns:r="http://schemas.openxmlformats.org/officeDocument/2006/relationships" xmlns:p1510="http://schemas.microsoft.com/office/powerpoint/2015/10/main">
   <p1510:revLst>
-    <p1510:client id="{43E20478-7581-4DD6-9A41-2D114A35964C}" v="89" dt="2023-02-12T00:57:50.869"/>
+    <p1510:client id="{43E20478-7581-4DD6-9A41-2D114A35964C}" v="90" dt="2023-02-15T22:54:55.737"/>
   </p1510:revLst>
 </p1510:revInfo>
 </file>
@@ -143,7 +143,7 @@
   <pc:docChgLst>
     <pc:chgData name="Calogera McCormick" userId="e0a4c6cb4146cbe1" providerId="LiveId" clId="{43E20478-7581-4DD6-9A41-2D114A35964C}"/>
     <pc:docChg chg="undo custSel addSld delSld modSld sldOrd">
-      <pc:chgData name="Calogera McCormick" userId="e0a4c6cb4146cbe1" providerId="LiveId" clId="{43E20478-7581-4DD6-9A41-2D114A35964C}" dt="2023-02-12T19:49:18.096" v="9863" actId="947"/>
+      <pc:chgData name="Calogera McCormick" userId="e0a4c6cb4146cbe1" providerId="LiveId" clId="{43E20478-7581-4DD6-9A41-2D114A35964C}" dt="2023-02-15T22:54:59.862" v="9966" actId="20577"/>
       <pc:docMkLst>
         <pc:docMk/>
       </pc:docMkLst>
@@ -700,7 +700,7 @@
         </pc:graphicFrameChg>
       </pc:sldChg>
       <pc:sldChg chg="modSp add mod">
-        <pc:chgData name="Calogera McCormick" userId="e0a4c6cb4146cbe1" providerId="LiveId" clId="{43E20478-7581-4DD6-9A41-2D114A35964C}" dt="2023-02-09T20:12:21.314" v="7688" actId="1035"/>
+        <pc:chgData name="Calogera McCormick" userId="e0a4c6cb4146cbe1" providerId="LiveId" clId="{43E20478-7581-4DD6-9A41-2D114A35964C}" dt="2023-02-15T22:54:59.862" v="9966" actId="20577"/>
         <pc:sldMkLst>
           <pc:docMk/>
           <pc:sldMk cId="3040459613" sldId="272"/>
@@ -714,7 +714,7 @@
           </ac:spMkLst>
         </pc:spChg>
         <pc:graphicFrameChg chg="mod modGraphic">
-          <ac:chgData name="Calogera McCormick" userId="e0a4c6cb4146cbe1" providerId="LiveId" clId="{43E20478-7581-4DD6-9A41-2D114A35964C}" dt="2023-02-09T20:12:21.314" v="7688" actId="1035"/>
+          <ac:chgData name="Calogera McCormick" userId="e0a4c6cb4146cbe1" providerId="LiveId" clId="{43E20478-7581-4DD6-9A41-2D114A35964C}" dt="2023-02-15T22:54:59.862" v="9966" actId="20577"/>
           <ac:graphicFrameMkLst>
             <pc:docMk/>
             <pc:sldMk cId="3040459613" sldId="272"/>
@@ -723,7 +723,7 @@
         </pc:graphicFrameChg>
       </pc:sldChg>
       <pc:sldChg chg="addSp delSp modSp new mod modClrScheme chgLayout">
-        <pc:chgData name="Calogera McCormick" userId="e0a4c6cb4146cbe1" providerId="LiveId" clId="{43E20478-7581-4DD6-9A41-2D114A35964C}" dt="2023-02-10T01:00:17.520" v="7967" actId="27636"/>
+        <pc:chgData name="Calogera McCormick" userId="e0a4c6cb4146cbe1" providerId="LiveId" clId="{43E20478-7581-4DD6-9A41-2D114A35964C}" dt="2023-02-15T20:20:25.106" v="9867" actId="13926"/>
         <pc:sldMkLst>
           <pc:docMk/>
           <pc:sldMk cId="822627882" sldId="273"/>
@@ -777,7 +777,7 @@
           </ac:spMkLst>
         </pc:spChg>
         <pc:spChg chg="add mod ord">
-          <ac:chgData name="Calogera McCormick" userId="e0a4c6cb4146cbe1" providerId="LiveId" clId="{43E20478-7581-4DD6-9A41-2D114A35964C}" dt="2023-02-10T01:00:17.520" v="7967" actId="27636"/>
+          <ac:chgData name="Calogera McCormick" userId="e0a4c6cb4146cbe1" providerId="LiveId" clId="{43E20478-7581-4DD6-9A41-2D114A35964C}" dt="2023-02-15T20:20:25.106" v="9867" actId="13926"/>
           <ac:spMkLst>
             <pc:docMk/>
             <pc:sldMk cId="822627882" sldId="273"/>
@@ -985,7 +985,7 @@
           <a:p>
             <a:fld id="{C21E9E10-B59A-4E9D-AF95-0F4C2023A7FB}" type="datetimeFigureOut">
               <a:rPr lang="en-US" smtClean="0"/>
-              <a:t>2/12/2023</a:t>
+              <a:t>2/15/2023</a:t>
             </a:fld>
             <a:endParaRPr lang="en-US"/>
           </a:p>
@@ -1272,7 +1272,7 @@
           <a:p>
             <a:fld id="{C21E9E10-B59A-4E9D-AF95-0F4C2023A7FB}" type="datetimeFigureOut">
               <a:rPr lang="en-US" smtClean="0"/>
-              <a:t>2/12/2023</a:t>
+              <a:t>2/15/2023</a:t>
             </a:fld>
             <a:endParaRPr lang="en-US"/>
           </a:p>
@@ -1464,7 +1464,7 @@
           <a:p>
             <a:fld id="{C21E9E10-B59A-4E9D-AF95-0F4C2023A7FB}" type="datetimeFigureOut">
               <a:rPr lang="en-US" smtClean="0"/>
-              <a:t>2/12/2023</a:t>
+              <a:t>2/15/2023</a:t>
             </a:fld>
             <a:endParaRPr lang="en-US"/>
           </a:p>
@@ -1725,7 +1725,7 @@
           <a:p>
             <a:fld id="{C21E9E10-B59A-4E9D-AF95-0F4C2023A7FB}" type="datetimeFigureOut">
               <a:rPr lang="en-US" smtClean="0"/>
-              <a:t>2/12/2023</a:t>
+              <a:t>2/15/2023</a:t>
             </a:fld>
             <a:endParaRPr lang="en-US"/>
           </a:p>
@@ -2149,7 +2149,7 @@
           <a:p>
             <a:fld id="{C21E9E10-B59A-4E9D-AF95-0F4C2023A7FB}" type="datetimeFigureOut">
               <a:rPr lang="en-US" smtClean="0"/>
-              <a:t>2/12/2023</a:t>
+              <a:t>2/15/2023</a:t>
             </a:fld>
             <a:endParaRPr lang="en-US"/>
           </a:p>
@@ -2695,7 +2695,7 @@
           <a:p>
             <a:fld id="{C21E9E10-B59A-4E9D-AF95-0F4C2023A7FB}" type="datetimeFigureOut">
               <a:rPr lang="en-US" smtClean="0"/>
-              <a:t>2/12/2023</a:t>
+              <a:t>2/15/2023</a:t>
             </a:fld>
             <a:endParaRPr lang="en-US"/>
           </a:p>
@@ -3535,7 +3535,7 @@
           <a:p>
             <a:fld id="{C21E9E10-B59A-4E9D-AF95-0F4C2023A7FB}" type="datetimeFigureOut">
               <a:rPr lang="en-US" smtClean="0"/>
-              <a:t>2/12/2023</a:t>
+              <a:t>2/15/2023</a:t>
             </a:fld>
             <a:endParaRPr lang="en-US"/>
           </a:p>
@@ -3705,7 +3705,7 @@
           <a:p>
             <a:fld id="{C21E9E10-B59A-4E9D-AF95-0F4C2023A7FB}" type="datetimeFigureOut">
               <a:rPr lang="en-US" smtClean="0"/>
-              <a:t>2/12/2023</a:t>
+              <a:t>2/15/2023</a:t>
             </a:fld>
             <a:endParaRPr lang="en-US"/>
           </a:p>
@@ -3889,7 +3889,7 @@
           <a:p>
             <a:fld id="{C21E9E10-B59A-4E9D-AF95-0F4C2023A7FB}" type="datetimeFigureOut">
               <a:rPr lang="en-US" smtClean="0"/>
-              <a:t>2/12/2023</a:t>
+              <a:t>2/15/2023</a:t>
             </a:fld>
             <a:endParaRPr lang="en-US"/>
           </a:p>
@@ -4059,7 +4059,7 @@
           <a:p>
             <a:fld id="{C21E9E10-B59A-4E9D-AF95-0F4C2023A7FB}" type="datetimeFigureOut">
               <a:rPr lang="en-US" smtClean="0"/>
-              <a:t>2/12/2023</a:t>
+              <a:t>2/15/2023</a:t>
             </a:fld>
             <a:endParaRPr lang="en-US"/>
           </a:p>
@@ -4307,7 +4307,7 @@
           <a:p>
             <a:fld id="{C21E9E10-B59A-4E9D-AF95-0F4C2023A7FB}" type="datetimeFigureOut">
               <a:rPr lang="en-US" smtClean="0"/>
-              <a:t>2/12/2023</a:t>
+              <a:t>2/15/2023</a:t>
             </a:fld>
             <a:endParaRPr lang="en-US"/>
           </a:p>
@@ -4544,7 +4544,7 @@
           <a:p>
             <a:fld id="{C21E9E10-B59A-4E9D-AF95-0F4C2023A7FB}" type="datetimeFigureOut">
               <a:rPr lang="en-US" smtClean="0"/>
-              <a:t>2/12/2023</a:t>
+              <a:t>2/15/2023</a:t>
             </a:fld>
             <a:endParaRPr lang="en-US"/>
           </a:p>
@@ -4917,7 +4917,7 @@
           <a:p>
             <a:fld id="{C21E9E10-B59A-4E9D-AF95-0F4C2023A7FB}" type="datetimeFigureOut">
               <a:rPr lang="en-US" smtClean="0"/>
-              <a:t>2/12/2023</a:t>
+              <a:t>2/15/2023</a:t>
             </a:fld>
             <a:endParaRPr lang="en-US"/>
           </a:p>
@@ -5035,7 +5035,7 @@
           <a:p>
             <a:fld id="{C21E9E10-B59A-4E9D-AF95-0F4C2023A7FB}" type="datetimeFigureOut">
               <a:rPr lang="en-US" smtClean="0"/>
-              <a:t>2/12/2023</a:t>
+              <a:t>2/15/2023</a:t>
             </a:fld>
             <a:endParaRPr lang="en-US"/>
           </a:p>
@@ -5130,7 +5130,7 @@
           <a:p>
             <a:fld id="{C21E9E10-B59A-4E9D-AF95-0F4C2023A7FB}" type="datetimeFigureOut">
               <a:rPr lang="en-US" smtClean="0"/>
-              <a:t>2/12/2023</a:t>
+              <a:t>2/15/2023</a:t>
             </a:fld>
             <a:endParaRPr lang="en-US"/>
           </a:p>
@@ -5381,7 +5381,7 @@
           <a:p>
             <a:fld id="{C21E9E10-B59A-4E9D-AF95-0F4C2023A7FB}" type="datetimeFigureOut">
               <a:rPr lang="en-US" smtClean="0"/>
-              <a:t>2/12/2023</a:t>
+              <a:t>2/15/2023</a:t>
             </a:fld>
             <a:endParaRPr lang="en-US"/>
           </a:p>
@@ -5668,7 +5668,7 @@
           <a:p>
             <a:fld id="{C21E9E10-B59A-4E9D-AF95-0F4C2023A7FB}" type="datetimeFigureOut">
               <a:rPr lang="en-US" smtClean="0"/>
-              <a:t>2/12/2023</a:t>
+              <a:t>2/15/2023</a:t>
             </a:fld>
             <a:endParaRPr lang="en-US"/>
           </a:p>
@@ -5881,7 +5881,7 @@
           <a:p>
             <a:fld id="{C21E9E10-B59A-4E9D-AF95-0F4C2023A7FB}" type="datetimeFigureOut">
               <a:rPr lang="en-US" smtClean="0"/>
-              <a:t>2/12/2023</a:t>
+              <a:t>2/15/2023</a:t>
             </a:fld>
             <a:endParaRPr lang="en-US"/>
           </a:p>
@@ -9188,7 +9188,7 @@
         </p:nvGraphicFramePr>
         <p:xfrm>
           <a:off x="963092" y="1205908"/>
-          <a:ext cx="10687487" cy="5519052"/>
+          <a:ext cx="10687487" cy="5770129"/>
         </p:xfrm>
         <a:graphic>
           <a:graphicData uri="http://schemas.openxmlformats.org/drawingml/2006/table">
@@ -11201,7 +11201,12 @@
             <p:ph sz="quarter" idx="4"/>
           </p:nvPr>
         </p:nvSpPr>
-        <p:spPr/>
+        <p:spPr>
+          <a:xfrm>
+            <a:off x="7239786" y="2912232"/>
+            <a:ext cx="4027771" cy="2878968"/>
+          </a:xfrm>
+        </p:spPr>
         <p:txBody>
           <a:bodyPr>
             <a:normAutofit fontScale="92500" lnSpcReduction="10000"/>
@@ -11233,6 +11238,9 @@
                   <a:srgbClr val="3C4858"/>
                 </a:solidFill>
                 <a:effectLst/>
+                <a:highlight>
+                  <a:srgbClr val="FFFF00"/>
+                </a:highlight>
                 <a:latin typeface="Nunito" pitchFamily="2" charset="0"/>
               </a:rPr>
               <a:t>arr_cancelled</a:t>
@@ -11245,6 +11253,9 @@
                 <a:srgbClr val="3C4858"/>
               </a:solidFill>
               <a:effectLst/>
+              <a:highlight>
+                <a:srgbClr val="FFFF00"/>
+              </a:highlight>
               <a:latin typeface="Nunito" pitchFamily="2" charset="0"/>
             </a:endParaRPr>
           </a:p>
@@ -11274,6 +11285,9 @@
                   <a:srgbClr val="3C4858"/>
                 </a:solidFill>
                 <a:effectLst/>
+                <a:highlight>
+                  <a:srgbClr val="FFFF00"/>
+                </a:highlight>
                 <a:latin typeface="Nunito" pitchFamily="2" charset="0"/>
               </a:rPr>
               <a:t>Number of cancelled flights</a:t>
@@ -11305,6 +11319,9 @@
                   <a:srgbClr val="3C4858"/>
                 </a:solidFill>
                 <a:effectLst/>
+                <a:highlight>
+                  <a:srgbClr val="FFFF00"/>
+                </a:highlight>
                 <a:latin typeface="Nunito" pitchFamily="2" charset="0"/>
               </a:rPr>
               <a:t>arr_diverted</a:t>
@@ -11317,6 +11334,9 @@
                 <a:srgbClr val="3C4858"/>
               </a:solidFill>
               <a:effectLst/>
+              <a:highlight>
+                <a:srgbClr val="FFFF00"/>
+              </a:highlight>
               <a:latin typeface="Nunito" pitchFamily="2" charset="0"/>
             </a:endParaRPr>
           </a:p>
@@ -11346,6 +11366,9 @@
                   <a:srgbClr val="3C4858"/>
                 </a:solidFill>
                 <a:effectLst/>
+                <a:highlight>
+                  <a:srgbClr val="FFFF00"/>
+                </a:highlight>
                 <a:latin typeface="Nunito" pitchFamily="2" charset="0"/>
               </a:rPr>
               <a:t>Number of flights that were diverted</a:t>
@@ -11377,6 +11400,9 @@
                   <a:srgbClr val="3C4858"/>
                 </a:solidFill>
                 <a:effectLst/>
+                <a:highlight>
+                  <a:srgbClr val="FFFF00"/>
+                </a:highlight>
                 <a:latin typeface="Nunito" pitchFamily="2" charset="0"/>
               </a:rPr>
               <a:t>arr_delay</a:t>
@@ -11389,6 +11415,9 @@
                 <a:srgbClr val="3C4858"/>
               </a:solidFill>
               <a:effectLst/>
+              <a:highlight>
+                <a:srgbClr val="FFFF00"/>
+              </a:highlight>
               <a:latin typeface="Nunito" pitchFamily="2" charset="0"/>
             </a:endParaRPr>
           </a:p>
@@ -11418,6 +11447,9 @@
                   <a:srgbClr val="3C4858"/>
                 </a:solidFill>
                 <a:effectLst/>
+                <a:highlight>
+                  <a:srgbClr val="FFFF00"/>
+                </a:highlight>
                 <a:latin typeface="Nunito" pitchFamily="2" charset="0"/>
               </a:rPr>
               <a:t>Total time (minutes) of delayed flight.</a:t>
@@ -11449,6 +11481,9 @@
                   <a:srgbClr val="3C4858"/>
                 </a:solidFill>
                 <a:effectLst/>
+                <a:highlight>
+                  <a:srgbClr val="FFFF00"/>
+                </a:highlight>
                 <a:latin typeface="Nunito" pitchFamily="2" charset="0"/>
               </a:rPr>
               <a:t>carrier_delay</a:t>
@@ -11461,6 +11496,9 @@
                 <a:srgbClr val="3C4858"/>
               </a:solidFill>
               <a:effectLst/>
+              <a:highlight>
+                <a:srgbClr val="FFFF00"/>
+              </a:highlight>
               <a:latin typeface="Nunito" pitchFamily="2" charset="0"/>
             </a:endParaRPr>
           </a:p>
@@ -11490,6 +11528,9 @@
                   <a:srgbClr val="3C4858"/>
                 </a:solidFill>
                 <a:effectLst/>
+                <a:highlight>
+                  <a:srgbClr val="FFFF00"/>
+                </a:highlight>
                 <a:latin typeface="Nunito" pitchFamily="2" charset="0"/>
               </a:rPr>
               <a:t>Total time (minutes) of delay due to air carrier</a:t>
@@ -11521,6 +11562,9 @@
                   <a:srgbClr val="3C4858"/>
                 </a:solidFill>
                 <a:effectLst/>
+                <a:highlight>
+                  <a:srgbClr val="FFFF00"/>
+                </a:highlight>
                 <a:latin typeface="Nunito" pitchFamily="2" charset="0"/>
               </a:rPr>
               <a:t>weather_delay</a:t>
@@ -11533,6 +11577,9 @@
                 <a:srgbClr val="3C4858"/>
               </a:solidFill>
               <a:effectLst/>
+              <a:highlight>
+                <a:srgbClr val="FFFF00"/>
+              </a:highlight>
               <a:latin typeface="Nunito" pitchFamily="2" charset="0"/>
             </a:endParaRPr>
           </a:p>
@@ -11562,6 +11609,9 @@
                   <a:srgbClr val="3C4858"/>
                 </a:solidFill>
                 <a:effectLst/>
+                <a:highlight>
+                  <a:srgbClr val="FFFF00"/>
+                </a:highlight>
                 <a:latin typeface="Nunito" pitchFamily="2" charset="0"/>
               </a:rPr>
               <a:t>Total time (minutes) of delay due to inclement weather.</a:t>
@@ -11593,6 +11643,9 @@
                   <a:srgbClr val="3C4858"/>
                 </a:solidFill>
                 <a:effectLst/>
+                <a:highlight>
+                  <a:srgbClr val="FFFF00"/>
+                </a:highlight>
                 <a:latin typeface="Nunito" pitchFamily="2" charset="0"/>
               </a:rPr>
               <a:t>nas_delay</a:t>
@@ -11605,6 +11658,9 @@
                 <a:srgbClr val="3C4858"/>
               </a:solidFill>
               <a:effectLst/>
+              <a:highlight>
+                <a:srgbClr val="FFFF00"/>
+              </a:highlight>
               <a:latin typeface="Nunito" pitchFamily="2" charset="0"/>
             </a:endParaRPr>
           </a:p>
@@ -11634,6 +11690,9 @@
                   <a:srgbClr val="3C4858"/>
                 </a:solidFill>
                 <a:effectLst/>
+                <a:highlight>
+                  <a:srgbClr val="FFFF00"/>
+                </a:highlight>
                 <a:latin typeface="Nunito" pitchFamily="2" charset="0"/>
               </a:rPr>
               <a:t>Total time (minutes) of delay due to National Aviation System.</a:t>
@@ -11665,6 +11724,9 @@
                   <a:srgbClr val="3C4858"/>
                 </a:solidFill>
                 <a:effectLst/>
+                <a:highlight>
+                  <a:srgbClr val="FFFF00"/>
+                </a:highlight>
                 <a:latin typeface="Nunito" pitchFamily="2" charset="0"/>
               </a:rPr>
               <a:t>security_delay</a:t>
@@ -11677,6 +11739,9 @@
                 <a:srgbClr val="3C4858"/>
               </a:solidFill>
               <a:effectLst/>
+              <a:highlight>
+                <a:srgbClr val="FFFF00"/>
+              </a:highlight>
               <a:latin typeface="Nunito" pitchFamily="2" charset="0"/>
             </a:endParaRPr>
           </a:p>
@@ -11706,6 +11771,9 @@
                   <a:srgbClr val="3C4858"/>
                 </a:solidFill>
                 <a:effectLst/>
+                <a:highlight>
+                  <a:srgbClr val="FFFF00"/>
+                </a:highlight>
                 <a:latin typeface="Nunito" pitchFamily="2" charset="0"/>
               </a:rPr>
               <a:t>Total time (minutes) of delay as a result of a security issue .</a:t>
@@ -11737,6 +11805,9 @@
                   <a:srgbClr val="3C4858"/>
                 </a:solidFill>
                 <a:effectLst/>
+                <a:highlight>
+                  <a:srgbClr val="FFFF00"/>
+                </a:highlight>
                 <a:latin typeface="Nunito" pitchFamily="2" charset="0"/>
               </a:rPr>
               <a:t>late_aircraft_delay</a:t>
@@ -11749,6 +11820,9 @@
                 <a:srgbClr val="3C4858"/>
               </a:solidFill>
               <a:effectLst/>
+              <a:highlight>
+                <a:srgbClr val="FFFF00"/>
+              </a:highlight>
               <a:latin typeface="Nunito" pitchFamily="2" charset="0"/>
             </a:endParaRPr>
           </a:p>
@@ -11778,13 +11852,20 @@
                   <a:srgbClr val="3C4858"/>
                 </a:solidFill>
                 <a:effectLst/>
+                <a:highlight>
+                  <a:srgbClr val="FFFF00"/>
+                </a:highlight>
                 <a:latin typeface="Nunito" pitchFamily="2" charset="0"/>
               </a:rPr>
               <a:t>Total time (minutes) of delay flights as a result of a previous flight on the same airplane being late.</a:t>
             </a:r>
           </a:p>
           <a:p>
-            <a:endParaRPr lang="en-US" dirty="0"/>
+            <a:endParaRPr lang="en-US" dirty="0">
+              <a:highlight>
+                <a:srgbClr val="FFFF00"/>
+              </a:highlight>
+            </a:endParaRPr>
           </a:p>
         </p:txBody>
       </p:sp>
@@ -19310,7 +19391,7 @@
             <p:ph idx="1"/>
             <p:extLst>
               <p:ext uri="{D42A27DB-BD31-4B8C-83A1-F6EECF244321}">
-                <p14:modId xmlns:p14="http://schemas.microsoft.com/office/powerpoint/2010/main" val="1133119910"/>
+                <p14:modId xmlns:p14="http://schemas.microsoft.com/office/powerpoint/2010/main" val="3121575319"/>
               </p:ext>
             </p:extLst>
           </p:nvPr>
@@ -19604,7 +19685,7 @@
                           <a:effectLst/>
                           <a:latin typeface="Tw Cen MT" panose="020B0602020104020603" pitchFamily="34" charset="0"/>
                         </a:rPr>
-                        <a:t>Mid Atlantic</a:t>
+                        <a:t>Northeast</a:t>
                       </a:r>
                     </a:p>
                   </a:txBody>
@@ -19637,7 +19718,7 @@
                     <a:p>
                       <a:pPr algn="ctr" rtl="0" fontAlgn="ctr"/>
                       <a:r>
-                        <a:rPr lang="en-US" sz="1400" b="0" i="0" u="none" strike="noStrike">
+                        <a:rPr lang="en-US" sz="1400" b="0" i="0" u="none" strike="noStrike" dirty="0">
                           <a:solidFill>
                             <a:srgbClr val="000000"/>
                           </a:solidFill>
@@ -19791,7 +19872,7 @@
                           <a:effectLst/>
                           <a:latin typeface="Tw Cen MT" panose="020B0602020104020603" pitchFamily="34" charset="0"/>
                         </a:rPr>
-                        <a:t>Mid Atlantic</a:t>
+                        <a:t>Northeast</a:t>
                       </a:r>
                     </a:p>
                   </a:txBody>
@@ -19844,7 +19925,7 @@
                     <a:p>
                       <a:pPr algn="ctr" fontAlgn="t"/>
                       <a:r>
-                        <a:rPr lang="en-US" sz="1800" b="0" i="0" u="none" strike="noStrike">
+                        <a:rPr lang="en-US" sz="1800" b="0" i="0" u="none" strike="noStrike" dirty="0">
                           <a:solidFill>
                             <a:srgbClr val="000000"/>
                           </a:solidFill>
@@ -19978,7 +20059,7 @@
                           <a:effectLst/>
                           <a:latin typeface="Tw Cen MT" panose="020B0602020104020603" pitchFamily="34" charset="0"/>
                         </a:rPr>
-                        <a:t>Mid Atlantic</a:t>
+                        <a:t>Northeast</a:t>
                       </a:r>
                     </a:p>
                   </a:txBody>
@@ -20051,7 +20132,7 @@
                     <a:p>
                       <a:pPr algn="ctr" fontAlgn="t"/>
                       <a:r>
-                        <a:rPr lang="en-US" sz="1800" b="0" i="0" u="none" strike="noStrike">
+                        <a:rPr lang="en-US" sz="1800" b="0" i="0" u="none" strike="noStrike" dirty="0">
                           <a:solidFill>
                             <a:srgbClr val="000000"/>
                           </a:solidFill>
@@ -20165,7 +20246,7 @@
                           <a:effectLst/>
                           <a:latin typeface="Tw Cen MT" panose="020B0602020104020603" pitchFamily="34" charset="0"/>
                         </a:rPr>
-                        <a:t>Mid Atlantic</a:t>
+                        <a:t>South</a:t>
                       </a:r>
                     </a:p>
                   </a:txBody>
@@ -20425,7 +20506,7 @@
                     <a:p>
                       <a:pPr algn="ctr" fontAlgn="t"/>
                       <a:r>
-                        <a:rPr lang="en-US" sz="1800" b="0" i="0" u="none" strike="noStrike">
+                        <a:rPr lang="en-US" sz="1800" b="0" i="0" u="none" strike="noStrike" dirty="0">
                           <a:solidFill>
                             <a:srgbClr val="000000"/>
                           </a:solidFill>
@@ -20819,7 +20900,7 @@
                     <a:p>
                       <a:pPr algn="ctr" fontAlgn="t"/>
                       <a:r>
-                        <a:rPr lang="en-US" sz="1800" b="0" i="0" u="none" strike="noStrike">
+                        <a:rPr lang="en-US" sz="1800" b="0" i="0" u="none" strike="noStrike" dirty="0">
                           <a:solidFill>
                             <a:srgbClr val="000000"/>
                           </a:solidFill>
@@ -21193,7 +21274,7 @@
                     <a:p>
                       <a:pPr algn="ctr" fontAlgn="t"/>
                       <a:r>
-                        <a:rPr lang="en-US" sz="1800" b="0" i="0" u="none" strike="noStrike">
+                        <a:rPr lang="en-US" sz="1800" b="0" i="0" u="none" strike="noStrike" dirty="0">
                           <a:solidFill>
                             <a:srgbClr val="000000"/>
                           </a:solidFill>
@@ -21280,6 +21361,26 @@
                     <a:p>
                       <a:pPr algn="ctr" rtl="0" fontAlgn="ctr"/>
                       <a:r>
+                        <a:rPr lang="en-US" sz="1400" b="0" i="0" u="none" strike="noStrike" dirty="0">
+                          <a:solidFill>
+                            <a:srgbClr val="000000"/>
+                          </a:solidFill>
+                          <a:effectLst/>
+                          <a:latin typeface="Tw Cen MT" panose="020B0602020104020603" pitchFamily="34" charset="0"/>
+                        </a:rPr>
+                        <a:t>West</a:t>
+                      </a:r>
+                    </a:p>
+                  </a:txBody>
+                  <a:tcPr marL="3810" marR="3810" marT="3810" marB="0" anchor="ctr"/>
+                </a:tc>
+                <a:tc>
+                  <a:txBody>
+                    <a:bodyPr/>
+                    <a:lstStyle/>
+                    <a:p>
+                      <a:pPr algn="ctr" rtl="0" fontAlgn="ctr"/>
+                      <a:r>
                         <a:rPr lang="en-US" sz="1400" b="0" i="0" u="none" strike="noStrike">
                           <a:solidFill>
                             <a:srgbClr val="000000"/>
@@ -21287,7 +21388,7 @@
                           <a:effectLst/>
                           <a:latin typeface="Tw Cen MT" panose="020B0602020104020603" pitchFamily="34" charset="0"/>
                         </a:rPr>
-                        <a:t>Pacific</a:t>
+                        <a:t>13</a:t>
                       </a:r>
                     </a:p>
                   </a:txBody>
@@ -21307,7 +21408,7 @@
                           <a:effectLst/>
                           <a:latin typeface="Tw Cen MT" panose="020B0602020104020603" pitchFamily="34" charset="0"/>
                         </a:rPr>
-                        <a:t>13</a:t>
+                        <a:t>4</a:t>
                       </a:r>
                     </a:p>
                   </a:txBody>
@@ -21318,69 +21419,49 @@
                     <a:bodyPr/>
                     <a:lstStyle/>
                     <a:p>
+                      <a:pPr algn="ctr" fontAlgn="t"/>
+                      <a:r>
+                        <a:rPr lang="en-US" sz="1800" b="0" i="0" u="none" strike="noStrike">
+                          <a:solidFill>
+                            <a:srgbClr val="000000"/>
+                          </a:solidFill>
+                          <a:effectLst/>
+                          <a:latin typeface="Arial" panose="020B0604020202020204" pitchFamily="34" charset="0"/>
+                        </a:rPr>
+                        <a:t> </a:t>
+                      </a:r>
+                    </a:p>
+                  </a:txBody>
+                  <a:tcPr marL="3810" marR="3810" marT="3810" marB="0"/>
+                </a:tc>
+                <a:tc>
+                  <a:txBody>
+                    <a:bodyPr/>
+                    <a:lstStyle/>
+                    <a:p>
+                      <a:pPr algn="ctr" fontAlgn="t"/>
+                      <a:r>
+                        <a:rPr lang="en-US" sz="1800" b="0" i="0" u="none" strike="noStrike">
+                          <a:solidFill>
+                            <a:srgbClr val="000000"/>
+                          </a:solidFill>
+                          <a:effectLst/>
+                          <a:latin typeface="Arial" panose="020B0604020202020204" pitchFamily="34" charset="0"/>
+                        </a:rPr>
+                        <a:t> </a:t>
+                      </a:r>
+                    </a:p>
+                  </a:txBody>
+                  <a:tcPr marL="3810" marR="3810" marT="3810" marB="0"/>
+                </a:tc>
+                <a:tc>
+                  <a:txBody>
+                    <a:bodyPr/>
+                    <a:lstStyle/>
+                    <a:p>
                       <a:pPr algn="ctr" rtl="0" fontAlgn="ctr"/>
                       <a:r>
-                        <a:rPr lang="en-US" sz="1400" b="0" i="0" u="none" strike="noStrike">
-                          <a:solidFill>
-                            <a:srgbClr val="000000"/>
-                          </a:solidFill>
-                          <a:effectLst/>
-                          <a:latin typeface="Tw Cen MT" panose="020B0602020104020603" pitchFamily="34" charset="0"/>
-                        </a:rPr>
-                        <a:t>4</a:t>
-                      </a:r>
-                    </a:p>
-                  </a:txBody>
-                  <a:tcPr marL="3810" marR="3810" marT="3810" marB="0" anchor="ctr"/>
-                </a:tc>
-                <a:tc>
-                  <a:txBody>
-                    <a:bodyPr/>
-                    <a:lstStyle/>
-                    <a:p>
-                      <a:pPr algn="ctr" fontAlgn="t"/>
-                      <a:r>
-                        <a:rPr lang="en-US" sz="1800" b="0" i="0" u="none" strike="noStrike">
-                          <a:solidFill>
-                            <a:srgbClr val="000000"/>
-                          </a:solidFill>
-                          <a:effectLst/>
-                          <a:latin typeface="Arial" panose="020B0604020202020204" pitchFamily="34" charset="0"/>
-                        </a:rPr>
-                        <a:t> </a:t>
-                      </a:r>
-                    </a:p>
-                  </a:txBody>
-                  <a:tcPr marL="3810" marR="3810" marT="3810" marB="0"/>
-                </a:tc>
-                <a:tc>
-                  <a:txBody>
-                    <a:bodyPr/>
-                    <a:lstStyle/>
-                    <a:p>
-                      <a:pPr algn="ctr" fontAlgn="t"/>
-                      <a:r>
-                        <a:rPr lang="en-US" sz="1800" b="0" i="0" u="none" strike="noStrike">
-                          <a:solidFill>
-                            <a:srgbClr val="000000"/>
-                          </a:solidFill>
-                          <a:effectLst/>
-                          <a:latin typeface="Arial" panose="020B0604020202020204" pitchFamily="34" charset="0"/>
-                        </a:rPr>
-                        <a:t> </a:t>
-                      </a:r>
-                    </a:p>
-                  </a:txBody>
-                  <a:tcPr marL="3810" marR="3810" marT="3810" marB="0"/>
-                </a:tc>
-                <a:tc>
-                  <a:txBody>
-                    <a:bodyPr/>
-                    <a:lstStyle/>
-                    <a:p>
-                      <a:pPr algn="ctr" rtl="0" fontAlgn="ctr"/>
-                      <a:r>
-                        <a:rPr lang="en-US" sz="1400" b="0" i="0" u="none" strike="noStrike">
+                        <a:rPr lang="en-US" sz="1400" b="0" i="0" u="none" strike="noStrike" dirty="0">
                           <a:solidFill>
                             <a:srgbClr val="000000"/>
                           </a:solidFill>
@@ -21467,6 +21548,26 @@
                     <a:p>
                       <a:pPr algn="ctr" rtl="0" fontAlgn="ctr"/>
                       <a:r>
+                        <a:rPr lang="en-US" sz="1400" b="0" i="0" u="none" strike="noStrike" dirty="0">
+                          <a:solidFill>
+                            <a:srgbClr val="000000"/>
+                          </a:solidFill>
+                          <a:effectLst/>
+                          <a:latin typeface="Tw Cen MT" panose="020B0602020104020603" pitchFamily="34" charset="0"/>
+                        </a:rPr>
+                        <a:t>West</a:t>
+                      </a:r>
+                    </a:p>
+                  </a:txBody>
+                  <a:tcPr marL="3810" marR="3810" marT="3810" marB="0" anchor="ctr"/>
+                </a:tc>
+                <a:tc>
+                  <a:txBody>
+                    <a:bodyPr/>
+                    <a:lstStyle/>
+                    <a:p>
+                      <a:pPr algn="ctr" rtl="0" fontAlgn="ctr"/>
+                      <a:r>
                         <a:rPr lang="en-US" sz="1400" b="0" i="0" u="none" strike="noStrike">
                           <a:solidFill>
                             <a:srgbClr val="000000"/>
@@ -21474,7 +21575,7 @@
                           <a:effectLst/>
                           <a:latin typeface="Tw Cen MT" panose="020B0602020104020603" pitchFamily="34" charset="0"/>
                         </a:rPr>
-                        <a:t>Pacific</a:t>
+                        <a:t>5</a:t>
                       </a:r>
                     </a:p>
                   </a:txBody>
@@ -21485,89 +21586,69 @@
                     <a:bodyPr/>
                     <a:lstStyle/>
                     <a:p>
+                      <a:pPr algn="ctr" fontAlgn="t"/>
+                      <a:r>
+                        <a:rPr lang="en-US" sz="1800" b="0" i="0" u="none" strike="noStrike">
+                          <a:solidFill>
+                            <a:srgbClr val="000000"/>
+                          </a:solidFill>
+                          <a:effectLst/>
+                          <a:latin typeface="Arial" panose="020B0604020202020204" pitchFamily="34" charset="0"/>
+                        </a:rPr>
+                        <a:t> </a:t>
+                      </a:r>
+                    </a:p>
+                  </a:txBody>
+                  <a:tcPr marL="3810" marR="3810" marT="3810" marB="0"/>
+                </a:tc>
+                <a:tc>
+                  <a:txBody>
+                    <a:bodyPr/>
+                    <a:lstStyle/>
+                    <a:p>
+                      <a:pPr algn="ctr" fontAlgn="t"/>
+                      <a:r>
+                        <a:rPr lang="en-US" sz="1800" b="0" i="0" u="none" strike="noStrike">
+                          <a:solidFill>
+                            <a:srgbClr val="000000"/>
+                          </a:solidFill>
+                          <a:effectLst/>
+                          <a:latin typeface="Arial" panose="020B0604020202020204" pitchFamily="34" charset="0"/>
+                        </a:rPr>
+                        <a:t> </a:t>
+                      </a:r>
+                    </a:p>
+                  </a:txBody>
+                  <a:tcPr marL="3810" marR="3810" marT="3810" marB="0"/>
+                </a:tc>
+                <a:tc>
+                  <a:txBody>
+                    <a:bodyPr/>
+                    <a:lstStyle/>
+                    <a:p>
+                      <a:pPr algn="ctr" fontAlgn="t"/>
+                      <a:r>
+                        <a:rPr lang="en-US" sz="1800" b="0" i="0" u="none" strike="noStrike">
+                          <a:solidFill>
+                            <a:srgbClr val="000000"/>
+                          </a:solidFill>
+                          <a:effectLst/>
+                          <a:latin typeface="Arial" panose="020B0604020202020204" pitchFamily="34" charset="0"/>
+                        </a:rPr>
+                        <a:t> </a:t>
+                      </a:r>
+                    </a:p>
+                  </a:txBody>
+                  <a:tcPr marL="3810" marR="3810" marT="3810" marB="0"/>
+                </a:tc>
+                <a:tc>
+                  <a:txBody>
+                    <a:bodyPr/>
+                    <a:lstStyle/>
+                    <a:p>
                       <a:pPr algn="ctr" rtl="0" fontAlgn="ctr"/>
                       <a:r>
-                        <a:rPr lang="en-US" sz="1400" b="0" i="0" u="none" strike="noStrike">
-                          <a:solidFill>
-                            <a:srgbClr val="000000"/>
-                          </a:solidFill>
-                          <a:effectLst/>
-                          <a:latin typeface="Tw Cen MT" panose="020B0602020104020603" pitchFamily="34" charset="0"/>
-                        </a:rPr>
-                        <a:t>5</a:t>
-                      </a:r>
-                    </a:p>
-                  </a:txBody>
-                  <a:tcPr marL="3810" marR="3810" marT="3810" marB="0" anchor="ctr"/>
-                </a:tc>
-                <a:tc>
-                  <a:txBody>
-                    <a:bodyPr/>
-                    <a:lstStyle/>
-                    <a:p>
-                      <a:pPr algn="ctr" fontAlgn="t"/>
-                      <a:r>
-                        <a:rPr lang="en-US" sz="1800" b="0" i="0" u="none" strike="noStrike">
-                          <a:solidFill>
-                            <a:srgbClr val="000000"/>
-                          </a:solidFill>
-                          <a:effectLst/>
-                          <a:latin typeface="Arial" panose="020B0604020202020204" pitchFamily="34" charset="0"/>
-                        </a:rPr>
-                        <a:t> </a:t>
-                      </a:r>
-                    </a:p>
-                  </a:txBody>
-                  <a:tcPr marL="3810" marR="3810" marT="3810" marB="0"/>
-                </a:tc>
-                <a:tc>
-                  <a:txBody>
-                    <a:bodyPr/>
-                    <a:lstStyle/>
-                    <a:p>
-                      <a:pPr algn="ctr" fontAlgn="t"/>
-                      <a:r>
-                        <a:rPr lang="en-US" sz="1800" b="0" i="0" u="none" strike="noStrike">
-                          <a:solidFill>
-                            <a:srgbClr val="000000"/>
-                          </a:solidFill>
-                          <a:effectLst/>
-                          <a:latin typeface="Arial" panose="020B0604020202020204" pitchFamily="34" charset="0"/>
-                        </a:rPr>
-                        <a:t> </a:t>
-                      </a:r>
-                    </a:p>
-                  </a:txBody>
-                  <a:tcPr marL="3810" marR="3810" marT="3810" marB="0"/>
-                </a:tc>
-                <a:tc>
-                  <a:txBody>
-                    <a:bodyPr/>
-                    <a:lstStyle/>
-                    <a:p>
-                      <a:pPr algn="ctr" fontAlgn="t"/>
-                      <a:r>
-                        <a:rPr lang="en-US" sz="1800" b="0" i="0" u="none" strike="noStrike">
-                          <a:solidFill>
-                            <a:srgbClr val="000000"/>
-                          </a:solidFill>
-                          <a:effectLst/>
-                          <a:latin typeface="Arial" panose="020B0604020202020204" pitchFamily="34" charset="0"/>
-                        </a:rPr>
-                        <a:t> </a:t>
-                      </a:r>
-                    </a:p>
-                  </a:txBody>
-                  <a:tcPr marL="3810" marR="3810" marT="3810" marB="0"/>
-                </a:tc>
-                <a:tc>
-                  <a:txBody>
-                    <a:bodyPr/>
-                    <a:lstStyle/>
-                    <a:p>
-                      <a:pPr algn="ctr" rtl="0" fontAlgn="ctr"/>
-                      <a:r>
-                        <a:rPr lang="en-US" sz="1400" b="0" i="0" u="none" strike="noStrike">
+                        <a:rPr lang="en-US" sz="1400" b="0" i="0" u="none" strike="noStrike" dirty="0">
                           <a:solidFill>
                             <a:srgbClr val="000000"/>
                           </a:solidFill>
@@ -21654,6 +21735,26 @@
                     <a:p>
                       <a:pPr algn="ctr" rtl="0" fontAlgn="ctr"/>
                       <a:r>
+                        <a:rPr lang="en-US" sz="1400" b="0" i="0" u="none" strike="noStrike" dirty="0">
+                          <a:solidFill>
+                            <a:srgbClr val="000000"/>
+                          </a:solidFill>
+                          <a:effectLst/>
+                          <a:latin typeface="Tw Cen MT" panose="020B0602020104020603" pitchFamily="34" charset="0"/>
+                        </a:rPr>
+                        <a:t>West</a:t>
+                      </a:r>
+                    </a:p>
+                  </a:txBody>
+                  <a:tcPr marL="3810" marR="3810" marT="3810" marB="0" anchor="ctr"/>
+                </a:tc>
+                <a:tc>
+                  <a:txBody>
+                    <a:bodyPr/>
+                    <a:lstStyle/>
+                    <a:p>
+                      <a:pPr algn="ctr" rtl="0" fontAlgn="ctr"/>
+                      <a:r>
                         <a:rPr lang="en-US" sz="1400" b="0" i="0" u="none" strike="noStrike">
                           <a:solidFill>
                             <a:srgbClr val="000000"/>
@@ -21661,7 +21762,7 @@
                           <a:effectLst/>
                           <a:latin typeface="Tw Cen MT" panose="020B0602020104020603" pitchFamily="34" charset="0"/>
                         </a:rPr>
-                        <a:t>Pacific</a:t>
+                        <a:t>1</a:t>
                       </a:r>
                     </a:p>
                   </a:txBody>
@@ -21672,26 +21773,6 @@
                     <a:bodyPr/>
                     <a:lstStyle/>
                     <a:p>
-                      <a:pPr algn="ctr" rtl="0" fontAlgn="ctr"/>
-                      <a:r>
-                        <a:rPr lang="en-US" sz="1400" b="0" i="0" u="none" strike="noStrike">
-                          <a:solidFill>
-                            <a:srgbClr val="000000"/>
-                          </a:solidFill>
-                          <a:effectLst/>
-                          <a:latin typeface="Tw Cen MT" panose="020B0602020104020603" pitchFamily="34" charset="0"/>
-                        </a:rPr>
-                        <a:t>1</a:t>
-                      </a:r>
-                    </a:p>
-                  </a:txBody>
-                  <a:tcPr marL="3810" marR="3810" marT="3810" marB="0" anchor="ctr"/>
-                </a:tc>
-                <a:tc>
-                  <a:txBody>
-                    <a:bodyPr/>
-                    <a:lstStyle/>
-                    <a:p>
                       <a:pPr algn="ctr" fontAlgn="t"/>
                       <a:r>
                         <a:rPr lang="en-US" sz="1800" b="0" i="0" u="none" strike="noStrike">
@@ -21754,7 +21835,7 @@
                     <a:p>
                       <a:pPr algn="ctr" fontAlgn="t"/>
                       <a:r>
-                        <a:rPr lang="en-US" sz="1800" b="0" i="0" u="none" strike="noStrike">
+                        <a:rPr lang="en-US" sz="1800" b="0" i="0" u="none" strike="noStrike" dirty="0">
                           <a:solidFill>
                             <a:srgbClr val="000000"/>
                           </a:solidFill>
@@ -21841,6 +21922,26 @@
                     <a:p>
                       <a:pPr algn="ctr" rtl="0" fontAlgn="ctr"/>
                       <a:r>
+                        <a:rPr lang="en-US" sz="1400" b="0" i="0" u="none" strike="noStrike" dirty="0">
+                          <a:solidFill>
+                            <a:srgbClr val="000000"/>
+                          </a:solidFill>
+                          <a:effectLst/>
+                          <a:latin typeface="Tw Cen MT" panose="020B0602020104020603" pitchFamily="34" charset="0"/>
+                        </a:rPr>
+                        <a:t>South</a:t>
+                      </a:r>
+                    </a:p>
+                  </a:txBody>
+                  <a:tcPr marL="3810" marR="3810" marT="3810" marB="0" anchor="ctr"/>
+                </a:tc>
+                <a:tc>
+                  <a:txBody>
+                    <a:bodyPr/>
+                    <a:lstStyle/>
+                    <a:p>
+                      <a:pPr algn="ctr" rtl="0" fontAlgn="ctr"/>
+                      <a:r>
                         <a:rPr lang="en-US" sz="1400" b="0" i="0" u="none" strike="noStrike">
                           <a:solidFill>
                             <a:srgbClr val="000000"/>
@@ -21848,7 +21949,7 @@
                           <a:effectLst/>
                           <a:latin typeface="Tw Cen MT" panose="020B0602020104020603" pitchFamily="34" charset="0"/>
                         </a:rPr>
-                        <a:t>South Atlantic</a:t>
+                        <a:t>36</a:t>
                       </a:r>
                     </a:p>
                   </a:txBody>
@@ -21868,7 +21969,7 @@
                           <a:effectLst/>
                           <a:latin typeface="Tw Cen MT" panose="020B0602020104020603" pitchFamily="34" charset="0"/>
                         </a:rPr>
-                        <a:t>36</a:t>
+                        <a:t> </a:t>
                       </a:r>
                     </a:p>
                   </a:txBody>
@@ -21888,31 +21989,31 @@
                           <a:effectLst/>
                           <a:latin typeface="Tw Cen MT" panose="020B0602020104020603" pitchFamily="34" charset="0"/>
                         </a:rPr>
+                        <a:t>34</a:t>
+                      </a:r>
+                    </a:p>
+                  </a:txBody>
+                  <a:tcPr marL="3810" marR="3810" marT="3810" marB="0" anchor="ctr"/>
+                </a:tc>
+                <a:tc>
+                  <a:txBody>
+                    <a:bodyPr/>
+                    <a:lstStyle/>
+                    <a:p>
+                      <a:pPr algn="ctr" fontAlgn="t"/>
+                      <a:r>
+                        <a:rPr lang="en-US" sz="1800" b="0" i="0" u="none" strike="noStrike">
+                          <a:solidFill>
+                            <a:srgbClr val="000000"/>
+                          </a:solidFill>
+                          <a:effectLst/>
+                          <a:latin typeface="Arial" panose="020B0604020202020204" pitchFamily="34" charset="0"/>
+                        </a:rPr>
                         <a:t> </a:t>
                       </a:r>
                     </a:p>
                   </a:txBody>
-                  <a:tcPr marL="3810" marR="3810" marT="3810" marB="0" anchor="ctr"/>
-                </a:tc>
-                <a:tc>
-                  <a:txBody>
-                    <a:bodyPr/>
-                    <a:lstStyle/>
-                    <a:p>
-                      <a:pPr algn="ctr" rtl="0" fontAlgn="ctr"/>
-                      <a:r>
-                        <a:rPr lang="en-US" sz="1400" b="0" i="0" u="none" strike="noStrike">
-                          <a:solidFill>
-                            <a:srgbClr val="000000"/>
-                          </a:solidFill>
-                          <a:effectLst/>
-                          <a:latin typeface="Tw Cen MT" panose="020B0602020104020603" pitchFamily="34" charset="0"/>
-                        </a:rPr>
-                        <a:t>34</a:t>
-                      </a:r>
-                    </a:p>
-                  </a:txBody>
-                  <a:tcPr marL="3810" marR="3810" marT="3810" marB="0" anchor="ctr"/>
+                  <a:tcPr marL="3810" marR="3810" marT="3810" marB="0"/>
                 </a:tc>
                 <a:tc>
                   <a:txBody>
@@ -21921,27 +22022,7 @@
                     <a:p>
                       <a:pPr algn="ctr" fontAlgn="t"/>
                       <a:r>
-                        <a:rPr lang="en-US" sz="1800" b="0" i="0" u="none" strike="noStrike">
-                          <a:solidFill>
-                            <a:srgbClr val="000000"/>
-                          </a:solidFill>
-                          <a:effectLst/>
-                          <a:latin typeface="Arial" panose="020B0604020202020204" pitchFamily="34" charset="0"/>
-                        </a:rPr>
-                        <a:t> </a:t>
-                      </a:r>
-                    </a:p>
-                  </a:txBody>
-                  <a:tcPr marL="3810" marR="3810" marT="3810" marB="0"/>
-                </a:tc>
-                <a:tc>
-                  <a:txBody>
-                    <a:bodyPr/>
-                    <a:lstStyle/>
-                    <a:p>
-                      <a:pPr algn="ctr" fontAlgn="t"/>
-                      <a:r>
-                        <a:rPr lang="en-US" sz="1800" b="0" i="0" u="none" strike="noStrike">
+                        <a:rPr lang="en-US" sz="1800" b="0" i="0" u="none" strike="noStrike" dirty="0">
                           <a:solidFill>
                             <a:srgbClr val="000000"/>
                           </a:solidFill>
@@ -22028,6 +22109,26 @@
                     <a:p>
                       <a:pPr algn="ctr" rtl="0" fontAlgn="ctr"/>
                       <a:r>
+                        <a:rPr lang="en-US" sz="1400" b="0" i="0" u="none" strike="noStrike" dirty="0">
+                          <a:solidFill>
+                            <a:srgbClr val="000000"/>
+                          </a:solidFill>
+                          <a:effectLst/>
+                          <a:latin typeface="Tw Cen MT" panose="020B0602020104020603" pitchFamily="34" charset="0"/>
+                        </a:rPr>
+                        <a:t>South</a:t>
+                      </a:r>
+                    </a:p>
+                  </a:txBody>
+                  <a:tcPr marL="3810" marR="3810" marT="3810" marB="0" anchor="ctr"/>
+                </a:tc>
+                <a:tc>
+                  <a:txBody>
+                    <a:bodyPr/>
+                    <a:lstStyle/>
+                    <a:p>
+                      <a:pPr algn="ctr" rtl="0" fontAlgn="ctr"/>
+                      <a:r>
                         <a:rPr lang="en-US" sz="1400" b="0" i="0" u="none" strike="noStrike">
                           <a:solidFill>
                             <a:srgbClr val="000000"/>
@@ -22035,7 +22136,7 @@
                           <a:effectLst/>
                           <a:latin typeface="Tw Cen MT" panose="020B0602020104020603" pitchFamily="34" charset="0"/>
                         </a:rPr>
-                        <a:t>South Atlantic</a:t>
+                        <a:t>12</a:t>
                       </a:r>
                     </a:p>
                   </a:txBody>
@@ -22066,26 +22167,6 @@
                     <a:bodyPr/>
                     <a:lstStyle/>
                     <a:p>
-                      <a:pPr algn="ctr" rtl="0" fontAlgn="ctr"/>
-                      <a:r>
-                        <a:rPr lang="en-US" sz="1400" b="0" i="0" u="none" strike="noStrike">
-                          <a:solidFill>
-                            <a:srgbClr val="000000"/>
-                          </a:solidFill>
-                          <a:effectLst/>
-                          <a:latin typeface="Tw Cen MT" panose="020B0602020104020603" pitchFamily="34" charset="0"/>
-                        </a:rPr>
-                        <a:t>12</a:t>
-                      </a:r>
-                    </a:p>
-                  </a:txBody>
-                  <a:tcPr marL="3810" marR="3810" marT="3810" marB="0" anchor="ctr"/>
-                </a:tc>
-                <a:tc>
-                  <a:txBody>
-                    <a:bodyPr/>
-                    <a:lstStyle/>
-                    <a:p>
                       <a:pPr algn="ctr" fontAlgn="t"/>
                       <a:r>
                         <a:rPr lang="en-US" sz="1800" b="0" i="0" u="none" strike="noStrike">
@@ -22128,7 +22209,7 @@
                     <a:p>
                       <a:pPr algn="ctr" fontAlgn="t"/>
                       <a:r>
-                        <a:rPr lang="en-US" sz="1800" b="0" i="0" u="none" strike="noStrike">
+                        <a:rPr lang="en-US" sz="1800" b="0" i="0" u="none" strike="noStrike" dirty="0">
                           <a:solidFill>
                             <a:srgbClr val="000000"/>
                           </a:solidFill>
@@ -22148,7 +22229,7 @@
                     <a:p>
                       <a:pPr algn="ctr" fontAlgn="t"/>
                       <a:r>
-                        <a:rPr lang="en-US" sz="1800" b="0" i="0" u="none" strike="noStrike">
+                        <a:rPr lang="en-US" sz="1800" b="0" i="0" u="none" strike="noStrike" dirty="0">
                           <a:solidFill>
                             <a:srgbClr val="000000"/>
                           </a:solidFill>
@@ -22215,6 +22296,26 @@
                     <a:p>
                       <a:pPr algn="ctr" rtl="0" fontAlgn="ctr"/>
                       <a:r>
+                        <a:rPr lang="en-US" sz="1400" b="0" i="0" u="none" strike="noStrike" dirty="0">
+                          <a:solidFill>
+                            <a:srgbClr val="000000"/>
+                          </a:solidFill>
+                          <a:effectLst/>
+                          <a:latin typeface="Tw Cen MT" panose="020B0602020104020603" pitchFamily="34" charset="0"/>
+                        </a:rPr>
+                        <a:t>South</a:t>
+                      </a:r>
+                    </a:p>
+                  </a:txBody>
+                  <a:tcPr marL="3810" marR="3810" marT="3810" marB="0" anchor="ctr"/>
+                </a:tc>
+                <a:tc>
+                  <a:txBody>
+                    <a:bodyPr/>
+                    <a:lstStyle/>
+                    <a:p>
+                      <a:pPr algn="ctr" rtl="0" fontAlgn="ctr"/>
+                      <a:r>
                         <a:rPr lang="en-US" sz="1400" b="0" i="0" u="none" strike="noStrike">
                           <a:solidFill>
                             <a:srgbClr val="000000"/>
@@ -22222,7 +22323,7 @@
                           <a:effectLst/>
                           <a:latin typeface="Tw Cen MT" panose="020B0602020104020603" pitchFamily="34" charset="0"/>
                         </a:rPr>
-                        <a:t>South Atlantic</a:t>
+                        <a:t>2</a:t>
                       </a:r>
                     </a:p>
                   </a:txBody>
@@ -22233,6 +22334,46 @@
                     <a:bodyPr/>
                     <a:lstStyle/>
                     <a:p>
+                      <a:pPr algn="ctr" fontAlgn="t"/>
+                      <a:r>
+                        <a:rPr lang="en-US" sz="1800" b="0" i="0" u="none" strike="noStrike">
+                          <a:solidFill>
+                            <a:srgbClr val="000000"/>
+                          </a:solidFill>
+                          <a:effectLst/>
+                          <a:latin typeface="Arial" panose="020B0604020202020204" pitchFamily="34" charset="0"/>
+                        </a:rPr>
+                        <a:t> </a:t>
+                      </a:r>
+                    </a:p>
+                  </a:txBody>
+                  <a:tcPr marL="3810" marR="3810" marT="3810" marB="0"/>
+                </a:tc>
+                <a:tc>
+                  <a:txBody>
+                    <a:bodyPr/>
+                    <a:lstStyle/>
+                    <a:p>
+                      <a:pPr algn="ctr" fontAlgn="t"/>
+                      <a:r>
+                        <a:rPr lang="en-US" sz="1800" b="0" i="0" u="none" strike="noStrike">
+                          <a:solidFill>
+                            <a:srgbClr val="000000"/>
+                          </a:solidFill>
+                          <a:effectLst/>
+                          <a:latin typeface="Arial" panose="020B0604020202020204" pitchFamily="34" charset="0"/>
+                        </a:rPr>
+                        <a:t> </a:t>
+                      </a:r>
+                    </a:p>
+                  </a:txBody>
+                  <a:tcPr marL="3810" marR="3810" marT="3810" marB="0"/>
+                </a:tc>
+                <a:tc>
+                  <a:txBody>
+                    <a:bodyPr/>
+                    <a:lstStyle/>
+                    <a:p>
                       <a:pPr algn="ctr" rtl="0" fontAlgn="ctr"/>
                       <a:r>
                         <a:rPr lang="en-US" sz="1400" b="0" i="0" u="none" strike="noStrike">
@@ -22275,67 +22416,7 @@
                     <a:p>
                       <a:pPr algn="ctr" fontAlgn="t"/>
                       <a:r>
-                        <a:rPr lang="en-US" sz="1800" b="0" i="0" u="none" strike="noStrike">
-                          <a:solidFill>
-                            <a:srgbClr val="000000"/>
-                          </a:solidFill>
-                          <a:effectLst/>
-                          <a:latin typeface="Arial" panose="020B0604020202020204" pitchFamily="34" charset="0"/>
-                        </a:rPr>
-                        <a:t> </a:t>
-                      </a:r>
-                    </a:p>
-                  </a:txBody>
-                  <a:tcPr marL="3810" marR="3810" marT="3810" marB="0"/>
-                </a:tc>
-                <a:tc>
-                  <a:txBody>
-                    <a:bodyPr/>
-                    <a:lstStyle/>
-                    <a:p>
-                      <a:pPr algn="ctr" rtl="0" fontAlgn="ctr"/>
-                      <a:r>
-                        <a:rPr lang="en-US" sz="1400" b="0" i="0" u="none" strike="noStrike">
-                          <a:solidFill>
-                            <a:srgbClr val="000000"/>
-                          </a:solidFill>
-                          <a:effectLst/>
-                          <a:latin typeface="Tw Cen MT" panose="020B0602020104020603" pitchFamily="34" charset="0"/>
-                        </a:rPr>
-                        <a:t>2</a:t>
-                      </a:r>
-                    </a:p>
-                  </a:txBody>
-                  <a:tcPr marL="3810" marR="3810" marT="3810" marB="0" anchor="ctr"/>
-                </a:tc>
-                <a:tc>
-                  <a:txBody>
-                    <a:bodyPr/>
-                    <a:lstStyle/>
-                    <a:p>
-                      <a:pPr algn="ctr" fontAlgn="t"/>
-                      <a:r>
-                        <a:rPr lang="en-US" sz="1800" b="0" i="0" u="none" strike="noStrike">
-                          <a:solidFill>
-                            <a:srgbClr val="000000"/>
-                          </a:solidFill>
-                          <a:effectLst/>
-                          <a:latin typeface="Arial" panose="020B0604020202020204" pitchFamily="34" charset="0"/>
-                        </a:rPr>
-                        <a:t> </a:t>
-                      </a:r>
-                    </a:p>
-                  </a:txBody>
-                  <a:tcPr marL="3810" marR="3810" marT="3810" marB="0"/>
-                </a:tc>
-                <a:tc>
-                  <a:txBody>
-                    <a:bodyPr/>
-                    <a:lstStyle/>
-                    <a:p>
-                      <a:pPr algn="ctr" fontAlgn="t"/>
-                      <a:r>
-                        <a:rPr lang="en-US" sz="1800" b="0" i="0" u="none" strike="noStrike">
+                        <a:rPr lang="en-US" sz="1800" b="0" i="0" u="none" strike="noStrike" dirty="0">
                           <a:solidFill>
                             <a:srgbClr val="000000"/>
                           </a:solidFill>
@@ -22362,6 +22443,26 @@
                     <a:p>
                       <a:pPr algn="l" rtl="0" fontAlgn="ctr"/>
                       <a:r>
+                        <a:rPr lang="en-US" sz="1400" b="0" i="0" u="none" strike="noStrike" dirty="0">
+                          <a:solidFill>
+                            <a:srgbClr val="000000"/>
+                          </a:solidFill>
+                          <a:effectLst/>
+                          <a:latin typeface="Tw Cen MT" panose="020B0602020104020603" pitchFamily="34" charset="0"/>
+                        </a:rPr>
+                        <a:t>Miami</a:t>
+                      </a:r>
+                    </a:p>
+                  </a:txBody>
+                  <a:tcPr marL="3810" marR="3810" marT="3810" marB="0" anchor="ctr"/>
+                </a:tc>
+                <a:tc>
+                  <a:txBody>
+                    <a:bodyPr/>
+                    <a:lstStyle/>
+                    <a:p>
+                      <a:pPr algn="ctr" rtl="0" fontAlgn="ctr"/>
+                      <a:r>
                         <a:rPr lang="en-US" sz="1400" b="0" i="0" u="none" strike="noStrike">
                           <a:solidFill>
                             <a:srgbClr val="000000"/>
@@ -22369,7 +22470,7 @@
                           <a:effectLst/>
                           <a:latin typeface="Tw Cen MT" panose="020B0602020104020603" pitchFamily="34" charset="0"/>
                         </a:rPr>
-                        <a:t>Miami</a:t>
+                        <a:t>MIA</a:t>
                       </a:r>
                     </a:p>
                   </a:txBody>
@@ -22382,6 +22483,26 @@
                     <a:p>
                       <a:pPr algn="ctr" rtl="0" fontAlgn="ctr"/>
                       <a:r>
+                        <a:rPr lang="en-US" sz="1400" b="0" i="0" u="none" strike="noStrike" dirty="0">
+                          <a:solidFill>
+                            <a:srgbClr val="000000"/>
+                          </a:solidFill>
+                          <a:effectLst/>
+                          <a:latin typeface="Tw Cen MT" panose="020B0602020104020603" pitchFamily="34" charset="0"/>
+                        </a:rPr>
+                        <a:t>South</a:t>
+                      </a:r>
+                    </a:p>
+                  </a:txBody>
+                  <a:tcPr marL="3810" marR="3810" marT="3810" marB="0" anchor="ctr"/>
+                </a:tc>
+                <a:tc>
+                  <a:txBody>
+                    <a:bodyPr/>
+                    <a:lstStyle/>
+                    <a:p>
+                      <a:pPr algn="ctr" rtl="0" fontAlgn="ctr"/>
+                      <a:r>
                         <a:rPr lang="en-US" sz="1400" b="0" i="0" u="none" strike="noStrike">
                           <a:solidFill>
                             <a:srgbClr val="000000"/>
@@ -22389,7 +22510,7 @@
                           <a:effectLst/>
                           <a:latin typeface="Tw Cen MT" panose="020B0602020104020603" pitchFamily="34" charset="0"/>
                         </a:rPr>
-                        <a:t>MIA</a:t>
+                        <a:t>1</a:t>
                       </a:r>
                     </a:p>
                   </a:txBody>
@@ -22409,7 +22530,7 @@
                           <a:effectLst/>
                           <a:latin typeface="Tw Cen MT" panose="020B0602020104020603" pitchFamily="34" charset="0"/>
                         </a:rPr>
-                        <a:t>South Atlantic</a:t>
+                        <a:t>1</a:t>
                       </a:r>
                     </a:p>
                   </a:txBody>
@@ -22420,46 +22541,6 @@
                     <a:bodyPr/>
                     <a:lstStyle/>
                     <a:p>
-                      <a:pPr algn="ctr" rtl="0" fontAlgn="ctr"/>
-                      <a:r>
-                        <a:rPr lang="en-US" sz="1400" b="0" i="0" u="none" strike="noStrike">
-                          <a:solidFill>
-                            <a:srgbClr val="000000"/>
-                          </a:solidFill>
-                          <a:effectLst/>
-                          <a:latin typeface="Tw Cen MT" panose="020B0602020104020603" pitchFamily="34" charset="0"/>
-                        </a:rPr>
-                        <a:t>1</a:t>
-                      </a:r>
-                    </a:p>
-                  </a:txBody>
-                  <a:tcPr marL="3810" marR="3810" marT="3810" marB="0" anchor="ctr"/>
-                </a:tc>
-                <a:tc>
-                  <a:txBody>
-                    <a:bodyPr/>
-                    <a:lstStyle/>
-                    <a:p>
-                      <a:pPr algn="ctr" rtl="0" fontAlgn="ctr"/>
-                      <a:r>
-                        <a:rPr lang="en-US" sz="1400" b="0" i="0" u="none" strike="noStrike">
-                          <a:solidFill>
-                            <a:srgbClr val="000000"/>
-                          </a:solidFill>
-                          <a:effectLst/>
-                          <a:latin typeface="Tw Cen MT" panose="020B0602020104020603" pitchFamily="34" charset="0"/>
-                        </a:rPr>
-                        <a:t>1</a:t>
-                      </a:r>
-                    </a:p>
-                  </a:txBody>
-                  <a:tcPr marL="3810" marR="3810" marT="3810" marB="0" anchor="ctr"/>
-                </a:tc>
-                <a:tc>
-                  <a:txBody>
-                    <a:bodyPr/>
-                    <a:lstStyle/>
-                    <a:p>
                       <a:pPr algn="ctr" fontAlgn="t"/>
                       <a:r>
                         <a:rPr lang="en-US" sz="1800" b="0" i="0" u="none" strike="noStrike">
@@ -22522,7 +22603,7 @@
                     <a:p>
                       <a:pPr algn="ctr" fontAlgn="t"/>
                       <a:r>
-                        <a:rPr lang="en-US" sz="1800" b="0" i="0" u="none" strike="noStrike">
+                        <a:rPr lang="en-US" sz="1800" b="0" i="0" u="none" strike="noStrike" dirty="0">
                           <a:solidFill>
                             <a:srgbClr val="000000"/>
                           </a:solidFill>
@@ -22549,6 +22630,26 @@
                     <a:p>
                       <a:pPr algn="l" rtl="0" fontAlgn="ctr"/>
                       <a:r>
+                        <a:rPr lang="en-US" sz="1400" b="0" i="0" u="none" strike="noStrike" dirty="0">
+                          <a:solidFill>
+                            <a:srgbClr val="000000"/>
+                          </a:solidFill>
+                          <a:effectLst/>
+                          <a:latin typeface="Tw Cen MT" panose="020B0602020104020603" pitchFamily="34" charset="0"/>
+                        </a:rPr>
+                        <a:t>Dallas/Forth Worth</a:t>
+                      </a:r>
+                    </a:p>
+                  </a:txBody>
+                  <a:tcPr marL="3810" marR="3810" marT="3810" marB="0" anchor="ctr"/>
+                </a:tc>
+                <a:tc>
+                  <a:txBody>
+                    <a:bodyPr/>
+                    <a:lstStyle/>
+                    <a:p>
+                      <a:pPr algn="ctr" rtl="0" fontAlgn="ctr"/>
+                      <a:r>
                         <a:rPr lang="en-US" sz="1400" b="0" i="0" u="none" strike="noStrike">
                           <a:solidFill>
                             <a:srgbClr val="000000"/>
@@ -22556,7 +22657,7 @@
                           <a:effectLst/>
                           <a:latin typeface="Tw Cen MT" panose="020B0602020104020603" pitchFamily="34" charset="0"/>
                         </a:rPr>
-                        <a:t>Dallas/Forth Worth</a:t>
+                        <a:t>DFW</a:t>
                       </a:r>
                     </a:p>
                   </a:txBody>
@@ -22567,6 +22668,42 @@
                     <a:bodyPr/>
                     <a:lstStyle/>
                     <a:p>
+                      <a:pPr marL="0" marR="0" lvl="0" indent="0" algn="ctr" defTabSz="914400" rtl="0" eaLnBrk="1" fontAlgn="ctr" latinLnBrk="0" hangingPunct="1">
+                        <a:lnSpc>
+                          <a:spcPct val="100000"/>
+                        </a:lnSpc>
+                        <a:spcBef>
+                          <a:spcPts val="0"/>
+                        </a:spcBef>
+                        <a:spcAft>
+                          <a:spcPts val="0"/>
+                        </a:spcAft>
+                        <a:buClrTx/>
+                        <a:buSzTx/>
+                        <a:buFontTx/>
+                        <a:buNone/>
+                        <a:tabLst/>
+                        <a:defRPr/>
+                      </a:pPr>
+                      <a:r>
+                        <a:rPr lang="en-US" sz="1400" b="0" i="0" u="none" strike="noStrike" dirty="0">
+                          <a:solidFill>
+                            <a:srgbClr val="000000"/>
+                          </a:solidFill>
+                          <a:effectLst/>
+                          <a:latin typeface="Tw Cen MT" panose="020B0602020104020603" pitchFamily="34" charset="0"/>
+                        </a:rPr>
+                        <a:t>South</a:t>
+                      </a:r>
+                    </a:p>
+                  </a:txBody>
+                  <a:tcPr marL="3810" marR="3810" marT="3810" marB="0" anchor="ctr"/>
+                </a:tc>
+                <a:tc>
+                  <a:txBody>
+                    <a:bodyPr/>
+                    <a:lstStyle/>
+                    <a:p>
                       <a:pPr algn="ctr" rtl="0" fontAlgn="ctr"/>
                       <a:r>
                         <a:rPr lang="en-US" sz="1400" b="0" i="0" u="none" strike="noStrike">
@@ -22576,7 +22713,7 @@
                           <a:effectLst/>
                           <a:latin typeface="Tw Cen MT" panose="020B0602020104020603" pitchFamily="34" charset="0"/>
                         </a:rPr>
-                        <a:t>DFW</a:t>
+                        <a:t>39</a:t>
                       </a:r>
                     </a:p>
                   </a:txBody>
@@ -22596,7 +22733,7 @@
                           <a:effectLst/>
                           <a:latin typeface="Tw Cen MT" panose="020B0602020104020603" pitchFamily="34" charset="0"/>
                         </a:rPr>
-                        <a:t>South Central</a:t>
+                        <a:t>35</a:t>
                       </a:r>
                     </a:p>
                   </a:txBody>
@@ -22607,109 +22744,69 @@
                     <a:bodyPr/>
                     <a:lstStyle/>
                     <a:p>
+                      <a:pPr algn="ctr" fontAlgn="t"/>
+                      <a:r>
+                        <a:rPr lang="en-US" sz="1800" b="0" i="0" u="none" strike="noStrike">
+                          <a:solidFill>
+                            <a:srgbClr val="000000"/>
+                          </a:solidFill>
+                          <a:effectLst/>
+                          <a:latin typeface="Arial" panose="020B0604020202020204" pitchFamily="34" charset="0"/>
+                        </a:rPr>
+                        <a:t> </a:t>
+                      </a:r>
+                    </a:p>
+                  </a:txBody>
+                  <a:tcPr marL="3810" marR="3810" marT="3810" marB="0"/>
+                </a:tc>
+                <a:tc>
+                  <a:txBody>
+                    <a:bodyPr/>
+                    <a:lstStyle/>
+                    <a:p>
+                      <a:pPr algn="ctr" fontAlgn="t"/>
+                      <a:r>
+                        <a:rPr lang="en-US" sz="1800" b="0" i="0" u="none" strike="noStrike">
+                          <a:solidFill>
+                            <a:srgbClr val="000000"/>
+                          </a:solidFill>
+                          <a:effectLst/>
+                          <a:latin typeface="Arial" panose="020B0604020202020204" pitchFamily="34" charset="0"/>
+                        </a:rPr>
+                        <a:t> </a:t>
+                      </a:r>
+                    </a:p>
+                  </a:txBody>
+                  <a:tcPr marL="3810" marR="3810" marT="3810" marB="0"/>
+                </a:tc>
+                <a:tc>
+                  <a:txBody>
+                    <a:bodyPr/>
+                    <a:lstStyle/>
+                    <a:p>
+                      <a:pPr algn="ctr" fontAlgn="t"/>
+                      <a:r>
+                        <a:rPr lang="en-US" sz="1800" b="0" i="0" u="none" strike="noStrike">
+                          <a:solidFill>
+                            <a:srgbClr val="000000"/>
+                          </a:solidFill>
+                          <a:effectLst/>
+                          <a:latin typeface="Arial" panose="020B0604020202020204" pitchFamily="34" charset="0"/>
+                        </a:rPr>
+                        <a:t> </a:t>
+                      </a:r>
+                    </a:p>
+                  </a:txBody>
+                  <a:tcPr marL="3810" marR="3810" marT="3810" marB="0"/>
+                </a:tc>
+                <a:tc>
+                  <a:txBody>
+                    <a:bodyPr/>
+                    <a:lstStyle/>
+                    <a:p>
                       <a:pPr algn="ctr" rtl="0" fontAlgn="ctr"/>
                       <a:r>
-                        <a:rPr lang="en-US" sz="1400" b="0" i="0" u="none" strike="noStrike">
-                          <a:solidFill>
-                            <a:srgbClr val="000000"/>
-                          </a:solidFill>
-                          <a:effectLst/>
-                          <a:latin typeface="Tw Cen MT" panose="020B0602020104020603" pitchFamily="34" charset="0"/>
-                        </a:rPr>
-                        <a:t>39</a:t>
-                      </a:r>
-                    </a:p>
-                  </a:txBody>
-                  <a:tcPr marL="3810" marR="3810" marT="3810" marB="0" anchor="ctr"/>
-                </a:tc>
-                <a:tc>
-                  <a:txBody>
-                    <a:bodyPr/>
-                    <a:lstStyle/>
-                    <a:p>
-                      <a:pPr algn="ctr" rtl="0" fontAlgn="ctr"/>
-                      <a:r>
-                        <a:rPr lang="en-US" sz="1400" b="0" i="0" u="none" strike="noStrike">
-                          <a:solidFill>
-                            <a:srgbClr val="000000"/>
-                          </a:solidFill>
-                          <a:effectLst/>
-                          <a:latin typeface="Tw Cen MT" panose="020B0602020104020603" pitchFamily="34" charset="0"/>
-                        </a:rPr>
-                        <a:t>35</a:t>
-                      </a:r>
-                    </a:p>
-                  </a:txBody>
-                  <a:tcPr marL="3810" marR="3810" marT="3810" marB="0" anchor="ctr"/>
-                </a:tc>
-                <a:tc>
-                  <a:txBody>
-                    <a:bodyPr/>
-                    <a:lstStyle/>
-                    <a:p>
-                      <a:pPr algn="ctr" fontAlgn="t"/>
-                      <a:r>
-                        <a:rPr lang="en-US" sz="1800" b="0" i="0" u="none" strike="noStrike">
-                          <a:solidFill>
-                            <a:srgbClr val="000000"/>
-                          </a:solidFill>
-                          <a:effectLst/>
-                          <a:latin typeface="Arial" panose="020B0604020202020204" pitchFamily="34" charset="0"/>
-                        </a:rPr>
-                        <a:t> </a:t>
-                      </a:r>
-                    </a:p>
-                  </a:txBody>
-                  <a:tcPr marL="3810" marR="3810" marT="3810" marB="0"/>
-                </a:tc>
-                <a:tc>
-                  <a:txBody>
-                    <a:bodyPr/>
-                    <a:lstStyle/>
-                    <a:p>
-                      <a:pPr algn="ctr" fontAlgn="t"/>
-                      <a:r>
-                        <a:rPr lang="en-US" sz="1800" b="0" i="0" u="none" strike="noStrike">
-                          <a:solidFill>
-                            <a:srgbClr val="000000"/>
-                          </a:solidFill>
-                          <a:effectLst/>
-                          <a:latin typeface="Arial" panose="020B0604020202020204" pitchFamily="34" charset="0"/>
-                        </a:rPr>
-                        <a:t> </a:t>
-                      </a:r>
-                    </a:p>
-                  </a:txBody>
-                  <a:tcPr marL="3810" marR="3810" marT="3810" marB="0"/>
-                </a:tc>
-                <a:tc>
-                  <a:txBody>
-                    <a:bodyPr/>
-                    <a:lstStyle/>
-                    <a:p>
-                      <a:pPr algn="ctr" fontAlgn="t"/>
-                      <a:r>
-                        <a:rPr lang="en-US" sz="1800" b="0" i="0" u="none" strike="noStrike">
-                          <a:solidFill>
-                            <a:srgbClr val="000000"/>
-                          </a:solidFill>
-                          <a:effectLst/>
-                          <a:latin typeface="Arial" panose="020B0604020202020204" pitchFamily="34" charset="0"/>
-                        </a:rPr>
-                        <a:t> </a:t>
-                      </a:r>
-                    </a:p>
-                  </a:txBody>
-                  <a:tcPr marL="3810" marR="3810" marT="3810" marB="0"/>
-                </a:tc>
-                <a:tc>
-                  <a:txBody>
-                    <a:bodyPr/>
-                    <a:lstStyle/>
-                    <a:p>
-                      <a:pPr algn="ctr" rtl="0" fontAlgn="ctr"/>
-                      <a:r>
-                        <a:rPr lang="en-US" sz="1400" b="0" i="0" u="none" strike="noStrike">
+                        <a:rPr lang="en-US" sz="1400" b="0" i="0" u="none" strike="noStrike" dirty="0">
                           <a:solidFill>
                             <a:srgbClr val="000000"/>
                           </a:solidFill>
@@ -22736,6 +22833,26 @@
                     <a:p>
                       <a:pPr algn="l" rtl="0" fontAlgn="ctr"/>
                       <a:r>
+                        <a:rPr lang="en-US" sz="1400" b="0" i="0" u="none" strike="noStrike" dirty="0">
+                          <a:solidFill>
+                            <a:srgbClr val="000000"/>
+                          </a:solidFill>
+                          <a:effectLst/>
+                          <a:latin typeface="Tw Cen MT" panose="020B0602020104020603" pitchFamily="34" charset="0"/>
+                        </a:rPr>
+                        <a:t>Houston</a:t>
+                      </a:r>
+                    </a:p>
+                  </a:txBody>
+                  <a:tcPr marL="3810" marR="3810" marT="3810" marB="0" anchor="ctr"/>
+                </a:tc>
+                <a:tc>
+                  <a:txBody>
+                    <a:bodyPr/>
+                    <a:lstStyle/>
+                    <a:p>
+                      <a:pPr algn="ctr" rtl="0" fontAlgn="ctr"/>
+                      <a:r>
                         <a:rPr lang="en-US" sz="1400" b="0" i="0" u="none" strike="noStrike">
                           <a:solidFill>
                             <a:srgbClr val="000000"/>
@@ -22743,7 +22860,7 @@
                           <a:effectLst/>
                           <a:latin typeface="Tw Cen MT" panose="020B0602020104020603" pitchFamily="34" charset="0"/>
                         </a:rPr>
-                        <a:t>Houston</a:t>
+                        <a:t>IAH</a:t>
                       </a:r>
                     </a:p>
                   </a:txBody>
@@ -22763,28 +22880,15 @@
                           <a:effectLst/>
                           <a:latin typeface="Tw Cen MT" panose="020B0602020104020603" pitchFamily="34" charset="0"/>
                         </a:rPr>
-                        <a:t>IAH</a:t>
-                      </a:r>
-                    </a:p>
-                  </a:txBody>
-                  <a:tcPr marL="3810" marR="3810" marT="3810" marB="0" anchor="ctr"/>
-                </a:tc>
-                <a:tc>
-                  <a:txBody>
-                    <a:bodyPr/>
-                    <a:lstStyle/>
-                    <a:p>
-                      <a:pPr algn="ctr" rtl="0" fontAlgn="ctr"/>
-                      <a:r>
-                        <a:rPr lang="en-US" sz="1400" b="0" i="0" u="none" strike="noStrike">
-                          <a:solidFill>
-                            <a:srgbClr val="000000"/>
-                          </a:solidFill>
-                          <a:effectLst/>
-                          <a:latin typeface="Tw Cen MT" panose="020B0602020104020603" pitchFamily="34" charset="0"/>
-                        </a:rPr>
-                        <a:t>South Central</a:t>
-                      </a:r>
+                        <a:t>South</a:t>
+                      </a:r>
+                      <a:endParaRPr lang="en-US" sz="1400" b="0" i="0" u="none" strike="noStrike" dirty="0">
+                        <a:solidFill>
+                          <a:srgbClr val="000000"/>
+                        </a:solidFill>
+                        <a:effectLst/>
+                        <a:latin typeface="Tw Cen MT" panose="020B0602020104020603" pitchFamily="34" charset="0"/>
+                      </a:endParaRPr>
                     </a:p>
                   </a:txBody>
                   <a:tcPr marL="3810" marR="3810" marT="3810" marB="0" anchor="ctr"/>
